--- a/slides/open id connect - share cookies.pptx
+++ b/slides/open id connect - share cookies.pptx
@@ -5,25 +5,24 @@
     <p:sldMasterId id="2147483648" r:id="rId1"/>
   </p:sldMasterIdLst>
   <p:notesMasterIdLst>
-    <p:notesMasterId r:id="rId18"/>
+    <p:notesMasterId r:id="rId17"/>
   </p:notesMasterIdLst>
   <p:sldIdLst>
     <p:sldId id="256" r:id="rId2"/>
     <p:sldId id="263" r:id="rId3"/>
     <p:sldId id="264" r:id="rId4"/>
-    <p:sldId id="266" r:id="rId5"/>
-    <p:sldId id="274" r:id="rId6"/>
-    <p:sldId id="257" r:id="rId7"/>
-    <p:sldId id="258" r:id="rId8"/>
-    <p:sldId id="269" r:id="rId9"/>
-    <p:sldId id="270" r:id="rId10"/>
-    <p:sldId id="271" r:id="rId11"/>
-    <p:sldId id="272" r:id="rId12"/>
-    <p:sldId id="273" r:id="rId13"/>
-    <p:sldId id="275" r:id="rId14"/>
-    <p:sldId id="276" r:id="rId15"/>
-    <p:sldId id="277" r:id="rId16"/>
-    <p:sldId id="265" r:id="rId17"/>
+    <p:sldId id="278" r:id="rId5"/>
+    <p:sldId id="257" r:id="rId6"/>
+    <p:sldId id="258" r:id="rId7"/>
+    <p:sldId id="269" r:id="rId8"/>
+    <p:sldId id="270" r:id="rId9"/>
+    <p:sldId id="271" r:id="rId10"/>
+    <p:sldId id="272" r:id="rId11"/>
+    <p:sldId id="273" r:id="rId12"/>
+    <p:sldId id="275" r:id="rId13"/>
+    <p:sldId id="276" r:id="rId14"/>
+    <p:sldId id="277" r:id="rId15"/>
+    <p:sldId id="265" r:id="rId16"/>
   </p:sldIdLst>
   <p:sldSz cx="12192000" cy="6858000"/>
   <p:notesSz cx="6858000" cy="9144000"/>
@@ -160,8 +159,7 @@
             <p14:sldId id="256"/>
             <p14:sldId id="263"/>
             <p14:sldId id="264"/>
-            <p14:sldId id="266"/>
-            <p14:sldId id="274"/>
+            <p14:sldId id="278"/>
             <p14:sldId id="257"/>
             <p14:sldId id="258"/>
             <p14:sldId id="269"/>
@@ -178,7 +176,7 @@
       </p14:sectionLst>
     </p:ext>
     <p:ext uri="{EFAFB233-063F-42B5-8137-9DF3F51BA10A}">
-      <p15:sldGuideLst xmlns="" xmlns:p15="http://schemas.microsoft.com/office/powerpoint/2012/main">
+      <p15:sldGuideLst xmlns:p15="http://schemas.microsoft.com/office/powerpoint/2012/main" xmlns="">
         <p15:guide id="1" orient="horz" pos="2160" userDrawn="1">
           <p15:clr>
             <a:srgbClr val="A4A3A4"/>
@@ -304,7 +302,7 @@
               <a:pPr>
                 <a:defRPr/>
               </a:pPr>
-              <a:t>30.04.2017</a:t>
+              <a:t>01.05.2017</a:t>
             </a:fld>
             <a:endParaRPr lang="de-DE"/>
           </a:p>
@@ -2692,7 +2690,7 @@
           <a:p>
             <a:r>
               <a:rPr lang="en-US" sz="4000" b="1" dirty="0" smtClean="0"/>
-              <a:t>OpenID Connect – </a:t>
+              <a:t>Authentication </a:t>
             </a:r>
             <a:r>
               <a:rPr lang="en-US" sz="4000" b="1" dirty="0" err="1" smtClean="0"/>
@@ -2708,7 +2706,11 @@
             </a:r>
             <a:r>
               <a:rPr lang="en-US" sz="4000" b="1" dirty="0" smtClean="0"/>
-              <a:t> ASP.NET und ASP.NET Core</a:t>
+              <a:t> ASP.NET und ASP.NET </a:t>
+            </a:r>
+            <a:r>
+              <a:rPr lang="en-US" sz="4000" b="1" dirty="0" smtClean="0"/>
+              <a:t>Core</a:t>
             </a:r>
             <a:endParaRPr lang="de-DE" sz="4000" dirty="0"/>
           </a:p>
@@ -2796,774 +2798,7 @@
           <a:p>
             <a:r>
               <a:rPr lang="de-DE" dirty="0" smtClean="0"/>
-              <a:t>Cookie Secure Option angleichen</a:t>
-            </a:r>
-            <a:endParaRPr lang="de-DE" dirty="0"/>
-          </a:p>
-        </p:txBody>
-      </p:sp>
-      <p:sp>
-        <p:nvSpPr>
-          <p:cNvPr id="4" name="Inhaltsplatzhalter 2"/>
-          <p:cNvSpPr>
-            <a:spLocks noGrp="1"/>
-          </p:cNvSpPr>
-          <p:nvPr>
-            <p:ph idx="1"/>
-          </p:nvPr>
-        </p:nvSpPr>
-        <p:spPr>
-          <a:xfrm>
-            <a:off x="695401" y="1296144"/>
-            <a:ext cx="10829888" cy="5589240"/>
-          </a:xfrm>
-        </p:spPr>
-        <p:txBody>
-          <a:bodyPr/>
-          <a:lstStyle/>
-          <a:p>
-            <a:pPr marL="0" indent="0">
-              <a:buNone/>
-            </a:pPr>
-            <a:r>
-              <a:rPr lang="de-DE" dirty="0" smtClean="0"/>
-              <a:t>damit beide Frameworks vom gleichen ausgehen</a:t>
-            </a:r>
-            <a:r>
-              <a:rPr lang="de-DE" dirty="0" smtClean="0"/>
-              <a:t>:</a:t>
-            </a:r>
-          </a:p>
-          <a:p>
-            <a:pPr marL="0" indent="0">
-              <a:buNone/>
-            </a:pPr>
-            <a:r>
-              <a:rPr lang="de-DE" dirty="0" smtClean="0"/>
-              <a:t>ASP.NET </a:t>
-            </a:r>
-            <a:r>
-              <a:rPr lang="de-DE" dirty="0"/>
-              <a:t>Core</a:t>
-            </a:r>
-            <a:br>
-              <a:rPr lang="de-DE" dirty="0"/>
-            </a:br>
-            <a:r>
-              <a:rPr lang="de-DE" sz="1000" dirty="0"/>
-              <a:t/>
-            </a:r>
-            <a:br>
-              <a:rPr lang="de-DE" sz="1000" dirty="0"/>
-            </a:br>
-            <a:r>
-              <a:rPr lang="de-DE" sz="2000" dirty="0" err="1">
-                <a:solidFill>
-                  <a:srgbClr val="000000"/>
-                </a:solidFill>
-                <a:latin typeface="Consolas"/>
-              </a:rPr>
-              <a:t>app.UseCookieAuthentication</a:t>
-            </a:r>
-            <a:r>
-              <a:rPr lang="de-DE" sz="2000" dirty="0">
-                <a:solidFill>
-                  <a:srgbClr val="000000"/>
-                </a:solidFill>
-                <a:latin typeface="Consolas"/>
-              </a:rPr>
-              <a:t>(</a:t>
-            </a:r>
-            <a:r>
-              <a:rPr lang="de-DE" sz="2000" dirty="0" err="1">
-                <a:solidFill>
-                  <a:srgbClr val="0000FF"/>
-                </a:solidFill>
-                <a:latin typeface="Consolas"/>
-              </a:rPr>
-              <a:t>new</a:t>
-            </a:r>
-            <a:r>
-              <a:rPr lang="de-DE" sz="2000" dirty="0">
-                <a:solidFill>
-                  <a:srgbClr val="000000"/>
-                </a:solidFill>
-                <a:latin typeface="Consolas"/>
-              </a:rPr>
-              <a:t> </a:t>
-            </a:r>
-            <a:r>
-              <a:rPr lang="de-DE" sz="2000" dirty="0" err="1">
-                <a:solidFill>
-                  <a:srgbClr val="0000FF"/>
-                </a:solidFill>
-                <a:latin typeface="Consolas"/>
-              </a:rPr>
-              <a:t>CookieAuthenticationOptions</a:t>
-            </a:r>
-            <a:r>
-              <a:rPr lang="de-DE" sz="2000" dirty="0">
-                <a:solidFill>
-                  <a:srgbClr val="000000"/>
-                </a:solidFill>
-                <a:latin typeface="Consolas"/>
-              </a:rPr>
-              <a:t> </a:t>
-            </a:r>
-            <a:r>
-              <a:rPr lang="de-DE" sz="2000" dirty="0">
-                <a:solidFill>
-                  <a:srgbClr val="000000"/>
-                </a:solidFill>
-                <a:latin typeface="Consolas"/>
-              </a:rPr>
-              <a:t>{</a:t>
-            </a:r>
-            <a:br>
-              <a:rPr lang="de-DE" sz="2000" dirty="0">
-                <a:solidFill>
-                  <a:srgbClr val="000000"/>
-                </a:solidFill>
-                <a:latin typeface="Consolas"/>
-              </a:rPr>
-            </a:br>
-            <a:r>
-              <a:rPr lang="de-DE" sz="2000" dirty="0">
-                <a:solidFill>
-                  <a:srgbClr val="000000"/>
-                </a:solidFill>
-                <a:latin typeface="Consolas"/>
-              </a:rPr>
-              <a:t> </a:t>
-            </a:r>
-            <a:r>
-              <a:rPr lang="de-DE" sz="2000" dirty="0" smtClean="0">
-                <a:solidFill>
-                  <a:srgbClr val="000000"/>
-                </a:solidFill>
-                <a:latin typeface="Consolas"/>
-              </a:rPr>
-              <a:t> </a:t>
-            </a:r>
-            <a:r>
-              <a:rPr lang="de-DE" sz="2000" dirty="0" smtClean="0">
-                <a:solidFill>
-                  <a:srgbClr val="008000"/>
-                </a:solidFill>
-                <a:latin typeface="Consolas"/>
-              </a:rPr>
-              <a:t>//…</a:t>
-            </a:r>
-            <a:r>
-              <a:rPr lang="de-DE" sz="2000" dirty="0">
-                <a:solidFill>
-                  <a:srgbClr val="008000"/>
-                </a:solidFill>
-                <a:latin typeface="Consolas"/>
-              </a:rPr>
-              <a:t/>
-            </a:r>
-            <a:br>
-              <a:rPr lang="de-DE" sz="2000" dirty="0">
-                <a:solidFill>
-                  <a:srgbClr val="008000"/>
-                </a:solidFill>
-                <a:latin typeface="Consolas"/>
-              </a:rPr>
-            </a:br>
-            <a:r>
-              <a:rPr lang="de-DE" sz="2000" dirty="0" smtClean="0">
-                <a:solidFill>
-                  <a:srgbClr val="000000"/>
-                </a:solidFill>
-                <a:latin typeface="Consolas"/>
-              </a:rPr>
-              <a:t>  </a:t>
-            </a:r>
-            <a:r>
-              <a:rPr lang="de-DE" sz="2000" dirty="0" err="1"/>
-              <a:t>CookieSecure</a:t>
-            </a:r>
-            <a:r>
-              <a:rPr lang="de-DE" sz="2000" dirty="0"/>
-              <a:t> = </a:t>
-            </a:r>
-            <a:r>
-              <a:rPr lang="de-DE" sz="2000" dirty="0" err="1"/>
-              <a:t>Microsoft.AspNetCore.Http.CookieSecurePolicy.Always</a:t>
-            </a:r>
-            <a:r>
-              <a:rPr lang="de-DE" sz="2000" dirty="0" smtClean="0">
-                <a:solidFill>
-                  <a:srgbClr val="A31515"/>
-                </a:solidFill>
-                <a:latin typeface="Consolas"/>
-              </a:rPr>
-              <a:t>,</a:t>
-            </a:r>
-            <a:br>
-              <a:rPr lang="de-DE" sz="2000" dirty="0" smtClean="0">
-                <a:solidFill>
-                  <a:srgbClr val="A31515"/>
-                </a:solidFill>
-                <a:latin typeface="Consolas"/>
-              </a:rPr>
-            </a:br>
-            <a:r>
-              <a:rPr lang="de-DE" sz="2000" dirty="0">
-                <a:solidFill>
-                  <a:srgbClr val="000000"/>
-                </a:solidFill>
-                <a:latin typeface="Consolas"/>
-              </a:rPr>
-              <a:t> </a:t>
-            </a:r>
-            <a:r>
-              <a:rPr lang="de-DE" sz="2000" dirty="0" smtClean="0">
-                <a:solidFill>
-                  <a:srgbClr val="000000"/>
-                </a:solidFill>
-                <a:latin typeface="Consolas"/>
-              </a:rPr>
-              <a:t> </a:t>
-            </a:r>
-            <a:r>
-              <a:rPr lang="de-DE" sz="2000" dirty="0" smtClean="0">
-                <a:solidFill>
-                  <a:srgbClr val="008000"/>
-                </a:solidFill>
-                <a:latin typeface="Consolas"/>
-              </a:rPr>
-              <a:t>//…</a:t>
-            </a:r>
-            <a:r>
-              <a:rPr lang="de-DE" sz="2000" dirty="0">
-                <a:solidFill>
-                  <a:srgbClr val="008000"/>
-                </a:solidFill>
-                <a:latin typeface="Consolas"/>
-              </a:rPr>
-              <a:t/>
-            </a:r>
-            <a:br>
-              <a:rPr lang="de-DE" sz="2000" dirty="0">
-                <a:solidFill>
-                  <a:srgbClr val="008000"/>
-                </a:solidFill>
-                <a:latin typeface="Consolas"/>
-              </a:rPr>
-            </a:br>
-            <a:r>
-              <a:rPr lang="de-DE" sz="2000" dirty="0">
-                <a:solidFill>
-                  <a:srgbClr val="000000"/>
-                </a:solidFill>
-                <a:latin typeface="Consolas"/>
-              </a:rPr>
-              <a:t>});</a:t>
-            </a:r>
-            <a:endParaRPr lang="de-DE" sz="2000" dirty="0">
-              <a:solidFill>
-                <a:srgbClr val="A31515"/>
-              </a:solidFill>
-              <a:latin typeface="Consolas"/>
-            </a:endParaRPr>
-          </a:p>
-          <a:p>
-            <a:pPr marL="0" indent="0">
-              <a:buNone/>
-            </a:pPr>
-            <a:r>
-              <a:rPr lang="de-DE" dirty="0" smtClean="0"/>
-              <a:t>ASP.NET</a:t>
-            </a:r>
-            <a:br>
-              <a:rPr lang="de-DE" dirty="0" smtClean="0"/>
-            </a:br>
-            <a:r>
-              <a:rPr lang="de-DE" sz="1000" dirty="0" smtClean="0"/>
-              <a:t/>
-            </a:r>
-            <a:br>
-              <a:rPr lang="de-DE" sz="1000" dirty="0" smtClean="0"/>
-            </a:br>
-            <a:r>
-              <a:rPr lang="de-DE" sz="2000" dirty="0" err="1" smtClean="0">
-                <a:solidFill>
-                  <a:srgbClr val="000000"/>
-                </a:solidFill>
-                <a:latin typeface="Consolas"/>
-              </a:rPr>
-              <a:t>app.UseCookieAuthentication</a:t>
-            </a:r>
-            <a:r>
-              <a:rPr lang="de-DE" sz="2000" dirty="0" smtClean="0">
-                <a:solidFill>
-                  <a:srgbClr val="000000"/>
-                </a:solidFill>
-                <a:latin typeface="Consolas"/>
-              </a:rPr>
-              <a:t>( </a:t>
-            </a:r>
-            <a:r>
-              <a:rPr lang="de-DE" sz="2000" dirty="0" err="1" smtClean="0">
-                <a:solidFill>
-                  <a:srgbClr val="0000FF"/>
-                </a:solidFill>
-                <a:latin typeface="Consolas"/>
-              </a:rPr>
-              <a:t>new</a:t>
-            </a:r>
-            <a:r>
-              <a:rPr lang="de-DE" sz="2000" dirty="0" smtClean="0">
-                <a:solidFill>
-                  <a:srgbClr val="000000"/>
-                </a:solidFill>
-                <a:latin typeface="Consolas"/>
-              </a:rPr>
-              <a:t> </a:t>
-            </a:r>
-            <a:r>
-              <a:rPr lang="de-DE" sz="2000" dirty="0" err="1" smtClean="0">
-                <a:solidFill>
-                  <a:srgbClr val="0000FF"/>
-                </a:solidFill>
-                <a:latin typeface="Consolas"/>
-              </a:rPr>
-              <a:t>CookieAuthenticationOptions</a:t>
-            </a:r>
-            <a:r>
-              <a:rPr lang="de-DE" sz="2000" dirty="0" smtClean="0">
-                <a:solidFill>
-                  <a:srgbClr val="000000"/>
-                </a:solidFill>
-                <a:latin typeface="Consolas"/>
-              </a:rPr>
-              <a:t> </a:t>
-            </a:r>
-            <a:r>
-              <a:rPr lang="de-DE" sz="2000" dirty="0">
-                <a:solidFill>
-                  <a:srgbClr val="000000"/>
-                </a:solidFill>
-                <a:latin typeface="Consolas"/>
-              </a:rPr>
-              <a:t>{</a:t>
-            </a:r>
-            <a:br>
-              <a:rPr lang="de-DE" sz="2000" dirty="0">
-                <a:solidFill>
-                  <a:srgbClr val="000000"/>
-                </a:solidFill>
-                <a:latin typeface="Consolas"/>
-              </a:rPr>
-            </a:br>
-            <a:r>
-              <a:rPr lang="de-DE" sz="2000" dirty="0">
-                <a:solidFill>
-                  <a:srgbClr val="000000"/>
-                </a:solidFill>
-                <a:latin typeface="Consolas"/>
-              </a:rPr>
-              <a:t> </a:t>
-            </a:r>
-            <a:r>
-              <a:rPr lang="de-DE" sz="2000" dirty="0" smtClean="0">
-                <a:solidFill>
-                  <a:srgbClr val="000000"/>
-                </a:solidFill>
-                <a:latin typeface="Consolas"/>
-              </a:rPr>
-              <a:t> </a:t>
-            </a:r>
-            <a:r>
-              <a:rPr lang="de-DE" sz="2000" dirty="0" smtClean="0">
-                <a:solidFill>
-                  <a:srgbClr val="008000"/>
-                </a:solidFill>
-                <a:latin typeface="Consolas"/>
-              </a:rPr>
-              <a:t>//…</a:t>
-            </a:r>
-            <a:r>
-              <a:rPr lang="de-DE" sz="2000" dirty="0">
-                <a:solidFill>
-                  <a:srgbClr val="008000"/>
-                </a:solidFill>
-                <a:latin typeface="Consolas"/>
-              </a:rPr>
-              <a:t/>
-            </a:r>
-            <a:br>
-              <a:rPr lang="de-DE" sz="2000" dirty="0">
-                <a:solidFill>
-                  <a:srgbClr val="008000"/>
-                </a:solidFill>
-                <a:latin typeface="Consolas"/>
-              </a:rPr>
-            </a:br>
-            <a:r>
-              <a:rPr lang="de-DE" sz="2000" dirty="0" smtClean="0">
-                <a:solidFill>
-                  <a:srgbClr val="000000"/>
-                </a:solidFill>
-                <a:latin typeface="Consolas"/>
-              </a:rPr>
-              <a:t>  </a:t>
-            </a:r>
-            <a:r>
-              <a:rPr lang="de-DE" sz="2000" dirty="0" err="1"/>
-              <a:t>CookieSecure</a:t>
-            </a:r>
-            <a:r>
-              <a:rPr lang="de-DE" sz="2000" dirty="0"/>
-              <a:t> = </a:t>
-            </a:r>
-            <a:r>
-              <a:rPr lang="de-DE" sz="2000" dirty="0" err="1" smtClean="0"/>
-              <a:t>CookieSecureOption.Always</a:t>
-            </a:r>
-            <a:r>
-              <a:rPr lang="de-DE" sz="2000" dirty="0" smtClean="0">
-                <a:solidFill>
-                  <a:srgbClr val="A31515"/>
-                </a:solidFill>
-                <a:latin typeface="Consolas"/>
-              </a:rPr>
-              <a:t>,</a:t>
-            </a:r>
-            <a:br>
-              <a:rPr lang="de-DE" sz="2000" dirty="0" smtClean="0">
-                <a:solidFill>
-                  <a:srgbClr val="A31515"/>
-                </a:solidFill>
-                <a:latin typeface="Consolas"/>
-              </a:rPr>
-            </a:br>
-            <a:r>
-              <a:rPr lang="de-DE" sz="2000" dirty="0" smtClean="0">
-                <a:solidFill>
-                  <a:srgbClr val="A31515"/>
-                </a:solidFill>
-                <a:latin typeface="Consolas"/>
-              </a:rPr>
-              <a:t> </a:t>
-            </a:r>
-            <a:r>
-              <a:rPr lang="de-DE" sz="2000" dirty="0" smtClean="0">
-                <a:solidFill>
-                  <a:srgbClr val="000000"/>
-                </a:solidFill>
-                <a:latin typeface="Consolas"/>
-              </a:rPr>
-              <a:t> </a:t>
-            </a:r>
-            <a:r>
-              <a:rPr lang="de-DE" sz="2000" dirty="0">
-                <a:solidFill>
-                  <a:srgbClr val="008000"/>
-                </a:solidFill>
-                <a:latin typeface="Consolas"/>
-              </a:rPr>
-              <a:t>//…</a:t>
-            </a:r>
-            <a:br>
-              <a:rPr lang="de-DE" sz="2000" dirty="0">
-                <a:solidFill>
-                  <a:srgbClr val="008000"/>
-                </a:solidFill>
-                <a:latin typeface="Consolas"/>
-              </a:rPr>
-            </a:br>
-            <a:r>
-              <a:rPr lang="de-DE" sz="2000" dirty="0">
-                <a:solidFill>
-                  <a:srgbClr val="000000"/>
-                </a:solidFill>
-                <a:latin typeface="Consolas"/>
-              </a:rPr>
-              <a:t>});</a:t>
-            </a:r>
-            <a:endParaRPr lang="de-DE" sz="2000" dirty="0"/>
-          </a:p>
-        </p:txBody>
-      </p:sp>
-    </p:spTree>
-    <p:extLst>
-      <p:ext uri="{BB962C8B-B14F-4D97-AF65-F5344CB8AC3E}">
-        <p14:creationId xmlns:p14="http://schemas.microsoft.com/office/powerpoint/2010/main" val="1672474925"/>
-      </p:ext>
-    </p:extLst>
-  </p:cSld>
-  <p:clrMapOvr>
-    <a:masterClrMapping/>
-  </p:clrMapOvr>
-  <p:timing>
-    <p:tnLst>
-      <p:par>
-        <p:cTn id="1" dur="indefinite" restart="never" nodeType="tmRoot">
-          <p:childTnLst>
-            <p:seq concurrent="1" nextAc="seek">
-              <p:cTn id="2" dur="indefinite" nodeType="mainSeq">
-                <p:childTnLst>
-                  <p:par>
-                    <p:cTn id="3" fill="hold">
-                      <p:stCondLst>
-                        <p:cond delay="indefinite"/>
-                        <p:cond evt="onBegin" delay="0">
-                          <p:tn val="2"/>
-                        </p:cond>
-                      </p:stCondLst>
-                      <p:childTnLst>
-                        <p:par>
-                          <p:cTn id="4" fill="hold">
-                            <p:stCondLst>
-                              <p:cond delay="0"/>
-                            </p:stCondLst>
-                            <p:childTnLst>
-                              <p:par>
-                                <p:cTn id="5" presetID="10" presetClass="entr" presetSubtype="0" fill="hold" nodeType="withEffect">
-                                  <p:stCondLst>
-                                    <p:cond delay="0"/>
-                                  </p:stCondLst>
-                                  <p:childTnLst>
-                                    <p:set>
-                                      <p:cBhvr>
-                                        <p:cTn id="6" dur="1" fill="hold">
-                                          <p:stCondLst>
-                                            <p:cond delay="0"/>
-                                          </p:stCondLst>
-                                        </p:cTn>
-                                        <p:tgtEl>
-                                          <p:spTgt spid="4">
-                                            <p:txEl>
-                                              <p:pRg st="0" end="0"/>
-                                            </p:txEl>
-                                          </p:spTgt>
-                                        </p:tgtEl>
-                                        <p:attrNameLst>
-                                          <p:attrName>style.visibility</p:attrName>
-                                        </p:attrNameLst>
-                                      </p:cBhvr>
-                                      <p:to>
-                                        <p:strVal val="visible"/>
-                                      </p:to>
-                                    </p:set>
-                                    <p:animEffect transition="in" filter="fade">
-                                      <p:cBhvr>
-                                        <p:cTn id="7" dur="500"/>
-                                        <p:tgtEl>
-                                          <p:spTgt spid="4">
-                                            <p:txEl>
-                                              <p:pRg st="0" end="0"/>
-                                            </p:txEl>
-                                          </p:spTgt>
-                                        </p:tgtEl>
-                                      </p:cBhvr>
-                                    </p:animEffect>
-                                  </p:childTnLst>
-                                </p:cTn>
-                              </p:par>
-                            </p:childTnLst>
-                          </p:cTn>
-                        </p:par>
-                      </p:childTnLst>
-                    </p:cTn>
-                  </p:par>
-                  <p:par>
-                    <p:cTn id="8" fill="hold">
-                      <p:stCondLst>
-                        <p:cond delay="indefinite"/>
-                      </p:stCondLst>
-                      <p:childTnLst>
-                        <p:par>
-                          <p:cTn id="9" fill="hold">
-                            <p:stCondLst>
-                              <p:cond delay="0"/>
-                            </p:stCondLst>
-                            <p:childTnLst>
-                              <p:par>
-                                <p:cTn id="10" presetID="10" presetClass="entr" presetSubtype="0" fill="hold" nodeType="clickEffect">
-                                  <p:stCondLst>
-                                    <p:cond delay="0"/>
-                                  </p:stCondLst>
-                                  <p:childTnLst>
-                                    <p:set>
-                                      <p:cBhvr>
-                                        <p:cTn id="11" dur="1" fill="hold">
-                                          <p:stCondLst>
-                                            <p:cond delay="0"/>
-                                          </p:stCondLst>
-                                        </p:cTn>
-                                        <p:tgtEl>
-                                          <p:spTgt spid="4">
-                                            <p:txEl>
-                                              <p:pRg st="1" end="1"/>
-                                            </p:txEl>
-                                          </p:spTgt>
-                                        </p:tgtEl>
-                                        <p:attrNameLst>
-                                          <p:attrName>style.visibility</p:attrName>
-                                        </p:attrNameLst>
-                                      </p:cBhvr>
-                                      <p:to>
-                                        <p:strVal val="visible"/>
-                                      </p:to>
-                                    </p:set>
-                                    <p:animEffect transition="in" filter="fade">
-                                      <p:cBhvr>
-                                        <p:cTn id="12" dur="500"/>
-                                        <p:tgtEl>
-                                          <p:spTgt spid="4">
-                                            <p:txEl>
-                                              <p:pRg st="1" end="1"/>
-                                            </p:txEl>
-                                          </p:spTgt>
-                                        </p:tgtEl>
-                                      </p:cBhvr>
-                                    </p:animEffect>
-                                  </p:childTnLst>
-                                </p:cTn>
-                              </p:par>
-                            </p:childTnLst>
-                          </p:cTn>
-                        </p:par>
-                      </p:childTnLst>
-                    </p:cTn>
-                  </p:par>
-                  <p:par>
-                    <p:cTn id="13" fill="hold">
-                      <p:stCondLst>
-                        <p:cond delay="indefinite"/>
-                      </p:stCondLst>
-                      <p:childTnLst>
-                        <p:par>
-                          <p:cTn id="14" fill="hold">
-                            <p:stCondLst>
-                              <p:cond delay="0"/>
-                            </p:stCondLst>
-                            <p:childTnLst>
-                              <p:par>
-                                <p:cTn id="15" presetID="10" presetClass="entr" presetSubtype="0" fill="hold" nodeType="clickEffect">
-                                  <p:stCondLst>
-                                    <p:cond delay="0"/>
-                                  </p:stCondLst>
-                                  <p:childTnLst>
-                                    <p:set>
-                                      <p:cBhvr>
-                                        <p:cTn id="16" dur="1" fill="hold">
-                                          <p:stCondLst>
-                                            <p:cond delay="0"/>
-                                          </p:stCondLst>
-                                        </p:cTn>
-                                        <p:tgtEl>
-                                          <p:spTgt spid="4">
-                                            <p:txEl>
-                                              <p:pRg st="2" end="2"/>
-                                            </p:txEl>
-                                          </p:spTgt>
-                                        </p:tgtEl>
-                                        <p:attrNameLst>
-                                          <p:attrName>style.visibility</p:attrName>
-                                        </p:attrNameLst>
-                                      </p:cBhvr>
-                                      <p:to>
-                                        <p:strVal val="visible"/>
-                                      </p:to>
-                                    </p:set>
-                                    <p:animEffect transition="in" filter="fade">
-                                      <p:cBhvr>
-                                        <p:cTn id="17" dur="500"/>
-                                        <p:tgtEl>
-                                          <p:spTgt spid="4">
-                                            <p:txEl>
-                                              <p:pRg st="2" end="2"/>
-                                            </p:txEl>
-                                          </p:spTgt>
-                                        </p:tgtEl>
-                                      </p:cBhvr>
-                                    </p:animEffect>
-                                  </p:childTnLst>
-                                </p:cTn>
-                              </p:par>
-                            </p:childTnLst>
-                          </p:cTn>
-                        </p:par>
-                      </p:childTnLst>
-                    </p:cTn>
-                  </p:par>
-                </p:childTnLst>
-              </p:cTn>
-              <p:prevCondLst>
-                <p:cond evt="onPrev" delay="0">
-                  <p:tgtEl>
-                    <p:sldTgt/>
-                  </p:tgtEl>
-                </p:cond>
-              </p:prevCondLst>
-              <p:nextCondLst>
-                <p:cond evt="onNext" delay="0">
-                  <p:tgtEl>
-                    <p:sldTgt/>
-                  </p:tgtEl>
-                </p:cond>
-              </p:nextCondLst>
-            </p:seq>
-          </p:childTnLst>
-        </p:cTn>
-      </p:par>
-    </p:tnLst>
-  </p:timing>
-</p:sld>
-</file>
-
-<file path=ppt/slides/slide11.xml><?xml version="1.0" encoding="utf-8"?>
-<p:sld xmlns:a="http://schemas.openxmlformats.org/drawingml/2006/main" xmlns:r="http://schemas.openxmlformats.org/officeDocument/2006/relationships" xmlns:p="http://schemas.openxmlformats.org/presentationml/2006/main">
-  <p:cSld>
-    <p:spTree>
-      <p:nvGrpSpPr>
-        <p:cNvPr id="1" name=""/>
-        <p:cNvGrpSpPr/>
-        <p:nvPr/>
-      </p:nvGrpSpPr>
-      <p:grpSpPr>
-        <a:xfrm>
-          <a:off x="0" y="0"/>
-          <a:ext cx="0" cy="0"/>
-          <a:chOff x="0" y="0"/>
-          <a:chExt cx="0" cy="0"/>
-        </a:xfrm>
-      </p:grpSpPr>
-      <p:sp>
-        <p:nvSpPr>
-          <p:cNvPr id="2" name="Titel 1"/>
-          <p:cNvSpPr>
-            <a:spLocks noGrp="1"/>
-          </p:cNvSpPr>
-          <p:nvPr>
-            <p:ph type="title"/>
-          </p:nvPr>
-        </p:nvSpPr>
-        <p:spPr/>
-        <p:txBody>
-          <a:bodyPr/>
-          <a:lstStyle/>
-          <a:p>
-            <a:r>
-              <a:rPr lang="de-DE" dirty="0" smtClean="0"/>
-              <a:t>Cookie </a:t>
-            </a:r>
-            <a:r>
-              <a:rPr lang="de-DE" dirty="0" smtClean="0"/>
-              <a:t>Manager</a:t>
-            </a:r>
-            <a:r>
-              <a:rPr lang="de-DE" dirty="0" smtClean="0"/>
-              <a:t> </a:t>
-            </a:r>
-            <a:r>
-              <a:rPr lang="de-DE" dirty="0" smtClean="0"/>
-              <a:t>anpassen</a:t>
+              <a:t>Cookie Manager anpassen</a:t>
             </a:r>
             <a:endParaRPr lang="de-DE" dirty="0"/>
           </a:p>
@@ -3589,11 +2824,7 @@
             </a:pPr>
             <a:r>
               <a:rPr lang="de-DE" dirty="0" smtClean="0"/>
-              <a:t>ASP.NET Core benutzt </a:t>
-            </a:r>
-            <a:r>
-              <a:rPr lang="de-DE" dirty="0" smtClean="0"/>
-              <a:t>einen </a:t>
+              <a:t>ASP.NET Core benutzt einen </a:t>
             </a:r>
             <a:r>
               <a:rPr lang="de-DE" dirty="0" err="1" smtClean="0"/>
@@ -3608,15 +2839,7 @@
             </a:br>
             <a:r>
               <a:rPr lang="de-DE" dirty="0" smtClean="0"/>
-              <a:t>Damit </a:t>
-            </a:r>
-            <a:r>
-              <a:rPr lang="de-DE" dirty="0" smtClean="0"/>
-              <a:t>ASP.NET diese "verstehen kann, muss man </a:t>
-            </a:r>
-            <a:r>
-              <a:rPr lang="de-DE" dirty="0" smtClean="0"/>
-              <a:t>folgendes tun:</a:t>
+              <a:t>Damit ASP.NET diese "verstehen kann, muss man folgendes tun:</a:t>
             </a:r>
           </a:p>
           <a:p>
@@ -3627,10 +2850,6 @@
               <a:rPr lang="de-DE" dirty="0" smtClean="0"/>
               <a:t>ASP.NET</a:t>
             </a:r>
-            <a:r>
-              <a:rPr lang="de-DE" dirty="0" smtClean="0"/>
-              <a:t/>
-            </a:r>
             <a:br>
               <a:rPr lang="de-DE" dirty="0" smtClean="0"/>
             </a:br>
@@ -3652,11 +2871,7 @@
             </a:r>
             <a:r>
               <a:rPr lang="de-DE" sz="2000" dirty="0" smtClean="0"/>
-              <a:t>" </a:t>
-            </a:r>
-            <a:r>
-              <a:rPr lang="de-DE" sz="2000" dirty="0" smtClean="0"/>
-              <a:t>hinzufügen</a:t>
+              <a:t>" hinzufügen</a:t>
             </a:r>
           </a:p>
           <a:p>
@@ -4114,7 +3329,7 @@
 </p:sld>
 </file>
 
-<file path=ppt/slides/slide12.xml><?xml version="1.0" encoding="utf-8"?>
+<file path=ppt/slides/slide11.xml><?xml version="1.0" encoding="utf-8"?>
 <p:sld xmlns:a="http://schemas.openxmlformats.org/drawingml/2006/main" xmlns:r="http://schemas.openxmlformats.org/officeDocument/2006/relationships" xmlns:p="http://schemas.openxmlformats.org/presentationml/2006/main">
   <p:cSld>
     <p:spTree>
@@ -4799,7 +4014,7 @@
 </p:sld>
 </file>
 
-<file path=ppt/slides/slide13.xml><?xml version="1.0" encoding="utf-8"?>
+<file path=ppt/slides/slide12.xml><?xml version="1.0" encoding="utf-8"?>
 <p:sld xmlns:a="http://schemas.openxmlformats.org/drawingml/2006/main" xmlns:r="http://schemas.openxmlformats.org/officeDocument/2006/relationships" xmlns:p="http://schemas.openxmlformats.org/presentationml/2006/main">
   <p:cSld>
     <p:spTree>
@@ -5674,7 +4889,7 @@
 </p:sld>
 </file>
 
-<file path=ppt/slides/slide14.xml><?xml version="1.0" encoding="utf-8"?>
+<file path=ppt/slides/slide13.xml><?xml version="1.0" encoding="utf-8"?>
 <p:sld xmlns:a="http://schemas.openxmlformats.org/drawingml/2006/main" xmlns:r="http://schemas.openxmlformats.org/officeDocument/2006/relationships" xmlns:p="http://schemas.openxmlformats.org/presentationml/2006/main">
   <p:cSld>
     <p:spTree>
@@ -5737,6 +4952,85 @@
     <p:extLst>
       <p:ext uri="{BB962C8B-B14F-4D97-AF65-F5344CB8AC3E}">
         <p14:creationId xmlns:p14="http://schemas.microsoft.com/office/powerpoint/2010/main" val="8550248"/>
+      </p:ext>
+    </p:extLst>
+  </p:cSld>
+  <p:clrMapOvr>
+    <a:masterClrMapping/>
+  </p:clrMapOvr>
+  <p:timing>
+    <p:tnLst>
+      <p:par>
+        <p:cTn id="1" dur="indefinite" restart="never" nodeType="tmRoot"/>
+      </p:par>
+    </p:tnLst>
+  </p:timing>
+</p:sld>
+</file>
+
+<file path=ppt/slides/slide14.xml><?xml version="1.0" encoding="utf-8"?>
+<p:sld xmlns:a="http://schemas.openxmlformats.org/drawingml/2006/main" xmlns:r="http://schemas.openxmlformats.org/officeDocument/2006/relationships" xmlns:p="http://schemas.openxmlformats.org/presentationml/2006/main">
+  <p:cSld>
+    <p:spTree>
+      <p:nvGrpSpPr>
+        <p:cNvPr id="1" name=""/>
+        <p:cNvGrpSpPr/>
+        <p:nvPr/>
+      </p:nvGrpSpPr>
+      <p:grpSpPr>
+        <a:xfrm>
+          <a:off x="0" y="0"/>
+          <a:ext cx="0" cy="0"/>
+          <a:chOff x="0" y="0"/>
+          <a:chExt cx="0" cy="0"/>
+        </a:xfrm>
+      </p:grpSpPr>
+      <p:sp>
+        <p:nvSpPr>
+          <p:cNvPr id="2" name="Titel 1"/>
+          <p:cNvSpPr>
+            <a:spLocks noGrp="1"/>
+          </p:cNvSpPr>
+          <p:nvPr>
+            <p:ph type="title"/>
+          </p:nvPr>
+        </p:nvSpPr>
+        <p:spPr/>
+        <p:txBody>
+          <a:bodyPr/>
+          <a:lstStyle/>
+          <a:p>
+            <a:r>
+              <a:rPr lang="de-DE" dirty="0" smtClean="0"/>
+              <a:t>Fragen ?</a:t>
+            </a:r>
+            <a:endParaRPr lang="de-DE" dirty="0"/>
+          </a:p>
+        </p:txBody>
+      </p:sp>
+      <p:sp>
+        <p:nvSpPr>
+          <p:cNvPr id="3" name="Textplatzhalter 2"/>
+          <p:cNvSpPr>
+            <a:spLocks noGrp="1"/>
+          </p:cNvSpPr>
+          <p:nvPr>
+            <p:ph type="body" idx="1"/>
+          </p:nvPr>
+        </p:nvSpPr>
+        <p:spPr/>
+        <p:txBody>
+          <a:bodyPr/>
+          <a:lstStyle/>
+          <a:p>
+            <a:endParaRPr lang="de-DE"/>
+          </a:p>
+        </p:txBody>
+      </p:sp>
+    </p:spTree>
+    <p:extLst>
+      <p:ext uri="{BB962C8B-B14F-4D97-AF65-F5344CB8AC3E}">
+        <p14:creationId xmlns:p14="http://schemas.microsoft.com/office/powerpoint/2010/main" val="4018226306"/>
       </p:ext>
     </p:extLst>
   </p:cSld>
@@ -5787,85 +5081,6 @@
           <a:p>
             <a:r>
               <a:rPr lang="de-DE" dirty="0" smtClean="0"/>
-              <a:t>Fragen ?</a:t>
-            </a:r>
-            <a:endParaRPr lang="de-DE" dirty="0"/>
-          </a:p>
-        </p:txBody>
-      </p:sp>
-      <p:sp>
-        <p:nvSpPr>
-          <p:cNvPr id="3" name="Textplatzhalter 2"/>
-          <p:cNvSpPr>
-            <a:spLocks noGrp="1"/>
-          </p:cNvSpPr>
-          <p:nvPr>
-            <p:ph type="body" idx="1"/>
-          </p:nvPr>
-        </p:nvSpPr>
-        <p:spPr/>
-        <p:txBody>
-          <a:bodyPr/>
-          <a:lstStyle/>
-          <a:p>
-            <a:endParaRPr lang="de-DE"/>
-          </a:p>
-        </p:txBody>
-      </p:sp>
-    </p:spTree>
-    <p:extLst>
-      <p:ext uri="{BB962C8B-B14F-4D97-AF65-F5344CB8AC3E}">
-        <p14:creationId xmlns:p14="http://schemas.microsoft.com/office/powerpoint/2010/main" val="4018226306"/>
-      </p:ext>
-    </p:extLst>
-  </p:cSld>
-  <p:clrMapOvr>
-    <a:masterClrMapping/>
-  </p:clrMapOvr>
-  <p:timing>
-    <p:tnLst>
-      <p:par>
-        <p:cTn id="1" dur="indefinite" restart="never" nodeType="tmRoot"/>
-      </p:par>
-    </p:tnLst>
-  </p:timing>
-</p:sld>
-</file>
-
-<file path=ppt/slides/slide16.xml><?xml version="1.0" encoding="utf-8"?>
-<p:sld xmlns:a="http://schemas.openxmlformats.org/drawingml/2006/main" xmlns:r="http://schemas.openxmlformats.org/officeDocument/2006/relationships" xmlns:p="http://schemas.openxmlformats.org/presentationml/2006/main">
-  <p:cSld>
-    <p:spTree>
-      <p:nvGrpSpPr>
-        <p:cNvPr id="1" name=""/>
-        <p:cNvGrpSpPr/>
-        <p:nvPr/>
-      </p:nvGrpSpPr>
-      <p:grpSpPr>
-        <a:xfrm>
-          <a:off x="0" y="0"/>
-          <a:ext cx="0" cy="0"/>
-          <a:chOff x="0" y="0"/>
-          <a:chExt cx="0" cy="0"/>
-        </a:xfrm>
-      </p:grpSpPr>
-      <p:sp>
-        <p:nvSpPr>
-          <p:cNvPr id="2" name="Titel 1"/>
-          <p:cNvSpPr>
-            <a:spLocks noGrp="1"/>
-          </p:cNvSpPr>
-          <p:nvPr>
-            <p:ph type="title"/>
-          </p:nvPr>
-        </p:nvSpPr>
-        <p:spPr/>
-        <p:txBody>
-          <a:bodyPr/>
-          <a:lstStyle/>
-          <a:p>
-            <a:r>
-              <a:rPr lang="de-DE" dirty="0" smtClean="0"/>
               <a:t>LINKS – Cookies Sharing</a:t>
             </a:r>
             <a:endParaRPr lang="de-DE" dirty="0"/>
@@ -5954,105 +5169,105 @@
               <a:t> ASP.NET Core </a:t>
             </a:r>
             <a:r>
+              <a:rPr lang="de-DE" sz="2400" dirty="0" err="1" smtClean="0">
+                <a:hlinkClick r:id="rId2"/>
+              </a:rPr>
+              <a:t>applications</a:t>
+            </a:r>
+            <a:endParaRPr lang="de-DE" sz="2400" dirty="0" smtClean="0"/>
+          </a:p>
+          <a:p>
+            <a:r>
+              <a:rPr lang="en-US" sz="2400" dirty="0">
+                <a:hlinkClick r:id="rId3"/>
+              </a:rPr>
+              <a:t>Barry </a:t>
+            </a:r>
+            <a:r>
+              <a:rPr lang="en-US" sz="2400" dirty="0" err="1">
+                <a:hlinkClick r:id="rId3"/>
+              </a:rPr>
+              <a:t>Dorrans</a:t>
+            </a:r>
+            <a:r>
+              <a:rPr lang="en-US" sz="2400" dirty="0">
+                <a:hlinkClick r:id="rId3"/>
+              </a:rPr>
+              <a:t>: Sharing Authentication Cookies between ASP.NET 4.5 and .NET </a:t>
+            </a:r>
+            <a:r>
+              <a:rPr lang="en-US" sz="2400" dirty="0" smtClean="0">
+                <a:hlinkClick r:id="rId3"/>
+              </a:rPr>
+              <a:t>Core</a:t>
+            </a:r>
+            <a:endParaRPr lang="de-DE" sz="2400" dirty="0"/>
+          </a:p>
+          <a:p>
+            <a:r>
+              <a:rPr lang="de-DE" sz="2400" dirty="0">
+                <a:hlinkClick r:id="rId4"/>
+              </a:rPr>
+              <a:t>SCOTT HANSELMAN: Sharing </a:t>
+            </a:r>
+            <a:r>
               <a:rPr lang="de-DE" sz="2400" dirty="0" err="1">
-                <a:hlinkClick r:id="rId2"/>
-              </a:rPr>
-              <a:t>applications</a:t>
-            </a:r>
-            <a:endParaRPr lang="de-DE" sz="2400" dirty="0"/>
-          </a:p>
-          <a:p>
+                <a:hlinkClick r:id="rId4"/>
+              </a:rPr>
+              <a:t>Authorization</a:t>
+            </a:r>
             <a:r>
               <a:rPr lang="de-DE" sz="2400" dirty="0">
-                <a:hlinkClick r:id="rId3"/>
-              </a:rPr>
-              <a:t>SCOTT HANSELMAN: Sharing </a:t>
+                <a:hlinkClick r:id="rId4"/>
+              </a:rPr>
+              <a:t> Cookies </a:t>
             </a:r>
             <a:r>
               <a:rPr lang="de-DE" sz="2400" dirty="0" err="1">
-                <a:hlinkClick r:id="rId3"/>
-              </a:rPr>
-              <a:t>Authorization</a:t>
+                <a:hlinkClick r:id="rId4"/>
+              </a:rPr>
+              <a:t>between</a:t>
             </a:r>
             <a:r>
               <a:rPr lang="de-DE" sz="2400" dirty="0">
-                <a:hlinkClick r:id="rId3"/>
-              </a:rPr>
-              <a:t> Cookies </a:t>
+                <a:hlinkClick r:id="rId4"/>
+              </a:rPr>
+              <a:t> ASP.NET 4.x </a:t>
             </a:r>
             <a:r>
               <a:rPr lang="de-DE" sz="2400" dirty="0" err="1">
-                <a:hlinkClick r:id="rId3"/>
-              </a:rPr>
-              <a:t>between</a:t>
+                <a:hlinkClick r:id="rId4"/>
+              </a:rPr>
+              <a:t>and</a:t>
             </a:r>
             <a:r>
               <a:rPr lang="de-DE" sz="2400" dirty="0">
-                <a:hlinkClick r:id="rId3"/>
-              </a:rPr>
-              <a:t> ASP.NET 4.x </a:t>
-            </a:r>
-            <a:r>
-              <a:rPr lang="de-DE" sz="2400" dirty="0" err="1">
-                <a:hlinkClick r:id="rId3"/>
-              </a:rPr>
-              <a:t>and</a:t>
-            </a:r>
-            <a:r>
-              <a:rPr lang="de-DE" sz="2400" dirty="0">
-                <a:hlinkClick r:id="rId3"/>
+                <a:hlinkClick r:id="rId4"/>
               </a:rPr>
               <a:t> ASP.NET Core </a:t>
             </a:r>
             <a:r>
               <a:rPr lang="de-DE" sz="2400" dirty="0" smtClean="0">
-                <a:hlinkClick r:id="rId3"/>
+                <a:hlinkClick r:id="rId4"/>
               </a:rPr>
               <a:t>1.0</a:t>
             </a:r>
             <a:endParaRPr lang="de-DE" sz="2400" dirty="0" smtClean="0"/>
-          </a:p>
-          <a:p>
-            <a:r>
-              <a:rPr lang="en-US" sz="2400" dirty="0">
-                <a:hlinkClick r:id="rId4"/>
-              </a:rPr>
-              <a:t>ASP.NET: Sharing OWIN Authentication Cookie across IIS Applications</a:t>
-            </a:r>
-            <a:endParaRPr lang="en-US" sz="2400" dirty="0"/>
           </a:p>
           <a:p>
             <a:r>
               <a:rPr lang="en-US" sz="2400" dirty="0">
                 <a:hlinkClick r:id="rId5"/>
               </a:rPr>
-              <a:t>Barry </a:t>
-            </a:r>
-            <a:r>
-              <a:rPr lang="en-US" sz="2400" dirty="0" err="1">
+              <a:t>ASP.NET: Sharing OWIN Authentication Cookie across IIS </a:t>
+            </a:r>
+            <a:r>
+              <a:rPr lang="en-US" sz="2400" dirty="0" smtClean="0">
                 <a:hlinkClick r:id="rId5"/>
               </a:rPr>
-              <a:t>Dorrans</a:t>
-            </a:r>
-            <a:r>
-              <a:rPr lang="en-US" sz="2400" dirty="0">
-                <a:hlinkClick r:id="rId5"/>
-              </a:rPr>
-              <a:t>: Sharing Authentication Cookies between ASP.NET 4.5 and .</a:t>
-            </a:r>
-            <a:r>
-              <a:rPr lang="en-US" sz="2400">
-                <a:hlinkClick r:id="rId5"/>
-              </a:rPr>
-              <a:t>NET </a:t>
-            </a:r>
-            <a:r>
-              <a:rPr lang="en-US" sz="2400" smtClean="0">
-                <a:hlinkClick r:id="rId5"/>
-              </a:rPr>
-              <a:t>Core</a:t>
-            </a:r>
-            <a:endParaRPr lang="de-DE" sz="2400" dirty="0"/>
+              <a:t>Applications</a:t>
+            </a:r>
+            <a:endParaRPr lang="en-US" sz="2400" dirty="0"/>
           </a:p>
         </p:txBody>
       </p:sp>
@@ -6538,43 +5753,196 @@
           <a:p>
             <a:r>
               <a:rPr lang="de-DE" dirty="0" smtClean="0"/>
-              <a:t>Warum Cookies </a:t>
-            </a:r>
-            <a:r>
-              <a:rPr lang="de-DE" dirty="0" err="1" smtClean="0"/>
-              <a:t>sharen</a:t>
-            </a:r>
-            <a:r>
-              <a:rPr lang="de-DE" dirty="0" smtClean="0"/>
-              <a:t> ?</a:t>
+              <a:t>Was wollen wir erreichen ?</a:t>
             </a:r>
             <a:endParaRPr lang="de-DE" dirty="0"/>
+          </a:p>
+        </p:txBody>
+      </p:sp>
+      <p:pic>
+        <p:nvPicPr>
+          <p:cNvPr id="1026" name="Picture 2"/>
+          <p:cNvPicPr>
+            <a:picLocks noChangeAspect="1" noChangeArrowheads="1"/>
+          </p:cNvPicPr>
+          <p:nvPr/>
+        </p:nvPicPr>
+        <p:blipFill>
+          <a:blip r:embed="rId2">
+            <a:extLst>
+              <a:ext uri="{28A0092B-C50C-407E-A947-70E740481C1C}">
+                <a14:useLocalDpi xmlns:a14="http://schemas.microsoft.com/office/drawing/2010/main" val="0"/>
+              </a:ext>
+            </a:extLst>
+          </a:blip>
+          <a:srcRect/>
+          <a:stretch>
+            <a:fillRect/>
+          </a:stretch>
+        </p:blipFill>
+        <p:spPr bwMode="auto">
+          <a:xfrm>
+            <a:off x="623392" y="1733550"/>
+            <a:ext cx="4848225" cy="3390900"/>
+          </a:xfrm>
+          <a:prstGeom prst="rect">
+            <a:avLst/>
+          </a:prstGeom>
+          <a:noFill/>
+          <a:ln>
+            <a:noFill/>
+          </a:ln>
+          <a:extLst>
+            <a:ext uri="{909E8E84-426E-40DD-AFC4-6F175D3DCCD1}">
+              <a14:hiddenFill xmlns:a14="http://schemas.microsoft.com/office/drawing/2010/main">
+                <a:solidFill>
+                  <a:schemeClr val="accent1"/>
+                </a:solidFill>
+              </a14:hiddenFill>
+            </a:ext>
+            <a:ext uri="{91240B29-F687-4F45-9708-019B960494DF}">
+              <a14:hiddenLine xmlns:a14="http://schemas.microsoft.com/office/drawing/2010/main" w="9525">
+                <a:solidFill>
+                  <a:schemeClr val="tx1"/>
+                </a:solidFill>
+                <a:miter lim="800000"/>
+                <a:headEnd/>
+                <a:tailEnd/>
+              </a14:hiddenLine>
+            </a:ext>
+          </a:extLst>
+        </p:spPr>
+      </p:pic>
+      <p:sp>
+        <p:nvSpPr>
+          <p:cNvPr id="6" name="Legende mit Linie 1 5"/>
+          <p:cNvSpPr/>
+          <p:nvPr/>
+        </p:nvSpPr>
+        <p:spPr>
+          <a:xfrm>
+            <a:off x="6007968" y="3356992"/>
+            <a:ext cx="5056584" cy="1152128"/>
+          </a:xfrm>
+          <a:prstGeom prst="borderCallout1">
+            <a:avLst>
+              <a:gd name="adj1" fmla="val 18750"/>
+              <a:gd name="adj2" fmla="val -8333"/>
+              <a:gd name="adj3" fmla="val 26427"/>
+              <a:gd name="adj4" fmla="val -32367"/>
+            </a:avLst>
+          </a:prstGeom>
+        </p:spPr>
+        <p:style>
+          <a:lnRef idx="1">
+            <a:schemeClr val="accent5"/>
+          </a:lnRef>
+          <a:fillRef idx="2">
+            <a:schemeClr val="accent5"/>
+          </a:fillRef>
+          <a:effectRef idx="1">
+            <a:schemeClr val="accent5"/>
+          </a:effectRef>
+          <a:fontRef idx="minor">
+            <a:schemeClr val="dk1"/>
+          </a:fontRef>
+        </p:style>
+        <p:txBody>
+          <a:bodyPr rtlCol="0" anchor="ctr"/>
+          <a:lstStyle/>
+          <a:p>
+            <a:r>
+              <a:rPr lang="de-DE" sz="1600" dirty="0" smtClean="0"/>
+              <a:t>ASP.NET Web App mit Cookie Authentifizierung im IFRAME</a:t>
+            </a:r>
+          </a:p>
+          <a:p>
+            <a:r>
+              <a:rPr lang="de-DE" sz="1600" dirty="0" smtClean="0">
+                <a:hlinkClick r:id="rId3"/>
+              </a:rPr>
+              <a:t>https://localhost/dncaspnet</a:t>
+            </a:r>
+            <a:endParaRPr lang="de-DE" sz="1600" dirty="0" smtClean="0"/>
+          </a:p>
+          <a:p>
+            <a:endParaRPr lang="de-DE" sz="1600" dirty="0" smtClean="0"/>
           </a:p>
         </p:txBody>
       </p:sp>
       <p:sp>
         <p:nvSpPr>
-          <p:cNvPr id="3" name="Inhaltsplatzhalter 2"/>
-          <p:cNvSpPr>
-            <a:spLocks noGrp="1"/>
-          </p:cNvSpPr>
-          <p:nvPr>
-            <p:ph idx="1"/>
-          </p:nvPr>
+          <p:cNvPr id="8" name="Legende mit Linie 1 7"/>
+          <p:cNvSpPr/>
+          <p:nvPr/>
         </p:nvSpPr>
-        <p:spPr/>
+        <p:spPr>
+          <a:xfrm>
+            <a:off x="6023992" y="1844824"/>
+            <a:ext cx="5040560" cy="1152128"/>
+          </a:xfrm>
+          <a:prstGeom prst="borderCallout1">
+            <a:avLst>
+              <a:gd name="adj1" fmla="val 18750"/>
+              <a:gd name="adj2" fmla="val -8333"/>
+              <a:gd name="adj3" fmla="val 46361"/>
+              <a:gd name="adj4" fmla="val -31524"/>
+            </a:avLst>
+          </a:prstGeom>
+        </p:spPr>
+        <p:style>
+          <a:lnRef idx="1">
+            <a:schemeClr val="accent5"/>
+          </a:lnRef>
+          <a:fillRef idx="2">
+            <a:schemeClr val="accent5"/>
+          </a:fillRef>
+          <a:effectRef idx="1">
+            <a:schemeClr val="accent5"/>
+          </a:effectRef>
+          <a:fontRef idx="minor">
+            <a:schemeClr val="dk1"/>
+          </a:fontRef>
+        </p:style>
         <p:txBody>
-          <a:bodyPr/>
+          <a:bodyPr rtlCol="0" anchor="ctr"/>
           <a:lstStyle/>
           <a:p>
-            <a:endParaRPr lang="de-DE"/>
+            <a:r>
+              <a:rPr lang="de-DE" sz="1600" dirty="0" smtClean="0"/>
+              <a:t>ASP.NET Core Web App </a:t>
+            </a:r>
+            <a:br>
+              <a:rPr lang="de-DE" sz="1600" dirty="0" smtClean="0"/>
+            </a:br>
+            <a:r>
+              <a:rPr lang="de-DE" sz="1600" dirty="0" smtClean="0"/>
+              <a:t>hier mit OPEN ID Connect Authentifizierung</a:t>
+            </a:r>
+            <a:br>
+              <a:rPr lang="de-DE" sz="1600" dirty="0" smtClean="0"/>
+            </a:br>
+            <a:r>
+              <a:rPr lang="de-DE" sz="1600" dirty="0" smtClean="0"/>
+              <a:t>(geht auch mit anderen AUTH Verfahren)</a:t>
+            </a:r>
+            <a:br>
+              <a:rPr lang="de-DE" sz="1600" dirty="0" smtClean="0"/>
+            </a:br>
+            <a:r>
+              <a:rPr lang="de-DE" sz="1600" dirty="0" smtClean="0">
+                <a:hlinkClick r:id="rId4"/>
+              </a:rPr>
+              <a:t>https://localhost/dncaspnetcore</a:t>
+            </a:r>
+            <a:endParaRPr lang="de-DE" sz="1600" dirty="0"/>
           </a:p>
         </p:txBody>
       </p:sp>
     </p:spTree>
     <p:extLst>
       <p:ext uri="{BB962C8B-B14F-4D97-AF65-F5344CB8AC3E}">
-        <p14:creationId xmlns:p14="http://schemas.microsoft.com/office/powerpoint/2010/main" val="636023700"/>
+        <p14:creationId xmlns:p14="http://schemas.microsoft.com/office/powerpoint/2010/main" val="2411869001"/>
       </p:ext>
     </p:extLst>
   </p:cSld>
@@ -6585,88 +5953,6 @@
 </file>
 
 <file path=ppt/slides/slide5.xml><?xml version="1.0" encoding="utf-8"?>
-<p:sld xmlns:a="http://schemas.openxmlformats.org/drawingml/2006/main" xmlns:r="http://schemas.openxmlformats.org/officeDocument/2006/relationships" xmlns:p="http://schemas.openxmlformats.org/presentationml/2006/main">
-  <p:cSld>
-    <p:spTree>
-      <p:nvGrpSpPr>
-        <p:cNvPr id="1" name=""/>
-        <p:cNvGrpSpPr/>
-        <p:nvPr/>
-      </p:nvGrpSpPr>
-      <p:grpSpPr>
-        <a:xfrm>
-          <a:off x="0" y="0"/>
-          <a:ext cx="0" cy="0"/>
-          <a:chOff x="0" y="0"/>
-          <a:chExt cx="0" cy="0"/>
-        </a:xfrm>
-      </p:grpSpPr>
-      <p:sp>
-        <p:nvSpPr>
-          <p:cNvPr id="2" name="Titel 1"/>
-          <p:cNvSpPr>
-            <a:spLocks noGrp="1"/>
-          </p:cNvSpPr>
-          <p:nvPr>
-            <p:ph type="title"/>
-          </p:nvPr>
-        </p:nvSpPr>
-        <p:spPr/>
-        <p:txBody>
-          <a:bodyPr/>
-          <a:lstStyle/>
-          <a:p>
-            <a:r>
-              <a:rPr lang="de-DE" dirty="0" smtClean="0"/>
-              <a:t>Setting</a:t>
-            </a:r>
-            <a:endParaRPr lang="de-DE" dirty="0"/>
-          </a:p>
-        </p:txBody>
-      </p:sp>
-      <p:sp>
-        <p:nvSpPr>
-          <p:cNvPr id="3" name="Inhaltsplatzhalter 2"/>
-          <p:cNvSpPr>
-            <a:spLocks noGrp="1"/>
-          </p:cNvSpPr>
-          <p:nvPr>
-            <p:ph idx="1"/>
-          </p:nvPr>
-        </p:nvSpPr>
-        <p:spPr/>
-        <p:txBody>
-          <a:bodyPr/>
-          <a:lstStyle/>
-          <a:p>
-            <a:pPr marL="0" indent="0">
-              <a:buNone/>
-            </a:pPr>
-            <a:endParaRPr lang="de-DE" dirty="0"/>
-          </a:p>
-        </p:txBody>
-      </p:sp>
-    </p:spTree>
-    <p:extLst>
-      <p:ext uri="{BB962C8B-B14F-4D97-AF65-F5344CB8AC3E}">
-        <p14:creationId xmlns:p14="http://schemas.microsoft.com/office/powerpoint/2010/main" val="4284130578"/>
-      </p:ext>
-    </p:extLst>
-  </p:cSld>
-  <p:clrMapOvr>
-    <a:masterClrMapping/>
-  </p:clrMapOvr>
-  <p:timing>
-    <p:tnLst>
-      <p:par>
-        <p:cTn id="1" dur="indefinite" restart="never" nodeType="tmRoot"/>
-      </p:par>
-    </p:tnLst>
-  </p:timing>
-</p:sld>
-</file>
-
-<file path=ppt/slides/slide6.xml><?xml version="1.0" encoding="utf-8"?>
 <p:sld xmlns:a="http://schemas.openxmlformats.org/drawingml/2006/main" xmlns:r="http://schemas.openxmlformats.org/officeDocument/2006/relationships" xmlns:p="http://schemas.openxmlformats.org/presentationml/2006/main">
   <p:cSld>
     <p:spTree>
@@ -6792,11 +6078,7 @@
             </a:pPr>
             <a:r>
               <a:rPr lang="de-DE" dirty="0" smtClean="0"/>
-              <a:t>Unterschiedliches Cookie </a:t>
-            </a:r>
-            <a:r>
-              <a:rPr lang="de-DE" dirty="0" smtClean="0"/>
-              <a:t>Größe und -Aufbau</a:t>
+              <a:t>Unterschiedliches Cookie Größe und -Aufbau</a:t>
             </a:r>
             <a:endParaRPr lang="de-DE" dirty="0"/>
           </a:p>
@@ -7387,6 +6669,333 @@
 </p:sld>
 </file>
 
+<file path=ppt/slides/slide6.xml><?xml version="1.0" encoding="utf-8"?>
+<p:sld xmlns:a="http://schemas.openxmlformats.org/drawingml/2006/main" xmlns:r="http://schemas.openxmlformats.org/officeDocument/2006/relationships" xmlns:p="http://schemas.openxmlformats.org/presentationml/2006/main">
+  <p:cSld>
+    <p:spTree>
+      <p:nvGrpSpPr>
+        <p:cNvPr id="1" name=""/>
+        <p:cNvGrpSpPr/>
+        <p:nvPr/>
+      </p:nvGrpSpPr>
+      <p:grpSpPr>
+        <a:xfrm>
+          <a:off x="0" y="0"/>
+          <a:ext cx="0" cy="0"/>
+          <a:chOff x="0" y="0"/>
+          <a:chExt cx="0" cy="0"/>
+        </a:xfrm>
+      </p:grpSpPr>
+      <p:sp>
+        <p:nvSpPr>
+          <p:cNvPr id="2" name="Titel 1"/>
+          <p:cNvSpPr>
+            <a:spLocks noGrp="1"/>
+          </p:cNvSpPr>
+          <p:nvPr>
+            <p:ph type="title"/>
+          </p:nvPr>
+        </p:nvSpPr>
+        <p:spPr/>
+        <p:txBody>
+          <a:bodyPr/>
+          <a:lstStyle/>
+          <a:p>
+            <a:r>
+              <a:rPr lang="de-DE" dirty="0" smtClean="0"/>
+              <a:t>Warum geht es nicht out </a:t>
+            </a:r>
+            <a:r>
+              <a:rPr lang="de-DE" dirty="0" err="1" smtClean="0"/>
+              <a:t>of</a:t>
+            </a:r>
+            <a:r>
+              <a:rPr lang="de-DE" dirty="0" smtClean="0"/>
+              <a:t> </a:t>
+            </a:r>
+            <a:r>
+              <a:rPr lang="de-DE" dirty="0" err="1" smtClean="0"/>
+              <a:t>the</a:t>
+            </a:r>
+            <a:r>
+              <a:rPr lang="de-DE" smtClean="0"/>
+              <a:t> box?</a:t>
+            </a:r>
+            <a:endParaRPr lang="de-DE" dirty="0"/>
+          </a:p>
+        </p:txBody>
+      </p:sp>
+      <p:sp>
+        <p:nvSpPr>
+          <p:cNvPr id="3" name="Inhaltsplatzhalter 2"/>
+          <p:cNvSpPr>
+            <a:spLocks noGrp="1"/>
+          </p:cNvSpPr>
+          <p:nvPr>
+            <p:ph idx="1"/>
+          </p:nvPr>
+        </p:nvSpPr>
+        <p:spPr/>
+        <p:txBody>
+          <a:bodyPr/>
+          <a:lstStyle/>
+          <a:p>
+            <a:pPr marL="0" indent="0">
+              <a:buNone/>
+            </a:pPr>
+            <a:r>
+              <a:rPr lang="de-DE" dirty="0" smtClean="0"/>
+              <a:t>Unterschiede </a:t>
+            </a:r>
+            <a:r>
+              <a:rPr lang="de-DE" dirty="0"/>
+              <a:t>zwischen ASP.NET und ASP.NET Core</a:t>
+            </a:r>
+          </a:p>
+          <a:p>
+            <a:r>
+              <a:rPr lang="de-DE" dirty="0" smtClean="0"/>
+              <a:t>Unterschiedliche Cookie Aufbau</a:t>
+            </a:r>
+          </a:p>
+          <a:p>
+            <a:r>
+              <a:rPr lang="de-DE" dirty="0" smtClean="0"/>
+              <a:t>Unterschiedliche Verschlüsselung</a:t>
+            </a:r>
+            <a:endParaRPr lang="de-DE" dirty="0"/>
+          </a:p>
+        </p:txBody>
+      </p:sp>
+    </p:spTree>
+    <p:extLst>
+      <p:ext uri="{BB962C8B-B14F-4D97-AF65-F5344CB8AC3E}">
+        <p14:creationId xmlns:p14="http://schemas.microsoft.com/office/powerpoint/2010/main" val="2969951702"/>
+      </p:ext>
+    </p:extLst>
+  </p:cSld>
+  <p:clrMapOvr>
+    <a:masterClrMapping/>
+  </p:clrMapOvr>
+  <p:timing>
+    <p:tnLst>
+      <p:par>
+        <p:cTn id="1" dur="indefinite" restart="never" nodeType="tmRoot">
+          <p:childTnLst>
+            <p:seq concurrent="1" nextAc="seek">
+              <p:cTn id="2" dur="indefinite" nodeType="mainSeq">
+                <p:childTnLst>
+                  <p:par>
+                    <p:cTn id="3" fill="hold">
+                      <p:stCondLst>
+                        <p:cond delay="indefinite"/>
+                        <p:cond evt="onBegin" delay="0">
+                          <p:tn val="2"/>
+                        </p:cond>
+                      </p:stCondLst>
+                      <p:childTnLst>
+                        <p:par>
+                          <p:cTn id="4" fill="hold">
+                            <p:stCondLst>
+                              <p:cond delay="0"/>
+                            </p:stCondLst>
+                            <p:childTnLst>
+                              <p:par>
+                                <p:cTn id="5" presetID="10" presetClass="entr" presetSubtype="0" fill="hold" nodeType="withEffect">
+                                  <p:stCondLst>
+                                    <p:cond delay="0"/>
+                                  </p:stCondLst>
+                                  <p:childTnLst>
+                                    <p:set>
+                                      <p:cBhvr>
+                                        <p:cTn id="6" dur="1" fill="hold">
+                                          <p:stCondLst>
+                                            <p:cond delay="0"/>
+                                          </p:stCondLst>
+                                        </p:cTn>
+                                        <p:tgtEl>
+                                          <p:spTgt spid="3">
+                                            <p:txEl>
+                                              <p:pRg st="0" end="0"/>
+                                            </p:txEl>
+                                          </p:spTgt>
+                                        </p:tgtEl>
+                                        <p:attrNameLst>
+                                          <p:attrName>style.visibility</p:attrName>
+                                        </p:attrNameLst>
+                                      </p:cBhvr>
+                                      <p:to>
+                                        <p:strVal val="visible"/>
+                                      </p:to>
+                                    </p:set>
+                                    <p:animEffect transition="in" filter="fade">
+                                      <p:cBhvr>
+                                        <p:cTn id="7" dur="500"/>
+                                        <p:tgtEl>
+                                          <p:spTgt spid="3">
+                                            <p:txEl>
+                                              <p:pRg st="0" end="0"/>
+                                            </p:txEl>
+                                          </p:spTgt>
+                                        </p:tgtEl>
+                                      </p:cBhvr>
+                                    </p:animEffect>
+                                  </p:childTnLst>
+                                </p:cTn>
+                              </p:par>
+                            </p:childTnLst>
+                          </p:cTn>
+                        </p:par>
+                      </p:childTnLst>
+                    </p:cTn>
+                  </p:par>
+                  <p:par>
+                    <p:cTn id="8" fill="hold">
+                      <p:stCondLst>
+                        <p:cond delay="indefinite"/>
+                      </p:stCondLst>
+                      <p:childTnLst>
+                        <p:par>
+                          <p:cTn id="9" fill="hold">
+                            <p:stCondLst>
+                              <p:cond delay="0"/>
+                            </p:stCondLst>
+                            <p:childTnLst>
+                              <p:par>
+                                <p:cTn id="10" presetID="10" presetClass="entr" presetSubtype="0" fill="hold" nodeType="clickEffect">
+                                  <p:stCondLst>
+                                    <p:cond delay="0"/>
+                                  </p:stCondLst>
+                                  <p:childTnLst>
+                                    <p:set>
+                                      <p:cBhvr>
+                                        <p:cTn id="11" dur="1" fill="hold">
+                                          <p:stCondLst>
+                                            <p:cond delay="0"/>
+                                          </p:stCondLst>
+                                        </p:cTn>
+                                        <p:tgtEl>
+                                          <p:spTgt spid="3">
+                                            <p:txEl>
+                                              <p:pRg st="1" end="1"/>
+                                            </p:txEl>
+                                          </p:spTgt>
+                                        </p:tgtEl>
+                                        <p:attrNameLst>
+                                          <p:attrName>style.visibility</p:attrName>
+                                        </p:attrNameLst>
+                                      </p:cBhvr>
+                                      <p:to>
+                                        <p:strVal val="visible"/>
+                                      </p:to>
+                                    </p:set>
+                                    <p:animEffect transition="in" filter="fade">
+                                      <p:cBhvr>
+                                        <p:cTn id="12" dur="500"/>
+                                        <p:tgtEl>
+                                          <p:spTgt spid="3">
+                                            <p:txEl>
+                                              <p:pRg st="1" end="1"/>
+                                            </p:txEl>
+                                          </p:spTgt>
+                                        </p:tgtEl>
+                                      </p:cBhvr>
+                                    </p:animEffect>
+                                  </p:childTnLst>
+                                </p:cTn>
+                              </p:par>
+                            </p:childTnLst>
+                          </p:cTn>
+                        </p:par>
+                      </p:childTnLst>
+                    </p:cTn>
+                  </p:par>
+                  <p:par>
+                    <p:cTn id="13" fill="hold">
+                      <p:stCondLst>
+                        <p:cond delay="indefinite"/>
+                      </p:stCondLst>
+                      <p:childTnLst>
+                        <p:par>
+                          <p:cTn id="14" fill="hold">
+                            <p:stCondLst>
+                              <p:cond delay="0"/>
+                            </p:stCondLst>
+                            <p:childTnLst>
+                              <p:par>
+                                <p:cTn id="15" presetID="10" presetClass="entr" presetSubtype="0" fill="hold" nodeType="clickEffect">
+                                  <p:stCondLst>
+                                    <p:cond delay="0"/>
+                                  </p:stCondLst>
+                                  <p:childTnLst>
+                                    <p:set>
+                                      <p:cBhvr>
+                                        <p:cTn id="16" dur="1" fill="hold">
+                                          <p:stCondLst>
+                                            <p:cond delay="0"/>
+                                          </p:stCondLst>
+                                        </p:cTn>
+                                        <p:tgtEl>
+                                          <p:spTgt spid="3">
+                                            <p:txEl>
+                                              <p:pRg st="2" end="2"/>
+                                            </p:txEl>
+                                          </p:spTgt>
+                                        </p:tgtEl>
+                                        <p:attrNameLst>
+                                          <p:attrName>style.visibility</p:attrName>
+                                        </p:attrNameLst>
+                                      </p:cBhvr>
+                                      <p:to>
+                                        <p:strVal val="visible"/>
+                                      </p:to>
+                                    </p:set>
+                                    <p:animEffect transition="in" filter="fade">
+                                      <p:cBhvr>
+                                        <p:cTn id="17" dur="500"/>
+                                        <p:tgtEl>
+                                          <p:spTgt spid="3">
+                                            <p:txEl>
+                                              <p:pRg st="2" end="2"/>
+                                            </p:txEl>
+                                          </p:spTgt>
+                                        </p:tgtEl>
+                                      </p:cBhvr>
+                                    </p:animEffect>
+                                  </p:childTnLst>
+                                </p:cTn>
+                              </p:par>
+                            </p:childTnLst>
+                          </p:cTn>
+                        </p:par>
+                      </p:childTnLst>
+                    </p:cTn>
+                  </p:par>
+                </p:childTnLst>
+              </p:cTn>
+              <p:prevCondLst>
+                <p:cond evt="onPrev" delay="0">
+                  <p:tgtEl>
+                    <p:sldTgt/>
+                  </p:tgtEl>
+                </p:cond>
+              </p:prevCondLst>
+              <p:nextCondLst>
+                <p:cond evt="onNext" delay="0">
+                  <p:tgtEl>
+                    <p:sldTgt/>
+                  </p:tgtEl>
+                </p:cond>
+              </p:nextCondLst>
+            </p:seq>
+          </p:childTnLst>
+        </p:cTn>
+      </p:par>
+    </p:tnLst>
+  </p:timing>
+</p:sld>
+</file>
+
 <file path=ppt/slides/slide7.xml><?xml version="1.0" encoding="utf-8"?>
 <p:sld xmlns:a="http://schemas.openxmlformats.org/drawingml/2006/main" xmlns:r="http://schemas.openxmlformats.org/officeDocument/2006/relationships" xmlns:p="http://schemas.openxmlformats.org/presentationml/2006/main">
   <p:cSld>
@@ -7421,23 +7030,7 @@
           <a:p>
             <a:r>
               <a:rPr lang="de-DE" dirty="0" smtClean="0"/>
-              <a:t>Warum geht es nicht out </a:t>
-            </a:r>
-            <a:r>
-              <a:rPr lang="de-DE" dirty="0" err="1" smtClean="0"/>
-              <a:t>of</a:t>
-            </a:r>
-            <a:r>
-              <a:rPr lang="de-DE" dirty="0" smtClean="0"/>
-              <a:t> </a:t>
-            </a:r>
-            <a:r>
-              <a:rPr lang="de-DE" dirty="0" err="1" smtClean="0"/>
-              <a:t>the</a:t>
-            </a:r>
-            <a:r>
-              <a:rPr lang="de-DE" smtClean="0"/>
-              <a:t> box?</a:t>
+              <a:t>Cookie Namen angleichen</a:t>
             </a:r>
             <a:endParaRPr lang="de-DE" dirty="0"/>
           </a:p>
@@ -7463,33 +7056,510 @@
             </a:pPr>
             <a:r>
               <a:rPr lang="de-DE" dirty="0" smtClean="0"/>
-              <a:t>Unterschiede </a:t>
-            </a:r>
-            <a:r>
-              <a:rPr lang="de-DE" dirty="0"/>
-              <a:t>zwischen ASP.NET und ASP.NET Core</a:t>
-            </a:r>
-          </a:p>
-          <a:p>
+              <a:t>damit beide Frameworks das gleiche Cookie nutzen:</a:t>
+            </a:r>
+          </a:p>
+          <a:p>
+            <a:pPr marL="0" indent="0">
+              <a:buNone/>
+            </a:pPr>
             <a:r>
               <a:rPr lang="de-DE" dirty="0" smtClean="0"/>
-              <a:t>Unterschiedliche Cookie Aufbau</a:t>
-            </a:r>
-            <a:endParaRPr lang="de-DE" dirty="0" smtClean="0"/>
-          </a:p>
-          <a:p>
-            <a:r>
+              <a:t>ASP.NET Core</a:t>
+            </a:r>
+            <a:br>
               <a:rPr lang="de-DE" dirty="0" smtClean="0"/>
-              <a:t>Unterschiedliche Verschlüsselung</a:t>
-            </a:r>
-            <a:endParaRPr lang="de-DE" dirty="0"/>
+            </a:br>
+            <a:r>
+              <a:rPr lang="de-DE" sz="1000" dirty="0" smtClean="0"/>
+              <a:t/>
+            </a:r>
+            <a:br>
+              <a:rPr lang="de-DE" sz="1000" dirty="0" smtClean="0"/>
+            </a:br>
+            <a:r>
+              <a:rPr lang="de-DE" sz="2000" dirty="0" err="1" smtClean="0">
+                <a:solidFill>
+                  <a:srgbClr val="000000"/>
+                </a:solidFill>
+                <a:latin typeface="Consolas"/>
+              </a:rPr>
+              <a:t>app.UseCookieAuthentication</a:t>
+            </a:r>
+            <a:r>
+              <a:rPr lang="de-DE" sz="2000" dirty="0" smtClean="0">
+                <a:solidFill>
+                  <a:srgbClr val="000000"/>
+                </a:solidFill>
+                <a:latin typeface="Consolas"/>
+              </a:rPr>
+              <a:t>(</a:t>
+            </a:r>
+            <a:r>
+              <a:rPr lang="de-DE" sz="2000" dirty="0" err="1" smtClean="0">
+                <a:solidFill>
+                  <a:srgbClr val="0000FF"/>
+                </a:solidFill>
+                <a:latin typeface="Consolas"/>
+              </a:rPr>
+              <a:t>new</a:t>
+            </a:r>
+            <a:r>
+              <a:rPr lang="de-DE" sz="2000" dirty="0" smtClean="0">
+                <a:solidFill>
+                  <a:srgbClr val="000000"/>
+                </a:solidFill>
+                <a:latin typeface="Consolas"/>
+              </a:rPr>
+              <a:t> </a:t>
+            </a:r>
+            <a:r>
+              <a:rPr lang="de-DE" sz="2000" dirty="0" err="1" smtClean="0">
+                <a:solidFill>
+                  <a:srgbClr val="0000FF"/>
+                </a:solidFill>
+                <a:latin typeface="Consolas"/>
+              </a:rPr>
+              <a:t>CookieAuthenticationOptions</a:t>
+            </a:r>
+            <a:r>
+              <a:rPr lang="de-DE" sz="2000" dirty="0" smtClean="0">
+                <a:solidFill>
+                  <a:srgbClr val="000000"/>
+                </a:solidFill>
+                <a:latin typeface="Consolas"/>
+              </a:rPr>
+              <a:t> {</a:t>
+            </a:r>
+            <a:br>
+              <a:rPr lang="de-DE" sz="2000" dirty="0" smtClean="0">
+                <a:solidFill>
+                  <a:srgbClr val="000000"/>
+                </a:solidFill>
+                <a:latin typeface="Consolas"/>
+              </a:rPr>
+            </a:br>
+            <a:r>
+              <a:rPr lang="de-DE" sz="2000" dirty="0">
+                <a:solidFill>
+                  <a:srgbClr val="A31515"/>
+                </a:solidFill>
+                <a:latin typeface="Consolas"/>
+              </a:rPr>
+              <a:t> </a:t>
+            </a:r>
+            <a:r>
+              <a:rPr lang="de-DE" sz="2000" dirty="0" smtClean="0">
+                <a:solidFill>
+                  <a:srgbClr val="A31515"/>
+                </a:solidFill>
+                <a:latin typeface="Consolas"/>
+              </a:rPr>
+              <a:t> </a:t>
+            </a:r>
+            <a:r>
+              <a:rPr lang="de-DE" sz="2000" dirty="0" smtClean="0">
+                <a:solidFill>
+                  <a:srgbClr val="008000"/>
+                </a:solidFill>
+                <a:latin typeface="Consolas"/>
+              </a:rPr>
+              <a:t>//…</a:t>
+            </a:r>
+            <a:r>
+              <a:rPr lang="de-DE" sz="2000" dirty="0">
+                <a:solidFill>
+                  <a:srgbClr val="008000"/>
+                </a:solidFill>
+                <a:latin typeface="Consolas"/>
+              </a:rPr>
+              <a:t/>
+            </a:r>
+            <a:br>
+              <a:rPr lang="de-DE" sz="2000" dirty="0">
+                <a:solidFill>
+                  <a:srgbClr val="008000"/>
+                </a:solidFill>
+                <a:latin typeface="Consolas"/>
+              </a:rPr>
+            </a:br>
+            <a:r>
+              <a:rPr lang="de-DE" sz="2000" dirty="0" smtClean="0">
+                <a:solidFill>
+                  <a:srgbClr val="000000"/>
+                </a:solidFill>
+                <a:latin typeface="Consolas"/>
+              </a:rPr>
+              <a:t>  </a:t>
+            </a:r>
+            <a:r>
+              <a:rPr lang="de-DE" sz="2000" dirty="0" err="1" smtClean="0">
+                <a:solidFill>
+                  <a:srgbClr val="000000"/>
+                </a:solidFill>
+                <a:latin typeface="Consolas"/>
+              </a:rPr>
+              <a:t>CookieName</a:t>
+            </a:r>
+            <a:r>
+              <a:rPr lang="de-DE" sz="2000" dirty="0" smtClean="0">
+                <a:solidFill>
+                  <a:srgbClr val="000000"/>
+                </a:solidFill>
+                <a:latin typeface="Consolas"/>
+              </a:rPr>
+              <a:t> = </a:t>
+            </a:r>
+            <a:r>
+              <a:rPr lang="de-DE" sz="2000" dirty="0" smtClean="0">
+                <a:solidFill>
+                  <a:srgbClr val="A31515"/>
+                </a:solidFill>
+                <a:latin typeface="Consolas"/>
+              </a:rPr>
+              <a:t>"DNC2017_SharedAuthCookie"</a:t>
+            </a:r>
+            <a:r>
+              <a:rPr lang="de-DE" sz="2000" dirty="0" smtClean="0">
+                <a:solidFill>
+                  <a:srgbClr val="000000"/>
+                </a:solidFill>
+                <a:latin typeface="Consolas"/>
+              </a:rPr>
+              <a:t>, </a:t>
+            </a:r>
+            <a:br>
+              <a:rPr lang="de-DE" sz="2000" dirty="0" smtClean="0">
+                <a:solidFill>
+                  <a:srgbClr val="000000"/>
+                </a:solidFill>
+                <a:latin typeface="Consolas"/>
+              </a:rPr>
+            </a:br>
+            <a:r>
+              <a:rPr lang="de-DE" sz="2000" dirty="0">
+                <a:solidFill>
+                  <a:srgbClr val="A31515"/>
+                </a:solidFill>
+                <a:latin typeface="Consolas"/>
+              </a:rPr>
+              <a:t> </a:t>
+            </a:r>
+            <a:r>
+              <a:rPr lang="de-DE" sz="2000" dirty="0" smtClean="0">
+                <a:solidFill>
+                  <a:srgbClr val="A31515"/>
+                </a:solidFill>
+                <a:latin typeface="Consolas"/>
+              </a:rPr>
+              <a:t> </a:t>
+            </a:r>
+            <a:r>
+              <a:rPr lang="de-DE" sz="2000" dirty="0" smtClean="0">
+                <a:solidFill>
+                  <a:srgbClr val="008000"/>
+                </a:solidFill>
+                <a:latin typeface="Consolas"/>
+              </a:rPr>
+              <a:t>//…</a:t>
+            </a:r>
+            <a:r>
+              <a:rPr lang="de-DE" sz="2000" dirty="0">
+                <a:solidFill>
+                  <a:srgbClr val="008000"/>
+                </a:solidFill>
+                <a:latin typeface="Consolas"/>
+              </a:rPr>
+              <a:t/>
+            </a:r>
+            <a:br>
+              <a:rPr lang="de-DE" sz="2000" dirty="0">
+                <a:solidFill>
+                  <a:srgbClr val="008000"/>
+                </a:solidFill>
+                <a:latin typeface="Consolas"/>
+              </a:rPr>
+            </a:br>
+            <a:r>
+              <a:rPr lang="de-DE" sz="2000" dirty="0">
+                <a:solidFill>
+                  <a:srgbClr val="000000"/>
+                </a:solidFill>
+                <a:latin typeface="Consolas"/>
+              </a:rPr>
+              <a:t>});</a:t>
+            </a:r>
+            <a:endParaRPr lang="de-DE" sz="2000" dirty="0" smtClean="0">
+              <a:solidFill>
+                <a:srgbClr val="000000"/>
+              </a:solidFill>
+              <a:latin typeface="Consolas"/>
+            </a:endParaRPr>
+          </a:p>
+          <a:p>
+            <a:pPr marL="0" indent="0">
+              <a:spcBef>
+                <a:spcPts val="2000"/>
+              </a:spcBef>
+              <a:buNone/>
+            </a:pPr>
+            <a:r>
+              <a:rPr lang="de-DE" dirty="0" smtClean="0"/>
+              <a:t>ASP.NET</a:t>
+            </a:r>
+            <a:br>
+              <a:rPr lang="de-DE" dirty="0" smtClean="0"/>
+            </a:br>
+            <a:r>
+              <a:rPr lang="de-DE" sz="1000" dirty="0" smtClean="0"/>
+              <a:t/>
+            </a:r>
+            <a:br>
+              <a:rPr lang="de-DE" sz="1000" dirty="0" smtClean="0"/>
+            </a:br>
+            <a:r>
+              <a:rPr lang="de-DE" sz="2000" dirty="0" err="1">
+                <a:solidFill>
+                  <a:srgbClr val="000000"/>
+                </a:solidFill>
+                <a:latin typeface="Consolas"/>
+              </a:rPr>
+              <a:t>app.UseCookieAuthentication</a:t>
+            </a:r>
+            <a:r>
+              <a:rPr lang="de-DE" sz="2000" dirty="0">
+                <a:solidFill>
+                  <a:srgbClr val="000000"/>
+                </a:solidFill>
+                <a:latin typeface="Consolas"/>
+              </a:rPr>
+              <a:t>( </a:t>
+            </a:r>
+            <a:r>
+              <a:rPr lang="de-DE" sz="2000" dirty="0" err="1">
+                <a:solidFill>
+                  <a:srgbClr val="0000FF"/>
+                </a:solidFill>
+                <a:latin typeface="Consolas"/>
+              </a:rPr>
+              <a:t>new</a:t>
+            </a:r>
+            <a:r>
+              <a:rPr lang="de-DE" sz="2000" dirty="0">
+                <a:solidFill>
+                  <a:srgbClr val="000000"/>
+                </a:solidFill>
+                <a:latin typeface="Consolas"/>
+              </a:rPr>
+              <a:t> </a:t>
+            </a:r>
+            <a:r>
+              <a:rPr lang="de-DE" sz="2000" dirty="0" err="1" smtClean="0">
+                <a:solidFill>
+                  <a:srgbClr val="0000FF"/>
+                </a:solidFill>
+                <a:latin typeface="Consolas"/>
+              </a:rPr>
+              <a:t>CookieAuthenticationOptions</a:t>
+            </a:r>
+            <a:r>
+              <a:rPr lang="de-DE" sz="2000" dirty="0" smtClean="0">
+                <a:solidFill>
+                  <a:srgbClr val="000000"/>
+                </a:solidFill>
+                <a:latin typeface="Consolas"/>
+              </a:rPr>
+              <a:t> {</a:t>
+            </a:r>
+            <a:br>
+              <a:rPr lang="de-DE" sz="2000" dirty="0" smtClean="0">
+                <a:solidFill>
+                  <a:srgbClr val="000000"/>
+                </a:solidFill>
+                <a:latin typeface="Consolas"/>
+              </a:rPr>
+            </a:br>
+            <a:r>
+              <a:rPr lang="de-DE" sz="2000" dirty="0">
+                <a:solidFill>
+                  <a:srgbClr val="A31515"/>
+                </a:solidFill>
+                <a:latin typeface="Consolas"/>
+              </a:rPr>
+              <a:t> </a:t>
+            </a:r>
+            <a:r>
+              <a:rPr lang="de-DE" sz="2000" dirty="0" smtClean="0">
+                <a:solidFill>
+                  <a:srgbClr val="A31515"/>
+                </a:solidFill>
+                <a:latin typeface="Consolas"/>
+              </a:rPr>
+              <a:t>  </a:t>
+            </a:r>
+            <a:r>
+              <a:rPr lang="de-DE" sz="2000" dirty="0" smtClean="0">
+                <a:solidFill>
+                  <a:srgbClr val="008000"/>
+                </a:solidFill>
+                <a:latin typeface="Consolas"/>
+              </a:rPr>
+              <a:t>//…</a:t>
+            </a:r>
+            <a:r>
+              <a:rPr lang="de-DE" sz="2000" dirty="0">
+                <a:solidFill>
+                  <a:srgbClr val="008000"/>
+                </a:solidFill>
+                <a:latin typeface="Consolas"/>
+              </a:rPr>
+              <a:t/>
+            </a:r>
+            <a:br>
+              <a:rPr lang="de-DE" sz="2000" dirty="0">
+                <a:solidFill>
+                  <a:srgbClr val="008000"/>
+                </a:solidFill>
+                <a:latin typeface="Consolas"/>
+              </a:rPr>
+            </a:br>
+            <a:r>
+              <a:rPr lang="de-DE" sz="2000" dirty="0" smtClean="0">
+                <a:solidFill>
+                  <a:srgbClr val="000000"/>
+                </a:solidFill>
+                <a:latin typeface="Consolas"/>
+              </a:rPr>
+              <a:t>   </a:t>
+            </a:r>
+            <a:r>
+              <a:rPr lang="de-DE" sz="2000" dirty="0" err="1" smtClean="0">
+                <a:solidFill>
+                  <a:srgbClr val="000000"/>
+                </a:solidFill>
+                <a:latin typeface="Consolas"/>
+              </a:rPr>
+              <a:t>CookieName</a:t>
+            </a:r>
+            <a:r>
+              <a:rPr lang="de-DE" sz="2000" dirty="0" smtClean="0">
+                <a:solidFill>
+                  <a:srgbClr val="000000"/>
+                </a:solidFill>
+                <a:latin typeface="Consolas"/>
+              </a:rPr>
+              <a:t> </a:t>
+            </a:r>
+            <a:r>
+              <a:rPr lang="de-DE" sz="2000" dirty="0">
+                <a:solidFill>
+                  <a:srgbClr val="000000"/>
+                </a:solidFill>
+                <a:latin typeface="Consolas"/>
+              </a:rPr>
+              <a:t>= </a:t>
+            </a:r>
+            <a:r>
+              <a:rPr lang="de-DE" sz="2000" dirty="0">
+                <a:solidFill>
+                  <a:srgbClr val="A31515"/>
+                </a:solidFill>
+                <a:latin typeface="Consolas"/>
+              </a:rPr>
+              <a:t>"DNC2017_SharedAuthCookie</a:t>
+            </a:r>
+            <a:r>
+              <a:rPr lang="de-DE" sz="2000" dirty="0" smtClean="0">
+                <a:solidFill>
+                  <a:srgbClr val="A31515"/>
+                </a:solidFill>
+                <a:latin typeface="Consolas"/>
+              </a:rPr>
+              <a:t>"</a:t>
+            </a:r>
+            <a:r>
+              <a:rPr lang="de-DE" sz="2000" dirty="0" smtClean="0">
+                <a:solidFill>
+                  <a:srgbClr val="000000"/>
+                </a:solidFill>
+                <a:latin typeface="Consolas"/>
+              </a:rPr>
+              <a:t>,</a:t>
+            </a:r>
+            <a:br>
+              <a:rPr lang="de-DE" sz="2000" dirty="0" smtClean="0">
+                <a:solidFill>
+                  <a:srgbClr val="000000"/>
+                </a:solidFill>
+                <a:latin typeface="Consolas"/>
+              </a:rPr>
+            </a:br>
+            <a:r>
+              <a:rPr lang="de-DE" sz="2000" dirty="0">
+                <a:solidFill>
+                  <a:srgbClr val="A31515"/>
+                </a:solidFill>
+                <a:latin typeface="Consolas"/>
+              </a:rPr>
+              <a:t> </a:t>
+            </a:r>
+            <a:r>
+              <a:rPr lang="de-DE" sz="2000" dirty="0" smtClean="0">
+                <a:solidFill>
+                  <a:srgbClr val="A31515"/>
+                </a:solidFill>
+                <a:latin typeface="Consolas"/>
+              </a:rPr>
+              <a:t>  </a:t>
+            </a:r>
+            <a:r>
+              <a:rPr lang="de-DE" sz="2000" dirty="0" smtClean="0">
+                <a:solidFill>
+                  <a:srgbClr val="008000"/>
+                </a:solidFill>
+                <a:latin typeface="Consolas"/>
+              </a:rPr>
+              <a:t>//…</a:t>
+            </a:r>
+            <a:r>
+              <a:rPr lang="de-DE" sz="2000" dirty="0">
+                <a:solidFill>
+                  <a:srgbClr val="008000"/>
+                </a:solidFill>
+                <a:latin typeface="Consolas"/>
+              </a:rPr>
+              <a:t/>
+            </a:r>
+            <a:br>
+              <a:rPr lang="de-DE" sz="2000" dirty="0">
+                <a:solidFill>
+                  <a:srgbClr val="008000"/>
+                </a:solidFill>
+                <a:latin typeface="Consolas"/>
+              </a:rPr>
+            </a:br>
+            <a:r>
+              <a:rPr lang="de-DE" sz="2000" dirty="0">
+                <a:solidFill>
+                  <a:srgbClr val="000000"/>
+                </a:solidFill>
+                <a:latin typeface="Consolas"/>
+              </a:rPr>
+              <a:t>});</a:t>
+            </a:r>
+          </a:p>
+          <a:p>
+            <a:pPr marL="0" indent="0">
+              <a:buNone/>
+            </a:pPr>
+            <a:endParaRPr lang="de-DE" sz="2000" dirty="0"/>
           </a:p>
         </p:txBody>
       </p:sp>
     </p:spTree>
     <p:extLst>
       <p:ext uri="{BB962C8B-B14F-4D97-AF65-F5344CB8AC3E}">
-        <p14:creationId xmlns:p14="http://schemas.microsoft.com/office/powerpoint/2010/main" val="2969951702"/>
+        <p14:creationId xmlns:p14="http://schemas.microsoft.com/office/powerpoint/2010/main" val="1148950576"/>
       </p:ext>
     </p:extLst>
   </p:cSld>
@@ -7749,7 +7819,7 @@
           <a:p>
             <a:r>
               <a:rPr lang="de-DE" dirty="0" smtClean="0"/>
-              <a:t>Cookie Namen angleichen</a:t>
+              <a:t>Cookie Pfad anpassen</a:t>
             </a:r>
             <a:endParaRPr lang="de-DE" dirty="0"/>
           </a:p>
@@ -7775,7 +7845,7 @@
             </a:pPr>
             <a:r>
               <a:rPr lang="de-DE" dirty="0" smtClean="0"/>
-              <a:t>damit beide Frameworks das gleiche Cookie nutzen:</a:t>
+              <a:t>damit das Cookie an beide Seiten vom Browser geschickt wird:</a:t>
             </a:r>
           </a:p>
           <a:p>
@@ -7784,7 +7854,238 @@
             </a:pPr>
             <a:r>
               <a:rPr lang="de-DE" dirty="0" smtClean="0"/>
-              <a:t>ASP.NET Core</a:t>
+              <a:t>ASP.NET </a:t>
+            </a:r>
+            <a:r>
+              <a:rPr lang="de-DE" dirty="0"/>
+              <a:t>Core</a:t>
+            </a:r>
+            <a:br>
+              <a:rPr lang="de-DE" dirty="0"/>
+            </a:br>
+            <a:r>
+              <a:rPr lang="de-DE" sz="1000" dirty="0"/>
+              <a:t/>
+            </a:r>
+            <a:br>
+              <a:rPr lang="de-DE" sz="1000" dirty="0"/>
+            </a:br>
+            <a:r>
+              <a:rPr lang="de-DE" sz="2000" dirty="0" err="1">
+                <a:solidFill>
+                  <a:srgbClr val="000000"/>
+                </a:solidFill>
+                <a:latin typeface="Consolas"/>
+              </a:rPr>
+              <a:t>app.UseCookieAuthentication</a:t>
+            </a:r>
+            <a:r>
+              <a:rPr lang="de-DE" sz="2000" dirty="0">
+                <a:solidFill>
+                  <a:srgbClr val="000000"/>
+                </a:solidFill>
+                <a:latin typeface="Consolas"/>
+              </a:rPr>
+              <a:t>(</a:t>
+            </a:r>
+            <a:r>
+              <a:rPr lang="de-DE" sz="2000" dirty="0" err="1">
+                <a:solidFill>
+                  <a:srgbClr val="0000FF"/>
+                </a:solidFill>
+                <a:latin typeface="Consolas"/>
+              </a:rPr>
+              <a:t>new</a:t>
+            </a:r>
+            <a:r>
+              <a:rPr lang="de-DE" sz="2000" dirty="0">
+                <a:solidFill>
+                  <a:srgbClr val="000000"/>
+                </a:solidFill>
+                <a:latin typeface="Consolas"/>
+              </a:rPr>
+              <a:t> </a:t>
+            </a:r>
+            <a:r>
+              <a:rPr lang="de-DE" sz="2000" dirty="0" err="1">
+                <a:solidFill>
+                  <a:srgbClr val="0000FF"/>
+                </a:solidFill>
+                <a:latin typeface="Consolas"/>
+              </a:rPr>
+              <a:t>CookieAuthenticationOptions</a:t>
+            </a:r>
+            <a:r>
+              <a:rPr lang="de-DE" sz="2000" dirty="0">
+                <a:solidFill>
+                  <a:srgbClr val="000000"/>
+                </a:solidFill>
+                <a:latin typeface="Consolas"/>
+              </a:rPr>
+              <a:t> </a:t>
+            </a:r>
+            <a:r>
+              <a:rPr lang="de-DE" sz="2000" dirty="0" smtClean="0">
+                <a:solidFill>
+                  <a:srgbClr val="000000"/>
+                </a:solidFill>
+                <a:latin typeface="Consolas"/>
+              </a:rPr>
+              <a:t>{</a:t>
+            </a:r>
+            <a:br>
+              <a:rPr lang="de-DE" sz="2000" dirty="0" smtClean="0">
+                <a:solidFill>
+                  <a:srgbClr val="000000"/>
+                </a:solidFill>
+                <a:latin typeface="Consolas"/>
+              </a:rPr>
+            </a:br>
+            <a:r>
+              <a:rPr lang="de-DE" sz="2000" dirty="0" smtClean="0">
+                <a:solidFill>
+                  <a:srgbClr val="000000"/>
+                </a:solidFill>
+                <a:latin typeface="Consolas"/>
+              </a:rPr>
+              <a:t>  </a:t>
+            </a:r>
+            <a:r>
+              <a:rPr lang="de-DE" sz="2000" dirty="0" smtClean="0">
+                <a:solidFill>
+                  <a:srgbClr val="008000"/>
+                </a:solidFill>
+                <a:latin typeface="Consolas"/>
+              </a:rPr>
+              <a:t>//…</a:t>
+            </a:r>
+            <a:r>
+              <a:rPr lang="de-DE" sz="2000" dirty="0">
+                <a:solidFill>
+                  <a:srgbClr val="000000"/>
+                </a:solidFill>
+                <a:latin typeface="Consolas"/>
+              </a:rPr>
+              <a:t/>
+            </a:r>
+            <a:br>
+              <a:rPr lang="de-DE" sz="2000" dirty="0">
+                <a:solidFill>
+                  <a:srgbClr val="000000"/>
+                </a:solidFill>
+                <a:latin typeface="Consolas"/>
+              </a:rPr>
+            </a:br>
+            <a:r>
+              <a:rPr lang="de-DE" sz="2000" dirty="0">
+                <a:solidFill>
+                  <a:srgbClr val="000000"/>
+                </a:solidFill>
+                <a:latin typeface="Consolas"/>
+              </a:rPr>
+              <a:t> </a:t>
+            </a:r>
+            <a:r>
+              <a:rPr lang="de-DE" sz="2000" dirty="0" smtClean="0">
+                <a:solidFill>
+                  <a:srgbClr val="000000"/>
+                </a:solidFill>
+                <a:latin typeface="Consolas"/>
+              </a:rPr>
+              <a:t> </a:t>
+            </a:r>
+            <a:r>
+              <a:rPr lang="de-DE" sz="2000" dirty="0" err="1" smtClean="0"/>
+              <a:t>CookiePath</a:t>
+            </a:r>
+            <a:r>
+              <a:rPr lang="de-DE" sz="2000" dirty="0" smtClean="0"/>
+              <a:t> </a:t>
+            </a:r>
+            <a:r>
+              <a:rPr lang="de-DE" sz="2000" dirty="0"/>
+              <a:t>= </a:t>
+            </a:r>
+            <a:r>
+              <a:rPr lang="de-DE" sz="2000" dirty="0" smtClean="0">
+                <a:solidFill>
+                  <a:srgbClr val="A31515"/>
+                </a:solidFill>
+                <a:latin typeface="Consolas"/>
+              </a:rPr>
+              <a:t>"/",</a:t>
+            </a:r>
+            <a:br>
+              <a:rPr lang="de-DE" sz="2000" dirty="0" smtClean="0">
+                <a:solidFill>
+                  <a:srgbClr val="A31515"/>
+                </a:solidFill>
+                <a:latin typeface="Consolas"/>
+              </a:rPr>
+            </a:br>
+            <a:r>
+              <a:rPr lang="de-DE" sz="2000" dirty="0" smtClean="0">
+                <a:solidFill>
+                  <a:srgbClr val="A31515"/>
+                </a:solidFill>
+                <a:latin typeface="Consolas"/>
+              </a:rPr>
+              <a:t>  </a:t>
+            </a:r>
+            <a:r>
+              <a:rPr lang="de-DE" sz="2000" dirty="0" smtClean="0">
+                <a:solidFill>
+                  <a:srgbClr val="008000"/>
+                </a:solidFill>
+                <a:latin typeface="Consolas"/>
+              </a:rPr>
+              <a:t>//…</a:t>
+            </a:r>
+            <a:br>
+              <a:rPr lang="de-DE" sz="2000" dirty="0" smtClean="0">
+                <a:solidFill>
+                  <a:srgbClr val="008000"/>
+                </a:solidFill>
+                <a:latin typeface="Consolas"/>
+              </a:rPr>
+            </a:br>
+            <a:r>
+              <a:rPr lang="de-DE" sz="2000" dirty="0" smtClean="0">
+                <a:solidFill>
+                  <a:srgbClr val="000000"/>
+                </a:solidFill>
+                <a:latin typeface="Consolas"/>
+              </a:rPr>
+              <a:t>});</a:t>
+            </a:r>
+            <a:br>
+              <a:rPr lang="de-DE" sz="2000" dirty="0" smtClean="0">
+                <a:solidFill>
+                  <a:srgbClr val="000000"/>
+                </a:solidFill>
+                <a:latin typeface="Consolas"/>
+              </a:rPr>
+            </a:br>
+            <a:r>
+              <a:rPr lang="de-DE" sz="2000" dirty="0">
+                <a:solidFill>
+                  <a:srgbClr val="008000"/>
+                </a:solidFill>
+                <a:latin typeface="Consolas"/>
+              </a:rPr>
+              <a:t/>
+            </a:r>
+            <a:br>
+              <a:rPr lang="de-DE" sz="2000" dirty="0">
+                <a:solidFill>
+                  <a:srgbClr val="008000"/>
+                </a:solidFill>
+                <a:latin typeface="Consolas"/>
+              </a:rPr>
+            </a:br>
+            <a:r>
+              <a:rPr lang="de-DE" dirty="0" smtClean="0"/>
+              <a:t>ASP.NET</a:t>
             </a:r>
             <a:br>
               <a:rPr lang="de-DE" dirty="0" smtClean="0"/>
@@ -7812,7 +8113,7 @@
                 </a:solidFill>
                 <a:latin typeface="Consolas"/>
               </a:rPr>
-              <a:t>(</a:t>
+              <a:t>( </a:t>
             </a:r>
             <a:r>
               <a:rPr lang="de-DE" sz="2000" dirty="0" err="1" smtClean="0">
@@ -7848,144 +8149,56 @@
                 </a:solidFill>
                 <a:latin typeface="Consolas"/>
               </a:rPr>
-              <a:t> {</a:t>
-            </a:r>
-            <a:br>
-              <a:rPr lang="de-DE" sz="2000" dirty="0" smtClean="0">
-                <a:solidFill>
-                  <a:srgbClr val="000000"/>
-                </a:solidFill>
-                <a:latin typeface="Consolas"/>
-              </a:rPr>
-            </a:br>
+              <a:t> </a:t>
+            </a:r>
             <a:r>
               <a:rPr lang="de-DE" sz="2000" dirty="0">
                 <a:solidFill>
-                  <a:srgbClr val="A31515"/>
-                </a:solidFill>
-                <a:latin typeface="Consolas"/>
-              </a:rPr>
-              <a:t> </a:t>
-            </a:r>
-            <a:r>
-              <a:rPr lang="de-DE" sz="2000" dirty="0" smtClean="0">
-                <a:solidFill>
-                  <a:srgbClr val="A31515"/>
-                </a:solidFill>
-                <a:latin typeface="Consolas"/>
-              </a:rPr>
-              <a:t> </a:t>
-            </a:r>
-            <a:r>
-              <a:rPr lang="de-DE" sz="2000" dirty="0" smtClean="0">
-                <a:solidFill>
-                  <a:srgbClr val="008000"/>
-                </a:solidFill>
-                <a:latin typeface="Consolas"/>
-              </a:rPr>
-              <a:t>//…</a:t>
-            </a:r>
-            <a:r>
-              <a:rPr lang="de-DE" sz="2000" dirty="0">
-                <a:solidFill>
-                  <a:srgbClr val="008000"/>
-                </a:solidFill>
-                <a:latin typeface="Consolas"/>
-              </a:rPr>
-              <a:t/>
+                  <a:srgbClr val="000000"/>
+                </a:solidFill>
+                <a:latin typeface="Consolas"/>
+              </a:rPr>
+              <a:t>{</a:t>
             </a:r>
             <a:br>
               <a:rPr lang="de-DE" sz="2000" dirty="0">
                 <a:solidFill>
+                  <a:srgbClr val="000000"/>
+                </a:solidFill>
+                <a:latin typeface="Consolas"/>
+              </a:rPr>
+            </a:br>
+            <a:r>
+              <a:rPr lang="de-DE" sz="2000" dirty="0">
+                <a:solidFill>
+                  <a:srgbClr val="000000"/>
+                </a:solidFill>
+                <a:latin typeface="Consolas"/>
+              </a:rPr>
+              <a:t> </a:t>
+            </a:r>
+            <a:r>
+              <a:rPr lang="de-DE" sz="2000" dirty="0" smtClean="0">
+                <a:solidFill>
+                  <a:srgbClr val="000000"/>
+                </a:solidFill>
+                <a:latin typeface="Consolas"/>
+              </a:rPr>
+              <a:t> </a:t>
+            </a:r>
+            <a:r>
+              <a:rPr lang="de-DE" sz="2000" dirty="0" smtClean="0">
+                <a:solidFill>
                   <a:srgbClr val="008000"/>
                 </a:solidFill>
                 <a:latin typeface="Consolas"/>
               </a:rPr>
-            </a:br>
-            <a:r>
-              <a:rPr lang="de-DE" sz="2000" dirty="0" smtClean="0">
-                <a:solidFill>
-                  <a:srgbClr val="000000"/>
-                </a:solidFill>
-                <a:latin typeface="Consolas"/>
-              </a:rPr>
-              <a:t>  </a:t>
-            </a:r>
-            <a:r>
-              <a:rPr lang="de-DE" sz="2000" dirty="0" err="1" smtClean="0">
-                <a:solidFill>
-                  <a:srgbClr val="000000"/>
-                </a:solidFill>
-                <a:latin typeface="Consolas"/>
-              </a:rPr>
-              <a:t>CookieName</a:t>
-            </a:r>
-            <a:r>
-              <a:rPr lang="de-DE" sz="2000" dirty="0" smtClean="0">
-                <a:solidFill>
-                  <a:srgbClr val="000000"/>
-                </a:solidFill>
-                <a:latin typeface="Consolas"/>
-              </a:rPr>
-              <a:t> = </a:t>
-            </a:r>
-            <a:r>
-              <a:rPr lang="de-DE" sz="2000" dirty="0" smtClean="0">
-                <a:solidFill>
-                  <a:srgbClr val="A31515"/>
-                </a:solidFill>
-                <a:latin typeface="Consolas"/>
-              </a:rPr>
-              <a:t>"DNC2017_SharedAuthCookie"</a:t>
-            </a:r>
-            <a:r>
-              <a:rPr lang="de-DE" sz="2000" dirty="0" smtClean="0">
-                <a:solidFill>
-                  <a:srgbClr val="000000"/>
-                </a:solidFill>
-                <a:latin typeface="Consolas"/>
-              </a:rPr>
-              <a:t>, </a:t>
-            </a:r>
-            <a:br>
-              <a:rPr lang="de-DE" sz="2000" dirty="0" smtClean="0">
-                <a:solidFill>
-                  <a:srgbClr val="000000"/>
-                </a:solidFill>
-                <a:latin typeface="Consolas"/>
-              </a:rPr>
-            </a:br>
+              <a:t>//…</a:t>
+            </a:r>
             <a:r>
               <a:rPr lang="de-DE" sz="2000" dirty="0">
                 <a:solidFill>
-                  <a:srgbClr val="A31515"/>
-                </a:solidFill>
-                <a:latin typeface="Consolas"/>
-              </a:rPr>
-              <a:t> </a:t>
-            </a:r>
-            <a:r>
-              <a:rPr lang="de-DE" sz="2000" dirty="0" smtClean="0">
-                <a:solidFill>
-                  <a:srgbClr val="A31515"/>
-                </a:solidFill>
-                <a:latin typeface="Consolas"/>
-              </a:rPr>
-              <a:t> </a:t>
-            </a:r>
-            <a:r>
-              <a:rPr lang="de-DE" sz="2000" dirty="0" smtClean="0">
-                <a:solidFill>
-                  <a:srgbClr val="008000"/>
-                </a:solidFill>
-                <a:latin typeface="Consolas"/>
-              </a:rPr>
-              <a:t>//…</a:t>
-            </a:r>
-            <a:r>
-              <a:rPr lang="de-DE" sz="2000" dirty="0">
-                <a:solidFill>
-                  <a:srgbClr val="008000"/>
+                  <a:srgbClr val="000000"/>
                 </a:solidFill>
                 <a:latin typeface="Consolas"/>
               </a:rPr>
@@ -7994,10 +8207,79 @@
             <a:br>
               <a:rPr lang="de-DE" sz="2000" dirty="0">
                 <a:solidFill>
+                  <a:srgbClr val="000000"/>
+                </a:solidFill>
+                <a:latin typeface="Consolas"/>
+              </a:rPr>
+            </a:br>
+            <a:r>
+              <a:rPr lang="de-DE" sz="2000" dirty="0" smtClean="0">
+                <a:solidFill>
+                  <a:srgbClr val="000000"/>
+                </a:solidFill>
+                <a:latin typeface="Consolas"/>
+              </a:rPr>
+              <a:t>  </a:t>
+            </a:r>
+            <a:r>
+              <a:rPr lang="de-DE" sz="2000" dirty="0" err="1"/>
+              <a:t>CookiePath</a:t>
+            </a:r>
+            <a:r>
+              <a:rPr lang="de-DE" sz="2000" dirty="0"/>
+              <a:t> = </a:t>
+            </a:r>
+            <a:r>
+              <a:rPr lang="de-DE" sz="2000" dirty="0" smtClean="0">
+                <a:solidFill>
+                  <a:srgbClr val="A31515"/>
+                </a:solidFill>
+                <a:latin typeface="Consolas"/>
+              </a:rPr>
+              <a:t>"/",</a:t>
+            </a:r>
+            <a:br>
+              <a:rPr lang="de-DE" sz="2000" dirty="0" smtClean="0">
+                <a:solidFill>
+                  <a:srgbClr val="A31515"/>
+                </a:solidFill>
+                <a:latin typeface="Consolas"/>
+              </a:rPr>
+            </a:br>
+            <a:r>
+              <a:rPr lang="de-DE" sz="2000" dirty="0">
+                <a:solidFill>
                   <a:srgbClr val="008000"/>
                 </a:solidFill>
                 <a:latin typeface="Consolas"/>
               </a:rPr>
+              <a:t> </a:t>
+            </a:r>
+            <a:r>
+              <a:rPr lang="de-DE" sz="2000" dirty="0" smtClean="0">
+                <a:solidFill>
+                  <a:srgbClr val="008000"/>
+                </a:solidFill>
+                <a:latin typeface="Consolas"/>
+              </a:rPr>
+              <a:t> //…</a:t>
+            </a:r>
+            <a:r>
+              <a:rPr lang="de-DE" sz="3200" dirty="0">
+                <a:solidFill>
+                  <a:srgbClr val="000000"/>
+                </a:solidFill>
+                <a:latin typeface="Consolas"/>
+              </a:rPr>
+              <a:t/>
+            </a:r>
+            <a:br>
+              <a:rPr lang="de-DE" sz="3200" dirty="0">
+                <a:solidFill>
+                  <a:srgbClr val="000000"/>
+                </a:solidFill>
+                <a:latin typeface="Consolas"/>
+              </a:rPr>
             </a:br>
             <a:r>
               <a:rPr lang="de-DE" sz="2000" dirty="0">
@@ -8008,296 +8290,19 @@
               </a:rPr>
               <a:t>});</a:t>
             </a:r>
-            <a:endParaRPr lang="de-DE" sz="2000" dirty="0" smtClean="0">
-              <a:solidFill>
-                <a:srgbClr val="000000"/>
-              </a:solidFill>
-              <a:latin typeface="Consolas"/>
-            </a:endParaRPr>
-          </a:p>
-          <a:p>
-            <a:pPr marL="0" indent="0">
-              <a:spcBef>
-                <a:spcPts val="2000"/>
-              </a:spcBef>
-              <a:buNone/>
-            </a:pPr>
-            <a:r>
-              <a:rPr lang="de-DE" dirty="0" smtClean="0"/>
-              <a:t>ASP.NET</a:t>
-            </a:r>
-            <a:r>
-              <a:rPr lang="de-DE" dirty="0" smtClean="0"/>
-              <a:t/>
-            </a:r>
-            <a:br>
-              <a:rPr lang="de-DE" dirty="0" smtClean="0"/>
-            </a:br>
-            <a:r>
-              <a:rPr lang="de-DE" sz="1000" dirty="0" smtClean="0"/>
-              <a:t/>
-            </a:r>
-            <a:br>
-              <a:rPr lang="de-DE" sz="1000" dirty="0" smtClean="0"/>
-            </a:br>
-            <a:r>
-              <a:rPr lang="de-DE" sz="2000" dirty="0" err="1">
-                <a:solidFill>
-                  <a:srgbClr val="000000"/>
-                </a:solidFill>
-                <a:latin typeface="Consolas"/>
-              </a:rPr>
-              <a:t>app.UseCookieAuthentication</a:t>
-            </a:r>
-            <a:r>
-              <a:rPr lang="de-DE" sz="2000" dirty="0">
-                <a:solidFill>
-                  <a:srgbClr val="000000"/>
-                </a:solidFill>
-                <a:latin typeface="Consolas"/>
-              </a:rPr>
-              <a:t>( </a:t>
-            </a:r>
-            <a:r>
-              <a:rPr lang="de-DE" sz="2000" dirty="0" err="1">
-                <a:solidFill>
-                  <a:srgbClr val="0000FF"/>
-                </a:solidFill>
-                <a:latin typeface="Consolas"/>
-              </a:rPr>
-              <a:t>new</a:t>
-            </a:r>
-            <a:r>
-              <a:rPr lang="de-DE" sz="2000" dirty="0">
-                <a:solidFill>
-                  <a:srgbClr val="000000"/>
-                </a:solidFill>
-                <a:latin typeface="Consolas"/>
-              </a:rPr>
-              <a:t> </a:t>
-            </a:r>
-            <a:r>
-              <a:rPr lang="de-DE" sz="2000" dirty="0" err="1" smtClean="0">
-                <a:solidFill>
-                  <a:srgbClr val="0000FF"/>
-                </a:solidFill>
-                <a:latin typeface="Consolas"/>
-              </a:rPr>
-              <a:t>CookieAuthenticationOptions</a:t>
-            </a:r>
-            <a:r>
-              <a:rPr lang="de-DE" sz="2000" dirty="0" smtClean="0">
-                <a:solidFill>
-                  <a:srgbClr val="000000"/>
-                </a:solidFill>
-                <a:latin typeface="Consolas"/>
-              </a:rPr>
-              <a:t> </a:t>
-            </a:r>
-            <a:r>
-              <a:rPr lang="de-DE" sz="2000" dirty="0" smtClean="0">
-                <a:solidFill>
-                  <a:srgbClr val="000000"/>
-                </a:solidFill>
-                <a:latin typeface="Consolas"/>
-              </a:rPr>
-              <a:t>{</a:t>
-            </a:r>
-            <a:br>
-              <a:rPr lang="de-DE" sz="2000" dirty="0" smtClean="0">
-                <a:solidFill>
-                  <a:srgbClr val="000000"/>
-                </a:solidFill>
-                <a:latin typeface="Consolas"/>
-              </a:rPr>
-            </a:br>
-            <a:r>
-              <a:rPr lang="de-DE" sz="2000" dirty="0">
-                <a:solidFill>
-                  <a:srgbClr val="A31515"/>
-                </a:solidFill>
-                <a:latin typeface="Consolas"/>
-              </a:rPr>
-              <a:t> </a:t>
-            </a:r>
-            <a:r>
-              <a:rPr lang="de-DE" sz="2000" dirty="0" smtClean="0">
-                <a:solidFill>
-                  <a:srgbClr val="A31515"/>
-                </a:solidFill>
-                <a:latin typeface="Consolas"/>
-              </a:rPr>
-              <a:t>  </a:t>
-            </a:r>
-            <a:r>
-              <a:rPr lang="de-DE" sz="2000" dirty="0" smtClean="0">
-                <a:solidFill>
-                  <a:srgbClr val="008000"/>
-                </a:solidFill>
-                <a:latin typeface="Consolas"/>
-              </a:rPr>
-              <a:t>//…</a:t>
-            </a:r>
-            <a:r>
-              <a:rPr lang="de-DE" sz="2000" dirty="0">
-                <a:solidFill>
-                  <a:srgbClr val="008000"/>
-                </a:solidFill>
-                <a:latin typeface="Consolas"/>
-              </a:rPr>
-              <a:t/>
-            </a:r>
-            <a:br>
-              <a:rPr lang="de-DE" sz="2000" dirty="0">
-                <a:solidFill>
-                  <a:srgbClr val="008000"/>
-                </a:solidFill>
-                <a:latin typeface="Consolas"/>
-              </a:rPr>
-            </a:br>
-            <a:r>
-              <a:rPr lang="de-DE" sz="2000" dirty="0" smtClean="0">
-                <a:solidFill>
-                  <a:srgbClr val="000000"/>
-                </a:solidFill>
-                <a:latin typeface="Consolas"/>
-              </a:rPr>
-              <a:t>   </a:t>
-            </a:r>
-            <a:r>
-              <a:rPr lang="de-DE" sz="2000" dirty="0" err="1" smtClean="0">
-                <a:solidFill>
-                  <a:srgbClr val="000000"/>
-                </a:solidFill>
-                <a:latin typeface="Consolas"/>
-              </a:rPr>
-              <a:t>CookieName</a:t>
-            </a:r>
-            <a:r>
-              <a:rPr lang="de-DE" sz="2000" dirty="0" smtClean="0">
-                <a:solidFill>
-                  <a:srgbClr val="000000"/>
-                </a:solidFill>
-                <a:latin typeface="Consolas"/>
-              </a:rPr>
-              <a:t> </a:t>
-            </a:r>
-            <a:r>
-              <a:rPr lang="de-DE" sz="2000" dirty="0">
-                <a:solidFill>
-                  <a:srgbClr val="000000"/>
-                </a:solidFill>
-                <a:latin typeface="Consolas"/>
-              </a:rPr>
-              <a:t>= </a:t>
-            </a:r>
-            <a:r>
-              <a:rPr lang="de-DE" sz="2000" dirty="0">
-                <a:solidFill>
-                  <a:srgbClr val="A31515"/>
-                </a:solidFill>
-                <a:latin typeface="Consolas"/>
-              </a:rPr>
-              <a:t>"DNC2017_SharedAuthCookie</a:t>
-            </a:r>
-            <a:r>
-              <a:rPr lang="de-DE" sz="2000" dirty="0" smtClean="0">
-                <a:solidFill>
-                  <a:srgbClr val="A31515"/>
-                </a:solidFill>
-                <a:latin typeface="Consolas"/>
-              </a:rPr>
-              <a:t>"</a:t>
-            </a:r>
-            <a:r>
-              <a:rPr lang="de-DE" sz="2000" dirty="0" smtClean="0">
-                <a:solidFill>
-                  <a:srgbClr val="000000"/>
-                </a:solidFill>
-                <a:latin typeface="Consolas"/>
-              </a:rPr>
-              <a:t>,</a:t>
-            </a:r>
-            <a:br>
-              <a:rPr lang="de-DE" sz="2000" dirty="0" smtClean="0">
-                <a:solidFill>
-                  <a:srgbClr val="000000"/>
-                </a:solidFill>
-                <a:latin typeface="Consolas"/>
-              </a:rPr>
-            </a:br>
-            <a:r>
-              <a:rPr lang="de-DE" sz="2000" dirty="0">
-                <a:solidFill>
-                  <a:srgbClr val="A31515"/>
-                </a:solidFill>
-                <a:latin typeface="Consolas"/>
-              </a:rPr>
-              <a:t> </a:t>
-            </a:r>
-            <a:r>
-              <a:rPr lang="de-DE" sz="2000" dirty="0" smtClean="0">
-                <a:solidFill>
-                  <a:srgbClr val="A31515"/>
-                </a:solidFill>
-                <a:latin typeface="Consolas"/>
-              </a:rPr>
-              <a:t>  </a:t>
-            </a:r>
-            <a:r>
-              <a:rPr lang="de-DE" sz="2000" dirty="0" smtClean="0">
-                <a:solidFill>
-                  <a:srgbClr val="008000"/>
-                </a:solidFill>
-                <a:latin typeface="Consolas"/>
-              </a:rPr>
-              <a:t>//…</a:t>
-            </a:r>
-            <a:r>
-              <a:rPr lang="de-DE" sz="2000" dirty="0">
-                <a:solidFill>
-                  <a:srgbClr val="008000"/>
-                </a:solidFill>
-                <a:latin typeface="Consolas"/>
-              </a:rPr>
-              <a:t/>
-            </a:r>
-            <a:br>
-              <a:rPr lang="de-DE" sz="2000" dirty="0">
-                <a:solidFill>
-                  <a:srgbClr val="008000"/>
-                </a:solidFill>
-                <a:latin typeface="Consolas"/>
-              </a:rPr>
-            </a:br>
-            <a:r>
-              <a:rPr lang="de-DE" sz="2000" dirty="0">
-                <a:solidFill>
-                  <a:srgbClr val="000000"/>
-                </a:solidFill>
-                <a:latin typeface="Consolas"/>
-              </a:rPr>
-              <a:t>});</a:t>
-            </a:r>
-            <a:endParaRPr lang="de-DE" sz="2000" dirty="0">
-              <a:solidFill>
-                <a:srgbClr val="000000"/>
-              </a:solidFill>
-              <a:latin typeface="Consolas"/>
-            </a:endParaRPr>
           </a:p>
           <a:p>
             <a:pPr marL="0" indent="0">
               <a:buNone/>
             </a:pPr>
-            <a:endParaRPr lang="de-DE" sz="2000" dirty="0"/>
+            <a:endParaRPr lang="de-DE" dirty="0"/>
           </a:p>
         </p:txBody>
       </p:sp>
     </p:spTree>
     <p:extLst>
       <p:ext uri="{BB962C8B-B14F-4D97-AF65-F5344CB8AC3E}">
-        <p14:creationId xmlns:p14="http://schemas.microsoft.com/office/powerpoint/2010/main" val="1148950576"/>
+        <p14:creationId xmlns:p14="http://schemas.microsoft.com/office/powerpoint/2010/main" val="1595899780"/>
       </p:ext>
     </p:extLst>
   </p:cSld>
@@ -8437,67 +8442,6 @@
                       </p:childTnLst>
                     </p:cTn>
                   </p:par>
-                  <p:par>
-                    <p:cTn id="13" fill="hold">
-                      <p:stCondLst>
-                        <p:cond delay="indefinite"/>
-                      </p:stCondLst>
-                      <p:childTnLst>
-                        <p:par>
-                          <p:cTn id="14" fill="hold">
-                            <p:stCondLst>
-                              <p:cond delay="0"/>
-                            </p:stCondLst>
-                            <p:childTnLst>
-                              <p:par>
-                                <p:cTn id="15" presetID="10" presetClass="entr" presetSubtype="0" fill="hold" nodeType="clickEffect">
-                                  <p:stCondLst>
-                                    <p:cond delay="0"/>
-                                  </p:stCondLst>
-                                  <p:childTnLst>
-                                    <p:set>
-                                      <p:cBhvr>
-                                        <p:cTn id="16" dur="1" fill="hold">
-                                          <p:stCondLst>
-                                            <p:cond delay="0"/>
-                                          </p:stCondLst>
-                                        </p:cTn>
-                                        <p:tgtEl>
-                                          <p:spTgt spid="3">
-                                            <p:txEl>
-                                              <p:pRg st="2" end="2"/>
-                                            </p:txEl>
-                                          </p:spTgt>
-                                        </p:tgtEl>
-                                        <p:attrNameLst>
-                                          <p:attrName>style.visibility</p:attrName>
-                                        </p:attrNameLst>
-                                      </p:cBhvr>
-                                      <p:to>
-                                        <p:strVal val="visible"/>
-                                      </p:to>
-                                    </p:set>
-                                    <p:animEffect transition="in" filter="fade">
-                                      <p:cBhvr>
-                                        <p:cTn id="17" dur="500"/>
-                                        <p:tgtEl>
-                                          <p:spTgt spid="3">
-                                            <p:txEl>
-                                              <p:pRg st="2" end="2"/>
-                                            </p:txEl>
-                                          </p:spTgt>
-                                        </p:tgtEl>
-                                      </p:cBhvr>
-                                    </p:animEffect>
-                                  </p:childTnLst>
-                                </p:cTn>
-                              </p:par>
-                            </p:childTnLst>
-                          </p:cTn>
-                        </p:par>
-                      </p:childTnLst>
-                    </p:cTn>
-                  </p:par>
                 </p:childTnLst>
               </p:cTn>
               <p:prevCondLst>
@@ -8557,7 +8501,7 @@
           <a:p>
             <a:r>
               <a:rPr lang="de-DE" dirty="0" smtClean="0"/>
-              <a:t>Cookie Pfad anpassen</a:t>
+              <a:t>Cookie Secure Option angleichen</a:t>
             </a:r>
             <a:endParaRPr lang="de-DE" dirty="0"/>
           </a:p>
@@ -8565,7 +8509,7 @@
       </p:sp>
       <p:sp>
         <p:nvSpPr>
-          <p:cNvPr id="3" name="Inhaltsplatzhalter 2"/>
+          <p:cNvPr id="4" name="Inhaltsplatzhalter 2"/>
           <p:cNvSpPr>
             <a:spLocks noGrp="1"/>
           </p:cNvSpPr>
@@ -8573,7 +8517,12 @@
             <p:ph idx="1"/>
           </p:nvPr>
         </p:nvSpPr>
-        <p:spPr/>
+        <p:spPr>
+          <a:xfrm>
+            <a:off x="695401" y="1296144"/>
+            <a:ext cx="10829888" cy="5589240"/>
+          </a:xfrm>
+        </p:spPr>
         <p:txBody>
           <a:bodyPr/>
           <a:lstStyle/>
@@ -8583,7 +8532,7 @@
             </a:pPr>
             <a:r>
               <a:rPr lang="de-DE" dirty="0" smtClean="0"/>
-              <a:t>damit das Cookie an beide Seiten vom Browser geschickt wird:</a:t>
+              <a:t>damit beide Frameworks vom gleichen ausgehen:</a:t>
             </a:r>
           </a:p>
           <a:p>
@@ -8660,51 +8609,7 @@
                 </a:solidFill>
                 <a:latin typeface="Consolas"/>
               </a:rPr>
-              <a:t> </a:t>
-            </a:r>
-            <a:r>
-              <a:rPr lang="de-DE" sz="2000" dirty="0" smtClean="0">
-                <a:solidFill>
-                  <a:srgbClr val="000000"/>
-                </a:solidFill>
-                <a:latin typeface="Consolas"/>
-              </a:rPr>
-              <a:t>{</a:t>
-            </a:r>
-            <a:br>
-              <a:rPr lang="de-DE" sz="2000" dirty="0" smtClean="0">
-                <a:solidFill>
-                  <a:srgbClr val="000000"/>
-                </a:solidFill>
-                <a:latin typeface="Consolas"/>
-              </a:rPr>
-            </a:br>
-            <a:r>
-              <a:rPr lang="de-DE" sz="2000" dirty="0" smtClean="0">
-                <a:solidFill>
-                  <a:srgbClr val="000000"/>
-                </a:solidFill>
-                <a:latin typeface="Consolas"/>
-              </a:rPr>
-              <a:t>  </a:t>
-            </a:r>
-            <a:r>
-              <a:rPr lang="de-DE" sz="2000" dirty="0" smtClean="0">
-                <a:solidFill>
-                  <a:srgbClr val="008000"/>
-                </a:solidFill>
-                <a:latin typeface="Consolas"/>
-              </a:rPr>
-              <a:t>//…</a:t>
-            </a:r>
-            <a:r>
-              <a:rPr lang="de-DE" sz="2000" dirty="0">
-                <a:solidFill>
-                  <a:srgbClr val="000000"/>
-                </a:solidFill>
-                <a:latin typeface="Consolas"/>
-              </a:rPr>
-              <a:t/>
+              <a:t> {</a:t>
             </a:r>
             <a:br>
               <a:rPr lang="de-DE" sz="2000" dirty="0">
@@ -8733,44 +8638,6 @@
               <a:t> </a:t>
             </a:r>
             <a:r>
-              <a:rPr lang="de-DE" sz="2000" dirty="0" err="1" smtClean="0"/>
-              <a:t>CookiePath</a:t>
-            </a:r>
-            <a:r>
-              <a:rPr lang="de-DE" sz="2000" dirty="0" smtClean="0"/>
-              <a:t> </a:t>
-            </a:r>
-            <a:r>
-              <a:rPr lang="de-DE" sz="2000" dirty="0"/>
-              <a:t>= </a:t>
-            </a:r>
-            <a:r>
-              <a:rPr lang="de-DE" sz="2000" dirty="0" smtClean="0">
-                <a:solidFill>
-                  <a:srgbClr val="A31515"/>
-                </a:solidFill>
-                <a:latin typeface="Consolas"/>
-              </a:rPr>
-              <a:t>"/",</a:t>
-            </a:r>
-            <a:br>
-              <a:rPr lang="de-DE" sz="2000" dirty="0" smtClean="0">
-                <a:solidFill>
-                  <a:srgbClr val="A31515"/>
-                </a:solidFill>
-                <a:latin typeface="Consolas"/>
-              </a:rPr>
-            </a:br>
-            <a:r>
-              <a:rPr lang="de-DE" sz="2000" dirty="0" smtClean="0">
-                <a:solidFill>
-                  <a:srgbClr val="A31515"/>
-                </a:solidFill>
-                <a:latin typeface="Consolas"/>
-              </a:rPr>
-              <a:t>  </a:t>
-            </a:r>
-            <a:r>
               <a:rPr lang="de-DE" sz="2000" dirty="0" smtClean="0">
                 <a:solidFill>
                   <a:srgbClr val="008000"/>
@@ -8779,31 +8646,6 @@
               </a:rPr>
               <a:t>//…</a:t>
             </a:r>
-            <a:br>
-              <a:rPr lang="de-DE" sz="2000" dirty="0" smtClean="0">
-                <a:solidFill>
-                  <a:srgbClr val="008000"/>
-                </a:solidFill>
-                <a:latin typeface="Consolas"/>
-              </a:rPr>
-            </a:br>
-            <a:r>
-              <a:rPr lang="de-DE" sz="2000" dirty="0" smtClean="0">
-                <a:solidFill>
-                  <a:srgbClr val="000000"/>
-                </a:solidFill>
-                <a:latin typeface="Consolas"/>
-              </a:rPr>
-              <a:t>});</a:t>
-            </a:r>
-            <a:br>
-              <a:rPr lang="de-DE" sz="2000" dirty="0" smtClean="0">
-                <a:solidFill>
-                  <a:srgbClr val="000000"/>
-                </a:solidFill>
-                <a:latin typeface="Consolas"/>
-              </a:rPr>
-            </a:br>
             <a:r>
               <a:rPr lang="de-DE" sz="2000" dirty="0">
                 <a:solidFill>
@@ -8822,12 +8664,110 @@
               </a:rPr>
             </a:br>
             <a:r>
+              <a:rPr lang="de-DE" sz="2000" dirty="0" smtClean="0">
+                <a:solidFill>
+                  <a:srgbClr val="000000"/>
+                </a:solidFill>
+                <a:latin typeface="Consolas"/>
+              </a:rPr>
+              <a:t>  </a:t>
+            </a:r>
+            <a:r>
+              <a:rPr lang="de-DE" sz="2000" dirty="0" err="1"/>
+              <a:t>CookieSecure</a:t>
+            </a:r>
+            <a:r>
+              <a:rPr lang="de-DE" sz="2000" dirty="0"/>
+              <a:t> = </a:t>
+            </a:r>
+            <a:r>
+              <a:rPr lang="de-DE" sz="2000" dirty="0" err="1"/>
+              <a:t>Microsoft.AspNetCore.Http.CookieSecurePolicy.Always</a:t>
+            </a:r>
+            <a:r>
+              <a:rPr lang="de-DE" sz="2000" dirty="0" smtClean="0">
+                <a:solidFill>
+                  <a:srgbClr val="A31515"/>
+                </a:solidFill>
+                <a:latin typeface="Consolas"/>
+              </a:rPr>
+              <a:t>,</a:t>
+            </a:r>
+            <a:br>
+              <a:rPr lang="de-DE" sz="2000" dirty="0" smtClean="0">
+                <a:solidFill>
+                  <a:srgbClr val="A31515"/>
+                </a:solidFill>
+                <a:latin typeface="Consolas"/>
+              </a:rPr>
+            </a:br>
+            <a:r>
+              <a:rPr lang="de-DE" sz="2000" dirty="0">
+                <a:solidFill>
+                  <a:srgbClr val="000000"/>
+                </a:solidFill>
+                <a:latin typeface="Consolas"/>
+              </a:rPr>
+              <a:t> </a:t>
+            </a:r>
+            <a:r>
+              <a:rPr lang="de-DE" sz="2000" dirty="0" smtClean="0">
+                <a:solidFill>
+                  <a:srgbClr val="000000"/>
+                </a:solidFill>
+                <a:latin typeface="Consolas"/>
+              </a:rPr>
+              <a:t> </a:t>
+            </a:r>
+            <a:r>
+              <a:rPr lang="de-DE" sz="2000" dirty="0" smtClean="0">
+                <a:solidFill>
+                  <a:srgbClr val="008000"/>
+                </a:solidFill>
+                <a:latin typeface="Consolas"/>
+              </a:rPr>
+              <a:t>//…</a:t>
+            </a:r>
+            <a:r>
+              <a:rPr lang="de-DE" sz="2000" dirty="0">
+                <a:solidFill>
+                  <a:srgbClr val="008000"/>
+                </a:solidFill>
+                <a:latin typeface="Consolas"/>
+              </a:rPr>
+              <a:t/>
+            </a:r>
+            <a:br>
+              <a:rPr lang="de-DE" sz="2000" dirty="0">
+                <a:solidFill>
+                  <a:srgbClr val="008000"/>
+                </a:solidFill>
+                <a:latin typeface="Consolas"/>
+              </a:rPr>
+            </a:br>
+            <a:r>
+              <a:rPr lang="de-DE" sz="2000" dirty="0">
+                <a:solidFill>
+                  <a:srgbClr val="000000"/>
+                </a:solidFill>
+                <a:latin typeface="Consolas"/>
+              </a:rPr>
+              <a:t>});</a:t>
+            </a:r>
+            <a:endParaRPr lang="de-DE" sz="2000" dirty="0">
+              <a:solidFill>
+                <a:srgbClr val="A31515"/>
+              </a:solidFill>
+              <a:latin typeface="Consolas"/>
+            </a:endParaRPr>
+          </a:p>
+          <a:p>
+            <a:pPr marL="0" indent="0">
+              <a:buNone/>
+            </a:pPr>
+            <a:r>
               <a:rPr lang="de-DE" dirty="0" smtClean="0"/>
               <a:t>ASP.NET</a:t>
-            </a:r>
-            <a:r>
-              <a:rPr lang="de-DE" dirty="0" smtClean="0"/>
-              <a:t/>
             </a:r>
             <a:br>
               <a:rPr lang="de-DE" dirty="0" smtClean="0"/>
@@ -8940,7 +8880,7 @@
             <a:r>
               <a:rPr lang="de-DE" sz="2000" dirty="0">
                 <a:solidFill>
-                  <a:srgbClr val="000000"/>
+                  <a:srgbClr val="008000"/>
                 </a:solidFill>
                 <a:latin typeface="Consolas"/>
               </a:rPr>
@@ -8949,7 +8889,7 @@
             <a:br>
               <a:rPr lang="de-DE" sz="2000" dirty="0">
                 <a:solidFill>
-                  <a:srgbClr val="000000"/>
+                  <a:srgbClr val="008000"/>
                 </a:solidFill>
                 <a:latin typeface="Consolas"/>
               </a:rPr>
@@ -8965,20 +8905,24 @@
             </a:r>
             <a:r>
               <a:rPr lang="de-DE" sz="2000" dirty="0" err="1"/>
-              <a:t>CookiePath</a:t>
+              <a:t>CookieSecure</a:t>
             </a:r>
             <a:r>
               <a:rPr lang="de-DE" sz="2000" dirty="0"/>
               <a:t> = </a:t>
             </a:r>
             <a:r>
+              <a:rPr lang="de-DE" sz="2000" dirty="0" err="1" smtClean="0"/>
+              <a:t>CookieSecureOption.Always</a:t>
+            </a:r>
+            <a:r>
               <a:rPr lang="de-DE" sz="2000" dirty="0" smtClean="0">
                 <a:solidFill>
                   <a:srgbClr val="A31515"/>
                 </a:solidFill>
                 <a:latin typeface="Consolas"/>
               </a:rPr>
-              <a:t>"/",</a:t>
+              <a:t>,</a:t>
             </a:r>
             <a:br>
               <a:rPr lang="de-DE" sz="2000" dirty="0" smtClean="0">
@@ -8989,39 +8933,39 @@
               </a:rPr>
             </a:br>
             <a:r>
+              <a:rPr lang="de-DE" sz="2000" dirty="0" smtClean="0">
+                <a:solidFill>
+                  <a:srgbClr val="A31515"/>
+                </a:solidFill>
+                <a:latin typeface="Consolas"/>
+              </a:rPr>
+              <a:t> </a:t>
+            </a:r>
+            <a:r>
+              <a:rPr lang="de-DE" sz="2000" dirty="0" smtClean="0">
+                <a:solidFill>
+                  <a:srgbClr val="000000"/>
+                </a:solidFill>
+                <a:latin typeface="Consolas"/>
+              </a:rPr>
+              <a:t> </a:t>
+            </a:r>
+            <a:r>
               <a:rPr lang="de-DE" sz="2000" dirty="0">
                 <a:solidFill>
                   <a:srgbClr val="008000"/>
                 </a:solidFill>
                 <a:latin typeface="Consolas"/>
               </a:rPr>
-              <a:t> </a:t>
-            </a:r>
-            <a:r>
-              <a:rPr lang="de-DE" sz="2000" dirty="0" smtClean="0">
+              <a:t>//…</a:t>
+            </a:r>
+            <a:br>
+              <a:rPr lang="de-DE" sz="2000" dirty="0">
                 <a:solidFill>
                   <a:srgbClr val="008000"/>
                 </a:solidFill>
                 <a:latin typeface="Consolas"/>
               </a:rPr>
-              <a:t> //…</a:t>
-            </a:r>
-            <a:r>
-              <a:rPr lang="de-DE" sz="3200" dirty="0">
-                <a:solidFill>
-                  <a:srgbClr val="000000"/>
-                </a:solidFill>
-                <a:latin typeface="Consolas"/>
-              </a:rPr>
-              <a:t/>
-            </a:r>
-            <a:br>
-              <a:rPr lang="de-DE" sz="3200" dirty="0">
-                <a:solidFill>
-                  <a:srgbClr val="000000"/>
-                </a:solidFill>
-                <a:latin typeface="Consolas"/>
-              </a:rPr>
             </a:br>
             <a:r>
               <a:rPr lang="de-DE" sz="2000" dirty="0">
@@ -9032,25 +8976,14 @@
               </a:rPr>
               <a:t>});</a:t>
             </a:r>
-            <a:endParaRPr lang="de-DE" sz="2000" dirty="0">
-              <a:solidFill>
-                <a:srgbClr val="000000"/>
-              </a:solidFill>
-              <a:latin typeface="Consolas"/>
-            </a:endParaRPr>
-          </a:p>
-          <a:p>
-            <a:pPr marL="0" indent="0">
-              <a:buNone/>
-            </a:pPr>
-            <a:endParaRPr lang="de-DE" dirty="0"/>
+            <a:endParaRPr lang="de-DE" sz="2000" dirty="0"/>
           </a:p>
         </p:txBody>
       </p:sp>
     </p:spTree>
     <p:extLst>
       <p:ext uri="{BB962C8B-B14F-4D97-AF65-F5344CB8AC3E}">
-        <p14:creationId xmlns:p14="http://schemas.microsoft.com/office/powerpoint/2010/main" val="1595899780"/>
+        <p14:creationId xmlns:p14="http://schemas.microsoft.com/office/powerpoint/2010/main" val="1672474925"/>
       </p:ext>
     </p:extLst>
   </p:cSld>
@@ -9094,7 +9027,7 @@
                                           </p:stCondLst>
                                         </p:cTn>
                                         <p:tgtEl>
-                                          <p:spTgt spid="3">
+                                          <p:spTgt spid="4">
                                             <p:txEl>
                                               <p:pRg st="0" end="0"/>
                                             </p:txEl>
@@ -9112,7 +9045,7 @@
                                       <p:cBhvr>
                                         <p:cTn id="7" dur="500"/>
                                         <p:tgtEl>
-                                          <p:spTgt spid="3">
+                                          <p:spTgt spid="4">
                                             <p:txEl>
                                               <p:pRg st="0" end="0"/>
                                             </p:txEl>
@@ -9155,7 +9088,7 @@
                                           </p:stCondLst>
                                         </p:cTn>
                                         <p:tgtEl>
-                                          <p:spTgt spid="3">
+                                          <p:spTgt spid="4">
                                             <p:txEl>
                                               <p:pRg st="1" end="1"/>
                                             </p:txEl>
@@ -9173,9 +9106,70 @@
                                       <p:cBhvr>
                                         <p:cTn id="12" dur="500"/>
                                         <p:tgtEl>
-                                          <p:spTgt spid="3">
+                                          <p:spTgt spid="4">
                                             <p:txEl>
                                               <p:pRg st="1" end="1"/>
+                                            </p:txEl>
+                                          </p:spTgt>
+                                        </p:tgtEl>
+                                      </p:cBhvr>
+                                    </p:animEffect>
+                                  </p:childTnLst>
+                                </p:cTn>
+                              </p:par>
+                            </p:childTnLst>
+                          </p:cTn>
+                        </p:par>
+                      </p:childTnLst>
+                    </p:cTn>
+                  </p:par>
+                  <p:par>
+                    <p:cTn id="13" fill="hold">
+                      <p:stCondLst>
+                        <p:cond delay="indefinite"/>
+                      </p:stCondLst>
+                      <p:childTnLst>
+                        <p:par>
+                          <p:cTn id="14" fill="hold">
+                            <p:stCondLst>
+                              <p:cond delay="0"/>
+                            </p:stCondLst>
+                            <p:childTnLst>
+                              <p:par>
+                                <p:cTn id="15" presetID="10" presetClass="entr" presetSubtype="0" fill="hold" nodeType="clickEffect">
+                                  <p:stCondLst>
+                                    <p:cond delay="0"/>
+                                  </p:stCondLst>
+                                  <p:childTnLst>
+                                    <p:set>
+                                      <p:cBhvr>
+                                        <p:cTn id="16" dur="1" fill="hold">
+                                          <p:stCondLst>
+                                            <p:cond delay="0"/>
+                                          </p:stCondLst>
+                                        </p:cTn>
+                                        <p:tgtEl>
+                                          <p:spTgt spid="4">
+                                            <p:txEl>
+                                              <p:pRg st="2" end="2"/>
+                                            </p:txEl>
+                                          </p:spTgt>
+                                        </p:tgtEl>
+                                        <p:attrNameLst>
+                                          <p:attrName>style.visibility</p:attrName>
+                                        </p:attrNameLst>
+                                      </p:cBhvr>
+                                      <p:to>
+                                        <p:strVal val="visible"/>
+                                      </p:to>
+                                    </p:set>
+                                    <p:animEffect transition="in" filter="fade">
+                                      <p:cBhvr>
+                                        <p:cTn id="17" dur="500"/>
+                                        <p:tgtEl>
+                                          <p:spTgt spid="4">
+                                            <p:txEl>
+                                              <p:pRg st="2" end="2"/>
                                             </p:txEl>
                                           </p:spTgt>
                                         </p:tgtEl>
@@ -9439,7 +9433,7 @@
   <a:extraClrSchemeLst/>
   <a:extLst>
     <a:ext uri="{05A4C25C-085E-4340-85A3-A5531E510DB2}">
-      <thm15:themeFamily xmlns="" xmlns:thm15="http://schemas.microsoft.com/office/thememl/2012/main" name="Presentation1" id="{ACB66927-DC72-4B77-9EEE-0493DF6A2016}" vid="{B5BAAF34-A7A6-4863-B92B-F29C519B01CB}"/>
+      <thm15:themeFamily xmlns:thm15="http://schemas.microsoft.com/office/thememl/2012/main" xmlns="" name="Presentation1" id="{ACB66927-DC72-4B77-9EEE-0493DF6A2016}" vid="{B5BAAF34-A7A6-4863-B92B-F29C519B01CB}"/>
     </a:ext>
   </a:extLst>
 </a:theme>

--- a/slides/open id connect - share cookies.pptx
+++ b/slides/open id connect - share cookies.pptx
@@ -5,24 +5,26 @@
     <p:sldMasterId id="2147483648" r:id="rId1"/>
   </p:sldMasterIdLst>
   <p:notesMasterIdLst>
-    <p:notesMasterId r:id="rId17"/>
+    <p:notesMasterId r:id="rId19"/>
   </p:notesMasterIdLst>
   <p:sldIdLst>
     <p:sldId id="256" r:id="rId2"/>
     <p:sldId id="263" r:id="rId3"/>
     <p:sldId id="264" r:id="rId4"/>
-    <p:sldId id="278" r:id="rId5"/>
-    <p:sldId id="257" r:id="rId6"/>
-    <p:sldId id="258" r:id="rId7"/>
-    <p:sldId id="269" r:id="rId8"/>
-    <p:sldId id="270" r:id="rId9"/>
-    <p:sldId id="271" r:id="rId10"/>
-    <p:sldId id="272" r:id="rId11"/>
-    <p:sldId id="273" r:id="rId12"/>
-    <p:sldId id="275" r:id="rId13"/>
-    <p:sldId id="276" r:id="rId14"/>
-    <p:sldId id="277" r:id="rId15"/>
-    <p:sldId id="265" r:id="rId16"/>
+    <p:sldId id="279" r:id="rId5"/>
+    <p:sldId id="280" r:id="rId6"/>
+    <p:sldId id="278" r:id="rId7"/>
+    <p:sldId id="257" r:id="rId8"/>
+    <p:sldId id="258" r:id="rId9"/>
+    <p:sldId id="269" r:id="rId10"/>
+    <p:sldId id="270" r:id="rId11"/>
+    <p:sldId id="271" r:id="rId12"/>
+    <p:sldId id="272" r:id="rId13"/>
+    <p:sldId id="273" r:id="rId14"/>
+    <p:sldId id="275" r:id="rId15"/>
+    <p:sldId id="276" r:id="rId16"/>
+    <p:sldId id="277" r:id="rId17"/>
+    <p:sldId id="265" r:id="rId18"/>
   </p:sldIdLst>
   <p:sldSz cx="12192000" cy="6858000"/>
   <p:notesSz cx="6858000" cy="9144000"/>
@@ -159,6 +161,8 @@
             <p14:sldId id="256"/>
             <p14:sldId id="263"/>
             <p14:sldId id="264"/>
+            <p14:sldId id="279"/>
+            <p14:sldId id="280"/>
             <p14:sldId id="278"/>
             <p14:sldId id="257"/>
             <p14:sldId id="258"/>
@@ -176,7 +180,7 @@
       </p14:sectionLst>
     </p:ext>
     <p:ext uri="{EFAFB233-063F-42B5-8137-9DF3F51BA10A}">
-      <p15:sldGuideLst xmlns:p15="http://schemas.microsoft.com/office/powerpoint/2012/main" xmlns="">
+      <p15:sldGuideLst xmlns="" xmlns:p15="http://schemas.microsoft.com/office/powerpoint/2012/main">
         <p15:guide id="1" orient="horz" pos="2160" userDrawn="1">
           <p15:clr>
             <a:srgbClr val="A4A3A4"/>
@@ -302,7 +306,7 @@
               <a:pPr>
                 <a:defRPr/>
               </a:pPr>
-              <a:t>01.05.2017</a:t>
+              <a:t>03.05.2017</a:t>
             </a:fld>
             <a:endParaRPr lang="de-DE"/>
           </a:p>
@@ -2706,11 +2710,7 @@
             </a:r>
             <a:r>
               <a:rPr lang="en-US" sz="4000" b="1" dirty="0" smtClean="0"/>
-              <a:t> ASP.NET und ASP.NET </a:t>
-            </a:r>
-            <a:r>
-              <a:rPr lang="en-US" sz="4000" b="1" dirty="0" smtClean="0"/>
-              <a:t>Core</a:t>
+              <a:t> ASP.NET und ASP.NET Core</a:t>
             </a:r>
             <a:endParaRPr lang="de-DE" sz="4000" dirty="0"/>
           </a:p>
@@ -2761,10 +2761,1441 @@
   <p:clrMapOvr>
     <a:masterClrMapping/>
   </p:clrMapOvr>
+  <p:timing>
+    <p:tnLst>
+      <p:par>
+        <p:cTn id="1" dur="indefinite" restart="never" nodeType="tmRoot"/>
+      </p:par>
+    </p:tnLst>
+  </p:timing>
 </p:sld>
 </file>
 
 <file path=ppt/slides/slide10.xml><?xml version="1.0" encoding="utf-8"?>
+<p:sld xmlns:a="http://schemas.openxmlformats.org/drawingml/2006/main" xmlns:r="http://schemas.openxmlformats.org/officeDocument/2006/relationships" xmlns:p="http://schemas.openxmlformats.org/presentationml/2006/main">
+  <p:cSld>
+    <p:spTree>
+      <p:nvGrpSpPr>
+        <p:cNvPr id="1" name=""/>
+        <p:cNvGrpSpPr/>
+        <p:nvPr/>
+      </p:nvGrpSpPr>
+      <p:grpSpPr>
+        <a:xfrm>
+          <a:off x="0" y="0"/>
+          <a:ext cx="0" cy="0"/>
+          <a:chOff x="0" y="0"/>
+          <a:chExt cx="0" cy="0"/>
+        </a:xfrm>
+      </p:grpSpPr>
+      <p:sp>
+        <p:nvSpPr>
+          <p:cNvPr id="2" name="Titel 1"/>
+          <p:cNvSpPr>
+            <a:spLocks noGrp="1"/>
+          </p:cNvSpPr>
+          <p:nvPr>
+            <p:ph type="title"/>
+          </p:nvPr>
+        </p:nvSpPr>
+        <p:spPr/>
+        <p:txBody>
+          <a:bodyPr/>
+          <a:lstStyle/>
+          <a:p>
+            <a:r>
+              <a:rPr lang="de-DE" dirty="0" smtClean="0"/>
+              <a:t>Cookie Pfad anpassen</a:t>
+            </a:r>
+            <a:endParaRPr lang="de-DE" dirty="0"/>
+          </a:p>
+        </p:txBody>
+      </p:sp>
+      <p:sp>
+        <p:nvSpPr>
+          <p:cNvPr id="3" name="Inhaltsplatzhalter 2"/>
+          <p:cNvSpPr>
+            <a:spLocks noGrp="1"/>
+          </p:cNvSpPr>
+          <p:nvPr>
+            <p:ph idx="1"/>
+          </p:nvPr>
+        </p:nvSpPr>
+        <p:spPr/>
+        <p:txBody>
+          <a:bodyPr/>
+          <a:lstStyle/>
+          <a:p>
+            <a:pPr marL="0" indent="0">
+              <a:buNone/>
+            </a:pPr>
+            <a:r>
+              <a:rPr lang="de-DE" dirty="0" smtClean="0"/>
+              <a:t>damit das Cookie an beide Seiten vom Browser geschickt wird:</a:t>
+            </a:r>
+          </a:p>
+          <a:p>
+            <a:pPr marL="0" indent="0">
+              <a:buNone/>
+            </a:pPr>
+            <a:r>
+              <a:rPr lang="de-DE" dirty="0" smtClean="0"/>
+              <a:t>ASP.NET </a:t>
+            </a:r>
+            <a:r>
+              <a:rPr lang="de-DE" dirty="0"/>
+              <a:t>Core</a:t>
+            </a:r>
+            <a:br>
+              <a:rPr lang="de-DE" dirty="0"/>
+            </a:br>
+            <a:r>
+              <a:rPr lang="de-DE" sz="1000" dirty="0"/>
+              <a:t/>
+            </a:r>
+            <a:br>
+              <a:rPr lang="de-DE" sz="1000" dirty="0"/>
+            </a:br>
+            <a:r>
+              <a:rPr lang="de-DE" sz="2000" dirty="0" err="1">
+                <a:solidFill>
+                  <a:srgbClr val="000000"/>
+                </a:solidFill>
+                <a:latin typeface="Consolas"/>
+              </a:rPr>
+              <a:t>app.UseCookieAuthentication</a:t>
+            </a:r>
+            <a:r>
+              <a:rPr lang="de-DE" sz="2000" dirty="0">
+                <a:solidFill>
+                  <a:srgbClr val="000000"/>
+                </a:solidFill>
+                <a:latin typeface="Consolas"/>
+              </a:rPr>
+              <a:t>(</a:t>
+            </a:r>
+            <a:r>
+              <a:rPr lang="de-DE" sz="2000" dirty="0" err="1">
+                <a:solidFill>
+                  <a:srgbClr val="0000FF"/>
+                </a:solidFill>
+                <a:latin typeface="Consolas"/>
+              </a:rPr>
+              <a:t>new</a:t>
+            </a:r>
+            <a:r>
+              <a:rPr lang="de-DE" sz="2000" dirty="0">
+                <a:solidFill>
+                  <a:srgbClr val="000000"/>
+                </a:solidFill>
+                <a:latin typeface="Consolas"/>
+              </a:rPr>
+              <a:t> </a:t>
+            </a:r>
+            <a:r>
+              <a:rPr lang="de-DE" sz="2000" dirty="0" err="1">
+                <a:solidFill>
+                  <a:srgbClr val="0000FF"/>
+                </a:solidFill>
+                <a:latin typeface="Consolas"/>
+              </a:rPr>
+              <a:t>CookieAuthenticationOptions</a:t>
+            </a:r>
+            <a:r>
+              <a:rPr lang="de-DE" sz="2000" dirty="0">
+                <a:solidFill>
+                  <a:srgbClr val="000000"/>
+                </a:solidFill>
+                <a:latin typeface="Consolas"/>
+              </a:rPr>
+              <a:t> </a:t>
+            </a:r>
+            <a:r>
+              <a:rPr lang="de-DE" sz="2000" dirty="0" smtClean="0">
+                <a:solidFill>
+                  <a:srgbClr val="000000"/>
+                </a:solidFill>
+                <a:latin typeface="Consolas"/>
+              </a:rPr>
+              <a:t>{</a:t>
+            </a:r>
+            <a:br>
+              <a:rPr lang="de-DE" sz="2000" dirty="0" smtClean="0">
+                <a:solidFill>
+                  <a:srgbClr val="000000"/>
+                </a:solidFill>
+                <a:latin typeface="Consolas"/>
+              </a:rPr>
+            </a:br>
+            <a:r>
+              <a:rPr lang="de-DE" sz="2000" dirty="0" smtClean="0">
+                <a:solidFill>
+                  <a:srgbClr val="000000"/>
+                </a:solidFill>
+                <a:latin typeface="Consolas"/>
+              </a:rPr>
+              <a:t>  </a:t>
+            </a:r>
+            <a:r>
+              <a:rPr lang="de-DE" sz="2000" dirty="0" smtClean="0">
+                <a:solidFill>
+                  <a:srgbClr val="008000"/>
+                </a:solidFill>
+                <a:latin typeface="Consolas"/>
+              </a:rPr>
+              <a:t>//…</a:t>
+            </a:r>
+            <a:r>
+              <a:rPr lang="de-DE" sz="2000" dirty="0">
+                <a:solidFill>
+                  <a:srgbClr val="000000"/>
+                </a:solidFill>
+                <a:latin typeface="Consolas"/>
+              </a:rPr>
+              <a:t/>
+            </a:r>
+            <a:br>
+              <a:rPr lang="de-DE" sz="2000" dirty="0">
+                <a:solidFill>
+                  <a:srgbClr val="000000"/>
+                </a:solidFill>
+                <a:latin typeface="Consolas"/>
+              </a:rPr>
+            </a:br>
+            <a:r>
+              <a:rPr lang="de-DE" sz="2000" dirty="0">
+                <a:solidFill>
+                  <a:srgbClr val="000000"/>
+                </a:solidFill>
+                <a:latin typeface="Consolas"/>
+              </a:rPr>
+              <a:t> </a:t>
+            </a:r>
+            <a:r>
+              <a:rPr lang="de-DE" sz="2000" dirty="0" smtClean="0">
+                <a:solidFill>
+                  <a:srgbClr val="000000"/>
+                </a:solidFill>
+                <a:latin typeface="Consolas"/>
+              </a:rPr>
+              <a:t> </a:t>
+            </a:r>
+            <a:r>
+              <a:rPr lang="de-DE" sz="2000" dirty="0" err="1" smtClean="0"/>
+              <a:t>CookiePath</a:t>
+            </a:r>
+            <a:r>
+              <a:rPr lang="de-DE" sz="2000" dirty="0" smtClean="0"/>
+              <a:t> </a:t>
+            </a:r>
+            <a:r>
+              <a:rPr lang="de-DE" sz="2000" dirty="0"/>
+              <a:t>= </a:t>
+            </a:r>
+            <a:r>
+              <a:rPr lang="de-DE" sz="2000" dirty="0" smtClean="0">
+                <a:solidFill>
+                  <a:srgbClr val="A31515"/>
+                </a:solidFill>
+                <a:latin typeface="Consolas"/>
+              </a:rPr>
+              <a:t>"/",</a:t>
+            </a:r>
+            <a:br>
+              <a:rPr lang="de-DE" sz="2000" dirty="0" smtClean="0">
+                <a:solidFill>
+                  <a:srgbClr val="A31515"/>
+                </a:solidFill>
+                <a:latin typeface="Consolas"/>
+              </a:rPr>
+            </a:br>
+            <a:r>
+              <a:rPr lang="de-DE" sz="2000" dirty="0" smtClean="0">
+                <a:solidFill>
+                  <a:srgbClr val="A31515"/>
+                </a:solidFill>
+                <a:latin typeface="Consolas"/>
+              </a:rPr>
+              <a:t>  </a:t>
+            </a:r>
+            <a:r>
+              <a:rPr lang="de-DE" sz="2000" dirty="0" smtClean="0">
+                <a:solidFill>
+                  <a:srgbClr val="008000"/>
+                </a:solidFill>
+                <a:latin typeface="Consolas"/>
+              </a:rPr>
+              <a:t>//…</a:t>
+            </a:r>
+            <a:br>
+              <a:rPr lang="de-DE" sz="2000" dirty="0" smtClean="0">
+                <a:solidFill>
+                  <a:srgbClr val="008000"/>
+                </a:solidFill>
+                <a:latin typeface="Consolas"/>
+              </a:rPr>
+            </a:br>
+            <a:r>
+              <a:rPr lang="de-DE" sz="2000" dirty="0" smtClean="0">
+                <a:solidFill>
+                  <a:srgbClr val="000000"/>
+                </a:solidFill>
+                <a:latin typeface="Consolas"/>
+              </a:rPr>
+              <a:t>});</a:t>
+            </a:r>
+            <a:br>
+              <a:rPr lang="de-DE" sz="2000" dirty="0" smtClean="0">
+                <a:solidFill>
+                  <a:srgbClr val="000000"/>
+                </a:solidFill>
+                <a:latin typeface="Consolas"/>
+              </a:rPr>
+            </a:br>
+            <a:r>
+              <a:rPr lang="de-DE" sz="2000" dirty="0">
+                <a:solidFill>
+                  <a:srgbClr val="008000"/>
+                </a:solidFill>
+                <a:latin typeface="Consolas"/>
+              </a:rPr>
+              <a:t/>
+            </a:r>
+            <a:br>
+              <a:rPr lang="de-DE" sz="2000" dirty="0">
+                <a:solidFill>
+                  <a:srgbClr val="008000"/>
+                </a:solidFill>
+                <a:latin typeface="Consolas"/>
+              </a:rPr>
+            </a:br>
+            <a:r>
+              <a:rPr lang="de-DE" dirty="0" smtClean="0"/>
+              <a:t>ASP.NET</a:t>
+            </a:r>
+            <a:br>
+              <a:rPr lang="de-DE" dirty="0" smtClean="0"/>
+            </a:br>
+            <a:r>
+              <a:rPr lang="de-DE" sz="1000" dirty="0" smtClean="0"/>
+              <a:t/>
+            </a:r>
+            <a:br>
+              <a:rPr lang="de-DE" sz="1000" dirty="0" smtClean="0"/>
+            </a:br>
+            <a:r>
+              <a:rPr lang="de-DE" sz="2000" dirty="0" err="1" smtClean="0">
+                <a:solidFill>
+                  <a:srgbClr val="000000"/>
+                </a:solidFill>
+                <a:latin typeface="Consolas"/>
+              </a:rPr>
+              <a:t>app.UseCookieAuthentication</a:t>
+            </a:r>
+            <a:r>
+              <a:rPr lang="de-DE" sz="2000" dirty="0" smtClean="0">
+                <a:solidFill>
+                  <a:srgbClr val="000000"/>
+                </a:solidFill>
+                <a:latin typeface="Consolas"/>
+              </a:rPr>
+              <a:t>( </a:t>
+            </a:r>
+            <a:r>
+              <a:rPr lang="de-DE" sz="2000" dirty="0" err="1" smtClean="0">
+                <a:solidFill>
+                  <a:srgbClr val="0000FF"/>
+                </a:solidFill>
+                <a:latin typeface="Consolas"/>
+              </a:rPr>
+              <a:t>new</a:t>
+            </a:r>
+            <a:r>
+              <a:rPr lang="de-DE" sz="2000" dirty="0" smtClean="0">
+                <a:solidFill>
+                  <a:srgbClr val="000000"/>
+                </a:solidFill>
+                <a:latin typeface="Consolas"/>
+              </a:rPr>
+              <a:t> </a:t>
+            </a:r>
+            <a:r>
+              <a:rPr lang="de-DE" sz="2000" dirty="0" err="1" smtClean="0">
+                <a:solidFill>
+                  <a:srgbClr val="0000FF"/>
+                </a:solidFill>
+                <a:latin typeface="Consolas"/>
+              </a:rPr>
+              <a:t>CookieAuthenticationOptions</a:t>
+            </a:r>
+            <a:r>
+              <a:rPr lang="de-DE" sz="2000" dirty="0" smtClean="0">
+                <a:solidFill>
+                  <a:srgbClr val="000000"/>
+                </a:solidFill>
+                <a:latin typeface="Consolas"/>
+              </a:rPr>
+              <a:t> </a:t>
+            </a:r>
+            <a:r>
+              <a:rPr lang="de-DE" sz="2000" dirty="0">
+                <a:solidFill>
+                  <a:srgbClr val="000000"/>
+                </a:solidFill>
+                <a:latin typeface="Consolas"/>
+              </a:rPr>
+              <a:t>{</a:t>
+            </a:r>
+            <a:br>
+              <a:rPr lang="de-DE" sz="2000" dirty="0">
+                <a:solidFill>
+                  <a:srgbClr val="000000"/>
+                </a:solidFill>
+                <a:latin typeface="Consolas"/>
+              </a:rPr>
+            </a:br>
+            <a:r>
+              <a:rPr lang="de-DE" sz="2000" dirty="0">
+                <a:solidFill>
+                  <a:srgbClr val="000000"/>
+                </a:solidFill>
+                <a:latin typeface="Consolas"/>
+              </a:rPr>
+              <a:t> </a:t>
+            </a:r>
+            <a:r>
+              <a:rPr lang="de-DE" sz="2000" dirty="0" smtClean="0">
+                <a:solidFill>
+                  <a:srgbClr val="000000"/>
+                </a:solidFill>
+                <a:latin typeface="Consolas"/>
+              </a:rPr>
+              <a:t> </a:t>
+            </a:r>
+            <a:r>
+              <a:rPr lang="de-DE" sz="2000" dirty="0" smtClean="0">
+                <a:solidFill>
+                  <a:srgbClr val="008000"/>
+                </a:solidFill>
+                <a:latin typeface="Consolas"/>
+              </a:rPr>
+              <a:t>//…</a:t>
+            </a:r>
+            <a:r>
+              <a:rPr lang="de-DE" sz="2000" dirty="0">
+                <a:solidFill>
+                  <a:srgbClr val="000000"/>
+                </a:solidFill>
+                <a:latin typeface="Consolas"/>
+              </a:rPr>
+              <a:t/>
+            </a:r>
+            <a:br>
+              <a:rPr lang="de-DE" sz="2000" dirty="0">
+                <a:solidFill>
+                  <a:srgbClr val="000000"/>
+                </a:solidFill>
+                <a:latin typeface="Consolas"/>
+              </a:rPr>
+            </a:br>
+            <a:r>
+              <a:rPr lang="de-DE" sz="2000" dirty="0" smtClean="0">
+                <a:solidFill>
+                  <a:srgbClr val="000000"/>
+                </a:solidFill>
+                <a:latin typeface="Consolas"/>
+              </a:rPr>
+              <a:t>  </a:t>
+            </a:r>
+            <a:r>
+              <a:rPr lang="de-DE" sz="2000" dirty="0" err="1"/>
+              <a:t>CookiePath</a:t>
+            </a:r>
+            <a:r>
+              <a:rPr lang="de-DE" sz="2000" dirty="0"/>
+              <a:t> = </a:t>
+            </a:r>
+            <a:r>
+              <a:rPr lang="de-DE" sz="2000" dirty="0" smtClean="0">
+                <a:solidFill>
+                  <a:srgbClr val="A31515"/>
+                </a:solidFill>
+                <a:latin typeface="Consolas"/>
+              </a:rPr>
+              <a:t>"/",</a:t>
+            </a:r>
+            <a:br>
+              <a:rPr lang="de-DE" sz="2000" dirty="0" smtClean="0">
+                <a:solidFill>
+                  <a:srgbClr val="A31515"/>
+                </a:solidFill>
+                <a:latin typeface="Consolas"/>
+              </a:rPr>
+            </a:br>
+            <a:r>
+              <a:rPr lang="de-DE" sz="2000" dirty="0">
+                <a:solidFill>
+                  <a:srgbClr val="008000"/>
+                </a:solidFill>
+                <a:latin typeface="Consolas"/>
+              </a:rPr>
+              <a:t> </a:t>
+            </a:r>
+            <a:r>
+              <a:rPr lang="de-DE" sz="2000" dirty="0" smtClean="0">
+                <a:solidFill>
+                  <a:srgbClr val="008000"/>
+                </a:solidFill>
+                <a:latin typeface="Consolas"/>
+              </a:rPr>
+              <a:t> //…</a:t>
+            </a:r>
+            <a:r>
+              <a:rPr lang="de-DE" sz="3200" dirty="0">
+                <a:solidFill>
+                  <a:srgbClr val="000000"/>
+                </a:solidFill>
+                <a:latin typeface="Consolas"/>
+              </a:rPr>
+              <a:t/>
+            </a:r>
+            <a:br>
+              <a:rPr lang="de-DE" sz="3200" dirty="0">
+                <a:solidFill>
+                  <a:srgbClr val="000000"/>
+                </a:solidFill>
+                <a:latin typeface="Consolas"/>
+              </a:rPr>
+            </a:br>
+            <a:r>
+              <a:rPr lang="de-DE" sz="2000" dirty="0">
+                <a:solidFill>
+                  <a:srgbClr val="000000"/>
+                </a:solidFill>
+                <a:latin typeface="Consolas"/>
+              </a:rPr>
+              <a:t>});</a:t>
+            </a:r>
+          </a:p>
+          <a:p>
+            <a:pPr marL="0" indent="0">
+              <a:buNone/>
+            </a:pPr>
+            <a:endParaRPr lang="de-DE" dirty="0"/>
+          </a:p>
+        </p:txBody>
+      </p:sp>
+    </p:spTree>
+    <p:extLst>
+      <p:ext uri="{BB962C8B-B14F-4D97-AF65-F5344CB8AC3E}">
+        <p14:creationId xmlns:p14="http://schemas.microsoft.com/office/powerpoint/2010/main" val="1595899780"/>
+      </p:ext>
+    </p:extLst>
+  </p:cSld>
+  <p:clrMapOvr>
+    <a:masterClrMapping/>
+  </p:clrMapOvr>
+  <p:timing>
+    <p:tnLst>
+      <p:par>
+        <p:cTn id="1" dur="indefinite" restart="never" nodeType="tmRoot">
+          <p:childTnLst>
+            <p:seq concurrent="1" nextAc="seek">
+              <p:cTn id="2" dur="indefinite" nodeType="mainSeq">
+                <p:childTnLst>
+                  <p:par>
+                    <p:cTn id="3" fill="hold">
+                      <p:stCondLst>
+                        <p:cond delay="indefinite"/>
+                        <p:cond evt="onBegin" delay="0">
+                          <p:tn val="2"/>
+                        </p:cond>
+                      </p:stCondLst>
+                      <p:childTnLst>
+                        <p:par>
+                          <p:cTn id="4" fill="hold">
+                            <p:stCondLst>
+                              <p:cond delay="0"/>
+                            </p:stCondLst>
+                            <p:childTnLst>
+                              <p:par>
+                                <p:cTn id="5" presetID="10" presetClass="entr" presetSubtype="0" fill="hold" nodeType="withEffect">
+                                  <p:stCondLst>
+                                    <p:cond delay="0"/>
+                                  </p:stCondLst>
+                                  <p:childTnLst>
+                                    <p:set>
+                                      <p:cBhvr>
+                                        <p:cTn id="6" dur="1" fill="hold">
+                                          <p:stCondLst>
+                                            <p:cond delay="0"/>
+                                          </p:stCondLst>
+                                        </p:cTn>
+                                        <p:tgtEl>
+                                          <p:spTgt spid="3">
+                                            <p:txEl>
+                                              <p:pRg st="0" end="0"/>
+                                            </p:txEl>
+                                          </p:spTgt>
+                                        </p:tgtEl>
+                                        <p:attrNameLst>
+                                          <p:attrName>style.visibility</p:attrName>
+                                        </p:attrNameLst>
+                                      </p:cBhvr>
+                                      <p:to>
+                                        <p:strVal val="visible"/>
+                                      </p:to>
+                                    </p:set>
+                                    <p:animEffect transition="in" filter="fade">
+                                      <p:cBhvr>
+                                        <p:cTn id="7" dur="500"/>
+                                        <p:tgtEl>
+                                          <p:spTgt spid="3">
+                                            <p:txEl>
+                                              <p:pRg st="0" end="0"/>
+                                            </p:txEl>
+                                          </p:spTgt>
+                                        </p:tgtEl>
+                                      </p:cBhvr>
+                                    </p:animEffect>
+                                  </p:childTnLst>
+                                </p:cTn>
+                              </p:par>
+                            </p:childTnLst>
+                          </p:cTn>
+                        </p:par>
+                      </p:childTnLst>
+                    </p:cTn>
+                  </p:par>
+                  <p:par>
+                    <p:cTn id="8" fill="hold">
+                      <p:stCondLst>
+                        <p:cond delay="indefinite"/>
+                      </p:stCondLst>
+                      <p:childTnLst>
+                        <p:par>
+                          <p:cTn id="9" fill="hold">
+                            <p:stCondLst>
+                              <p:cond delay="0"/>
+                            </p:stCondLst>
+                            <p:childTnLst>
+                              <p:par>
+                                <p:cTn id="10" presetID="10" presetClass="entr" presetSubtype="0" fill="hold" nodeType="clickEffect">
+                                  <p:stCondLst>
+                                    <p:cond delay="0"/>
+                                  </p:stCondLst>
+                                  <p:childTnLst>
+                                    <p:set>
+                                      <p:cBhvr>
+                                        <p:cTn id="11" dur="1" fill="hold">
+                                          <p:stCondLst>
+                                            <p:cond delay="0"/>
+                                          </p:stCondLst>
+                                        </p:cTn>
+                                        <p:tgtEl>
+                                          <p:spTgt spid="3">
+                                            <p:txEl>
+                                              <p:pRg st="1" end="1"/>
+                                            </p:txEl>
+                                          </p:spTgt>
+                                        </p:tgtEl>
+                                        <p:attrNameLst>
+                                          <p:attrName>style.visibility</p:attrName>
+                                        </p:attrNameLst>
+                                      </p:cBhvr>
+                                      <p:to>
+                                        <p:strVal val="visible"/>
+                                      </p:to>
+                                    </p:set>
+                                    <p:animEffect transition="in" filter="fade">
+                                      <p:cBhvr>
+                                        <p:cTn id="12" dur="500"/>
+                                        <p:tgtEl>
+                                          <p:spTgt spid="3">
+                                            <p:txEl>
+                                              <p:pRg st="1" end="1"/>
+                                            </p:txEl>
+                                          </p:spTgt>
+                                        </p:tgtEl>
+                                      </p:cBhvr>
+                                    </p:animEffect>
+                                  </p:childTnLst>
+                                </p:cTn>
+                              </p:par>
+                            </p:childTnLst>
+                          </p:cTn>
+                        </p:par>
+                      </p:childTnLst>
+                    </p:cTn>
+                  </p:par>
+                </p:childTnLst>
+              </p:cTn>
+              <p:prevCondLst>
+                <p:cond evt="onPrev" delay="0">
+                  <p:tgtEl>
+                    <p:sldTgt/>
+                  </p:tgtEl>
+                </p:cond>
+              </p:prevCondLst>
+              <p:nextCondLst>
+                <p:cond evt="onNext" delay="0">
+                  <p:tgtEl>
+                    <p:sldTgt/>
+                  </p:tgtEl>
+                </p:cond>
+              </p:nextCondLst>
+            </p:seq>
+          </p:childTnLst>
+        </p:cTn>
+      </p:par>
+    </p:tnLst>
+  </p:timing>
+</p:sld>
+</file>
+
+<file path=ppt/slides/slide11.xml><?xml version="1.0" encoding="utf-8"?>
+<p:sld xmlns:a="http://schemas.openxmlformats.org/drawingml/2006/main" xmlns:r="http://schemas.openxmlformats.org/officeDocument/2006/relationships" xmlns:p="http://schemas.openxmlformats.org/presentationml/2006/main">
+  <p:cSld>
+    <p:spTree>
+      <p:nvGrpSpPr>
+        <p:cNvPr id="1" name=""/>
+        <p:cNvGrpSpPr/>
+        <p:nvPr/>
+      </p:nvGrpSpPr>
+      <p:grpSpPr>
+        <a:xfrm>
+          <a:off x="0" y="0"/>
+          <a:ext cx="0" cy="0"/>
+          <a:chOff x="0" y="0"/>
+          <a:chExt cx="0" cy="0"/>
+        </a:xfrm>
+      </p:grpSpPr>
+      <p:sp>
+        <p:nvSpPr>
+          <p:cNvPr id="2" name="Titel 1"/>
+          <p:cNvSpPr>
+            <a:spLocks noGrp="1"/>
+          </p:cNvSpPr>
+          <p:nvPr>
+            <p:ph type="title"/>
+          </p:nvPr>
+        </p:nvSpPr>
+        <p:spPr/>
+        <p:txBody>
+          <a:bodyPr/>
+          <a:lstStyle/>
+          <a:p>
+            <a:r>
+              <a:rPr lang="de-DE" dirty="0" smtClean="0"/>
+              <a:t>Cookie Secure Option angleichen</a:t>
+            </a:r>
+            <a:endParaRPr lang="de-DE" dirty="0"/>
+          </a:p>
+        </p:txBody>
+      </p:sp>
+      <p:sp>
+        <p:nvSpPr>
+          <p:cNvPr id="4" name="Inhaltsplatzhalter 2"/>
+          <p:cNvSpPr>
+            <a:spLocks noGrp="1"/>
+          </p:cNvSpPr>
+          <p:nvPr>
+            <p:ph idx="1"/>
+          </p:nvPr>
+        </p:nvSpPr>
+        <p:spPr>
+          <a:xfrm>
+            <a:off x="695401" y="1296144"/>
+            <a:ext cx="10829888" cy="5589240"/>
+          </a:xfrm>
+        </p:spPr>
+        <p:txBody>
+          <a:bodyPr/>
+          <a:lstStyle/>
+          <a:p>
+            <a:pPr marL="0" indent="0">
+              <a:buNone/>
+            </a:pPr>
+            <a:r>
+              <a:rPr lang="de-DE" dirty="0" smtClean="0"/>
+              <a:t>damit beide Frameworks vom gleichen ausgehen:</a:t>
+            </a:r>
+          </a:p>
+          <a:p>
+            <a:pPr marL="0" indent="0">
+              <a:buNone/>
+            </a:pPr>
+            <a:r>
+              <a:rPr lang="de-DE" dirty="0" smtClean="0"/>
+              <a:t>ASP.NET </a:t>
+            </a:r>
+            <a:r>
+              <a:rPr lang="de-DE" dirty="0"/>
+              <a:t>Core</a:t>
+            </a:r>
+            <a:br>
+              <a:rPr lang="de-DE" dirty="0"/>
+            </a:br>
+            <a:r>
+              <a:rPr lang="de-DE" sz="1000" dirty="0"/>
+              <a:t/>
+            </a:r>
+            <a:br>
+              <a:rPr lang="de-DE" sz="1000" dirty="0"/>
+            </a:br>
+            <a:r>
+              <a:rPr lang="de-DE" sz="2000" dirty="0" err="1">
+                <a:solidFill>
+                  <a:srgbClr val="000000"/>
+                </a:solidFill>
+                <a:latin typeface="Consolas"/>
+              </a:rPr>
+              <a:t>app.UseCookieAuthentication</a:t>
+            </a:r>
+            <a:r>
+              <a:rPr lang="de-DE" sz="2000" dirty="0">
+                <a:solidFill>
+                  <a:srgbClr val="000000"/>
+                </a:solidFill>
+                <a:latin typeface="Consolas"/>
+              </a:rPr>
+              <a:t>(</a:t>
+            </a:r>
+            <a:r>
+              <a:rPr lang="de-DE" sz="2000" dirty="0" err="1">
+                <a:solidFill>
+                  <a:srgbClr val="0000FF"/>
+                </a:solidFill>
+                <a:latin typeface="Consolas"/>
+              </a:rPr>
+              <a:t>new</a:t>
+            </a:r>
+            <a:r>
+              <a:rPr lang="de-DE" sz="2000" dirty="0">
+                <a:solidFill>
+                  <a:srgbClr val="000000"/>
+                </a:solidFill>
+                <a:latin typeface="Consolas"/>
+              </a:rPr>
+              <a:t> </a:t>
+            </a:r>
+            <a:r>
+              <a:rPr lang="de-DE" sz="2000" dirty="0" err="1">
+                <a:solidFill>
+                  <a:srgbClr val="0000FF"/>
+                </a:solidFill>
+                <a:latin typeface="Consolas"/>
+              </a:rPr>
+              <a:t>CookieAuthenticationOptions</a:t>
+            </a:r>
+            <a:r>
+              <a:rPr lang="de-DE" sz="2000" dirty="0">
+                <a:solidFill>
+                  <a:srgbClr val="000000"/>
+                </a:solidFill>
+                <a:latin typeface="Consolas"/>
+              </a:rPr>
+              <a:t> {</a:t>
+            </a:r>
+            <a:br>
+              <a:rPr lang="de-DE" sz="2000" dirty="0">
+                <a:solidFill>
+                  <a:srgbClr val="000000"/>
+                </a:solidFill>
+                <a:latin typeface="Consolas"/>
+              </a:rPr>
+            </a:br>
+            <a:r>
+              <a:rPr lang="de-DE" sz="2000" dirty="0">
+                <a:solidFill>
+                  <a:srgbClr val="000000"/>
+                </a:solidFill>
+                <a:latin typeface="Consolas"/>
+              </a:rPr>
+              <a:t> </a:t>
+            </a:r>
+            <a:r>
+              <a:rPr lang="de-DE" sz="2000" dirty="0" smtClean="0">
+                <a:solidFill>
+                  <a:srgbClr val="000000"/>
+                </a:solidFill>
+                <a:latin typeface="Consolas"/>
+              </a:rPr>
+              <a:t> </a:t>
+            </a:r>
+            <a:r>
+              <a:rPr lang="de-DE" sz="2000" dirty="0" smtClean="0">
+                <a:solidFill>
+                  <a:srgbClr val="008000"/>
+                </a:solidFill>
+                <a:latin typeface="Consolas"/>
+              </a:rPr>
+              <a:t>//…</a:t>
+            </a:r>
+            <a:r>
+              <a:rPr lang="de-DE" sz="2000" dirty="0">
+                <a:solidFill>
+                  <a:srgbClr val="008000"/>
+                </a:solidFill>
+                <a:latin typeface="Consolas"/>
+              </a:rPr>
+              <a:t/>
+            </a:r>
+            <a:br>
+              <a:rPr lang="de-DE" sz="2000" dirty="0">
+                <a:solidFill>
+                  <a:srgbClr val="008000"/>
+                </a:solidFill>
+                <a:latin typeface="Consolas"/>
+              </a:rPr>
+            </a:br>
+            <a:r>
+              <a:rPr lang="de-DE" sz="2000" dirty="0" smtClean="0">
+                <a:solidFill>
+                  <a:srgbClr val="000000"/>
+                </a:solidFill>
+                <a:latin typeface="Consolas"/>
+              </a:rPr>
+              <a:t>  </a:t>
+            </a:r>
+            <a:r>
+              <a:rPr lang="de-DE" sz="2000" dirty="0" err="1"/>
+              <a:t>CookieSecure</a:t>
+            </a:r>
+            <a:r>
+              <a:rPr lang="de-DE" sz="2000" dirty="0"/>
+              <a:t> = </a:t>
+            </a:r>
+            <a:r>
+              <a:rPr lang="de-DE" sz="2000" dirty="0" err="1"/>
+              <a:t>Microsoft.AspNetCore.Http.CookieSecurePolicy.Always</a:t>
+            </a:r>
+            <a:r>
+              <a:rPr lang="de-DE" sz="2000" dirty="0" smtClean="0">
+                <a:solidFill>
+                  <a:srgbClr val="A31515"/>
+                </a:solidFill>
+                <a:latin typeface="Consolas"/>
+              </a:rPr>
+              <a:t>,</a:t>
+            </a:r>
+            <a:br>
+              <a:rPr lang="de-DE" sz="2000" dirty="0" smtClean="0">
+                <a:solidFill>
+                  <a:srgbClr val="A31515"/>
+                </a:solidFill>
+                <a:latin typeface="Consolas"/>
+              </a:rPr>
+            </a:br>
+            <a:r>
+              <a:rPr lang="de-DE" sz="2000" dirty="0">
+                <a:solidFill>
+                  <a:srgbClr val="000000"/>
+                </a:solidFill>
+                <a:latin typeface="Consolas"/>
+              </a:rPr>
+              <a:t> </a:t>
+            </a:r>
+            <a:r>
+              <a:rPr lang="de-DE" sz="2000" dirty="0" smtClean="0">
+                <a:solidFill>
+                  <a:srgbClr val="000000"/>
+                </a:solidFill>
+                <a:latin typeface="Consolas"/>
+              </a:rPr>
+              <a:t> </a:t>
+            </a:r>
+            <a:r>
+              <a:rPr lang="de-DE" sz="2000" dirty="0" smtClean="0">
+                <a:solidFill>
+                  <a:srgbClr val="008000"/>
+                </a:solidFill>
+                <a:latin typeface="Consolas"/>
+              </a:rPr>
+              <a:t>//…</a:t>
+            </a:r>
+            <a:r>
+              <a:rPr lang="de-DE" sz="2000" dirty="0">
+                <a:solidFill>
+                  <a:srgbClr val="008000"/>
+                </a:solidFill>
+                <a:latin typeface="Consolas"/>
+              </a:rPr>
+              <a:t/>
+            </a:r>
+            <a:br>
+              <a:rPr lang="de-DE" sz="2000" dirty="0">
+                <a:solidFill>
+                  <a:srgbClr val="008000"/>
+                </a:solidFill>
+                <a:latin typeface="Consolas"/>
+              </a:rPr>
+            </a:br>
+            <a:r>
+              <a:rPr lang="de-DE" sz="2000" dirty="0">
+                <a:solidFill>
+                  <a:srgbClr val="000000"/>
+                </a:solidFill>
+                <a:latin typeface="Consolas"/>
+              </a:rPr>
+              <a:t>});</a:t>
+            </a:r>
+            <a:endParaRPr lang="de-DE" sz="2000" dirty="0">
+              <a:solidFill>
+                <a:srgbClr val="A31515"/>
+              </a:solidFill>
+              <a:latin typeface="Consolas"/>
+            </a:endParaRPr>
+          </a:p>
+          <a:p>
+            <a:pPr marL="0" indent="0">
+              <a:buNone/>
+            </a:pPr>
+            <a:r>
+              <a:rPr lang="de-DE" dirty="0" smtClean="0"/>
+              <a:t>ASP.NET</a:t>
+            </a:r>
+            <a:br>
+              <a:rPr lang="de-DE" dirty="0" smtClean="0"/>
+            </a:br>
+            <a:r>
+              <a:rPr lang="de-DE" sz="1000" dirty="0" smtClean="0"/>
+              <a:t/>
+            </a:r>
+            <a:br>
+              <a:rPr lang="de-DE" sz="1000" dirty="0" smtClean="0"/>
+            </a:br>
+            <a:r>
+              <a:rPr lang="de-DE" sz="2000" dirty="0" err="1" smtClean="0">
+                <a:solidFill>
+                  <a:srgbClr val="000000"/>
+                </a:solidFill>
+                <a:latin typeface="Consolas"/>
+              </a:rPr>
+              <a:t>app.UseCookieAuthentication</a:t>
+            </a:r>
+            <a:r>
+              <a:rPr lang="de-DE" sz="2000" dirty="0" smtClean="0">
+                <a:solidFill>
+                  <a:srgbClr val="000000"/>
+                </a:solidFill>
+                <a:latin typeface="Consolas"/>
+              </a:rPr>
+              <a:t>( </a:t>
+            </a:r>
+            <a:r>
+              <a:rPr lang="de-DE" sz="2000" dirty="0" err="1" smtClean="0">
+                <a:solidFill>
+                  <a:srgbClr val="0000FF"/>
+                </a:solidFill>
+                <a:latin typeface="Consolas"/>
+              </a:rPr>
+              <a:t>new</a:t>
+            </a:r>
+            <a:r>
+              <a:rPr lang="de-DE" sz="2000" dirty="0" smtClean="0">
+                <a:solidFill>
+                  <a:srgbClr val="000000"/>
+                </a:solidFill>
+                <a:latin typeface="Consolas"/>
+              </a:rPr>
+              <a:t> </a:t>
+            </a:r>
+            <a:r>
+              <a:rPr lang="de-DE" sz="2000" dirty="0" err="1" smtClean="0">
+                <a:solidFill>
+                  <a:srgbClr val="0000FF"/>
+                </a:solidFill>
+                <a:latin typeface="Consolas"/>
+              </a:rPr>
+              <a:t>CookieAuthenticationOptions</a:t>
+            </a:r>
+            <a:r>
+              <a:rPr lang="de-DE" sz="2000" dirty="0" smtClean="0">
+                <a:solidFill>
+                  <a:srgbClr val="000000"/>
+                </a:solidFill>
+                <a:latin typeface="Consolas"/>
+              </a:rPr>
+              <a:t> </a:t>
+            </a:r>
+            <a:r>
+              <a:rPr lang="de-DE" sz="2000" dirty="0">
+                <a:solidFill>
+                  <a:srgbClr val="000000"/>
+                </a:solidFill>
+                <a:latin typeface="Consolas"/>
+              </a:rPr>
+              <a:t>{</a:t>
+            </a:r>
+            <a:br>
+              <a:rPr lang="de-DE" sz="2000" dirty="0">
+                <a:solidFill>
+                  <a:srgbClr val="000000"/>
+                </a:solidFill>
+                <a:latin typeface="Consolas"/>
+              </a:rPr>
+            </a:br>
+            <a:r>
+              <a:rPr lang="de-DE" sz="2000" dirty="0">
+                <a:solidFill>
+                  <a:srgbClr val="000000"/>
+                </a:solidFill>
+                <a:latin typeface="Consolas"/>
+              </a:rPr>
+              <a:t> </a:t>
+            </a:r>
+            <a:r>
+              <a:rPr lang="de-DE" sz="2000" dirty="0" smtClean="0">
+                <a:solidFill>
+                  <a:srgbClr val="000000"/>
+                </a:solidFill>
+                <a:latin typeface="Consolas"/>
+              </a:rPr>
+              <a:t> </a:t>
+            </a:r>
+            <a:r>
+              <a:rPr lang="de-DE" sz="2000" dirty="0" smtClean="0">
+                <a:solidFill>
+                  <a:srgbClr val="008000"/>
+                </a:solidFill>
+                <a:latin typeface="Consolas"/>
+              </a:rPr>
+              <a:t>//…</a:t>
+            </a:r>
+            <a:r>
+              <a:rPr lang="de-DE" sz="2000" dirty="0">
+                <a:solidFill>
+                  <a:srgbClr val="008000"/>
+                </a:solidFill>
+                <a:latin typeface="Consolas"/>
+              </a:rPr>
+              <a:t/>
+            </a:r>
+            <a:br>
+              <a:rPr lang="de-DE" sz="2000" dirty="0">
+                <a:solidFill>
+                  <a:srgbClr val="008000"/>
+                </a:solidFill>
+                <a:latin typeface="Consolas"/>
+              </a:rPr>
+            </a:br>
+            <a:r>
+              <a:rPr lang="de-DE" sz="2000" dirty="0" smtClean="0">
+                <a:solidFill>
+                  <a:srgbClr val="000000"/>
+                </a:solidFill>
+                <a:latin typeface="Consolas"/>
+              </a:rPr>
+              <a:t>  </a:t>
+            </a:r>
+            <a:r>
+              <a:rPr lang="de-DE" sz="2000" dirty="0" err="1"/>
+              <a:t>CookieSecure</a:t>
+            </a:r>
+            <a:r>
+              <a:rPr lang="de-DE" sz="2000" dirty="0"/>
+              <a:t> = </a:t>
+            </a:r>
+            <a:r>
+              <a:rPr lang="de-DE" sz="2000" dirty="0" err="1" smtClean="0"/>
+              <a:t>CookieSecureOption.Always</a:t>
+            </a:r>
+            <a:r>
+              <a:rPr lang="de-DE" sz="2000" dirty="0" smtClean="0">
+                <a:solidFill>
+                  <a:srgbClr val="A31515"/>
+                </a:solidFill>
+                <a:latin typeface="Consolas"/>
+              </a:rPr>
+              <a:t>,</a:t>
+            </a:r>
+            <a:br>
+              <a:rPr lang="de-DE" sz="2000" dirty="0" smtClean="0">
+                <a:solidFill>
+                  <a:srgbClr val="A31515"/>
+                </a:solidFill>
+                <a:latin typeface="Consolas"/>
+              </a:rPr>
+            </a:br>
+            <a:r>
+              <a:rPr lang="de-DE" sz="2000" dirty="0" smtClean="0">
+                <a:solidFill>
+                  <a:srgbClr val="A31515"/>
+                </a:solidFill>
+                <a:latin typeface="Consolas"/>
+              </a:rPr>
+              <a:t> </a:t>
+            </a:r>
+            <a:r>
+              <a:rPr lang="de-DE" sz="2000" dirty="0" smtClean="0">
+                <a:solidFill>
+                  <a:srgbClr val="000000"/>
+                </a:solidFill>
+                <a:latin typeface="Consolas"/>
+              </a:rPr>
+              <a:t> </a:t>
+            </a:r>
+            <a:r>
+              <a:rPr lang="de-DE" sz="2000" dirty="0">
+                <a:solidFill>
+                  <a:srgbClr val="008000"/>
+                </a:solidFill>
+                <a:latin typeface="Consolas"/>
+              </a:rPr>
+              <a:t>//…</a:t>
+            </a:r>
+            <a:br>
+              <a:rPr lang="de-DE" sz="2000" dirty="0">
+                <a:solidFill>
+                  <a:srgbClr val="008000"/>
+                </a:solidFill>
+                <a:latin typeface="Consolas"/>
+              </a:rPr>
+            </a:br>
+            <a:r>
+              <a:rPr lang="de-DE" sz="2000" dirty="0">
+                <a:solidFill>
+                  <a:srgbClr val="000000"/>
+                </a:solidFill>
+                <a:latin typeface="Consolas"/>
+              </a:rPr>
+              <a:t>});</a:t>
+            </a:r>
+            <a:endParaRPr lang="de-DE" sz="2000" dirty="0"/>
+          </a:p>
+        </p:txBody>
+      </p:sp>
+    </p:spTree>
+    <p:extLst>
+      <p:ext uri="{BB962C8B-B14F-4D97-AF65-F5344CB8AC3E}">
+        <p14:creationId xmlns:p14="http://schemas.microsoft.com/office/powerpoint/2010/main" val="1672474925"/>
+      </p:ext>
+    </p:extLst>
+  </p:cSld>
+  <p:clrMapOvr>
+    <a:masterClrMapping/>
+  </p:clrMapOvr>
+  <p:timing>
+    <p:tnLst>
+      <p:par>
+        <p:cTn id="1" dur="indefinite" restart="never" nodeType="tmRoot">
+          <p:childTnLst>
+            <p:seq concurrent="1" nextAc="seek">
+              <p:cTn id="2" dur="indefinite" nodeType="mainSeq">
+                <p:childTnLst>
+                  <p:par>
+                    <p:cTn id="3" fill="hold">
+                      <p:stCondLst>
+                        <p:cond delay="indefinite"/>
+                        <p:cond evt="onBegin" delay="0">
+                          <p:tn val="2"/>
+                        </p:cond>
+                      </p:stCondLst>
+                      <p:childTnLst>
+                        <p:par>
+                          <p:cTn id="4" fill="hold">
+                            <p:stCondLst>
+                              <p:cond delay="0"/>
+                            </p:stCondLst>
+                            <p:childTnLst>
+                              <p:par>
+                                <p:cTn id="5" presetID="10" presetClass="entr" presetSubtype="0" fill="hold" nodeType="withEffect">
+                                  <p:stCondLst>
+                                    <p:cond delay="0"/>
+                                  </p:stCondLst>
+                                  <p:childTnLst>
+                                    <p:set>
+                                      <p:cBhvr>
+                                        <p:cTn id="6" dur="1" fill="hold">
+                                          <p:stCondLst>
+                                            <p:cond delay="0"/>
+                                          </p:stCondLst>
+                                        </p:cTn>
+                                        <p:tgtEl>
+                                          <p:spTgt spid="4">
+                                            <p:txEl>
+                                              <p:pRg st="0" end="0"/>
+                                            </p:txEl>
+                                          </p:spTgt>
+                                        </p:tgtEl>
+                                        <p:attrNameLst>
+                                          <p:attrName>style.visibility</p:attrName>
+                                        </p:attrNameLst>
+                                      </p:cBhvr>
+                                      <p:to>
+                                        <p:strVal val="visible"/>
+                                      </p:to>
+                                    </p:set>
+                                    <p:animEffect transition="in" filter="fade">
+                                      <p:cBhvr>
+                                        <p:cTn id="7" dur="500"/>
+                                        <p:tgtEl>
+                                          <p:spTgt spid="4">
+                                            <p:txEl>
+                                              <p:pRg st="0" end="0"/>
+                                            </p:txEl>
+                                          </p:spTgt>
+                                        </p:tgtEl>
+                                      </p:cBhvr>
+                                    </p:animEffect>
+                                  </p:childTnLst>
+                                </p:cTn>
+                              </p:par>
+                            </p:childTnLst>
+                          </p:cTn>
+                        </p:par>
+                      </p:childTnLst>
+                    </p:cTn>
+                  </p:par>
+                  <p:par>
+                    <p:cTn id="8" fill="hold">
+                      <p:stCondLst>
+                        <p:cond delay="indefinite"/>
+                      </p:stCondLst>
+                      <p:childTnLst>
+                        <p:par>
+                          <p:cTn id="9" fill="hold">
+                            <p:stCondLst>
+                              <p:cond delay="0"/>
+                            </p:stCondLst>
+                            <p:childTnLst>
+                              <p:par>
+                                <p:cTn id="10" presetID="10" presetClass="entr" presetSubtype="0" fill="hold" nodeType="clickEffect">
+                                  <p:stCondLst>
+                                    <p:cond delay="0"/>
+                                  </p:stCondLst>
+                                  <p:childTnLst>
+                                    <p:set>
+                                      <p:cBhvr>
+                                        <p:cTn id="11" dur="1" fill="hold">
+                                          <p:stCondLst>
+                                            <p:cond delay="0"/>
+                                          </p:stCondLst>
+                                        </p:cTn>
+                                        <p:tgtEl>
+                                          <p:spTgt spid="4">
+                                            <p:txEl>
+                                              <p:pRg st="1" end="1"/>
+                                            </p:txEl>
+                                          </p:spTgt>
+                                        </p:tgtEl>
+                                        <p:attrNameLst>
+                                          <p:attrName>style.visibility</p:attrName>
+                                        </p:attrNameLst>
+                                      </p:cBhvr>
+                                      <p:to>
+                                        <p:strVal val="visible"/>
+                                      </p:to>
+                                    </p:set>
+                                    <p:animEffect transition="in" filter="fade">
+                                      <p:cBhvr>
+                                        <p:cTn id="12" dur="500"/>
+                                        <p:tgtEl>
+                                          <p:spTgt spid="4">
+                                            <p:txEl>
+                                              <p:pRg st="1" end="1"/>
+                                            </p:txEl>
+                                          </p:spTgt>
+                                        </p:tgtEl>
+                                      </p:cBhvr>
+                                    </p:animEffect>
+                                  </p:childTnLst>
+                                </p:cTn>
+                              </p:par>
+                            </p:childTnLst>
+                          </p:cTn>
+                        </p:par>
+                      </p:childTnLst>
+                    </p:cTn>
+                  </p:par>
+                  <p:par>
+                    <p:cTn id="13" fill="hold">
+                      <p:stCondLst>
+                        <p:cond delay="indefinite"/>
+                      </p:stCondLst>
+                      <p:childTnLst>
+                        <p:par>
+                          <p:cTn id="14" fill="hold">
+                            <p:stCondLst>
+                              <p:cond delay="0"/>
+                            </p:stCondLst>
+                            <p:childTnLst>
+                              <p:par>
+                                <p:cTn id="15" presetID="10" presetClass="entr" presetSubtype="0" fill="hold" nodeType="clickEffect">
+                                  <p:stCondLst>
+                                    <p:cond delay="0"/>
+                                  </p:stCondLst>
+                                  <p:childTnLst>
+                                    <p:set>
+                                      <p:cBhvr>
+                                        <p:cTn id="16" dur="1" fill="hold">
+                                          <p:stCondLst>
+                                            <p:cond delay="0"/>
+                                          </p:stCondLst>
+                                        </p:cTn>
+                                        <p:tgtEl>
+                                          <p:spTgt spid="4">
+                                            <p:txEl>
+                                              <p:pRg st="2" end="2"/>
+                                            </p:txEl>
+                                          </p:spTgt>
+                                        </p:tgtEl>
+                                        <p:attrNameLst>
+                                          <p:attrName>style.visibility</p:attrName>
+                                        </p:attrNameLst>
+                                      </p:cBhvr>
+                                      <p:to>
+                                        <p:strVal val="visible"/>
+                                      </p:to>
+                                    </p:set>
+                                    <p:animEffect transition="in" filter="fade">
+                                      <p:cBhvr>
+                                        <p:cTn id="17" dur="500"/>
+                                        <p:tgtEl>
+                                          <p:spTgt spid="4">
+                                            <p:txEl>
+                                              <p:pRg st="2" end="2"/>
+                                            </p:txEl>
+                                          </p:spTgt>
+                                        </p:tgtEl>
+                                      </p:cBhvr>
+                                    </p:animEffect>
+                                  </p:childTnLst>
+                                </p:cTn>
+                              </p:par>
+                            </p:childTnLst>
+                          </p:cTn>
+                        </p:par>
+                      </p:childTnLst>
+                    </p:cTn>
+                  </p:par>
+                </p:childTnLst>
+              </p:cTn>
+              <p:prevCondLst>
+                <p:cond evt="onPrev" delay="0">
+                  <p:tgtEl>
+                    <p:sldTgt/>
+                  </p:tgtEl>
+                </p:cond>
+              </p:prevCondLst>
+              <p:nextCondLst>
+                <p:cond evt="onNext" delay="0">
+                  <p:tgtEl>
+                    <p:sldTgt/>
+                  </p:tgtEl>
+                </p:cond>
+              </p:nextCondLst>
+            </p:seq>
+          </p:childTnLst>
+        </p:cTn>
+      </p:par>
+    </p:tnLst>
+  </p:timing>
+</p:sld>
+</file>
+
+<file path=ppt/slides/slide12.xml><?xml version="1.0" encoding="utf-8"?>
 <p:sld xmlns:a="http://schemas.openxmlformats.org/drawingml/2006/main" xmlns:r="http://schemas.openxmlformats.org/officeDocument/2006/relationships" xmlns:p="http://schemas.openxmlformats.org/presentationml/2006/main">
   <p:cSld>
     <p:spTree>
@@ -3329,7 +4760,7 @@
 </p:sld>
 </file>
 
-<file path=ppt/slides/slide11.xml><?xml version="1.0" encoding="utf-8"?>
+<file path=ppt/slides/slide13.xml><?xml version="1.0" encoding="utf-8"?>
 <p:sld xmlns:a="http://schemas.openxmlformats.org/drawingml/2006/main" xmlns:r="http://schemas.openxmlformats.org/officeDocument/2006/relationships" xmlns:p="http://schemas.openxmlformats.org/presentationml/2006/main">
   <p:cSld>
     <p:spTree>
@@ -4014,7 +5445,7 @@
 </p:sld>
 </file>
 
-<file path=ppt/slides/slide12.xml><?xml version="1.0" encoding="utf-8"?>
+<file path=ppt/slides/slide14.xml><?xml version="1.0" encoding="utf-8"?>
 <p:sld xmlns:a="http://schemas.openxmlformats.org/drawingml/2006/main" xmlns:r="http://schemas.openxmlformats.org/officeDocument/2006/relationships" xmlns:p="http://schemas.openxmlformats.org/presentationml/2006/main">
   <p:cSld>
     <p:spTree>
@@ -4889,7 +6320,7 @@
 </p:sld>
 </file>
 
-<file path=ppt/slides/slide13.xml><?xml version="1.0" encoding="utf-8"?>
+<file path=ppt/slides/slide15.xml><?xml version="1.0" encoding="utf-8"?>
 <p:sld xmlns:a="http://schemas.openxmlformats.org/drawingml/2006/main" xmlns:r="http://schemas.openxmlformats.org/officeDocument/2006/relationships" xmlns:p="http://schemas.openxmlformats.org/presentationml/2006/main">
   <p:cSld>
     <p:spTree>
@@ -4921,8 +6352,11 @@
           <a:bodyPr/>
           <a:lstStyle/>
           <a:p>
-            <a:r>
-              <a:rPr lang="de-DE" dirty="0" smtClean="0"/>
+            <a:pPr algn="ctr"/>
+            <a:r>
+              <a:rPr lang="de-DE" dirty="0" smtClean="0">
+                <a:hlinkClick r:id="rId2" action="ppaction://hlinkfile"/>
+              </a:rPr>
               <a:t>DEMO</a:t>
             </a:r>
             <a:endParaRPr lang="de-DE" dirty="0"/>
@@ -4968,7 +6402,7 @@
 </p:sld>
 </file>
 
-<file path=ppt/slides/slide14.xml><?xml version="1.0" encoding="utf-8"?>
+<file path=ppt/slides/slide16.xml><?xml version="1.0" encoding="utf-8"?>
 <p:sld xmlns:a="http://schemas.openxmlformats.org/drawingml/2006/main" xmlns:r="http://schemas.openxmlformats.org/officeDocument/2006/relationships" xmlns:p="http://schemas.openxmlformats.org/presentationml/2006/main">
   <p:cSld>
     <p:spTree>
@@ -5047,7 +6481,7 @@
 </p:sld>
 </file>
 
-<file path=ppt/slides/slide15.xml><?xml version="1.0" encoding="utf-8"?>
+<file path=ppt/slides/slide17.xml><?xml version="1.0" encoding="utf-8"?>
 <p:sld xmlns:a="http://schemas.openxmlformats.org/drawingml/2006/main" xmlns:r="http://schemas.openxmlformats.org/officeDocument/2006/relationships" xmlns:p="http://schemas.openxmlformats.org/presentationml/2006/main">
   <p:cSld>
     <p:spTree>
@@ -5364,7 +6798,19 @@
             </a:pPr>
             <a:r>
               <a:rPr lang="de-DE" dirty="0" smtClean="0"/>
-              <a:t>Senior Developer Administrative Clients </a:t>
+              <a:t>Senior </a:t>
+            </a:r>
+            <a:r>
+              <a:rPr lang="de-DE" dirty="0" smtClean="0"/>
+              <a:t>Software </a:t>
+            </a:r>
+            <a:r>
+              <a:rPr lang="de-DE" dirty="0" smtClean="0"/>
+              <a:t>Developer</a:t>
+            </a:r>
+            <a:r>
+              <a:rPr lang="de-DE" dirty="0" smtClean="0"/>
+              <a:t/>
             </a:r>
             <a:br>
               <a:rPr lang="de-DE" dirty="0" smtClean="0"/>
@@ -5598,6 +7044,13 @@
   <p:clrMapOvr>
     <a:masterClrMapping/>
   </p:clrMapOvr>
+  <p:timing>
+    <p:tnLst>
+      <p:par>
+        <p:cTn id="1" dur="indefinite" restart="never" nodeType="tmRoot"/>
+      </p:par>
+    </p:tnLst>
+  </p:timing>
 </p:sld>
 </file>
 
@@ -5753,7 +7206,1074 @@
           <a:p>
             <a:r>
               <a:rPr lang="de-DE" dirty="0" smtClean="0"/>
-              <a:t>Was wollen wir erreichen ?</a:t>
+              <a:t>Warum Cookie Sharing?</a:t>
+            </a:r>
+            <a:endParaRPr lang="de-DE" dirty="0"/>
+          </a:p>
+        </p:txBody>
+      </p:sp>
+      <p:sp>
+        <p:nvSpPr>
+          <p:cNvPr id="3" name="Inhaltsplatzhalter 2"/>
+          <p:cNvSpPr>
+            <a:spLocks noGrp="1"/>
+          </p:cNvSpPr>
+          <p:nvPr>
+            <p:ph idx="1"/>
+          </p:nvPr>
+        </p:nvSpPr>
+        <p:spPr/>
+        <p:txBody>
+          <a:bodyPr/>
+          <a:lstStyle/>
+          <a:p>
+            <a:pPr marL="0" indent="0">
+              <a:buNone/>
+            </a:pPr>
+            <a:r>
+              <a:rPr lang="de-DE" dirty="0" smtClean="0"/>
+              <a:t>"Günstiges" Single </a:t>
+            </a:r>
+            <a:r>
+              <a:rPr lang="de-DE" dirty="0" err="1" smtClean="0"/>
+              <a:t>Sign</a:t>
+            </a:r>
+            <a:r>
+              <a:rPr lang="de-DE" dirty="0" smtClean="0"/>
+              <a:t>-on!</a:t>
+            </a:r>
+          </a:p>
+          <a:p>
+            <a:pPr>
+              <a:spcBef>
+                <a:spcPts val="2000"/>
+              </a:spcBef>
+            </a:pPr>
+            <a:r>
+              <a:rPr lang="de-DE" dirty="0" smtClean="0"/>
+              <a:t>Der Anwender möchte sich nur 1 mal authentifizieren.</a:t>
+            </a:r>
+          </a:p>
+          <a:p>
+            <a:pPr>
+              <a:spcBef>
+                <a:spcPts val="2000"/>
+              </a:spcBef>
+            </a:pPr>
+            <a:r>
+              <a:rPr lang="de-DE" dirty="0"/>
+              <a:t>Man muss die </a:t>
+            </a:r>
+            <a:r>
+              <a:rPr lang="de-DE" dirty="0" err="1"/>
+              <a:t>Sign</a:t>
+            </a:r>
+            <a:r>
+              <a:rPr lang="de-DE" dirty="0"/>
+              <a:t>-on und </a:t>
+            </a:r>
+            <a:r>
+              <a:rPr lang="de-DE" dirty="0" err="1"/>
+              <a:t>Sign</a:t>
+            </a:r>
+            <a:r>
+              <a:rPr lang="de-DE" dirty="0"/>
+              <a:t>-off Logik nur einmal implementieren</a:t>
+            </a:r>
+          </a:p>
+          <a:p>
+            <a:pPr>
+              <a:spcBef>
+                <a:spcPts val="2000"/>
+              </a:spcBef>
+            </a:pPr>
+            <a:r>
+              <a:rPr lang="de-DE" dirty="0"/>
+              <a:t>Man muss die </a:t>
+            </a:r>
+            <a:r>
+              <a:rPr lang="de-DE" dirty="0" err="1"/>
+              <a:t>Sign</a:t>
+            </a:r>
+            <a:r>
+              <a:rPr lang="de-DE" dirty="0"/>
+              <a:t>-on und </a:t>
+            </a:r>
+            <a:r>
+              <a:rPr lang="de-DE" dirty="0" err="1"/>
+              <a:t>Sign</a:t>
+            </a:r>
+            <a:r>
+              <a:rPr lang="de-DE" dirty="0"/>
+              <a:t>-off Logik nur einmal konfigurieren</a:t>
+            </a:r>
+          </a:p>
+          <a:p>
+            <a:pPr>
+              <a:spcBef>
+                <a:spcPts val="2000"/>
+              </a:spcBef>
+            </a:pPr>
+            <a:r>
+              <a:rPr lang="de-DE" dirty="0"/>
+              <a:t>Gerade interessant bei </a:t>
+            </a:r>
+            <a:r>
+              <a:rPr lang="de-DE" b="1" dirty="0"/>
+              <a:t>B</a:t>
+            </a:r>
+            <a:r>
+              <a:rPr lang="de-DE" b="1" dirty="0" smtClean="0"/>
+              <a:t>ASIC</a:t>
+            </a:r>
+            <a:r>
+              <a:rPr lang="de-DE" dirty="0" smtClean="0"/>
+              <a:t> </a:t>
+            </a:r>
+            <a:r>
+              <a:rPr lang="de-DE" dirty="0"/>
+              <a:t>und </a:t>
+            </a:r>
+            <a:r>
+              <a:rPr lang="de-DE" b="1" dirty="0"/>
+              <a:t>Forms</a:t>
+            </a:r>
+            <a:r>
+              <a:rPr lang="de-DE" dirty="0"/>
+              <a:t> </a:t>
+            </a:r>
+            <a:r>
+              <a:rPr lang="de-DE" dirty="0" smtClean="0"/>
+              <a:t>Authentifizierung</a:t>
+            </a:r>
+            <a:br>
+              <a:rPr lang="de-DE" dirty="0" smtClean="0"/>
+            </a:br>
+            <a:r>
+              <a:rPr lang="de-DE" dirty="0" smtClean="0"/>
+              <a:t>aber auch dann, wenn für die andere Technologie kein </a:t>
+            </a:r>
+            <a:r>
+              <a:rPr lang="de-DE" dirty="0" err="1" smtClean="0"/>
+              <a:t>Authenfizierungsmodul</a:t>
+            </a:r>
+            <a:r>
+              <a:rPr lang="de-DE" dirty="0" smtClean="0"/>
+              <a:t> verfügbar ist</a:t>
+            </a:r>
+            <a:r>
+              <a:rPr lang="de-DE" dirty="0"/>
+              <a:t/>
+            </a:r>
+            <a:br>
+              <a:rPr lang="de-DE" dirty="0"/>
+            </a:br>
+            <a:endParaRPr lang="de-DE" dirty="0"/>
+          </a:p>
+          <a:p>
+            <a:endParaRPr lang="de-DE" dirty="0" smtClean="0"/>
+          </a:p>
+          <a:p>
+            <a:pPr marL="0" indent="0">
+              <a:buNone/>
+            </a:pPr>
+            <a:r>
+              <a:rPr lang="de-DE" dirty="0" smtClean="0"/>
+              <a:t/>
+            </a:r>
+            <a:br>
+              <a:rPr lang="de-DE" dirty="0" smtClean="0"/>
+            </a:br>
+            <a:endParaRPr lang="de-DE" dirty="0" smtClean="0"/>
+          </a:p>
+          <a:p>
+            <a:pPr marL="0" indent="0">
+              <a:buNone/>
+            </a:pPr>
+            <a:endParaRPr lang="de-DE" dirty="0" smtClean="0"/>
+          </a:p>
+          <a:p>
+            <a:endParaRPr lang="de-DE" dirty="0"/>
+          </a:p>
+        </p:txBody>
+      </p:sp>
+    </p:spTree>
+    <p:extLst>
+      <p:ext uri="{BB962C8B-B14F-4D97-AF65-F5344CB8AC3E}">
+        <p14:creationId xmlns:p14="http://schemas.microsoft.com/office/powerpoint/2010/main" val="3122557929"/>
+      </p:ext>
+    </p:extLst>
+  </p:cSld>
+  <p:clrMapOvr>
+    <a:masterClrMapping/>
+  </p:clrMapOvr>
+  <p:timing>
+    <p:tnLst>
+      <p:par>
+        <p:cTn id="1" dur="indefinite" restart="never" nodeType="tmRoot">
+          <p:childTnLst>
+            <p:seq concurrent="1" nextAc="seek">
+              <p:cTn id="2" dur="indefinite" nodeType="mainSeq">
+                <p:childTnLst>
+                  <p:par>
+                    <p:cTn id="3" fill="hold">
+                      <p:stCondLst>
+                        <p:cond delay="indefinite"/>
+                      </p:stCondLst>
+                      <p:childTnLst>
+                        <p:par>
+                          <p:cTn id="4" fill="hold">
+                            <p:stCondLst>
+                              <p:cond delay="0"/>
+                            </p:stCondLst>
+                            <p:childTnLst>
+                              <p:par>
+                                <p:cTn id="5" presetID="1" presetClass="entr" presetSubtype="0" fill="hold" grpId="0" nodeType="clickEffect">
+                                  <p:stCondLst>
+                                    <p:cond delay="0"/>
+                                  </p:stCondLst>
+                                  <p:childTnLst>
+                                    <p:set>
+                                      <p:cBhvr>
+                                        <p:cTn id="6" dur="1" fill="hold">
+                                          <p:stCondLst>
+                                            <p:cond delay="0"/>
+                                          </p:stCondLst>
+                                        </p:cTn>
+                                        <p:tgtEl>
+                                          <p:spTgt spid="3">
+                                            <p:txEl>
+                                              <p:pRg st="0" end="0"/>
+                                            </p:txEl>
+                                          </p:spTgt>
+                                        </p:tgtEl>
+                                        <p:attrNameLst>
+                                          <p:attrName>style.visibility</p:attrName>
+                                        </p:attrNameLst>
+                                      </p:cBhvr>
+                                      <p:to>
+                                        <p:strVal val="visible"/>
+                                      </p:to>
+                                    </p:set>
+                                  </p:childTnLst>
+                                </p:cTn>
+                              </p:par>
+                            </p:childTnLst>
+                          </p:cTn>
+                        </p:par>
+                      </p:childTnLst>
+                    </p:cTn>
+                  </p:par>
+                  <p:par>
+                    <p:cTn id="7" fill="hold">
+                      <p:stCondLst>
+                        <p:cond delay="indefinite"/>
+                      </p:stCondLst>
+                      <p:childTnLst>
+                        <p:par>
+                          <p:cTn id="8" fill="hold">
+                            <p:stCondLst>
+                              <p:cond delay="0"/>
+                            </p:stCondLst>
+                            <p:childTnLst>
+                              <p:par>
+                                <p:cTn id="9" presetID="1" presetClass="entr" presetSubtype="0" fill="hold" grpId="0" nodeType="clickEffect">
+                                  <p:stCondLst>
+                                    <p:cond delay="0"/>
+                                  </p:stCondLst>
+                                  <p:childTnLst>
+                                    <p:set>
+                                      <p:cBhvr>
+                                        <p:cTn id="10" dur="1" fill="hold">
+                                          <p:stCondLst>
+                                            <p:cond delay="0"/>
+                                          </p:stCondLst>
+                                        </p:cTn>
+                                        <p:tgtEl>
+                                          <p:spTgt spid="3">
+                                            <p:txEl>
+                                              <p:pRg st="1" end="1"/>
+                                            </p:txEl>
+                                          </p:spTgt>
+                                        </p:tgtEl>
+                                        <p:attrNameLst>
+                                          <p:attrName>style.visibility</p:attrName>
+                                        </p:attrNameLst>
+                                      </p:cBhvr>
+                                      <p:to>
+                                        <p:strVal val="visible"/>
+                                      </p:to>
+                                    </p:set>
+                                  </p:childTnLst>
+                                </p:cTn>
+                              </p:par>
+                            </p:childTnLst>
+                          </p:cTn>
+                        </p:par>
+                      </p:childTnLst>
+                    </p:cTn>
+                  </p:par>
+                  <p:par>
+                    <p:cTn id="11" fill="hold">
+                      <p:stCondLst>
+                        <p:cond delay="indefinite"/>
+                      </p:stCondLst>
+                      <p:childTnLst>
+                        <p:par>
+                          <p:cTn id="12" fill="hold">
+                            <p:stCondLst>
+                              <p:cond delay="0"/>
+                            </p:stCondLst>
+                            <p:childTnLst>
+                              <p:par>
+                                <p:cTn id="13" presetID="1" presetClass="entr" presetSubtype="0" fill="hold" grpId="0" nodeType="clickEffect">
+                                  <p:stCondLst>
+                                    <p:cond delay="0"/>
+                                  </p:stCondLst>
+                                  <p:childTnLst>
+                                    <p:set>
+                                      <p:cBhvr>
+                                        <p:cTn id="14" dur="1" fill="hold">
+                                          <p:stCondLst>
+                                            <p:cond delay="0"/>
+                                          </p:stCondLst>
+                                        </p:cTn>
+                                        <p:tgtEl>
+                                          <p:spTgt spid="3">
+                                            <p:txEl>
+                                              <p:pRg st="2" end="2"/>
+                                            </p:txEl>
+                                          </p:spTgt>
+                                        </p:tgtEl>
+                                        <p:attrNameLst>
+                                          <p:attrName>style.visibility</p:attrName>
+                                        </p:attrNameLst>
+                                      </p:cBhvr>
+                                      <p:to>
+                                        <p:strVal val="visible"/>
+                                      </p:to>
+                                    </p:set>
+                                  </p:childTnLst>
+                                </p:cTn>
+                              </p:par>
+                            </p:childTnLst>
+                          </p:cTn>
+                        </p:par>
+                      </p:childTnLst>
+                    </p:cTn>
+                  </p:par>
+                  <p:par>
+                    <p:cTn id="15" fill="hold">
+                      <p:stCondLst>
+                        <p:cond delay="indefinite"/>
+                      </p:stCondLst>
+                      <p:childTnLst>
+                        <p:par>
+                          <p:cTn id="16" fill="hold">
+                            <p:stCondLst>
+                              <p:cond delay="0"/>
+                            </p:stCondLst>
+                            <p:childTnLst>
+                              <p:par>
+                                <p:cTn id="17" presetID="1" presetClass="entr" presetSubtype="0" fill="hold" grpId="0" nodeType="clickEffect">
+                                  <p:stCondLst>
+                                    <p:cond delay="0"/>
+                                  </p:stCondLst>
+                                  <p:childTnLst>
+                                    <p:set>
+                                      <p:cBhvr>
+                                        <p:cTn id="18" dur="1" fill="hold">
+                                          <p:stCondLst>
+                                            <p:cond delay="0"/>
+                                          </p:stCondLst>
+                                        </p:cTn>
+                                        <p:tgtEl>
+                                          <p:spTgt spid="3">
+                                            <p:txEl>
+                                              <p:pRg st="3" end="3"/>
+                                            </p:txEl>
+                                          </p:spTgt>
+                                        </p:tgtEl>
+                                        <p:attrNameLst>
+                                          <p:attrName>style.visibility</p:attrName>
+                                        </p:attrNameLst>
+                                      </p:cBhvr>
+                                      <p:to>
+                                        <p:strVal val="visible"/>
+                                      </p:to>
+                                    </p:set>
+                                  </p:childTnLst>
+                                </p:cTn>
+                              </p:par>
+                            </p:childTnLst>
+                          </p:cTn>
+                        </p:par>
+                      </p:childTnLst>
+                    </p:cTn>
+                  </p:par>
+                  <p:par>
+                    <p:cTn id="19" fill="hold">
+                      <p:stCondLst>
+                        <p:cond delay="indefinite"/>
+                      </p:stCondLst>
+                      <p:childTnLst>
+                        <p:par>
+                          <p:cTn id="20" fill="hold">
+                            <p:stCondLst>
+                              <p:cond delay="0"/>
+                            </p:stCondLst>
+                            <p:childTnLst>
+                              <p:par>
+                                <p:cTn id="21" presetID="1" presetClass="entr" presetSubtype="0" fill="hold" grpId="0" nodeType="clickEffect">
+                                  <p:stCondLst>
+                                    <p:cond delay="0"/>
+                                  </p:stCondLst>
+                                  <p:childTnLst>
+                                    <p:set>
+                                      <p:cBhvr>
+                                        <p:cTn id="22" dur="1" fill="hold">
+                                          <p:stCondLst>
+                                            <p:cond delay="0"/>
+                                          </p:stCondLst>
+                                        </p:cTn>
+                                        <p:tgtEl>
+                                          <p:spTgt spid="3">
+                                            <p:txEl>
+                                              <p:pRg st="4" end="4"/>
+                                            </p:txEl>
+                                          </p:spTgt>
+                                        </p:tgtEl>
+                                        <p:attrNameLst>
+                                          <p:attrName>style.visibility</p:attrName>
+                                        </p:attrNameLst>
+                                      </p:cBhvr>
+                                      <p:to>
+                                        <p:strVal val="visible"/>
+                                      </p:to>
+                                    </p:set>
+                                  </p:childTnLst>
+                                </p:cTn>
+                              </p:par>
+                            </p:childTnLst>
+                          </p:cTn>
+                        </p:par>
+                      </p:childTnLst>
+                    </p:cTn>
+                  </p:par>
+                  <p:par>
+                    <p:cTn id="23" fill="hold">
+                      <p:stCondLst>
+                        <p:cond delay="indefinite"/>
+                      </p:stCondLst>
+                      <p:childTnLst>
+                        <p:par>
+                          <p:cTn id="24" fill="hold">
+                            <p:stCondLst>
+                              <p:cond delay="0"/>
+                            </p:stCondLst>
+                            <p:childTnLst>
+                              <p:par>
+                                <p:cTn id="25" presetID="1" presetClass="entr" presetSubtype="0" fill="hold" grpId="0" nodeType="clickEffect">
+                                  <p:stCondLst>
+                                    <p:cond delay="0"/>
+                                  </p:stCondLst>
+                                  <p:childTnLst>
+                                    <p:set>
+                                      <p:cBhvr>
+                                        <p:cTn id="26" dur="1" fill="hold">
+                                          <p:stCondLst>
+                                            <p:cond delay="0"/>
+                                          </p:stCondLst>
+                                        </p:cTn>
+                                        <p:tgtEl>
+                                          <p:spTgt spid="3">
+                                            <p:txEl>
+                                              <p:pRg st="6" end="6"/>
+                                            </p:txEl>
+                                          </p:spTgt>
+                                        </p:tgtEl>
+                                        <p:attrNameLst>
+                                          <p:attrName>style.visibility</p:attrName>
+                                        </p:attrNameLst>
+                                      </p:cBhvr>
+                                      <p:to>
+                                        <p:strVal val="visible"/>
+                                      </p:to>
+                                    </p:set>
+                                  </p:childTnLst>
+                                </p:cTn>
+                              </p:par>
+                            </p:childTnLst>
+                          </p:cTn>
+                        </p:par>
+                      </p:childTnLst>
+                    </p:cTn>
+                  </p:par>
+                </p:childTnLst>
+              </p:cTn>
+              <p:prevCondLst>
+                <p:cond evt="onPrev" delay="0">
+                  <p:tgtEl>
+                    <p:sldTgt/>
+                  </p:tgtEl>
+                </p:cond>
+              </p:prevCondLst>
+              <p:nextCondLst>
+                <p:cond evt="onNext" delay="0">
+                  <p:tgtEl>
+                    <p:sldTgt/>
+                  </p:tgtEl>
+                </p:cond>
+              </p:nextCondLst>
+            </p:seq>
+          </p:childTnLst>
+        </p:cTn>
+      </p:par>
+    </p:tnLst>
+    <p:bldLst>
+      <p:bldP spid="3" grpId="0" uiExpand="1" build="p"/>
+    </p:bldLst>
+  </p:timing>
+</p:sld>
+</file>
+
+<file path=ppt/slides/slide5.xml><?xml version="1.0" encoding="utf-8"?>
+<p:sld xmlns:a="http://schemas.openxmlformats.org/drawingml/2006/main" xmlns:r="http://schemas.openxmlformats.org/officeDocument/2006/relationships" xmlns:p="http://schemas.openxmlformats.org/presentationml/2006/main">
+  <p:cSld>
+    <p:spTree>
+      <p:nvGrpSpPr>
+        <p:cNvPr id="1" name=""/>
+        <p:cNvGrpSpPr/>
+        <p:nvPr/>
+      </p:nvGrpSpPr>
+      <p:grpSpPr>
+        <a:xfrm>
+          <a:off x="0" y="0"/>
+          <a:ext cx="0" cy="0"/>
+          <a:chOff x="0" y="0"/>
+          <a:chExt cx="0" cy="0"/>
+        </a:xfrm>
+      </p:grpSpPr>
+      <p:sp>
+        <p:nvSpPr>
+          <p:cNvPr id="2" name="Titel 1"/>
+          <p:cNvSpPr>
+            <a:spLocks noGrp="1"/>
+          </p:cNvSpPr>
+          <p:nvPr>
+            <p:ph type="title"/>
+          </p:nvPr>
+        </p:nvSpPr>
+        <p:spPr/>
+        <p:txBody>
+          <a:bodyPr/>
+          <a:lstStyle/>
+          <a:p>
+            <a:r>
+              <a:rPr lang="de-DE" dirty="0" smtClean="0"/>
+              <a:t>Setup</a:t>
+            </a:r>
+            <a:endParaRPr lang="de-DE" dirty="0"/>
+          </a:p>
+        </p:txBody>
+      </p:sp>
+      <p:sp>
+        <p:nvSpPr>
+          <p:cNvPr id="3" name="Inhaltsplatzhalter 2"/>
+          <p:cNvSpPr>
+            <a:spLocks noGrp="1"/>
+          </p:cNvSpPr>
+          <p:nvPr>
+            <p:ph idx="1"/>
+          </p:nvPr>
+        </p:nvSpPr>
+        <p:spPr/>
+        <p:txBody>
+          <a:bodyPr/>
+          <a:lstStyle/>
+          <a:p>
+            <a:r>
+              <a:rPr lang="de-DE" dirty="0" smtClean="0"/>
+              <a:t>Authentifizierungsverfahren </a:t>
+            </a:r>
+            <a:r>
+              <a:rPr lang="de-DE" dirty="0" err="1" smtClean="0"/>
+              <a:t>OpenID</a:t>
+            </a:r>
+            <a:r>
+              <a:rPr lang="de-DE" dirty="0" smtClean="0"/>
+              <a:t> Connect</a:t>
+            </a:r>
+          </a:p>
+          <a:p>
+            <a:r>
+              <a:rPr lang="de-DE" b="1" dirty="0" smtClean="0"/>
+              <a:t>IdentityServer4</a:t>
+            </a:r>
+            <a:r>
+              <a:rPr lang="de-DE" dirty="0" smtClean="0"/>
+              <a:t> in ASP.NET Core als Identity </a:t>
+            </a:r>
+            <a:r>
+              <a:rPr lang="de-DE" dirty="0" err="1" smtClean="0"/>
+              <a:t>provider</a:t>
+            </a:r>
+            <a:endParaRPr lang="de-DE" dirty="0" smtClean="0"/>
+          </a:p>
+          <a:p>
+            <a:r>
+              <a:rPr lang="de-DE" b="1" dirty="0" smtClean="0"/>
+              <a:t>ASP.NET Core MVC </a:t>
+            </a:r>
+            <a:r>
+              <a:rPr lang="de-DE" dirty="0" smtClean="0"/>
+              <a:t>Webseite mit SSO per </a:t>
+            </a:r>
+            <a:r>
+              <a:rPr lang="de-DE" b="1" dirty="0" err="1" smtClean="0"/>
+              <a:t>OpenID</a:t>
+            </a:r>
+            <a:r>
+              <a:rPr lang="de-DE" b="1" dirty="0" smtClean="0"/>
+              <a:t> Connect</a:t>
+            </a:r>
+          </a:p>
+          <a:p>
+            <a:r>
+              <a:rPr lang="de-DE" b="1" dirty="0" smtClean="0"/>
+              <a:t>ASP.NET MVC </a:t>
+            </a:r>
+            <a:r>
+              <a:rPr lang="de-DE" dirty="0" smtClean="0"/>
+              <a:t>Webseite mit reiner </a:t>
+            </a:r>
+            <a:r>
+              <a:rPr lang="de-DE" b="1" dirty="0" smtClean="0"/>
+              <a:t>Cookie </a:t>
+            </a:r>
+            <a:r>
+              <a:rPr lang="de-DE" dirty="0" smtClean="0"/>
+              <a:t>Authentifizierung</a:t>
+            </a:r>
+          </a:p>
+          <a:p>
+            <a:r>
+              <a:rPr lang="de-DE" dirty="0" smtClean="0"/>
+              <a:t>Gehostet werden alle drei Webseiten im IIS </a:t>
+            </a:r>
+          </a:p>
+          <a:p>
+            <a:r>
+              <a:rPr lang="de-DE" b="1" dirty="0" smtClean="0"/>
+              <a:t>https Protokoll</a:t>
+            </a:r>
+            <a:r>
+              <a:rPr lang="de-DE" dirty="0" smtClean="0"/>
+              <a:t> auf </a:t>
+            </a:r>
+            <a:r>
+              <a:rPr lang="de-DE" dirty="0" err="1" smtClean="0"/>
+              <a:t>localhost</a:t>
+            </a:r>
+            <a:r>
+              <a:rPr lang="de-DE" dirty="0" smtClean="0"/>
+              <a:t> mit </a:t>
+            </a:r>
+            <a:r>
+              <a:rPr lang="de-DE" dirty="0" err="1" smtClean="0"/>
+              <a:t>self</a:t>
+            </a:r>
+            <a:r>
+              <a:rPr lang="de-DE" dirty="0" smtClean="0"/>
+              <a:t> </a:t>
+            </a:r>
+            <a:r>
+              <a:rPr lang="de-DE" dirty="0" err="1" smtClean="0"/>
+              <a:t>signed</a:t>
+            </a:r>
+            <a:r>
+              <a:rPr lang="de-DE" dirty="0" smtClean="0"/>
+              <a:t> Zertifikat</a:t>
+            </a:r>
+            <a:endParaRPr lang="de-DE" dirty="0"/>
+          </a:p>
+        </p:txBody>
+      </p:sp>
+    </p:spTree>
+    <p:extLst>
+      <p:ext uri="{BB962C8B-B14F-4D97-AF65-F5344CB8AC3E}">
+        <p14:creationId xmlns:p14="http://schemas.microsoft.com/office/powerpoint/2010/main" val="1543146256"/>
+      </p:ext>
+    </p:extLst>
+  </p:cSld>
+  <p:clrMapOvr>
+    <a:masterClrMapping/>
+  </p:clrMapOvr>
+  <p:timing>
+    <p:tnLst>
+      <p:par>
+        <p:cTn id="1" dur="indefinite" restart="never" nodeType="tmRoot">
+          <p:childTnLst>
+            <p:seq concurrent="1" nextAc="seek">
+              <p:cTn id="2" dur="indefinite" nodeType="mainSeq">
+                <p:childTnLst>
+                  <p:par>
+                    <p:cTn id="3" fill="hold">
+                      <p:stCondLst>
+                        <p:cond delay="indefinite"/>
+                      </p:stCondLst>
+                      <p:childTnLst>
+                        <p:par>
+                          <p:cTn id="4" fill="hold">
+                            <p:stCondLst>
+                              <p:cond delay="0"/>
+                            </p:stCondLst>
+                            <p:childTnLst>
+                              <p:par>
+                                <p:cTn id="5" presetID="1" presetClass="entr" presetSubtype="0" fill="hold" grpId="0" nodeType="clickEffect">
+                                  <p:stCondLst>
+                                    <p:cond delay="0"/>
+                                  </p:stCondLst>
+                                  <p:childTnLst>
+                                    <p:set>
+                                      <p:cBhvr>
+                                        <p:cTn id="6" dur="1" fill="hold">
+                                          <p:stCondLst>
+                                            <p:cond delay="0"/>
+                                          </p:stCondLst>
+                                        </p:cTn>
+                                        <p:tgtEl>
+                                          <p:spTgt spid="3">
+                                            <p:txEl>
+                                              <p:pRg st="0" end="0"/>
+                                            </p:txEl>
+                                          </p:spTgt>
+                                        </p:tgtEl>
+                                        <p:attrNameLst>
+                                          <p:attrName>style.visibility</p:attrName>
+                                        </p:attrNameLst>
+                                      </p:cBhvr>
+                                      <p:to>
+                                        <p:strVal val="visible"/>
+                                      </p:to>
+                                    </p:set>
+                                  </p:childTnLst>
+                                </p:cTn>
+                              </p:par>
+                            </p:childTnLst>
+                          </p:cTn>
+                        </p:par>
+                      </p:childTnLst>
+                    </p:cTn>
+                  </p:par>
+                  <p:par>
+                    <p:cTn id="7" fill="hold">
+                      <p:stCondLst>
+                        <p:cond delay="indefinite"/>
+                      </p:stCondLst>
+                      <p:childTnLst>
+                        <p:par>
+                          <p:cTn id="8" fill="hold">
+                            <p:stCondLst>
+                              <p:cond delay="0"/>
+                            </p:stCondLst>
+                            <p:childTnLst>
+                              <p:par>
+                                <p:cTn id="9" presetID="1" presetClass="entr" presetSubtype="0" fill="hold" grpId="0" nodeType="clickEffect">
+                                  <p:stCondLst>
+                                    <p:cond delay="0"/>
+                                  </p:stCondLst>
+                                  <p:childTnLst>
+                                    <p:set>
+                                      <p:cBhvr>
+                                        <p:cTn id="10" dur="1" fill="hold">
+                                          <p:stCondLst>
+                                            <p:cond delay="0"/>
+                                          </p:stCondLst>
+                                        </p:cTn>
+                                        <p:tgtEl>
+                                          <p:spTgt spid="3">
+                                            <p:txEl>
+                                              <p:pRg st="1" end="1"/>
+                                            </p:txEl>
+                                          </p:spTgt>
+                                        </p:tgtEl>
+                                        <p:attrNameLst>
+                                          <p:attrName>style.visibility</p:attrName>
+                                        </p:attrNameLst>
+                                      </p:cBhvr>
+                                      <p:to>
+                                        <p:strVal val="visible"/>
+                                      </p:to>
+                                    </p:set>
+                                  </p:childTnLst>
+                                </p:cTn>
+                              </p:par>
+                            </p:childTnLst>
+                          </p:cTn>
+                        </p:par>
+                      </p:childTnLst>
+                    </p:cTn>
+                  </p:par>
+                  <p:par>
+                    <p:cTn id="11" fill="hold">
+                      <p:stCondLst>
+                        <p:cond delay="indefinite"/>
+                      </p:stCondLst>
+                      <p:childTnLst>
+                        <p:par>
+                          <p:cTn id="12" fill="hold">
+                            <p:stCondLst>
+                              <p:cond delay="0"/>
+                            </p:stCondLst>
+                            <p:childTnLst>
+                              <p:par>
+                                <p:cTn id="13" presetID="1" presetClass="entr" presetSubtype="0" fill="hold" grpId="0" nodeType="clickEffect">
+                                  <p:stCondLst>
+                                    <p:cond delay="0"/>
+                                  </p:stCondLst>
+                                  <p:childTnLst>
+                                    <p:set>
+                                      <p:cBhvr>
+                                        <p:cTn id="14" dur="1" fill="hold">
+                                          <p:stCondLst>
+                                            <p:cond delay="0"/>
+                                          </p:stCondLst>
+                                        </p:cTn>
+                                        <p:tgtEl>
+                                          <p:spTgt spid="3">
+                                            <p:txEl>
+                                              <p:pRg st="2" end="2"/>
+                                            </p:txEl>
+                                          </p:spTgt>
+                                        </p:tgtEl>
+                                        <p:attrNameLst>
+                                          <p:attrName>style.visibility</p:attrName>
+                                        </p:attrNameLst>
+                                      </p:cBhvr>
+                                      <p:to>
+                                        <p:strVal val="visible"/>
+                                      </p:to>
+                                    </p:set>
+                                  </p:childTnLst>
+                                </p:cTn>
+                              </p:par>
+                            </p:childTnLst>
+                          </p:cTn>
+                        </p:par>
+                      </p:childTnLst>
+                    </p:cTn>
+                  </p:par>
+                  <p:par>
+                    <p:cTn id="15" fill="hold">
+                      <p:stCondLst>
+                        <p:cond delay="indefinite"/>
+                      </p:stCondLst>
+                      <p:childTnLst>
+                        <p:par>
+                          <p:cTn id="16" fill="hold">
+                            <p:stCondLst>
+                              <p:cond delay="0"/>
+                            </p:stCondLst>
+                            <p:childTnLst>
+                              <p:par>
+                                <p:cTn id="17" presetID="1" presetClass="entr" presetSubtype="0" fill="hold" grpId="0" nodeType="clickEffect">
+                                  <p:stCondLst>
+                                    <p:cond delay="0"/>
+                                  </p:stCondLst>
+                                  <p:childTnLst>
+                                    <p:set>
+                                      <p:cBhvr>
+                                        <p:cTn id="18" dur="1" fill="hold">
+                                          <p:stCondLst>
+                                            <p:cond delay="0"/>
+                                          </p:stCondLst>
+                                        </p:cTn>
+                                        <p:tgtEl>
+                                          <p:spTgt spid="3">
+                                            <p:txEl>
+                                              <p:pRg st="3" end="3"/>
+                                            </p:txEl>
+                                          </p:spTgt>
+                                        </p:tgtEl>
+                                        <p:attrNameLst>
+                                          <p:attrName>style.visibility</p:attrName>
+                                        </p:attrNameLst>
+                                      </p:cBhvr>
+                                      <p:to>
+                                        <p:strVal val="visible"/>
+                                      </p:to>
+                                    </p:set>
+                                  </p:childTnLst>
+                                </p:cTn>
+                              </p:par>
+                            </p:childTnLst>
+                          </p:cTn>
+                        </p:par>
+                      </p:childTnLst>
+                    </p:cTn>
+                  </p:par>
+                  <p:par>
+                    <p:cTn id="19" fill="hold">
+                      <p:stCondLst>
+                        <p:cond delay="indefinite"/>
+                      </p:stCondLst>
+                      <p:childTnLst>
+                        <p:par>
+                          <p:cTn id="20" fill="hold">
+                            <p:stCondLst>
+                              <p:cond delay="0"/>
+                            </p:stCondLst>
+                            <p:childTnLst>
+                              <p:par>
+                                <p:cTn id="21" presetID="1" presetClass="entr" presetSubtype="0" fill="hold" grpId="0" nodeType="clickEffect">
+                                  <p:stCondLst>
+                                    <p:cond delay="0"/>
+                                  </p:stCondLst>
+                                  <p:childTnLst>
+                                    <p:set>
+                                      <p:cBhvr>
+                                        <p:cTn id="22" dur="1" fill="hold">
+                                          <p:stCondLst>
+                                            <p:cond delay="0"/>
+                                          </p:stCondLst>
+                                        </p:cTn>
+                                        <p:tgtEl>
+                                          <p:spTgt spid="3">
+                                            <p:txEl>
+                                              <p:pRg st="4" end="4"/>
+                                            </p:txEl>
+                                          </p:spTgt>
+                                        </p:tgtEl>
+                                        <p:attrNameLst>
+                                          <p:attrName>style.visibility</p:attrName>
+                                        </p:attrNameLst>
+                                      </p:cBhvr>
+                                      <p:to>
+                                        <p:strVal val="visible"/>
+                                      </p:to>
+                                    </p:set>
+                                  </p:childTnLst>
+                                </p:cTn>
+                              </p:par>
+                            </p:childTnLst>
+                          </p:cTn>
+                        </p:par>
+                      </p:childTnLst>
+                    </p:cTn>
+                  </p:par>
+                  <p:par>
+                    <p:cTn id="23" fill="hold">
+                      <p:stCondLst>
+                        <p:cond delay="indefinite"/>
+                      </p:stCondLst>
+                      <p:childTnLst>
+                        <p:par>
+                          <p:cTn id="24" fill="hold">
+                            <p:stCondLst>
+                              <p:cond delay="0"/>
+                            </p:stCondLst>
+                            <p:childTnLst>
+                              <p:par>
+                                <p:cTn id="25" presetID="1" presetClass="entr" presetSubtype="0" fill="hold" grpId="0" nodeType="clickEffect">
+                                  <p:stCondLst>
+                                    <p:cond delay="0"/>
+                                  </p:stCondLst>
+                                  <p:childTnLst>
+                                    <p:set>
+                                      <p:cBhvr>
+                                        <p:cTn id="26" dur="1" fill="hold">
+                                          <p:stCondLst>
+                                            <p:cond delay="0"/>
+                                          </p:stCondLst>
+                                        </p:cTn>
+                                        <p:tgtEl>
+                                          <p:spTgt spid="3">
+                                            <p:txEl>
+                                              <p:pRg st="5" end="5"/>
+                                            </p:txEl>
+                                          </p:spTgt>
+                                        </p:tgtEl>
+                                        <p:attrNameLst>
+                                          <p:attrName>style.visibility</p:attrName>
+                                        </p:attrNameLst>
+                                      </p:cBhvr>
+                                      <p:to>
+                                        <p:strVal val="visible"/>
+                                      </p:to>
+                                    </p:set>
+                                  </p:childTnLst>
+                                </p:cTn>
+                              </p:par>
+                            </p:childTnLst>
+                          </p:cTn>
+                        </p:par>
+                      </p:childTnLst>
+                    </p:cTn>
+                  </p:par>
+                </p:childTnLst>
+              </p:cTn>
+              <p:prevCondLst>
+                <p:cond evt="onPrev" delay="0">
+                  <p:tgtEl>
+                    <p:sldTgt/>
+                  </p:tgtEl>
+                </p:cond>
+              </p:prevCondLst>
+              <p:nextCondLst>
+                <p:cond evt="onNext" delay="0">
+                  <p:tgtEl>
+                    <p:sldTgt/>
+                  </p:tgtEl>
+                </p:cond>
+              </p:nextCondLst>
+            </p:seq>
+          </p:childTnLst>
+        </p:cTn>
+      </p:par>
+    </p:tnLst>
+    <p:bldLst>
+      <p:bldP spid="3" grpId="0" uiExpand="1" build="p"/>
+    </p:bldLst>
+  </p:timing>
+</p:sld>
+</file>
+
+<file path=ppt/slides/slide6.xml><?xml version="1.0" encoding="utf-8"?>
+<p:sld xmlns:a="http://schemas.openxmlformats.org/drawingml/2006/main" xmlns:r="http://schemas.openxmlformats.org/officeDocument/2006/relationships" xmlns:p="http://schemas.openxmlformats.org/presentationml/2006/main">
+  <p:cSld>
+    <p:spTree>
+      <p:nvGrpSpPr>
+        <p:cNvPr id="1" name=""/>
+        <p:cNvGrpSpPr/>
+        <p:nvPr/>
+      </p:nvGrpSpPr>
+      <p:grpSpPr>
+        <a:xfrm>
+          <a:off x="0" y="0"/>
+          <a:ext cx="0" cy="0"/>
+          <a:chOff x="0" y="0"/>
+          <a:chExt cx="0" cy="0"/>
+        </a:xfrm>
+      </p:grpSpPr>
+      <p:sp>
+        <p:nvSpPr>
+          <p:cNvPr id="2" name="Titel 1"/>
+          <p:cNvSpPr>
+            <a:spLocks noGrp="1"/>
+          </p:cNvSpPr>
+          <p:nvPr>
+            <p:ph type="title"/>
+          </p:nvPr>
+        </p:nvSpPr>
+        <p:spPr/>
+        <p:txBody>
+          <a:bodyPr/>
+          <a:lstStyle/>
+          <a:p>
+            <a:r>
+              <a:rPr lang="de-DE" dirty="0" smtClean="0"/>
+              <a:t>Wie soll es aussehen?</a:t>
             </a:r>
             <a:endParaRPr lang="de-DE" dirty="0"/>
           </a:p>
@@ -5822,7 +8342,7 @@
         <p:spPr>
           <a:xfrm>
             <a:off x="6007968" y="3356992"/>
-            <a:ext cx="5056584" cy="1152128"/>
+            <a:ext cx="5488632" cy="1152128"/>
           </a:xfrm>
           <a:prstGeom prst="borderCallout1">
             <a:avLst>
@@ -5853,8 +8373,20 @@
           <a:p>
             <a:r>
               <a:rPr lang="de-DE" sz="1600" dirty="0" smtClean="0"/>
-              <a:t>ASP.NET Web App mit Cookie Authentifizierung im IFRAME</a:t>
-            </a:r>
+              <a:t>ASP.NET Web </a:t>
+            </a:r>
+            <a:r>
+              <a:rPr lang="de-DE" sz="1600" dirty="0"/>
+              <a:t>Webseite im IFRAME</a:t>
+            </a:r>
+            <a:endParaRPr lang="de-DE" sz="1600" dirty="0" smtClean="0"/>
+          </a:p>
+          <a:p>
+            <a:r>
+              <a:rPr lang="de-DE" sz="1600" dirty="0" smtClean="0"/>
+              <a:t>Cookie Authentifizierung</a:t>
+            </a:r>
+            <a:endParaRPr lang="de-DE" sz="1600" dirty="0" smtClean="0"/>
           </a:p>
           <a:p>
             <a:r>
@@ -5878,8 +8410,8 @@
         </p:nvSpPr>
         <p:spPr>
           <a:xfrm>
-            <a:off x="6023992" y="1844824"/>
-            <a:ext cx="5040560" cy="1152128"/>
+            <a:off x="6028878" y="1988840"/>
+            <a:ext cx="5467722" cy="1152128"/>
           </a:xfrm>
           <a:prstGeom prst="borderCallout1">
             <a:avLst>
@@ -5910,32 +8442,109 @@
           <a:p>
             <a:r>
               <a:rPr lang="de-DE" sz="1600" dirty="0" smtClean="0"/>
-              <a:t>ASP.NET Core Web App </a:t>
+              <a:t>ASP.NET Core </a:t>
+            </a:r>
+            <a:r>
+              <a:rPr lang="de-DE" sz="1600" dirty="0" smtClean="0"/>
+              <a:t>MVC Webseite</a:t>
+            </a:r>
+          </a:p>
+          <a:p>
+            <a:r>
+              <a:rPr lang="de-DE" sz="1600" dirty="0" err="1" smtClean="0"/>
+              <a:t>OpenID</a:t>
+            </a:r>
+            <a:r>
+              <a:rPr lang="de-DE" sz="1600" dirty="0" smtClean="0"/>
+              <a:t> Connect - und Cookie Authentifizierung</a:t>
+            </a:r>
+            <a:r>
+              <a:rPr lang="de-DE" sz="1600" dirty="0" smtClean="0"/>
+              <a:t/>
             </a:r>
             <a:br>
               <a:rPr lang="de-DE" sz="1600" dirty="0" smtClean="0"/>
             </a:br>
             <a:r>
-              <a:rPr lang="de-DE" sz="1600" dirty="0" smtClean="0"/>
-              <a:t>hier mit OPEN ID Connect Authentifizierung</a:t>
-            </a:r>
-            <a:br>
-              <a:rPr lang="de-DE" sz="1600" dirty="0" smtClean="0"/>
-            </a:br>
-            <a:r>
-              <a:rPr lang="de-DE" sz="1600" dirty="0" smtClean="0"/>
-              <a:t>(geht auch mit anderen AUTH Verfahren)</a:t>
-            </a:r>
-            <a:br>
-              <a:rPr lang="de-DE" sz="1600" dirty="0" smtClean="0"/>
-            </a:br>
-            <a:r>
               <a:rPr lang="de-DE" sz="1600" dirty="0" smtClean="0">
                 <a:hlinkClick r:id="rId4"/>
               </a:rPr>
-              <a:t>https://localhost/dncaspnetcore</a:t>
+              <a:t>https</a:t>
+            </a:r>
+            <a:r>
+              <a:rPr lang="de-DE" sz="1600" dirty="0" smtClean="0">
+                <a:hlinkClick r:id="rId4"/>
+              </a:rPr>
+              <a:t>://localhost/dncaspnetcore</a:t>
             </a:r>
             <a:endParaRPr lang="de-DE" sz="1600" dirty="0"/>
+          </a:p>
+        </p:txBody>
+      </p:sp>
+      <p:sp>
+        <p:nvSpPr>
+          <p:cNvPr id="7" name="Legende mit Linie 1 6"/>
+          <p:cNvSpPr/>
+          <p:nvPr/>
+        </p:nvSpPr>
+        <p:spPr>
+          <a:xfrm>
+            <a:off x="6028878" y="1052736"/>
+            <a:ext cx="5488632" cy="792088"/>
+          </a:xfrm>
+          <a:prstGeom prst="borderCallout1">
+            <a:avLst>
+              <a:gd name="adj1" fmla="val 18750"/>
+              <a:gd name="adj2" fmla="val -8333"/>
+              <a:gd name="adj3" fmla="val 26427"/>
+              <a:gd name="adj4" fmla="val -32367"/>
+            </a:avLst>
+          </a:prstGeom>
+          <a:ln>
+            <a:noFill/>
+          </a:ln>
+        </p:spPr>
+        <p:style>
+          <a:lnRef idx="1">
+            <a:schemeClr val="accent5"/>
+          </a:lnRef>
+          <a:fillRef idx="2">
+            <a:schemeClr val="accent5"/>
+          </a:fillRef>
+          <a:effectRef idx="1">
+            <a:schemeClr val="accent5"/>
+          </a:effectRef>
+          <a:fontRef idx="minor">
+            <a:schemeClr val="dk1"/>
+          </a:fontRef>
+        </p:style>
+        <p:txBody>
+          <a:bodyPr rtlCol="0" anchor="ctr"/>
+          <a:lstStyle/>
+          <a:p>
+            <a:r>
+              <a:rPr lang="de-DE" sz="1600" dirty="0" smtClean="0"/>
+              <a:t>IdentityServer4 auf </a:t>
+            </a:r>
+            <a:endParaRPr lang="de-DE" sz="1600" dirty="0" smtClean="0"/>
+          </a:p>
+          <a:p>
+            <a:r>
+              <a:rPr lang="de-DE" sz="1600" dirty="0" smtClean="0">
+                <a:hlinkClick r:id="rId5"/>
+              </a:rPr>
+              <a:t>https://</a:t>
+            </a:r>
+            <a:r>
+              <a:rPr lang="de-DE" sz="1600" dirty="0" smtClean="0">
+                <a:hlinkClick r:id="rId5"/>
+              </a:rPr>
+              <a:t>localhost/dncids</a:t>
+            </a:r>
+            <a:endParaRPr lang="de-DE" sz="1600" dirty="0" smtClean="0"/>
+          </a:p>
+          <a:p>
+            <a:endParaRPr lang="de-DE" sz="1600" dirty="0" smtClean="0"/>
           </a:p>
         </p:txBody>
       </p:sp>
@@ -5949,10 +8558,228 @@
   <p:clrMapOvr>
     <a:masterClrMapping/>
   </p:clrMapOvr>
+  <p:timing>
+    <p:tnLst>
+      <p:par>
+        <p:cTn id="1" dur="indefinite" restart="never" nodeType="tmRoot">
+          <p:childTnLst>
+            <p:seq concurrent="1" nextAc="seek">
+              <p:cTn id="2" dur="indefinite" nodeType="mainSeq">
+                <p:childTnLst>
+                  <p:par>
+                    <p:cTn id="3" fill="hold">
+                      <p:stCondLst>
+                        <p:cond delay="indefinite"/>
+                        <p:cond evt="onBegin" delay="0">
+                          <p:tn val="2"/>
+                        </p:cond>
+                      </p:stCondLst>
+                      <p:childTnLst>
+                        <p:par>
+                          <p:cTn id="4" fill="hold">
+                            <p:stCondLst>
+                              <p:cond delay="0"/>
+                            </p:stCondLst>
+                            <p:childTnLst>
+                              <p:par>
+                                <p:cTn id="5" presetID="1" presetClass="entr" presetSubtype="0" fill="hold" nodeType="afterEffect">
+                                  <p:stCondLst>
+                                    <p:cond delay="0"/>
+                                  </p:stCondLst>
+                                  <p:childTnLst>
+                                    <p:set>
+                                      <p:cBhvr>
+                                        <p:cTn id="6" dur="1" fill="hold">
+                                          <p:stCondLst>
+                                            <p:cond delay="0"/>
+                                          </p:stCondLst>
+                                        </p:cTn>
+                                        <p:tgtEl>
+                                          <p:spTgt spid="1026"/>
+                                        </p:tgtEl>
+                                        <p:attrNameLst>
+                                          <p:attrName>style.visibility</p:attrName>
+                                        </p:attrNameLst>
+                                      </p:cBhvr>
+                                      <p:to>
+                                        <p:strVal val="visible"/>
+                                      </p:to>
+                                    </p:set>
+                                  </p:childTnLst>
+                                </p:cTn>
+                              </p:par>
+                            </p:childTnLst>
+                          </p:cTn>
+                        </p:par>
+                      </p:childTnLst>
+                    </p:cTn>
+                  </p:par>
+                  <p:par>
+                    <p:cTn id="7" fill="hold">
+                      <p:stCondLst>
+                        <p:cond delay="indefinite"/>
+                      </p:stCondLst>
+                      <p:childTnLst>
+                        <p:par>
+                          <p:cTn id="8" fill="hold">
+                            <p:stCondLst>
+                              <p:cond delay="0"/>
+                            </p:stCondLst>
+                            <p:childTnLst>
+                              <p:par>
+                                <p:cTn id="9" presetID="1" presetClass="entr" presetSubtype="0" fill="hold" grpId="0" nodeType="clickEffect">
+                                  <p:stCondLst>
+                                    <p:cond delay="0"/>
+                                  </p:stCondLst>
+                                  <p:childTnLst>
+                                    <p:set>
+                                      <p:cBhvr>
+                                        <p:cTn id="10" dur="1" fill="hold">
+                                          <p:stCondLst>
+                                            <p:cond delay="0"/>
+                                          </p:stCondLst>
+                                        </p:cTn>
+                                        <p:tgtEl>
+                                          <p:spTgt spid="7"/>
+                                        </p:tgtEl>
+                                        <p:attrNameLst>
+                                          <p:attrName>style.visibility</p:attrName>
+                                        </p:attrNameLst>
+                                      </p:cBhvr>
+                                      <p:to>
+                                        <p:strVal val="visible"/>
+                                      </p:to>
+                                    </p:set>
+                                  </p:childTnLst>
+                                </p:cTn>
+                              </p:par>
+                            </p:childTnLst>
+                          </p:cTn>
+                        </p:par>
+                      </p:childTnLst>
+                    </p:cTn>
+                  </p:par>
+                  <p:par>
+                    <p:cTn id="11" fill="hold">
+                      <p:stCondLst>
+                        <p:cond delay="indefinite"/>
+                      </p:stCondLst>
+                      <p:childTnLst>
+                        <p:par>
+                          <p:cTn id="12" fill="hold">
+                            <p:stCondLst>
+                              <p:cond delay="0"/>
+                            </p:stCondLst>
+                            <p:childTnLst>
+                              <p:par>
+                                <p:cTn id="13" presetID="1" presetClass="entr" presetSubtype="0" fill="hold" grpId="0" nodeType="clickEffect">
+                                  <p:stCondLst>
+                                    <p:cond delay="0"/>
+                                  </p:stCondLst>
+                                  <p:childTnLst>
+                                    <p:set>
+                                      <p:cBhvr>
+                                        <p:cTn id="14" dur="1" fill="hold">
+                                          <p:stCondLst>
+                                            <p:cond delay="0"/>
+                                          </p:stCondLst>
+                                        </p:cTn>
+                                        <p:tgtEl>
+                                          <p:spTgt spid="8"/>
+                                        </p:tgtEl>
+                                        <p:attrNameLst>
+                                          <p:attrName>style.visibility</p:attrName>
+                                        </p:attrNameLst>
+                                      </p:cBhvr>
+                                      <p:to>
+                                        <p:strVal val="visible"/>
+                                      </p:to>
+                                    </p:set>
+                                  </p:childTnLst>
+                                </p:cTn>
+                              </p:par>
+                            </p:childTnLst>
+                          </p:cTn>
+                        </p:par>
+                      </p:childTnLst>
+                    </p:cTn>
+                  </p:par>
+                  <p:par>
+                    <p:cTn id="15" fill="hold">
+                      <p:stCondLst>
+                        <p:cond delay="indefinite"/>
+                      </p:stCondLst>
+                      <p:childTnLst>
+                        <p:par>
+                          <p:cTn id="16" fill="hold">
+                            <p:stCondLst>
+                              <p:cond delay="0"/>
+                            </p:stCondLst>
+                            <p:childTnLst>
+                              <p:par>
+                                <p:cTn id="17" presetID="1" presetClass="entr" presetSubtype="0" fill="hold" grpId="0" nodeType="clickEffect">
+                                  <p:stCondLst>
+                                    <p:cond delay="0"/>
+                                  </p:stCondLst>
+                                  <p:childTnLst>
+                                    <p:set>
+                                      <p:cBhvr>
+                                        <p:cTn id="18" dur="1" fill="hold">
+                                          <p:stCondLst>
+                                            <p:cond delay="0"/>
+                                          </p:stCondLst>
+                                        </p:cTn>
+                                        <p:tgtEl>
+                                          <p:spTgt spid="6"/>
+                                        </p:tgtEl>
+                                        <p:attrNameLst>
+                                          <p:attrName>style.visibility</p:attrName>
+                                        </p:attrNameLst>
+                                      </p:cBhvr>
+                                      <p:to>
+                                        <p:strVal val="visible"/>
+                                      </p:to>
+                                    </p:set>
+                                  </p:childTnLst>
+                                </p:cTn>
+                              </p:par>
+                            </p:childTnLst>
+                          </p:cTn>
+                        </p:par>
+                      </p:childTnLst>
+                    </p:cTn>
+                  </p:par>
+                </p:childTnLst>
+              </p:cTn>
+              <p:prevCondLst>
+                <p:cond evt="onPrev" delay="0">
+                  <p:tgtEl>
+                    <p:sldTgt/>
+                  </p:tgtEl>
+                </p:cond>
+              </p:prevCondLst>
+              <p:nextCondLst>
+                <p:cond evt="onNext" delay="0">
+                  <p:tgtEl>
+                    <p:sldTgt/>
+                  </p:tgtEl>
+                </p:cond>
+              </p:nextCondLst>
+            </p:seq>
+          </p:childTnLst>
+        </p:cTn>
+      </p:par>
+    </p:tnLst>
+    <p:bldLst>
+      <p:bldP spid="6" grpId="0" animBg="1"/>
+      <p:bldP spid="8" grpId="0" animBg="1"/>
+      <p:bldP spid="7" grpId="0" animBg="1"/>
+    </p:bldLst>
+  </p:timing>
 </p:sld>
 </file>
 
-<file path=ppt/slides/slide5.xml><?xml version="1.0" encoding="utf-8"?>
+<file path=ppt/slides/slide7.xml><?xml version="1.0" encoding="utf-8"?>
 <p:sld xmlns:a="http://schemas.openxmlformats.org/drawingml/2006/main" xmlns:r="http://schemas.openxmlformats.org/officeDocument/2006/relationships" xmlns:p="http://schemas.openxmlformats.org/presentationml/2006/main">
   <p:cSld>
     <p:spTree>
@@ -6669,7 +9496,7 @@
 </p:sld>
 </file>
 
-<file path=ppt/slides/slide6.xml><?xml version="1.0" encoding="utf-8"?>
+<file path=ppt/slides/slide8.xml><?xml version="1.0" encoding="utf-8"?>
 <p:sld xmlns:a="http://schemas.openxmlformats.org/drawingml/2006/main" xmlns:r="http://schemas.openxmlformats.org/officeDocument/2006/relationships" xmlns:p="http://schemas.openxmlformats.org/presentationml/2006/main">
   <p:cSld>
     <p:spTree>
@@ -6996,7 +9823,7 @@
 </p:sld>
 </file>
 
-<file path=ppt/slides/slide7.xml><?xml version="1.0" encoding="utf-8"?>
+<file path=ppt/slides/slide9.xml><?xml version="1.0" encoding="utf-8"?>
 <p:sld xmlns:a="http://schemas.openxmlformats.org/drawingml/2006/main" xmlns:r="http://schemas.openxmlformats.org/officeDocument/2006/relationships" xmlns:p="http://schemas.openxmlformats.org/presentationml/2006/main">
   <p:cSld>
     <p:spTree>
@@ -7744,1430 +10571,6 @@
                                         <p:cTn id="17" dur="500"/>
                                         <p:tgtEl>
                                           <p:spTgt spid="3">
-                                            <p:txEl>
-                                              <p:pRg st="2" end="2"/>
-                                            </p:txEl>
-                                          </p:spTgt>
-                                        </p:tgtEl>
-                                      </p:cBhvr>
-                                    </p:animEffect>
-                                  </p:childTnLst>
-                                </p:cTn>
-                              </p:par>
-                            </p:childTnLst>
-                          </p:cTn>
-                        </p:par>
-                      </p:childTnLst>
-                    </p:cTn>
-                  </p:par>
-                </p:childTnLst>
-              </p:cTn>
-              <p:prevCondLst>
-                <p:cond evt="onPrev" delay="0">
-                  <p:tgtEl>
-                    <p:sldTgt/>
-                  </p:tgtEl>
-                </p:cond>
-              </p:prevCondLst>
-              <p:nextCondLst>
-                <p:cond evt="onNext" delay="0">
-                  <p:tgtEl>
-                    <p:sldTgt/>
-                  </p:tgtEl>
-                </p:cond>
-              </p:nextCondLst>
-            </p:seq>
-          </p:childTnLst>
-        </p:cTn>
-      </p:par>
-    </p:tnLst>
-  </p:timing>
-</p:sld>
-</file>
-
-<file path=ppt/slides/slide8.xml><?xml version="1.0" encoding="utf-8"?>
-<p:sld xmlns:a="http://schemas.openxmlformats.org/drawingml/2006/main" xmlns:r="http://schemas.openxmlformats.org/officeDocument/2006/relationships" xmlns:p="http://schemas.openxmlformats.org/presentationml/2006/main">
-  <p:cSld>
-    <p:spTree>
-      <p:nvGrpSpPr>
-        <p:cNvPr id="1" name=""/>
-        <p:cNvGrpSpPr/>
-        <p:nvPr/>
-      </p:nvGrpSpPr>
-      <p:grpSpPr>
-        <a:xfrm>
-          <a:off x="0" y="0"/>
-          <a:ext cx="0" cy="0"/>
-          <a:chOff x="0" y="0"/>
-          <a:chExt cx="0" cy="0"/>
-        </a:xfrm>
-      </p:grpSpPr>
-      <p:sp>
-        <p:nvSpPr>
-          <p:cNvPr id="2" name="Titel 1"/>
-          <p:cNvSpPr>
-            <a:spLocks noGrp="1"/>
-          </p:cNvSpPr>
-          <p:nvPr>
-            <p:ph type="title"/>
-          </p:nvPr>
-        </p:nvSpPr>
-        <p:spPr/>
-        <p:txBody>
-          <a:bodyPr/>
-          <a:lstStyle/>
-          <a:p>
-            <a:r>
-              <a:rPr lang="de-DE" dirty="0" smtClean="0"/>
-              <a:t>Cookie Pfad anpassen</a:t>
-            </a:r>
-            <a:endParaRPr lang="de-DE" dirty="0"/>
-          </a:p>
-        </p:txBody>
-      </p:sp>
-      <p:sp>
-        <p:nvSpPr>
-          <p:cNvPr id="3" name="Inhaltsplatzhalter 2"/>
-          <p:cNvSpPr>
-            <a:spLocks noGrp="1"/>
-          </p:cNvSpPr>
-          <p:nvPr>
-            <p:ph idx="1"/>
-          </p:nvPr>
-        </p:nvSpPr>
-        <p:spPr/>
-        <p:txBody>
-          <a:bodyPr/>
-          <a:lstStyle/>
-          <a:p>
-            <a:pPr marL="0" indent="0">
-              <a:buNone/>
-            </a:pPr>
-            <a:r>
-              <a:rPr lang="de-DE" dirty="0" smtClean="0"/>
-              <a:t>damit das Cookie an beide Seiten vom Browser geschickt wird:</a:t>
-            </a:r>
-          </a:p>
-          <a:p>
-            <a:pPr marL="0" indent="0">
-              <a:buNone/>
-            </a:pPr>
-            <a:r>
-              <a:rPr lang="de-DE" dirty="0" smtClean="0"/>
-              <a:t>ASP.NET </a:t>
-            </a:r>
-            <a:r>
-              <a:rPr lang="de-DE" dirty="0"/>
-              <a:t>Core</a:t>
-            </a:r>
-            <a:br>
-              <a:rPr lang="de-DE" dirty="0"/>
-            </a:br>
-            <a:r>
-              <a:rPr lang="de-DE" sz="1000" dirty="0"/>
-              <a:t/>
-            </a:r>
-            <a:br>
-              <a:rPr lang="de-DE" sz="1000" dirty="0"/>
-            </a:br>
-            <a:r>
-              <a:rPr lang="de-DE" sz="2000" dirty="0" err="1">
-                <a:solidFill>
-                  <a:srgbClr val="000000"/>
-                </a:solidFill>
-                <a:latin typeface="Consolas"/>
-              </a:rPr>
-              <a:t>app.UseCookieAuthentication</a:t>
-            </a:r>
-            <a:r>
-              <a:rPr lang="de-DE" sz="2000" dirty="0">
-                <a:solidFill>
-                  <a:srgbClr val="000000"/>
-                </a:solidFill>
-                <a:latin typeface="Consolas"/>
-              </a:rPr>
-              <a:t>(</a:t>
-            </a:r>
-            <a:r>
-              <a:rPr lang="de-DE" sz="2000" dirty="0" err="1">
-                <a:solidFill>
-                  <a:srgbClr val="0000FF"/>
-                </a:solidFill>
-                <a:latin typeface="Consolas"/>
-              </a:rPr>
-              <a:t>new</a:t>
-            </a:r>
-            <a:r>
-              <a:rPr lang="de-DE" sz="2000" dirty="0">
-                <a:solidFill>
-                  <a:srgbClr val="000000"/>
-                </a:solidFill>
-                <a:latin typeface="Consolas"/>
-              </a:rPr>
-              <a:t> </a:t>
-            </a:r>
-            <a:r>
-              <a:rPr lang="de-DE" sz="2000" dirty="0" err="1">
-                <a:solidFill>
-                  <a:srgbClr val="0000FF"/>
-                </a:solidFill>
-                <a:latin typeface="Consolas"/>
-              </a:rPr>
-              <a:t>CookieAuthenticationOptions</a:t>
-            </a:r>
-            <a:r>
-              <a:rPr lang="de-DE" sz="2000" dirty="0">
-                <a:solidFill>
-                  <a:srgbClr val="000000"/>
-                </a:solidFill>
-                <a:latin typeface="Consolas"/>
-              </a:rPr>
-              <a:t> </a:t>
-            </a:r>
-            <a:r>
-              <a:rPr lang="de-DE" sz="2000" dirty="0" smtClean="0">
-                <a:solidFill>
-                  <a:srgbClr val="000000"/>
-                </a:solidFill>
-                <a:latin typeface="Consolas"/>
-              </a:rPr>
-              <a:t>{</a:t>
-            </a:r>
-            <a:br>
-              <a:rPr lang="de-DE" sz="2000" dirty="0" smtClean="0">
-                <a:solidFill>
-                  <a:srgbClr val="000000"/>
-                </a:solidFill>
-                <a:latin typeface="Consolas"/>
-              </a:rPr>
-            </a:br>
-            <a:r>
-              <a:rPr lang="de-DE" sz="2000" dirty="0" smtClean="0">
-                <a:solidFill>
-                  <a:srgbClr val="000000"/>
-                </a:solidFill>
-                <a:latin typeface="Consolas"/>
-              </a:rPr>
-              <a:t>  </a:t>
-            </a:r>
-            <a:r>
-              <a:rPr lang="de-DE" sz="2000" dirty="0" smtClean="0">
-                <a:solidFill>
-                  <a:srgbClr val="008000"/>
-                </a:solidFill>
-                <a:latin typeface="Consolas"/>
-              </a:rPr>
-              <a:t>//…</a:t>
-            </a:r>
-            <a:r>
-              <a:rPr lang="de-DE" sz="2000" dirty="0">
-                <a:solidFill>
-                  <a:srgbClr val="000000"/>
-                </a:solidFill>
-                <a:latin typeface="Consolas"/>
-              </a:rPr>
-              <a:t/>
-            </a:r>
-            <a:br>
-              <a:rPr lang="de-DE" sz="2000" dirty="0">
-                <a:solidFill>
-                  <a:srgbClr val="000000"/>
-                </a:solidFill>
-                <a:latin typeface="Consolas"/>
-              </a:rPr>
-            </a:br>
-            <a:r>
-              <a:rPr lang="de-DE" sz="2000" dirty="0">
-                <a:solidFill>
-                  <a:srgbClr val="000000"/>
-                </a:solidFill>
-                <a:latin typeface="Consolas"/>
-              </a:rPr>
-              <a:t> </a:t>
-            </a:r>
-            <a:r>
-              <a:rPr lang="de-DE" sz="2000" dirty="0" smtClean="0">
-                <a:solidFill>
-                  <a:srgbClr val="000000"/>
-                </a:solidFill>
-                <a:latin typeface="Consolas"/>
-              </a:rPr>
-              <a:t> </a:t>
-            </a:r>
-            <a:r>
-              <a:rPr lang="de-DE" sz="2000" dirty="0" err="1" smtClean="0"/>
-              <a:t>CookiePath</a:t>
-            </a:r>
-            <a:r>
-              <a:rPr lang="de-DE" sz="2000" dirty="0" smtClean="0"/>
-              <a:t> </a:t>
-            </a:r>
-            <a:r>
-              <a:rPr lang="de-DE" sz="2000" dirty="0"/>
-              <a:t>= </a:t>
-            </a:r>
-            <a:r>
-              <a:rPr lang="de-DE" sz="2000" dirty="0" smtClean="0">
-                <a:solidFill>
-                  <a:srgbClr val="A31515"/>
-                </a:solidFill>
-                <a:latin typeface="Consolas"/>
-              </a:rPr>
-              <a:t>"/",</a:t>
-            </a:r>
-            <a:br>
-              <a:rPr lang="de-DE" sz="2000" dirty="0" smtClean="0">
-                <a:solidFill>
-                  <a:srgbClr val="A31515"/>
-                </a:solidFill>
-                <a:latin typeface="Consolas"/>
-              </a:rPr>
-            </a:br>
-            <a:r>
-              <a:rPr lang="de-DE" sz="2000" dirty="0" smtClean="0">
-                <a:solidFill>
-                  <a:srgbClr val="A31515"/>
-                </a:solidFill>
-                <a:latin typeface="Consolas"/>
-              </a:rPr>
-              <a:t>  </a:t>
-            </a:r>
-            <a:r>
-              <a:rPr lang="de-DE" sz="2000" dirty="0" smtClean="0">
-                <a:solidFill>
-                  <a:srgbClr val="008000"/>
-                </a:solidFill>
-                <a:latin typeface="Consolas"/>
-              </a:rPr>
-              <a:t>//…</a:t>
-            </a:r>
-            <a:br>
-              <a:rPr lang="de-DE" sz="2000" dirty="0" smtClean="0">
-                <a:solidFill>
-                  <a:srgbClr val="008000"/>
-                </a:solidFill>
-                <a:latin typeface="Consolas"/>
-              </a:rPr>
-            </a:br>
-            <a:r>
-              <a:rPr lang="de-DE" sz="2000" dirty="0" smtClean="0">
-                <a:solidFill>
-                  <a:srgbClr val="000000"/>
-                </a:solidFill>
-                <a:latin typeface="Consolas"/>
-              </a:rPr>
-              <a:t>});</a:t>
-            </a:r>
-            <a:br>
-              <a:rPr lang="de-DE" sz="2000" dirty="0" smtClean="0">
-                <a:solidFill>
-                  <a:srgbClr val="000000"/>
-                </a:solidFill>
-                <a:latin typeface="Consolas"/>
-              </a:rPr>
-            </a:br>
-            <a:r>
-              <a:rPr lang="de-DE" sz="2000" dirty="0">
-                <a:solidFill>
-                  <a:srgbClr val="008000"/>
-                </a:solidFill>
-                <a:latin typeface="Consolas"/>
-              </a:rPr>
-              <a:t/>
-            </a:r>
-            <a:br>
-              <a:rPr lang="de-DE" sz="2000" dirty="0">
-                <a:solidFill>
-                  <a:srgbClr val="008000"/>
-                </a:solidFill>
-                <a:latin typeface="Consolas"/>
-              </a:rPr>
-            </a:br>
-            <a:r>
-              <a:rPr lang="de-DE" dirty="0" smtClean="0"/>
-              <a:t>ASP.NET</a:t>
-            </a:r>
-            <a:br>
-              <a:rPr lang="de-DE" dirty="0" smtClean="0"/>
-            </a:br>
-            <a:r>
-              <a:rPr lang="de-DE" sz="1000" dirty="0" smtClean="0"/>
-              <a:t/>
-            </a:r>
-            <a:br>
-              <a:rPr lang="de-DE" sz="1000" dirty="0" smtClean="0"/>
-            </a:br>
-            <a:r>
-              <a:rPr lang="de-DE" sz="2000" dirty="0" err="1" smtClean="0">
-                <a:solidFill>
-                  <a:srgbClr val="000000"/>
-                </a:solidFill>
-                <a:latin typeface="Consolas"/>
-              </a:rPr>
-              <a:t>app.UseCookieAuthentication</a:t>
-            </a:r>
-            <a:r>
-              <a:rPr lang="de-DE" sz="2000" dirty="0" smtClean="0">
-                <a:solidFill>
-                  <a:srgbClr val="000000"/>
-                </a:solidFill>
-                <a:latin typeface="Consolas"/>
-              </a:rPr>
-              <a:t>( </a:t>
-            </a:r>
-            <a:r>
-              <a:rPr lang="de-DE" sz="2000" dirty="0" err="1" smtClean="0">
-                <a:solidFill>
-                  <a:srgbClr val="0000FF"/>
-                </a:solidFill>
-                <a:latin typeface="Consolas"/>
-              </a:rPr>
-              <a:t>new</a:t>
-            </a:r>
-            <a:r>
-              <a:rPr lang="de-DE" sz="2000" dirty="0" smtClean="0">
-                <a:solidFill>
-                  <a:srgbClr val="000000"/>
-                </a:solidFill>
-                <a:latin typeface="Consolas"/>
-              </a:rPr>
-              <a:t> </a:t>
-            </a:r>
-            <a:r>
-              <a:rPr lang="de-DE" sz="2000" dirty="0" err="1" smtClean="0">
-                <a:solidFill>
-                  <a:srgbClr val="0000FF"/>
-                </a:solidFill>
-                <a:latin typeface="Consolas"/>
-              </a:rPr>
-              <a:t>CookieAuthenticationOptions</a:t>
-            </a:r>
-            <a:r>
-              <a:rPr lang="de-DE" sz="2000" dirty="0" smtClean="0">
-                <a:solidFill>
-                  <a:srgbClr val="000000"/>
-                </a:solidFill>
-                <a:latin typeface="Consolas"/>
-              </a:rPr>
-              <a:t> </a:t>
-            </a:r>
-            <a:r>
-              <a:rPr lang="de-DE" sz="2000" dirty="0">
-                <a:solidFill>
-                  <a:srgbClr val="000000"/>
-                </a:solidFill>
-                <a:latin typeface="Consolas"/>
-              </a:rPr>
-              <a:t>{</a:t>
-            </a:r>
-            <a:br>
-              <a:rPr lang="de-DE" sz="2000" dirty="0">
-                <a:solidFill>
-                  <a:srgbClr val="000000"/>
-                </a:solidFill>
-                <a:latin typeface="Consolas"/>
-              </a:rPr>
-            </a:br>
-            <a:r>
-              <a:rPr lang="de-DE" sz="2000" dirty="0">
-                <a:solidFill>
-                  <a:srgbClr val="000000"/>
-                </a:solidFill>
-                <a:latin typeface="Consolas"/>
-              </a:rPr>
-              <a:t> </a:t>
-            </a:r>
-            <a:r>
-              <a:rPr lang="de-DE" sz="2000" dirty="0" smtClean="0">
-                <a:solidFill>
-                  <a:srgbClr val="000000"/>
-                </a:solidFill>
-                <a:latin typeface="Consolas"/>
-              </a:rPr>
-              <a:t> </a:t>
-            </a:r>
-            <a:r>
-              <a:rPr lang="de-DE" sz="2000" dirty="0" smtClean="0">
-                <a:solidFill>
-                  <a:srgbClr val="008000"/>
-                </a:solidFill>
-                <a:latin typeface="Consolas"/>
-              </a:rPr>
-              <a:t>//…</a:t>
-            </a:r>
-            <a:r>
-              <a:rPr lang="de-DE" sz="2000" dirty="0">
-                <a:solidFill>
-                  <a:srgbClr val="000000"/>
-                </a:solidFill>
-                <a:latin typeface="Consolas"/>
-              </a:rPr>
-              <a:t/>
-            </a:r>
-            <a:br>
-              <a:rPr lang="de-DE" sz="2000" dirty="0">
-                <a:solidFill>
-                  <a:srgbClr val="000000"/>
-                </a:solidFill>
-                <a:latin typeface="Consolas"/>
-              </a:rPr>
-            </a:br>
-            <a:r>
-              <a:rPr lang="de-DE" sz="2000" dirty="0" smtClean="0">
-                <a:solidFill>
-                  <a:srgbClr val="000000"/>
-                </a:solidFill>
-                <a:latin typeface="Consolas"/>
-              </a:rPr>
-              <a:t>  </a:t>
-            </a:r>
-            <a:r>
-              <a:rPr lang="de-DE" sz="2000" dirty="0" err="1"/>
-              <a:t>CookiePath</a:t>
-            </a:r>
-            <a:r>
-              <a:rPr lang="de-DE" sz="2000" dirty="0"/>
-              <a:t> = </a:t>
-            </a:r>
-            <a:r>
-              <a:rPr lang="de-DE" sz="2000" dirty="0" smtClean="0">
-                <a:solidFill>
-                  <a:srgbClr val="A31515"/>
-                </a:solidFill>
-                <a:latin typeface="Consolas"/>
-              </a:rPr>
-              <a:t>"/",</a:t>
-            </a:r>
-            <a:br>
-              <a:rPr lang="de-DE" sz="2000" dirty="0" smtClean="0">
-                <a:solidFill>
-                  <a:srgbClr val="A31515"/>
-                </a:solidFill>
-                <a:latin typeface="Consolas"/>
-              </a:rPr>
-            </a:br>
-            <a:r>
-              <a:rPr lang="de-DE" sz="2000" dirty="0">
-                <a:solidFill>
-                  <a:srgbClr val="008000"/>
-                </a:solidFill>
-                <a:latin typeface="Consolas"/>
-              </a:rPr>
-              <a:t> </a:t>
-            </a:r>
-            <a:r>
-              <a:rPr lang="de-DE" sz="2000" dirty="0" smtClean="0">
-                <a:solidFill>
-                  <a:srgbClr val="008000"/>
-                </a:solidFill>
-                <a:latin typeface="Consolas"/>
-              </a:rPr>
-              <a:t> //…</a:t>
-            </a:r>
-            <a:r>
-              <a:rPr lang="de-DE" sz="3200" dirty="0">
-                <a:solidFill>
-                  <a:srgbClr val="000000"/>
-                </a:solidFill>
-                <a:latin typeface="Consolas"/>
-              </a:rPr>
-              <a:t/>
-            </a:r>
-            <a:br>
-              <a:rPr lang="de-DE" sz="3200" dirty="0">
-                <a:solidFill>
-                  <a:srgbClr val="000000"/>
-                </a:solidFill>
-                <a:latin typeface="Consolas"/>
-              </a:rPr>
-            </a:br>
-            <a:r>
-              <a:rPr lang="de-DE" sz="2000" dirty="0">
-                <a:solidFill>
-                  <a:srgbClr val="000000"/>
-                </a:solidFill>
-                <a:latin typeface="Consolas"/>
-              </a:rPr>
-              <a:t>});</a:t>
-            </a:r>
-          </a:p>
-          <a:p>
-            <a:pPr marL="0" indent="0">
-              <a:buNone/>
-            </a:pPr>
-            <a:endParaRPr lang="de-DE" dirty="0"/>
-          </a:p>
-        </p:txBody>
-      </p:sp>
-    </p:spTree>
-    <p:extLst>
-      <p:ext uri="{BB962C8B-B14F-4D97-AF65-F5344CB8AC3E}">
-        <p14:creationId xmlns:p14="http://schemas.microsoft.com/office/powerpoint/2010/main" val="1595899780"/>
-      </p:ext>
-    </p:extLst>
-  </p:cSld>
-  <p:clrMapOvr>
-    <a:masterClrMapping/>
-  </p:clrMapOvr>
-  <p:timing>
-    <p:tnLst>
-      <p:par>
-        <p:cTn id="1" dur="indefinite" restart="never" nodeType="tmRoot">
-          <p:childTnLst>
-            <p:seq concurrent="1" nextAc="seek">
-              <p:cTn id="2" dur="indefinite" nodeType="mainSeq">
-                <p:childTnLst>
-                  <p:par>
-                    <p:cTn id="3" fill="hold">
-                      <p:stCondLst>
-                        <p:cond delay="indefinite"/>
-                        <p:cond evt="onBegin" delay="0">
-                          <p:tn val="2"/>
-                        </p:cond>
-                      </p:stCondLst>
-                      <p:childTnLst>
-                        <p:par>
-                          <p:cTn id="4" fill="hold">
-                            <p:stCondLst>
-                              <p:cond delay="0"/>
-                            </p:stCondLst>
-                            <p:childTnLst>
-                              <p:par>
-                                <p:cTn id="5" presetID="10" presetClass="entr" presetSubtype="0" fill="hold" nodeType="withEffect">
-                                  <p:stCondLst>
-                                    <p:cond delay="0"/>
-                                  </p:stCondLst>
-                                  <p:childTnLst>
-                                    <p:set>
-                                      <p:cBhvr>
-                                        <p:cTn id="6" dur="1" fill="hold">
-                                          <p:stCondLst>
-                                            <p:cond delay="0"/>
-                                          </p:stCondLst>
-                                        </p:cTn>
-                                        <p:tgtEl>
-                                          <p:spTgt spid="3">
-                                            <p:txEl>
-                                              <p:pRg st="0" end="0"/>
-                                            </p:txEl>
-                                          </p:spTgt>
-                                        </p:tgtEl>
-                                        <p:attrNameLst>
-                                          <p:attrName>style.visibility</p:attrName>
-                                        </p:attrNameLst>
-                                      </p:cBhvr>
-                                      <p:to>
-                                        <p:strVal val="visible"/>
-                                      </p:to>
-                                    </p:set>
-                                    <p:animEffect transition="in" filter="fade">
-                                      <p:cBhvr>
-                                        <p:cTn id="7" dur="500"/>
-                                        <p:tgtEl>
-                                          <p:spTgt spid="3">
-                                            <p:txEl>
-                                              <p:pRg st="0" end="0"/>
-                                            </p:txEl>
-                                          </p:spTgt>
-                                        </p:tgtEl>
-                                      </p:cBhvr>
-                                    </p:animEffect>
-                                  </p:childTnLst>
-                                </p:cTn>
-                              </p:par>
-                            </p:childTnLst>
-                          </p:cTn>
-                        </p:par>
-                      </p:childTnLst>
-                    </p:cTn>
-                  </p:par>
-                  <p:par>
-                    <p:cTn id="8" fill="hold">
-                      <p:stCondLst>
-                        <p:cond delay="indefinite"/>
-                      </p:stCondLst>
-                      <p:childTnLst>
-                        <p:par>
-                          <p:cTn id="9" fill="hold">
-                            <p:stCondLst>
-                              <p:cond delay="0"/>
-                            </p:stCondLst>
-                            <p:childTnLst>
-                              <p:par>
-                                <p:cTn id="10" presetID="10" presetClass="entr" presetSubtype="0" fill="hold" nodeType="clickEffect">
-                                  <p:stCondLst>
-                                    <p:cond delay="0"/>
-                                  </p:stCondLst>
-                                  <p:childTnLst>
-                                    <p:set>
-                                      <p:cBhvr>
-                                        <p:cTn id="11" dur="1" fill="hold">
-                                          <p:stCondLst>
-                                            <p:cond delay="0"/>
-                                          </p:stCondLst>
-                                        </p:cTn>
-                                        <p:tgtEl>
-                                          <p:spTgt spid="3">
-                                            <p:txEl>
-                                              <p:pRg st="1" end="1"/>
-                                            </p:txEl>
-                                          </p:spTgt>
-                                        </p:tgtEl>
-                                        <p:attrNameLst>
-                                          <p:attrName>style.visibility</p:attrName>
-                                        </p:attrNameLst>
-                                      </p:cBhvr>
-                                      <p:to>
-                                        <p:strVal val="visible"/>
-                                      </p:to>
-                                    </p:set>
-                                    <p:animEffect transition="in" filter="fade">
-                                      <p:cBhvr>
-                                        <p:cTn id="12" dur="500"/>
-                                        <p:tgtEl>
-                                          <p:spTgt spid="3">
-                                            <p:txEl>
-                                              <p:pRg st="1" end="1"/>
-                                            </p:txEl>
-                                          </p:spTgt>
-                                        </p:tgtEl>
-                                      </p:cBhvr>
-                                    </p:animEffect>
-                                  </p:childTnLst>
-                                </p:cTn>
-                              </p:par>
-                            </p:childTnLst>
-                          </p:cTn>
-                        </p:par>
-                      </p:childTnLst>
-                    </p:cTn>
-                  </p:par>
-                </p:childTnLst>
-              </p:cTn>
-              <p:prevCondLst>
-                <p:cond evt="onPrev" delay="0">
-                  <p:tgtEl>
-                    <p:sldTgt/>
-                  </p:tgtEl>
-                </p:cond>
-              </p:prevCondLst>
-              <p:nextCondLst>
-                <p:cond evt="onNext" delay="0">
-                  <p:tgtEl>
-                    <p:sldTgt/>
-                  </p:tgtEl>
-                </p:cond>
-              </p:nextCondLst>
-            </p:seq>
-          </p:childTnLst>
-        </p:cTn>
-      </p:par>
-    </p:tnLst>
-  </p:timing>
-</p:sld>
-</file>
-
-<file path=ppt/slides/slide9.xml><?xml version="1.0" encoding="utf-8"?>
-<p:sld xmlns:a="http://schemas.openxmlformats.org/drawingml/2006/main" xmlns:r="http://schemas.openxmlformats.org/officeDocument/2006/relationships" xmlns:p="http://schemas.openxmlformats.org/presentationml/2006/main">
-  <p:cSld>
-    <p:spTree>
-      <p:nvGrpSpPr>
-        <p:cNvPr id="1" name=""/>
-        <p:cNvGrpSpPr/>
-        <p:nvPr/>
-      </p:nvGrpSpPr>
-      <p:grpSpPr>
-        <a:xfrm>
-          <a:off x="0" y="0"/>
-          <a:ext cx="0" cy="0"/>
-          <a:chOff x="0" y="0"/>
-          <a:chExt cx="0" cy="0"/>
-        </a:xfrm>
-      </p:grpSpPr>
-      <p:sp>
-        <p:nvSpPr>
-          <p:cNvPr id="2" name="Titel 1"/>
-          <p:cNvSpPr>
-            <a:spLocks noGrp="1"/>
-          </p:cNvSpPr>
-          <p:nvPr>
-            <p:ph type="title"/>
-          </p:nvPr>
-        </p:nvSpPr>
-        <p:spPr/>
-        <p:txBody>
-          <a:bodyPr/>
-          <a:lstStyle/>
-          <a:p>
-            <a:r>
-              <a:rPr lang="de-DE" dirty="0" smtClean="0"/>
-              <a:t>Cookie Secure Option angleichen</a:t>
-            </a:r>
-            <a:endParaRPr lang="de-DE" dirty="0"/>
-          </a:p>
-        </p:txBody>
-      </p:sp>
-      <p:sp>
-        <p:nvSpPr>
-          <p:cNvPr id="4" name="Inhaltsplatzhalter 2"/>
-          <p:cNvSpPr>
-            <a:spLocks noGrp="1"/>
-          </p:cNvSpPr>
-          <p:nvPr>
-            <p:ph idx="1"/>
-          </p:nvPr>
-        </p:nvSpPr>
-        <p:spPr>
-          <a:xfrm>
-            <a:off x="695401" y="1296144"/>
-            <a:ext cx="10829888" cy="5589240"/>
-          </a:xfrm>
-        </p:spPr>
-        <p:txBody>
-          <a:bodyPr/>
-          <a:lstStyle/>
-          <a:p>
-            <a:pPr marL="0" indent="0">
-              <a:buNone/>
-            </a:pPr>
-            <a:r>
-              <a:rPr lang="de-DE" dirty="0" smtClean="0"/>
-              <a:t>damit beide Frameworks vom gleichen ausgehen:</a:t>
-            </a:r>
-          </a:p>
-          <a:p>
-            <a:pPr marL="0" indent="0">
-              <a:buNone/>
-            </a:pPr>
-            <a:r>
-              <a:rPr lang="de-DE" dirty="0" smtClean="0"/>
-              <a:t>ASP.NET </a:t>
-            </a:r>
-            <a:r>
-              <a:rPr lang="de-DE" dirty="0"/>
-              <a:t>Core</a:t>
-            </a:r>
-            <a:br>
-              <a:rPr lang="de-DE" dirty="0"/>
-            </a:br>
-            <a:r>
-              <a:rPr lang="de-DE" sz="1000" dirty="0"/>
-              <a:t/>
-            </a:r>
-            <a:br>
-              <a:rPr lang="de-DE" sz="1000" dirty="0"/>
-            </a:br>
-            <a:r>
-              <a:rPr lang="de-DE" sz="2000" dirty="0" err="1">
-                <a:solidFill>
-                  <a:srgbClr val="000000"/>
-                </a:solidFill>
-                <a:latin typeface="Consolas"/>
-              </a:rPr>
-              <a:t>app.UseCookieAuthentication</a:t>
-            </a:r>
-            <a:r>
-              <a:rPr lang="de-DE" sz="2000" dirty="0">
-                <a:solidFill>
-                  <a:srgbClr val="000000"/>
-                </a:solidFill>
-                <a:latin typeface="Consolas"/>
-              </a:rPr>
-              <a:t>(</a:t>
-            </a:r>
-            <a:r>
-              <a:rPr lang="de-DE" sz="2000" dirty="0" err="1">
-                <a:solidFill>
-                  <a:srgbClr val="0000FF"/>
-                </a:solidFill>
-                <a:latin typeface="Consolas"/>
-              </a:rPr>
-              <a:t>new</a:t>
-            </a:r>
-            <a:r>
-              <a:rPr lang="de-DE" sz="2000" dirty="0">
-                <a:solidFill>
-                  <a:srgbClr val="000000"/>
-                </a:solidFill>
-                <a:latin typeface="Consolas"/>
-              </a:rPr>
-              <a:t> </a:t>
-            </a:r>
-            <a:r>
-              <a:rPr lang="de-DE" sz="2000" dirty="0" err="1">
-                <a:solidFill>
-                  <a:srgbClr val="0000FF"/>
-                </a:solidFill>
-                <a:latin typeface="Consolas"/>
-              </a:rPr>
-              <a:t>CookieAuthenticationOptions</a:t>
-            </a:r>
-            <a:r>
-              <a:rPr lang="de-DE" sz="2000" dirty="0">
-                <a:solidFill>
-                  <a:srgbClr val="000000"/>
-                </a:solidFill>
-                <a:latin typeface="Consolas"/>
-              </a:rPr>
-              <a:t> {</a:t>
-            </a:r>
-            <a:br>
-              <a:rPr lang="de-DE" sz="2000" dirty="0">
-                <a:solidFill>
-                  <a:srgbClr val="000000"/>
-                </a:solidFill>
-                <a:latin typeface="Consolas"/>
-              </a:rPr>
-            </a:br>
-            <a:r>
-              <a:rPr lang="de-DE" sz="2000" dirty="0">
-                <a:solidFill>
-                  <a:srgbClr val="000000"/>
-                </a:solidFill>
-                <a:latin typeface="Consolas"/>
-              </a:rPr>
-              <a:t> </a:t>
-            </a:r>
-            <a:r>
-              <a:rPr lang="de-DE" sz="2000" dirty="0" smtClean="0">
-                <a:solidFill>
-                  <a:srgbClr val="000000"/>
-                </a:solidFill>
-                <a:latin typeface="Consolas"/>
-              </a:rPr>
-              <a:t> </a:t>
-            </a:r>
-            <a:r>
-              <a:rPr lang="de-DE" sz="2000" dirty="0" smtClean="0">
-                <a:solidFill>
-                  <a:srgbClr val="008000"/>
-                </a:solidFill>
-                <a:latin typeface="Consolas"/>
-              </a:rPr>
-              <a:t>//…</a:t>
-            </a:r>
-            <a:r>
-              <a:rPr lang="de-DE" sz="2000" dirty="0">
-                <a:solidFill>
-                  <a:srgbClr val="008000"/>
-                </a:solidFill>
-                <a:latin typeface="Consolas"/>
-              </a:rPr>
-              <a:t/>
-            </a:r>
-            <a:br>
-              <a:rPr lang="de-DE" sz="2000" dirty="0">
-                <a:solidFill>
-                  <a:srgbClr val="008000"/>
-                </a:solidFill>
-                <a:latin typeface="Consolas"/>
-              </a:rPr>
-            </a:br>
-            <a:r>
-              <a:rPr lang="de-DE" sz="2000" dirty="0" smtClean="0">
-                <a:solidFill>
-                  <a:srgbClr val="000000"/>
-                </a:solidFill>
-                <a:latin typeface="Consolas"/>
-              </a:rPr>
-              <a:t>  </a:t>
-            </a:r>
-            <a:r>
-              <a:rPr lang="de-DE" sz="2000" dirty="0" err="1"/>
-              <a:t>CookieSecure</a:t>
-            </a:r>
-            <a:r>
-              <a:rPr lang="de-DE" sz="2000" dirty="0"/>
-              <a:t> = </a:t>
-            </a:r>
-            <a:r>
-              <a:rPr lang="de-DE" sz="2000" dirty="0" err="1"/>
-              <a:t>Microsoft.AspNetCore.Http.CookieSecurePolicy.Always</a:t>
-            </a:r>
-            <a:r>
-              <a:rPr lang="de-DE" sz="2000" dirty="0" smtClean="0">
-                <a:solidFill>
-                  <a:srgbClr val="A31515"/>
-                </a:solidFill>
-                <a:latin typeface="Consolas"/>
-              </a:rPr>
-              <a:t>,</a:t>
-            </a:r>
-            <a:br>
-              <a:rPr lang="de-DE" sz="2000" dirty="0" smtClean="0">
-                <a:solidFill>
-                  <a:srgbClr val="A31515"/>
-                </a:solidFill>
-                <a:latin typeface="Consolas"/>
-              </a:rPr>
-            </a:br>
-            <a:r>
-              <a:rPr lang="de-DE" sz="2000" dirty="0">
-                <a:solidFill>
-                  <a:srgbClr val="000000"/>
-                </a:solidFill>
-                <a:latin typeface="Consolas"/>
-              </a:rPr>
-              <a:t> </a:t>
-            </a:r>
-            <a:r>
-              <a:rPr lang="de-DE" sz="2000" dirty="0" smtClean="0">
-                <a:solidFill>
-                  <a:srgbClr val="000000"/>
-                </a:solidFill>
-                <a:latin typeface="Consolas"/>
-              </a:rPr>
-              <a:t> </a:t>
-            </a:r>
-            <a:r>
-              <a:rPr lang="de-DE" sz="2000" dirty="0" smtClean="0">
-                <a:solidFill>
-                  <a:srgbClr val="008000"/>
-                </a:solidFill>
-                <a:latin typeface="Consolas"/>
-              </a:rPr>
-              <a:t>//…</a:t>
-            </a:r>
-            <a:r>
-              <a:rPr lang="de-DE" sz="2000" dirty="0">
-                <a:solidFill>
-                  <a:srgbClr val="008000"/>
-                </a:solidFill>
-                <a:latin typeface="Consolas"/>
-              </a:rPr>
-              <a:t/>
-            </a:r>
-            <a:br>
-              <a:rPr lang="de-DE" sz="2000" dirty="0">
-                <a:solidFill>
-                  <a:srgbClr val="008000"/>
-                </a:solidFill>
-                <a:latin typeface="Consolas"/>
-              </a:rPr>
-            </a:br>
-            <a:r>
-              <a:rPr lang="de-DE" sz="2000" dirty="0">
-                <a:solidFill>
-                  <a:srgbClr val="000000"/>
-                </a:solidFill>
-                <a:latin typeface="Consolas"/>
-              </a:rPr>
-              <a:t>});</a:t>
-            </a:r>
-            <a:endParaRPr lang="de-DE" sz="2000" dirty="0">
-              <a:solidFill>
-                <a:srgbClr val="A31515"/>
-              </a:solidFill>
-              <a:latin typeface="Consolas"/>
-            </a:endParaRPr>
-          </a:p>
-          <a:p>
-            <a:pPr marL="0" indent="0">
-              <a:buNone/>
-            </a:pPr>
-            <a:r>
-              <a:rPr lang="de-DE" dirty="0" smtClean="0"/>
-              <a:t>ASP.NET</a:t>
-            </a:r>
-            <a:br>
-              <a:rPr lang="de-DE" dirty="0" smtClean="0"/>
-            </a:br>
-            <a:r>
-              <a:rPr lang="de-DE" sz="1000" dirty="0" smtClean="0"/>
-              <a:t/>
-            </a:r>
-            <a:br>
-              <a:rPr lang="de-DE" sz="1000" dirty="0" smtClean="0"/>
-            </a:br>
-            <a:r>
-              <a:rPr lang="de-DE" sz="2000" dirty="0" err="1" smtClean="0">
-                <a:solidFill>
-                  <a:srgbClr val="000000"/>
-                </a:solidFill>
-                <a:latin typeface="Consolas"/>
-              </a:rPr>
-              <a:t>app.UseCookieAuthentication</a:t>
-            </a:r>
-            <a:r>
-              <a:rPr lang="de-DE" sz="2000" dirty="0" smtClean="0">
-                <a:solidFill>
-                  <a:srgbClr val="000000"/>
-                </a:solidFill>
-                <a:latin typeface="Consolas"/>
-              </a:rPr>
-              <a:t>( </a:t>
-            </a:r>
-            <a:r>
-              <a:rPr lang="de-DE" sz="2000" dirty="0" err="1" smtClean="0">
-                <a:solidFill>
-                  <a:srgbClr val="0000FF"/>
-                </a:solidFill>
-                <a:latin typeface="Consolas"/>
-              </a:rPr>
-              <a:t>new</a:t>
-            </a:r>
-            <a:r>
-              <a:rPr lang="de-DE" sz="2000" dirty="0" smtClean="0">
-                <a:solidFill>
-                  <a:srgbClr val="000000"/>
-                </a:solidFill>
-                <a:latin typeface="Consolas"/>
-              </a:rPr>
-              <a:t> </a:t>
-            </a:r>
-            <a:r>
-              <a:rPr lang="de-DE" sz="2000" dirty="0" err="1" smtClean="0">
-                <a:solidFill>
-                  <a:srgbClr val="0000FF"/>
-                </a:solidFill>
-                <a:latin typeface="Consolas"/>
-              </a:rPr>
-              <a:t>CookieAuthenticationOptions</a:t>
-            </a:r>
-            <a:r>
-              <a:rPr lang="de-DE" sz="2000" dirty="0" smtClean="0">
-                <a:solidFill>
-                  <a:srgbClr val="000000"/>
-                </a:solidFill>
-                <a:latin typeface="Consolas"/>
-              </a:rPr>
-              <a:t> </a:t>
-            </a:r>
-            <a:r>
-              <a:rPr lang="de-DE" sz="2000" dirty="0">
-                <a:solidFill>
-                  <a:srgbClr val="000000"/>
-                </a:solidFill>
-                <a:latin typeface="Consolas"/>
-              </a:rPr>
-              <a:t>{</a:t>
-            </a:r>
-            <a:br>
-              <a:rPr lang="de-DE" sz="2000" dirty="0">
-                <a:solidFill>
-                  <a:srgbClr val="000000"/>
-                </a:solidFill>
-                <a:latin typeface="Consolas"/>
-              </a:rPr>
-            </a:br>
-            <a:r>
-              <a:rPr lang="de-DE" sz="2000" dirty="0">
-                <a:solidFill>
-                  <a:srgbClr val="000000"/>
-                </a:solidFill>
-                <a:latin typeface="Consolas"/>
-              </a:rPr>
-              <a:t> </a:t>
-            </a:r>
-            <a:r>
-              <a:rPr lang="de-DE" sz="2000" dirty="0" smtClean="0">
-                <a:solidFill>
-                  <a:srgbClr val="000000"/>
-                </a:solidFill>
-                <a:latin typeface="Consolas"/>
-              </a:rPr>
-              <a:t> </a:t>
-            </a:r>
-            <a:r>
-              <a:rPr lang="de-DE" sz="2000" dirty="0" smtClean="0">
-                <a:solidFill>
-                  <a:srgbClr val="008000"/>
-                </a:solidFill>
-                <a:latin typeface="Consolas"/>
-              </a:rPr>
-              <a:t>//…</a:t>
-            </a:r>
-            <a:r>
-              <a:rPr lang="de-DE" sz="2000" dirty="0">
-                <a:solidFill>
-                  <a:srgbClr val="008000"/>
-                </a:solidFill>
-                <a:latin typeface="Consolas"/>
-              </a:rPr>
-              <a:t/>
-            </a:r>
-            <a:br>
-              <a:rPr lang="de-DE" sz="2000" dirty="0">
-                <a:solidFill>
-                  <a:srgbClr val="008000"/>
-                </a:solidFill>
-                <a:latin typeface="Consolas"/>
-              </a:rPr>
-            </a:br>
-            <a:r>
-              <a:rPr lang="de-DE" sz="2000" dirty="0" smtClean="0">
-                <a:solidFill>
-                  <a:srgbClr val="000000"/>
-                </a:solidFill>
-                <a:latin typeface="Consolas"/>
-              </a:rPr>
-              <a:t>  </a:t>
-            </a:r>
-            <a:r>
-              <a:rPr lang="de-DE" sz="2000" dirty="0" err="1"/>
-              <a:t>CookieSecure</a:t>
-            </a:r>
-            <a:r>
-              <a:rPr lang="de-DE" sz="2000" dirty="0"/>
-              <a:t> = </a:t>
-            </a:r>
-            <a:r>
-              <a:rPr lang="de-DE" sz="2000" dirty="0" err="1" smtClean="0"/>
-              <a:t>CookieSecureOption.Always</a:t>
-            </a:r>
-            <a:r>
-              <a:rPr lang="de-DE" sz="2000" dirty="0" smtClean="0">
-                <a:solidFill>
-                  <a:srgbClr val="A31515"/>
-                </a:solidFill>
-                <a:latin typeface="Consolas"/>
-              </a:rPr>
-              <a:t>,</a:t>
-            </a:r>
-            <a:br>
-              <a:rPr lang="de-DE" sz="2000" dirty="0" smtClean="0">
-                <a:solidFill>
-                  <a:srgbClr val="A31515"/>
-                </a:solidFill>
-                <a:latin typeface="Consolas"/>
-              </a:rPr>
-            </a:br>
-            <a:r>
-              <a:rPr lang="de-DE" sz="2000" dirty="0" smtClean="0">
-                <a:solidFill>
-                  <a:srgbClr val="A31515"/>
-                </a:solidFill>
-                <a:latin typeface="Consolas"/>
-              </a:rPr>
-              <a:t> </a:t>
-            </a:r>
-            <a:r>
-              <a:rPr lang="de-DE" sz="2000" dirty="0" smtClean="0">
-                <a:solidFill>
-                  <a:srgbClr val="000000"/>
-                </a:solidFill>
-                <a:latin typeface="Consolas"/>
-              </a:rPr>
-              <a:t> </a:t>
-            </a:r>
-            <a:r>
-              <a:rPr lang="de-DE" sz="2000" dirty="0">
-                <a:solidFill>
-                  <a:srgbClr val="008000"/>
-                </a:solidFill>
-                <a:latin typeface="Consolas"/>
-              </a:rPr>
-              <a:t>//…</a:t>
-            </a:r>
-            <a:br>
-              <a:rPr lang="de-DE" sz="2000" dirty="0">
-                <a:solidFill>
-                  <a:srgbClr val="008000"/>
-                </a:solidFill>
-                <a:latin typeface="Consolas"/>
-              </a:rPr>
-            </a:br>
-            <a:r>
-              <a:rPr lang="de-DE" sz="2000" dirty="0">
-                <a:solidFill>
-                  <a:srgbClr val="000000"/>
-                </a:solidFill>
-                <a:latin typeface="Consolas"/>
-              </a:rPr>
-              <a:t>});</a:t>
-            </a:r>
-            <a:endParaRPr lang="de-DE" sz="2000" dirty="0"/>
-          </a:p>
-        </p:txBody>
-      </p:sp>
-    </p:spTree>
-    <p:extLst>
-      <p:ext uri="{BB962C8B-B14F-4D97-AF65-F5344CB8AC3E}">
-        <p14:creationId xmlns:p14="http://schemas.microsoft.com/office/powerpoint/2010/main" val="1672474925"/>
-      </p:ext>
-    </p:extLst>
-  </p:cSld>
-  <p:clrMapOvr>
-    <a:masterClrMapping/>
-  </p:clrMapOvr>
-  <p:timing>
-    <p:tnLst>
-      <p:par>
-        <p:cTn id="1" dur="indefinite" restart="never" nodeType="tmRoot">
-          <p:childTnLst>
-            <p:seq concurrent="1" nextAc="seek">
-              <p:cTn id="2" dur="indefinite" nodeType="mainSeq">
-                <p:childTnLst>
-                  <p:par>
-                    <p:cTn id="3" fill="hold">
-                      <p:stCondLst>
-                        <p:cond delay="indefinite"/>
-                        <p:cond evt="onBegin" delay="0">
-                          <p:tn val="2"/>
-                        </p:cond>
-                      </p:stCondLst>
-                      <p:childTnLst>
-                        <p:par>
-                          <p:cTn id="4" fill="hold">
-                            <p:stCondLst>
-                              <p:cond delay="0"/>
-                            </p:stCondLst>
-                            <p:childTnLst>
-                              <p:par>
-                                <p:cTn id="5" presetID="10" presetClass="entr" presetSubtype="0" fill="hold" nodeType="withEffect">
-                                  <p:stCondLst>
-                                    <p:cond delay="0"/>
-                                  </p:stCondLst>
-                                  <p:childTnLst>
-                                    <p:set>
-                                      <p:cBhvr>
-                                        <p:cTn id="6" dur="1" fill="hold">
-                                          <p:stCondLst>
-                                            <p:cond delay="0"/>
-                                          </p:stCondLst>
-                                        </p:cTn>
-                                        <p:tgtEl>
-                                          <p:spTgt spid="4">
-                                            <p:txEl>
-                                              <p:pRg st="0" end="0"/>
-                                            </p:txEl>
-                                          </p:spTgt>
-                                        </p:tgtEl>
-                                        <p:attrNameLst>
-                                          <p:attrName>style.visibility</p:attrName>
-                                        </p:attrNameLst>
-                                      </p:cBhvr>
-                                      <p:to>
-                                        <p:strVal val="visible"/>
-                                      </p:to>
-                                    </p:set>
-                                    <p:animEffect transition="in" filter="fade">
-                                      <p:cBhvr>
-                                        <p:cTn id="7" dur="500"/>
-                                        <p:tgtEl>
-                                          <p:spTgt spid="4">
-                                            <p:txEl>
-                                              <p:pRg st="0" end="0"/>
-                                            </p:txEl>
-                                          </p:spTgt>
-                                        </p:tgtEl>
-                                      </p:cBhvr>
-                                    </p:animEffect>
-                                  </p:childTnLst>
-                                </p:cTn>
-                              </p:par>
-                            </p:childTnLst>
-                          </p:cTn>
-                        </p:par>
-                      </p:childTnLst>
-                    </p:cTn>
-                  </p:par>
-                  <p:par>
-                    <p:cTn id="8" fill="hold">
-                      <p:stCondLst>
-                        <p:cond delay="indefinite"/>
-                      </p:stCondLst>
-                      <p:childTnLst>
-                        <p:par>
-                          <p:cTn id="9" fill="hold">
-                            <p:stCondLst>
-                              <p:cond delay="0"/>
-                            </p:stCondLst>
-                            <p:childTnLst>
-                              <p:par>
-                                <p:cTn id="10" presetID="10" presetClass="entr" presetSubtype="0" fill="hold" nodeType="clickEffect">
-                                  <p:stCondLst>
-                                    <p:cond delay="0"/>
-                                  </p:stCondLst>
-                                  <p:childTnLst>
-                                    <p:set>
-                                      <p:cBhvr>
-                                        <p:cTn id="11" dur="1" fill="hold">
-                                          <p:stCondLst>
-                                            <p:cond delay="0"/>
-                                          </p:stCondLst>
-                                        </p:cTn>
-                                        <p:tgtEl>
-                                          <p:spTgt spid="4">
-                                            <p:txEl>
-                                              <p:pRg st="1" end="1"/>
-                                            </p:txEl>
-                                          </p:spTgt>
-                                        </p:tgtEl>
-                                        <p:attrNameLst>
-                                          <p:attrName>style.visibility</p:attrName>
-                                        </p:attrNameLst>
-                                      </p:cBhvr>
-                                      <p:to>
-                                        <p:strVal val="visible"/>
-                                      </p:to>
-                                    </p:set>
-                                    <p:animEffect transition="in" filter="fade">
-                                      <p:cBhvr>
-                                        <p:cTn id="12" dur="500"/>
-                                        <p:tgtEl>
-                                          <p:spTgt spid="4">
-                                            <p:txEl>
-                                              <p:pRg st="1" end="1"/>
-                                            </p:txEl>
-                                          </p:spTgt>
-                                        </p:tgtEl>
-                                      </p:cBhvr>
-                                    </p:animEffect>
-                                  </p:childTnLst>
-                                </p:cTn>
-                              </p:par>
-                            </p:childTnLst>
-                          </p:cTn>
-                        </p:par>
-                      </p:childTnLst>
-                    </p:cTn>
-                  </p:par>
-                  <p:par>
-                    <p:cTn id="13" fill="hold">
-                      <p:stCondLst>
-                        <p:cond delay="indefinite"/>
-                      </p:stCondLst>
-                      <p:childTnLst>
-                        <p:par>
-                          <p:cTn id="14" fill="hold">
-                            <p:stCondLst>
-                              <p:cond delay="0"/>
-                            </p:stCondLst>
-                            <p:childTnLst>
-                              <p:par>
-                                <p:cTn id="15" presetID="10" presetClass="entr" presetSubtype="0" fill="hold" nodeType="clickEffect">
-                                  <p:stCondLst>
-                                    <p:cond delay="0"/>
-                                  </p:stCondLst>
-                                  <p:childTnLst>
-                                    <p:set>
-                                      <p:cBhvr>
-                                        <p:cTn id="16" dur="1" fill="hold">
-                                          <p:stCondLst>
-                                            <p:cond delay="0"/>
-                                          </p:stCondLst>
-                                        </p:cTn>
-                                        <p:tgtEl>
-                                          <p:spTgt spid="4">
-                                            <p:txEl>
-                                              <p:pRg st="2" end="2"/>
-                                            </p:txEl>
-                                          </p:spTgt>
-                                        </p:tgtEl>
-                                        <p:attrNameLst>
-                                          <p:attrName>style.visibility</p:attrName>
-                                        </p:attrNameLst>
-                                      </p:cBhvr>
-                                      <p:to>
-                                        <p:strVal val="visible"/>
-                                      </p:to>
-                                    </p:set>
-                                    <p:animEffect transition="in" filter="fade">
-                                      <p:cBhvr>
-                                        <p:cTn id="17" dur="500"/>
-                                        <p:tgtEl>
-                                          <p:spTgt spid="4">
                                             <p:txEl>
                                               <p:pRg st="2" end="2"/>
                                             </p:txEl>
@@ -9433,7 +10836,7 @@
   <a:extraClrSchemeLst/>
   <a:extLst>
     <a:ext uri="{05A4C25C-085E-4340-85A3-A5531E510DB2}">
-      <thm15:themeFamily xmlns:thm15="http://schemas.microsoft.com/office/thememl/2012/main" xmlns="" name="Presentation1" id="{ACB66927-DC72-4B77-9EEE-0493DF6A2016}" vid="{B5BAAF34-A7A6-4863-B92B-F29C519B01CB}"/>
+      <thm15:themeFamily xmlns="" xmlns:thm15="http://schemas.microsoft.com/office/thememl/2012/main" name="Presentation1" id="{ACB66927-DC72-4B77-9EEE-0493DF6A2016}" vid="{B5BAAF34-A7A6-4863-B92B-F29C519B01CB}"/>
     </a:ext>
   </a:extLst>
 </a:theme>

--- a/slides/open id connect - share cookies.pptx
+++ b/slides/open id connect - share cookies.pptx
@@ -5,17 +5,17 @@
     <p:sldMasterId id="2147483648" r:id="rId1"/>
   </p:sldMasterIdLst>
   <p:notesMasterIdLst>
-    <p:notesMasterId r:id="rId19"/>
+    <p:notesMasterId r:id="rId20"/>
   </p:notesMasterIdLst>
   <p:sldIdLst>
     <p:sldId id="256" r:id="rId2"/>
     <p:sldId id="263" r:id="rId3"/>
-    <p:sldId id="264" r:id="rId4"/>
-    <p:sldId id="279" r:id="rId5"/>
-    <p:sldId id="280" r:id="rId6"/>
-    <p:sldId id="278" r:id="rId7"/>
-    <p:sldId id="257" r:id="rId8"/>
-    <p:sldId id="258" r:id="rId9"/>
+    <p:sldId id="279" r:id="rId4"/>
+    <p:sldId id="280" r:id="rId5"/>
+    <p:sldId id="278" r:id="rId6"/>
+    <p:sldId id="257" r:id="rId7"/>
+    <p:sldId id="258" r:id="rId8"/>
+    <p:sldId id="281" r:id="rId9"/>
     <p:sldId id="269" r:id="rId10"/>
     <p:sldId id="270" r:id="rId11"/>
     <p:sldId id="271" r:id="rId12"/>
@@ -23,8 +23,9 @@
     <p:sldId id="273" r:id="rId14"/>
     <p:sldId id="275" r:id="rId15"/>
     <p:sldId id="276" r:id="rId16"/>
-    <p:sldId id="277" r:id="rId17"/>
+    <p:sldId id="264" r:id="rId17"/>
     <p:sldId id="265" r:id="rId18"/>
+    <p:sldId id="277" r:id="rId19"/>
   </p:sldIdLst>
   <p:sldSz cx="12192000" cy="6858000"/>
   <p:notesSz cx="6858000" cy="9144000"/>
@@ -160,12 +161,12 @@
           <p14:sldIdLst>
             <p14:sldId id="256"/>
             <p14:sldId id="263"/>
-            <p14:sldId id="264"/>
             <p14:sldId id="279"/>
             <p14:sldId id="280"/>
             <p14:sldId id="278"/>
             <p14:sldId id="257"/>
             <p14:sldId id="258"/>
+            <p14:sldId id="281"/>
             <p14:sldId id="269"/>
             <p14:sldId id="270"/>
             <p14:sldId id="271"/>
@@ -173,14 +174,15 @@
             <p14:sldId id="273"/>
             <p14:sldId id="275"/>
             <p14:sldId id="276"/>
+            <p14:sldId id="264"/>
+            <p14:sldId id="265"/>
             <p14:sldId id="277"/>
-            <p14:sldId id="265"/>
           </p14:sldIdLst>
         </p14:section>
       </p14:sectionLst>
     </p:ext>
     <p:ext uri="{EFAFB233-063F-42B5-8137-9DF3F51BA10A}">
-      <p15:sldGuideLst xmlns="" xmlns:p15="http://schemas.microsoft.com/office/powerpoint/2012/main">
+      <p15:sldGuideLst xmlns:p15="http://schemas.microsoft.com/office/powerpoint/2012/main" xmlns="">
         <p15:guide id="1" orient="horz" pos="2160" userDrawn="1">
           <p15:clr>
             <a:srgbClr val="A4A3A4"/>
@@ -2805,7 +2807,11 @@
           <a:p>
             <a:r>
               <a:rPr lang="de-DE" dirty="0" smtClean="0"/>
-              <a:t>Cookie Pfad anpassen</a:t>
+              <a:t>Cookie </a:t>
+            </a:r>
+            <a:r>
+              <a:rPr lang="de-DE" dirty="0" smtClean="0"/>
+              <a:t>Pfad</a:t>
             </a:r>
             <a:endParaRPr lang="de-DE" dirty="0"/>
           </a:p>
@@ -2836,6 +2842,9 @@
           </a:p>
           <a:p>
             <a:pPr marL="0" indent="0">
+              <a:spcBef>
+                <a:spcPts val="2000"/>
+              </a:spcBef>
               <a:buNone/>
             </a:pPr>
             <a:r>
@@ -3487,7 +3496,11 @@
           <a:p>
             <a:r>
               <a:rPr lang="de-DE" dirty="0" smtClean="0"/>
-              <a:t>Cookie Secure Option angleichen</a:t>
+              <a:t>Cookie Secure </a:t>
+            </a:r>
+            <a:r>
+              <a:rPr lang="de-DE" dirty="0" smtClean="0"/>
+              <a:t>Option</a:t>
             </a:r>
             <a:endParaRPr lang="de-DE" dirty="0"/>
           </a:p>
@@ -3523,6 +3536,9 @@
           </a:p>
           <a:p>
             <a:pPr marL="0" indent="0">
+              <a:spcBef>
+                <a:spcPts val="2000"/>
+              </a:spcBef>
               <a:buNone/>
             </a:pPr>
             <a:r>
@@ -4229,7 +4245,11 @@
           <a:p>
             <a:r>
               <a:rPr lang="de-DE" dirty="0" smtClean="0"/>
-              <a:t>Cookie Manager anpassen</a:t>
+              <a:t>Cookie </a:t>
+            </a:r>
+            <a:r>
+              <a:rPr lang="de-DE" dirty="0" smtClean="0"/>
+              <a:t>Manager</a:t>
             </a:r>
             <a:endParaRPr lang="de-DE" dirty="0"/>
           </a:p>
@@ -4794,7 +4814,7 @@
           <a:p>
             <a:r>
               <a:rPr lang="de-DE" dirty="0" smtClean="0"/>
-              <a:t>Cookie Encryption anpassen -  ASP.NET Core</a:t>
+              <a:t>Verschlüsselung</a:t>
             </a:r>
             <a:endParaRPr lang="de-DE" dirty="0"/>
           </a:p>
@@ -4820,7 +4840,15 @@
             </a:pPr>
             <a:r>
               <a:rPr lang="de-DE" dirty="0" smtClean="0"/>
-              <a:t>Wenn das Cookie verschlüsselt werden soll, muss die Verschlüsselung kompatible gemacht werden:</a:t>
+              <a:t>Wenn das Cookie verschlüsselt werden soll, muss die Verschlüsselung </a:t>
+            </a:r>
+            <a:r>
+              <a:rPr lang="de-DE" dirty="0" smtClean="0"/>
+              <a:t>kompatibel </a:t>
+            </a:r>
+            <a:r>
+              <a:rPr lang="de-DE" dirty="0" smtClean="0"/>
+              <a:t>gemacht werden:</a:t>
             </a:r>
           </a:p>
           <a:p>
@@ -4828,8 +4856,12 @@
               <a:buNone/>
             </a:pPr>
             <a:r>
+              <a:rPr lang="de-DE" b="1" dirty="0" smtClean="0"/>
+              <a:t>ASP.NET Core</a:t>
+            </a:r>
+            <a:r>
               <a:rPr lang="de-DE" dirty="0" smtClean="0"/>
-              <a:t>ASP.NET Core</a:t>
+              <a:t/>
             </a:r>
             <a:br>
               <a:rPr lang="de-DE" dirty="0" smtClean="0"/>
@@ -5479,7 +5511,7 @@
           <a:p>
             <a:r>
               <a:rPr lang="de-DE" dirty="0" smtClean="0"/>
-              <a:t>Cookie Encryption anpassen – ASP.NET</a:t>
+              <a:t>Verschlüsselung</a:t>
             </a:r>
             <a:endParaRPr lang="de-DE" dirty="0"/>
           </a:p>
@@ -5504,8 +5536,12 @@
               <a:buNone/>
             </a:pPr>
             <a:r>
+              <a:rPr lang="de-DE" b="1" dirty="0" smtClean="0"/>
+              <a:t>ASP.NET</a:t>
+            </a:r>
+            <a:r>
               <a:rPr lang="de-DE" dirty="0" smtClean="0"/>
-              <a:t>ASP.NET</a:t>
+              <a:t/>
             </a:r>
             <a:br>
               <a:rPr lang="de-DE" dirty="0" smtClean="0"/>
@@ -6436,7 +6472,7 @@
           <a:p>
             <a:r>
               <a:rPr lang="de-DE" dirty="0" smtClean="0"/>
-              <a:t>Fragen ?</a:t>
+              <a:t>Samples und mehr…</a:t>
             </a:r>
             <a:endParaRPr lang="de-DE" dirty="0"/>
           </a:p>
@@ -6444,12 +6480,12 @@
       </p:sp>
       <p:sp>
         <p:nvSpPr>
-          <p:cNvPr id="3" name="Textplatzhalter 2"/>
+          <p:cNvPr id="3" name="Inhaltsplatzhalter 2"/>
           <p:cNvSpPr>
             <a:spLocks noGrp="1"/>
           </p:cNvSpPr>
           <p:nvPr>
-            <p:ph type="body" idx="1"/>
+            <p:ph idx="1"/>
           </p:nvPr>
         </p:nvSpPr>
         <p:spPr/>
@@ -6457,14 +6493,53 @@
           <a:bodyPr/>
           <a:lstStyle/>
           <a:p>
-            <a:endParaRPr lang="de-DE"/>
+            <a:pPr marL="0" indent="0">
+              <a:buNone/>
+            </a:pPr>
+            <a:r>
+              <a:rPr lang="de-DE" dirty="0" smtClean="0"/>
+              <a:t>Folien, Samplecode,… auf</a:t>
+            </a:r>
+            <a:endParaRPr lang="de-DE" dirty="0" smtClean="0">
+              <a:hlinkClick r:id="rId2"/>
+            </a:endParaRPr>
+          </a:p>
+          <a:p>
+            <a:pPr marL="0" indent="0">
+              <a:buNone/>
+            </a:pPr>
+            <a:r>
+              <a:rPr lang="de-DE" dirty="0" smtClean="0">
+                <a:hlinkClick r:id="rId2"/>
+              </a:rPr>
+              <a:t>https</a:t>
+            </a:r>
+            <a:r>
+              <a:rPr lang="de-DE" dirty="0">
+                <a:hlinkClick r:id="rId2"/>
+              </a:rPr>
+              <a:t>://</a:t>
+            </a:r>
+            <a:r>
+              <a:rPr lang="de-DE" dirty="0" smtClean="0">
+                <a:hlinkClick r:id="rId2"/>
+              </a:rPr>
+              <a:t>github.com/rlfkrl/NetCologne2017</a:t>
+            </a:r>
+            <a:endParaRPr lang="de-DE" dirty="0" smtClean="0"/>
+          </a:p>
+          <a:p>
+            <a:pPr marL="0" indent="0">
+              <a:buNone/>
+            </a:pPr>
+            <a:endParaRPr lang="de-DE" dirty="0"/>
           </a:p>
         </p:txBody>
       </p:sp>
     </p:spTree>
     <p:extLst>
       <p:ext uri="{BB962C8B-B14F-4D97-AF65-F5344CB8AC3E}">
-        <p14:creationId xmlns:p14="http://schemas.microsoft.com/office/powerpoint/2010/main" val="4018226306"/>
+        <p14:creationId xmlns:p14="http://schemas.microsoft.com/office/powerpoint/2010/main" val="1692237819"/>
       </p:ext>
     </p:extLst>
   </p:cSld>
@@ -6515,7 +6590,7 @@
           <a:p>
             <a:r>
               <a:rPr lang="de-DE" dirty="0" smtClean="0"/>
-              <a:t>LINKS – Cookies Sharing</a:t>
+              <a:t>LINKS</a:t>
             </a:r>
             <a:endParaRPr lang="de-DE" dirty="0"/>
           </a:p>
@@ -6709,6 +6784,85 @@
     <p:extLst>
       <p:ext uri="{BB962C8B-B14F-4D97-AF65-F5344CB8AC3E}">
         <p14:creationId xmlns:p14="http://schemas.microsoft.com/office/powerpoint/2010/main" val="3204835294"/>
+      </p:ext>
+    </p:extLst>
+  </p:cSld>
+  <p:clrMapOvr>
+    <a:masterClrMapping/>
+  </p:clrMapOvr>
+  <p:timing>
+    <p:tnLst>
+      <p:par>
+        <p:cTn id="1" dur="indefinite" restart="never" nodeType="tmRoot"/>
+      </p:par>
+    </p:tnLst>
+  </p:timing>
+</p:sld>
+</file>
+
+<file path=ppt/slides/slide18.xml><?xml version="1.0" encoding="utf-8"?>
+<p:sld xmlns:a="http://schemas.openxmlformats.org/drawingml/2006/main" xmlns:r="http://schemas.openxmlformats.org/officeDocument/2006/relationships" xmlns:p="http://schemas.openxmlformats.org/presentationml/2006/main">
+  <p:cSld>
+    <p:spTree>
+      <p:nvGrpSpPr>
+        <p:cNvPr id="1" name=""/>
+        <p:cNvGrpSpPr/>
+        <p:nvPr/>
+      </p:nvGrpSpPr>
+      <p:grpSpPr>
+        <a:xfrm>
+          <a:off x="0" y="0"/>
+          <a:ext cx="0" cy="0"/>
+          <a:chOff x="0" y="0"/>
+          <a:chExt cx="0" cy="0"/>
+        </a:xfrm>
+      </p:grpSpPr>
+      <p:sp>
+        <p:nvSpPr>
+          <p:cNvPr id="2" name="Titel 1"/>
+          <p:cNvSpPr>
+            <a:spLocks noGrp="1"/>
+          </p:cNvSpPr>
+          <p:nvPr>
+            <p:ph type="title"/>
+          </p:nvPr>
+        </p:nvSpPr>
+        <p:spPr/>
+        <p:txBody>
+          <a:bodyPr/>
+          <a:lstStyle/>
+          <a:p>
+            <a:r>
+              <a:rPr lang="de-DE" dirty="0" smtClean="0"/>
+              <a:t>Fragen ?</a:t>
+            </a:r>
+            <a:endParaRPr lang="de-DE" dirty="0"/>
+          </a:p>
+        </p:txBody>
+      </p:sp>
+      <p:sp>
+        <p:nvSpPr>
+          <p:cNvPr id="3" name="Textplatzhalter 2"/>
+          <p:cNvSpPr>
+            <a:spLocks noGrp="1"/>
+          </p:cNvSpPr>
+          <p:nvPr>
+            <p:ph type="body" idx="1"/>
+          </p:nvPr>
+        </p:nvSpPr>
+        <p:spPr/>
+        <p:txBody>
+          <a:bodyPr/>
+          <a:lstStyle/>
+          <a:p>
+            <a:endParaRPr lang="de-DE"/>
+          </a:p>
+        </p:txBody>
+      </p:sp>
+    </p:spTree>
+    <p:extLst>
+      <p:ext uri="{BB962C8B-B14F-4D97-AF65-F5344CB8AC3E}">
+        <p14:creationId xmlns:p14="http://schemas.microsoft.com/office/powerpoint/2010/main" val="4018226306"/>
       </p:ext>
     </p:extLst>
   </p:cSld>
@@ -6798,19 +6952,7 @@
             </a:pPr>
             <a:r>
               <a:rPr lang="de-DE" dirty="0" smtClean="0"/>
-              <a:t>Senior </a:t>
-            </a:r>
-            <a:r>
-              <a:rPr lang="de-DE" dirty="0" smtClean="0"/>
-              <a:t>Software </a:t>
-            </a:r>
-            <a:r>
-              <a:rPr lang="de-DE" dirty="0" smtClean="0"/>
-              <a:t>Developer</a:t>
-            </a:r>
-            <a:r>
-              <a:rPr lang="de-DE" dirty="0" smtClean="0"/>
-              <a:t/>
+              <a:t>Senior Software Developer</a:t>
             </a:r>
             <a:br>
               <a:rPr lang="de-DE" dirty="0" smtClean="0"/>
@@ -7088,7 +7230,7 @@
           <a:p>
             <a:r>
               <a:rPr lang="de-DE" dirty="0" smtClean="0"/>
-              <a:t>Samples und mehr…</a:t>
+              <a:t>Warum Cookie Sharing?</a:t>
             </a:r>
             <a:endParaRPr lang="de-DE" dirty="0"/>
           </a:p>
@@ -7110,128 +7252,13 @@
           <a:lstStyle/>
           <a:p>
             <a:pPr marL="0" indent="0">
+              <a:spcBef>
+                <a:spcPts val="1000"/>
+              </a:spcBef>
               <a:buNone/>
             </a:pPr>
             <a:r>
               <a:rPr lang="de-DE" dirty="0" smtClean="0"/>
-              <a:t>Folien, Samplecode,… auf</a:t>
-            </a:r>
-            <a:endParaRPr lang="de-DE" dirty="0" smtClean="0">
-              <a:hlinkClick r:id="rId2"/>
-            </a:endParaRPr>
-          </a:p>
-          <a:p>
-            <a:pPr marL="0" indent="0">
-              <a:buNone/>
-            </a:pPr>
-            <a:r>
-              <a:rPr lang="de-DE" dirty="0" smtClean="0">
-                <a:hlinkClick r:id="rId2"/>
-              </a:rPr>
-              <a:t>https</a:t>
-            </a:r>
-            <a:r>
-              <a:rPr lang="de-DE" dirty="0">
-                <a:hlinkClick r:id="rId2"/>
-              </a:rPr>
-              <a:t>://</a:t>
-            </a:r>
-            <a:r>
-              <a:rPr lang="de-DE" dirty="0" smtClean="0">
-                <a:hlinkClick r:id="rId2"/>
-              </a:rPr>
-              <a:t>github.com/rlfkrl/NetCologne2017</a:t>
-            </a:r>
-            <a:endParaRPr lang="de-DE" dirty="0" smtClean="0"/>
-          </a:p>
-          <a:p>
-            <a:pPr marL="0" indent="0">
-              <a:buNone/>
-            </a:pPr>
-            <a:endParaRPr lang="de-DE" dirty="0"/>
-          </a:p>
-        </p:txBody>
-      </p:sp>
-    </p:spTree>
-    <p:extLst>
-      <p:ext uri="{BB962C8B-B14F-4D97-AF65-F5344CB8AC3E}">
-        <p14:creationId xmlns:p14="http://schemas.microsoft.com/office/powerpoint/2010/main" val="1692237819"/>
-      </p:ext>
-    </p:extLst>
-  </p:cSld>
-  <p:clrMapOvr>
-    <a:masterClrMapping/>
-  </p:clrMapOvr>
-  <p:timing>
-    <p:tnLst>
-      <p:par>
-        <p:cTn id="1" dur="indefinite" restart="never" nodeType="tmRoot"/>
-      </p:par>
-    </p:tnLst>
-  </p:timing>
-</p:sld>
-</file>
-
-<file path=ppt/slides/slide4.xml><?xml version="1.0" encoding="utf-8"?>
-<p:sld xmlns:a="http://schemas.openxmlformats.org/drawingml/2006/main" xmlns:r="http://schemas.openxmlformats.org/officeDocument/2006/relationships" xmlns:p="http://schemas.openxmlformats.org/presentationml/2006/main">
-  <p:cSld>
-    <p:spTree>
-      <p:nvGrpSpPr>
-        <p:cNvPr id="1" name=""/>
-        <p:cNvGrpSpPr/>
-        <p:nvPr/>
-      </p:nvGrpSpPr>
-      <p:grpSpPr>
-        <a:xfrm>
-          <a:off x="0" y="0"/>
-          <a:ext cx="0" cy="0"/>
-          <a:chOff x="0" y="0"/>
-          <a:chExt cx="0" cy="0"/>
-        </a:xfrm>
-      </p:grpSpPr>
-      <p:sp>
-        <p:nvSpPr>
-          <p:cNvPr id="2" name="Titel 1"/>
-          <p:cNvSpPr>
-            <a:spLocks noGrp="1"/>
-          </p:cNvSpPr>
-          <p:nvPr>
-            <p:ph type="title"/>
-          </p:nvPr>
-        </p:nvSpPr>
-        <p:spPr/>
-        <p:txBody>
-          <a:bodyPr/>
-          <a:lstStyle/>
-          <a:p>
-            <a:r>
-              <a:rPr lang="de-DE" dirty="0" smtClean="0"/>
-              <a:t>Warum Cookie Sharing?</a:t>
-            </a:r>
-            <a:endParaRPr lang="de-DE" dirty="0"/>
-          </a:p>
-        </p:txBody>
-      </p:sp>
-      <p:sp>
-        <p:nvSpPr>
-          <p:cNvPr id="3" name="Inhaltsplatzhalter 2"/>
-          <p:cNvSpPr>
-            <a:spLocks noGrp="1"/>
-          </p:cNvSpPr>
-          <p:nvPr>
-            <p:ph idx="1"/>
-          </p:nvPr>
-        </p:nvSpPr>
-        <p:spPr/>
-        <p:txBody>
-          <a:bodyPr/>
-          <a:lstStyle/>
-          <a:p>
-            <a:pPr marL="0" indent="0">
-              <a:buNone/>
-            </a:pPr>
-            <a:r>
-              <a:rPr lang="de-DE" dirty="0" smtClean="0"/>
               <a:t>"Günstiges" Single </a:t>
             </a:r>
             <a:r>
@@ -7246,7 +7273,7 @@
           <a:p>
             <a:pPr>
               <a:spcBef>
-                <a:spcPts val="2000"/>
+                <a:spcPts val="1000"/>
               </a:spcBef>
             </a:pPr>
             <a:r>
@@ -7257,7 +7284,7 @@
           <a:p>
             <a:pPr>
               <a:spcBef>
-                <a:spcPts val="2000"/>
+                <a:spcPts val="1000"/>
               </a:spcBef>
             </a:pPr>
             <a:r>
@@ -7284,7 +7311,7 @@
           <a:p>
             <a:pPr>
               <a:spcBef>
-                <a:spcPts val="2000"/>
+                <a:spcPts val="1000"/>
               </a:spcBef>
             </a:pPr>
             <a:r>
@@ -7311,7 +7338,7 @@
           <a:p>
             <a:pPr>
               <a:spcBef>
-                <a:spcPts val="2000"/>
+                <a:spcPts val="1000"/>
               </a:spcBef>
             </a:pPr>
             <a:r>
@@ -7737,7 +7764,7 @@
 </p:sld>
 </file>
 
-<file path=ppt/slides/slide5.xml><?xml version="1.0" encoding="utf-8"?>
+<file path=ppt/slides/slide4.xml><?xml version="1.0" encoding="utf-8"?>
 <p:sld xmlns:a="http://schemas.openxmlformats.org/drawingml/2006/main" xmlns:r="http://schemas.openxmlformats.org/officeDocument/2006/relationships" xmlns:p="http://schemas.openxmlformats.org/presentationml/2006/main">
   <p:cSld>
     <p:spTree>
@@ -7792,6 +7819,11 @@
           <a:bodyPr/>
           <a:lstStyle/>
           <a:p>
+            <a:pPr>
+              <a:spcBef>
+                <a:spcPts val="1000"/>
+              </a:spcBef>
+            </a:pPr>
             <a:r>
               <a:rPr lang="de-DE" dirty="0" smtClean="0"/>
               <a:t>Authentifizierungsverfahren </a:t>
@@ -7806,6 +7838,11 @@
             </a:r>
           </a:p>
           <a:p>
+            <a:pPr>
+              <a:spcBef>
+                <a:spcPts val="1000"/>
+              </a:spcBef>
+            </a:pPr>
             <a:r>
               <a:rPr lang="de-DE" b="1" dirty="0" smtClean="0"/>
               <a:t>IdentityServer4</a:t>
@@ -7821,6 +7858,11 @@
             <a:endParaRPr lang="de-DE" dirty="0" smtClean="0"/>
           </a:p>
           <a:p>
+            <a:pPr>
+              <a:spcBef>
+                <a:spcPts val="1000"/>
+              </a:spcBef>
+            </a:pPr>
             <a:r>
               <a:rPr lang="de-DE" b="1" dirty="0" smtClean="0"/>
               <a:t>ASP.NET Core MVC </a:t>
@@ -7839,6 +7881,11 @@
             </a:r>
           </a:p>
           <a:p>
+            <a:pPr>
+              <a:spcBef>
+                <a:spcPts val="1000"/>
+              </a:spcBef>
+            </a:pPr>
             <a:r>
               <a:rPr lang="de-DE" b="1" dirty="0" smtClean="0"/>
               <a:t>ASP.NET MVC </a:t>
@@ -7857,12 +7904,22 @@
             </a:r>
           </a:p>
           <a:p>
+            <a:pPr>
+              <a:spcBef>
+                <a:spcPts val="1000"/>
+              </a:spcBef>
+            </a:pPr>
             <a:r>
               <a:rPr lang="de-DE" dirty="0" smtClean="0"/>
               <a:t>Gehostet werden alle drei Webseiten im IIS </a:t>
             </a:r>
           </a:p>
           <a:p>
+            <a:pPr>
+              <a:spcBef>
+                <a:spcPts val="1000"/>
+              </a:spcBef>
+            </a:pPr>
             <a:r>
               <a:rPr lang="de-DE" b="1" dirty="0" smtClean="0"/>
               <a:t>https Protokoll</a:t>
@@ -8239,7 +8296,7 @@
 </p:sld>
 </file>
 
-<file path=ppt/slides/slide6.xml><?xml version="1.0" encoding="utf-8"?>
+<file path=ppt/slides/slide5.xml><?xml version="1.0" encoding="utf-8"?>
 <p:sld xmlns:a="http://schemas.openxmlformats.org/drawingml/2006/main" xmlns:r="http://schemas.openxmlformats.org/officeDocument/2006/relationships" xmlns:p="http://schemas.openxmlformats.org/presentationml/2006/main">
   <p:cSld>
     <p:spTree>
@@ -8386,7 +8443,6 @@
               <a:rPr lang="de-DE" sz="1600" dirty="0" smtClean="0"/>
               <a:t>Cookie Authentifizierung</a:t>
             </a:r>
-            <a:endParaRPr lang="de-DE" sz="1600" dirty="0" smtClean="0"/>
           </a:p>
           <a:p>
             <a:r>
@@ -8442,11 +8498,7 @@
           <a:p>
             <a:r>
               <a:rPr lang="de-DE" sz="1600" dirty="0" smtClean="0"/>
-              <a:t>ASP.NET Core </a:t>
-            </a:r>
-            <a:r>
-              <a:rPr lang="de-DE" sz="1600" dirty="0" smtClean="0"/>
-              <a:t>MVC Webseite</a:t>
+              <a:t>ASP.NET Core MVC Webseite</a:t>
             </a:r>
           </a:p>
           <a:p>
@@ -8457,10 +8509,6 @@
             <a:r>
               <a:rPr lang="de-DE" sz="1600" dirty="0" smtClean="0"/>
               <a:t> Connect - und Cookie Authentifizierung</a:t>
-            </a:r>
-            <a:r>
-              <a:rPr lang="de-DE" sz="1600" dirty="0" smtClean="0"/>
-              <a:t/>
             </a:r>
             <a:br>
               <a:rPr lang="de-DE" sz="1600" dirty="0" smtClean="0"/>
@@ -8469,13 +8517,7 @@
               <a:rPr lang="de-DE" sz="1600" dirty="0" smtClean="0">
                 <a:hlinkClick r:id="rId4"/>
               </a:rPr>
-              <a:t>https</a:t>
-            </a:r>
-            <a:r>
-              <a:rPr lang="de-DE" sz="1600" dirty="0" smtClean="0">
-                <a:hlinkClick r:id="rId4"/>
-              </a:rPr>
-              <a:t>://localhost/dncaspnetcore</a:t>
+              <a:t>https://localhost/dncaspnetcore</a:t>
             </a:r>
             <a:endParaRPr lang="de-DE" sz="1600" dirty="0"/>
           </a:p>
@@ -8526,20 +8568,13 @@
               <a:rPr lang="de-DE" sz="1600" dirty="0" smtClean="0"/>
               <a:t>IdentityServer4 auf </a:t>
             </a:r>
-            <a:endParaRPr lang="de-DE" sz="1600" dirty="0" smtClean="0"/>
           </a:p>
           <a:p>
             <a:r>
               <a:rPr lang="de-DE" sz="1600" dirty="0" smtClean="0">
                 <a:hlinkClick r:id="rId5"/>
               </a:rPr>
-              <a:t>https://</a:t>
-            </a:r>
-            <a:r>
-              <a:rPr lang="de-DE" sz="1600" dirty="0" smtClean="0">
-                <a:hlinkClick r:id="rId5"/>
-              </a:rPr>
-              <a:t>localhost/dncids</a:t>
+              <a:t>https://localhost/dncids</a:t>
             </a:r>
             <a:endParaRPr lang="de-DE" sz="1600" dirty="0" smtClean="0"/>
           </a:p>
@@ -8779,7 +8814,7 @@
 </p:sld>
 </file>
 
-<file path=ppt/slides/slide7.xml><?xml version="1.0" encoding="utf-8"?>
+<file path=ppt/slides/slide6.xml><?xml version="1.0" encoding="utf-8"?>
 <p:sld xmlns:a="http://schemas.openxmlformats.org/drawingml/2006/main" xmlns:r="http://schemas.openxmlformats.org/officeDocument/2006/relationships" xmlns:p="http://schemas.openxmlformats.org/presentationml/2006/main">
   <p:cSld>
     <p:spTree>
@@ -9496,7 +9531,7 @@
 </p:sld>
 </file>
 
-<file path=ppt/slides/slide8.xml><?xml version="1.0" encoding="utf-8"?>
+<file path=ppt/slides/slide7.xml><?xml version="1.0" encoding="utf-8"?>
 <p:sld xmlns:a="http://schemas.openxmlformats.org/drawingml/2006/main" xmlns:r="http://schemas.openxmlformats.org/officeDocument/2006/relationships" xmlns:p="http://schemas.openxmlformats.org/presentationml/2006/main">
   <p:cSld>
     <p:spTree>
@@ -9823,6 +9858,78 @@
 </p:sld>
 </file>
 
+<file path=ppt/slides/slide8.xml><?xml version="1.0" encoding="utf-8"?>
+<p:sld xmlns:a="http://schemas.openxmlformats.org/drawingml/2006/main" xmlns:r="http://schemas.openxmlformats.org/officeDocument/2006/relationships" xmlns:p="http://schemas.openxmlformats.org/presentationml/2006/main">
+  <p:cSld>
+    <p:spTree>
+      <p:nvGrpSpPr>
+        <p:cNvPr id="1" name=""/>
+        <p:cNvGrpSpPr/>
+        <p:nvPr/>
+      </p:nvGrpSpPr>
+      <p:grpSpPr>
+        <a:xfrm>
+          <a:off x="0" y="0"/>
+          <a:ext cx="0" cy="0"/>
+          <a:chOff x="0" y="0"/>
+          <a:chExt cx="0" cy="0"/>
+        </a:xfrm>
+      </p:grpSpPr>
+      <p:sp>
+        <p:nvSpPr>
+          <p:cNvPr id="2" name="Titel 1"/>
+          <p:cNvSpPr>
+            <a:spLocks noGrp="1"/>
+          </p:cNvSpPr>
+          <p:nvPr>
+            <p:ph type="title"/>
+          </p:nvPr>
+        </p:nvSpPr>
+        <p:spPr/>
+        <p:txBody>
+          <a:bodyPr/>
+          <a:lstStyle/>
+          <a:p>
+            <a:r>
+              <a:rPr lang="de-DE" dirty="0" err="1" smtClean="0"/>
+              <a:t>Steps</a:t>
+            </a:r>
+            <a:endParaRPr lang="de-DE" dirty="0"/>
+          </a:p>
+        </p:txBody>
+      </p:sp>
+      <p:sp>
+        <p:nvSpPr>
+          <p:cNvPr id="4" name="Textplatzhalter 3"/>
+          <p:cNvSpPr>
+            <a:spLocks noGrp="1"/>
+          </p:cNvSpPr>
+          <p:nvPr>
+            <p:ph type="body" idx="1"/>
+          </p:nvPr>
+        </p:nvSpPr>
+        <p:spPr/>
+        <p:txBody>
+          <a:bodyPr/>
+          <a:lstStyle/>
+          <a:p>
+            <a:endParaRPr lang="de-DE"/>
+          </a:p>
+        </p:txBody>
+      </p:sp>
+    </p:spTree>
+    <p:extLst>
+      <p:ext uri="{BB962C8B-B14F-4D97-AF65-F5344CB8AC3E}">
+        <p14:creationId xmlns:p14="http://schemas.microsoft.com/office/powerpoint/2010/main" val="404339383"/>
+      </p:ext>
+    </p:extLst>
+  </p:cSld>
+  <p:clrMapOvr>
+    <a:masterClrMapping/>
+  </p:clrMapOvr>
+</p:sld>
+</file>
+
 <file path=ppt/slides/slide9.xml><?xml version="1.0" encoding="utf-8"?>
 <p:sld xmlns:a="http://schemas.openxmlformats.org/drawingml/2006/main" xmlns:r="http://schemas.openxmlformats.org/officeDocument/2006/relationships" xmlns:p="http://schemas.openxmlformats.org/presentationml/2006/main">
   <p:cSld>
@@ -9857,7 +9964,11 @@
           <a:p>
             <a:r>
               <a:rPr lang="de-DE" dirty="0" smtClean="0"/>
-              <a:t>Cookie Namen angleichen</a:t>
+              <a:t>Cookie </a:t>
+            </a:r>
+            <a:r>
+              <a:rPr lang="de-DE" dirty="0" smtClean="0"/>
+              <a:t>Namen</a:t>
             </a:r>
             <a:endParaRPr lang="de-DE" dirty="0"/>
           </a:p>
@@ -9888,6 +9999,9 @@
           </a:p>
           <a:p>
             <a:pPr marL="0" indent="0">
+              <a:spcBef>
+                <a:spcPts val="2000"/>
+              </a:spcBef>
               <a:buNone/>
             </a:pPr>
             <a:r>
@@ -10836,7 +10950,7 @@
   <a:extraClrSchemeLst/>
   <a:extLst>
     <a:ext uri="{05A4C25C-085E-4340-85A3-A5531E510DB2}">
-      <thm15:themeFamily xmlns="" xmlns:thm15="http://schemas.microsoft.com/office/thememl/2012/main" name="Presentation1" id="{ACB66927-DC72-4B77-9EEE-0493DF6A2016}" vid="{B5BAAF34-A7A6-4863-B92B-F29C519B01CB}"/>
+      <thm15:themeFamily xmlns:thm15="http://schemas.microsoft.com/office/thememl/2012/main" xmlns="" name="Presentation1" id="{ACB66927-DC72-4B77-9EEE-0493DF6A2016}" vid="{B5BAAF34-A7A6-4863-B92B-F29C519B01CB}"/>
     </a:ext>
   </a:extLst>
 </a:theme>

--- a/slides/open id connect - share cookies.pptx
+++ b/slides/open id connect - share cookies.pptx
@@ -5,7 +5,7 @@
     <p:sldMasterId id="2147483648" r:id="rId1"/>
   </p:sldMasterIdLst>
   <p:notesMasterIdLst>
-    <p:notesMasterId r:id="rId20"/>
+    <p:notesMasterId r:id="rId28"/>
   </p:notesMasterIdLst>
   <p:sldIdLst>
     <p:sldId id="256" r:id="rId2"/>
@@ -26,6 +26,14 @@
     <p:sldId id="264" r:id="rId17"/>
     <p:sldId id="265" r:id="rId18"/>
     <p:sldId id="277" r:id="rId19"/>
+    <p:sldId id="282" r:id="rId20"/>
+    <p:sldId id="283" r:id="rId21"/>
+    <p:sldId id="284" r:id="rId22"/>
+    <p:sldId id="285" r:id="rId23"/>
+    <p:sldId id="288" r:id="rId24"/>
+    <p:sldId id="289" r:id="rId25"/>
+    <p:sldId id="286" r:id="rId26"/>
+    <p:sldId id="287" r:id="rId27"/>
   </p:sldIdLst>
   <p:sldSz cx="12192000" cy="6858000"/>
   <p:notesSz cx="6858000" cy="9144000"/>
@@ -177,12 +185,24 @@
             <p14:sldId id="264"/>
             <p14:sldId id="265"/>
             <p14:sldId id="277"/>
+            <p14:sldId id="282"/>
+          </p14:sldIdLst>
+        </p14:section>
+        <p14:section name="Abschnitt ohne Titel" id="{29A55DDA-CCBC-4994-ACA4-AD3EEF469BF9}">
+          <p14:sldIdLst>
+            <p14:sldId id="283"/>
+            <p14:sldId id="284"/>
+            <p14:sldId id="285"/>
+            <p14:sldId id="288"/>
+            <p14:sldId id="289"/>
+            <p14:sldId id="286"/>
+            <p14:sldId id="287"/>
           </p14:sldIdLst>
         </p14:section>
       </p14:sectionLst>
     </p:ext>
     <p:ext uri="{EFAFB233-063F-42B5-8137-9DF3F51BA10A}">
-      <p15:sldGuideLst xmlns:p15="http://schemas.microsoft.com/office/powerpoint/2012/main" xmlns="">
+      <p15:sldGuideLst xmlns="" xmlns:p15="http://schemas.microsoft.com/office/powerpoint/2012/main">
         <p15:guide id="1" orient="horz" pos="2160" userDrawn="1">
           <p15:clr>
             <a:srgbClr val="A4A3A4"/>
@@ -308,7 +328,7 @@
               <a:pPr>
                 <a:defRPr/>
               </a:pPr>
-              <a:t>03.05.2017</a:t>
+              <a:t>04.05.2017</a:t>
             </a:fld>
             <a:endParaRPr lang="de-DE"/>
           </a:p>
@@ -2807,11 +2827,7 @@
           <a:p>
             <a:r>
               <a:rPr lang="de-DE" dirty="0" smtClean="0"/>
-              <a:t>Cookie </a:t>
-            </a:r>
-            <a:r>
-              <a:rPr lang="de-DE" dirty="0" smtClean="0"/>
-              <a:t>Pfad</a:t>
+              <a:t>Cookie Pfad</a:t>
             </a:r>
             <a:endParaRPr lang="de-DE" dirty="0"/>
           </a:p>
@@ -3496,11 +3512,7 @@
           <a:p>
             <a:r>
               <a:rPr lang="de-DE" dirty="0" smtClean="0"/>
-              <a:t>Cookie Secure </a:t>
-            </a:r>
-            <a:r>
-              <a:rPr lang="de-DE" dirty="0" smtClean="0"/>
-              <a:t>Option</a:t>
+              <a:t>Cookie Secure Option</a:t>
             </a:r>
             <a:endParaRPr lang="de-DE" dirty="0"/>
           </a:p>
@@ -4245,11 +4257,7 @@
           <a:p>
             <a:r>
               <a:rPr lang="de-DE" dirty="0" smtClean="0"/>
-              <a:t>Cookie </a:t>
-            </a:r>
-            <a:r>
-              <a:rPr lang="de-DE" dirty="0" smtClean="0"/>
-              <a:t>Manager</a:t>
+              <a:t>Cookie Manager</a:t>
             </a:r>
             <a:endParaRPr lang="de-DE" dirty="0"/>
           </a:p>
@@ -4840,15 +4848,7 @@
             </a:pPr>
             <a:r>
               <a:rPr lang="de-DE" dirty="0" smtClean="0"/>
-              <a:t>Wenn das Cookie verschlüsselt werden soll, muss die Verschlüsselung </a:t>
-            </a:r>
-            <a:r>
-              <a:rPr lang="de-DE" dirty="0" smtClean="0"/>
-              <a:t>kompatibel </a:t>
-            </a:r>
-            <a:r>
-              <a:rPr lang="de-DE" dirty="0" smtClean="0"/>
-              <a:t>gemacht werden:</a:t>
+              <a:t>Wenn das Cookie verschlüsselt werden soll, muss die Verschlüsselung kompatibel gemacht werden:</a:t>
             </a:r>
           </a:p>
           <a:p>
@@ -6879,6 +6879,275 @@
 </p:sld>
 </file>
 
+<file path=ppt/slides/slide19.xml><?xml version="1.0" encoding="utf-8"?>
+<p:sld xmlns:a="http://schemas.openxmlformats.org/drawingml/2006/main" xmlns:r="http://schemas.openxmlformats.org/officeDocument/2006/relationships" xmlns:p="http://schemas.openxmlformats.org/presentationml/2006/main">
+  <p:cSld>
+    <p:spTree>
+      <p:nvGrpSpPr>
+        <p:cNvPr id="1" name=""/>
+        <p:cNvGrpSpPr/>
+        <p:nvPr/>
+      </p:nvGrpSpPr>
+      <p:grpSpPr>
+        <a:xfrm>
+          <a:off x="0" y="0"/>
+          <a:ext cx="0" cy="0"/>
+          <a:chOff x="0" y="0"/>
+          <a:chExt cx="0" cy="0"/>
+        </a:xfrm>
+      </p:grpSpPr>
+      <p:pic>
+        <p:nvPicPr>
+          <p:cNvPr id="1026" name="Picture 2"/>
+          <p:cNvPicPr>
+            <a:picLocks noChangeAspect="1" noChangeArrowheads="1"/>
+          </p:cNvPicPr>
+          <p:nvPr/>
+        </p:nvPicPr>
+        <p:blipFill>
+          <a:blip r:embed="rId2">
+            <a:extLst>
+              <a:ext uri="{28A0092B-C50C-407E-A947-70E740481C1C}">
+                <a14:useLocalDpi xmlns:a14="http://schemas.microsoft.com/office/drawing/2010/main" val="0"/>
+              </a:ext>
+            </a:extLst>
+          </a:blip>
+          <a:srcRect/>
+          <a:stretch>
+            <a:fillRect/>
+          </a:stretch>
+        </p:blipFill>
+        <p:spPr bwMode="auto">
+          <a:xfrm>
+            <a:off x="623392" y="980728"/>
+            <a:ext cx="8220075" cy="1924050"/>
+          </a:xfrm>
+          <a:prstGeom prst="rect">
+            <a:avLst/>
+          </a:prstGeom>
+          <a:noFill/>
+          <a:ln>
+            <a:noFill/>
+          </a:ln>
+          <a:extLst>
+            <a:ext uri="{909E8E84-426E-40DD-AFC4-6F175D3DCCD1}">
+              <a14:hiddenFill xmlns:a14="http://schemas.microsoft.com/office/drawing/2010/main">
+                <a:solidFill>
+                  <a:schemeClr val="accent1"/>
+                </a:solidFill>
+              </a14:hiddenFill>
+            </a:ext>
+            <a:ext uri="{91240B29-F687-4F45-9708-019B960494DF}">
+              <a14:hiddenLine xmlns:a14="http://schemas.microsoft.com/office/drawing/2010/main" w="9525">
+                <a:solidFill>
+                  <a:schemeClr val="tx1"/>
+                </a:solidFill>
+                <a:miter lim="800000"/>
+                <a:headEnd/>
+                <a:tailEnd/>
+              </a14:hiddenLine>
+            </a:ext>
+          </a:extLst>
+        </p:spPr>
+      </p:pic>
+      <p:pic>
+        <p:nvPicPr>
+          <p:cNvPr id="1027" name="Picture 3"/>
+          <p:cNvPicPr>
+            <a:picLocks noChangeAspect="1" noChangeArrowheads="1"/>
+          </p:cNvPicPr>
+          <p:nvPr/>
+        </p:nvPicPr>
+        <p:blipFill>
+          <a:blip r:embed="rId3">
+            <a:extLst>
+              <a:ext uri="{28A0092B-C50C-407E-A947-70E740481C1C}">
+                <a14:useLocalDpi xmlns:a14="http://schemas.microsoft.com/office/drawing/2010/main" val="0"/>
+              </a:ext>
+            </a:extLst>
+          </a:blip>
+          <a:srcRect/>
+          <a:stretch>
+            <a:fillRect/>
+          </a:stretch>
+        </p:blipFill>
+        <p:spPr bwMode="auto">
+          <a:xfrm>
+            <a:off x="623392" y="2996952"/>
+            <a:ext cx="1924050" cy="733425"/>
+          </a:xfrm>
+          <a:prstGeom prst="rect">
+            <a:avLst/>
+          </a:prstGeom>
+          <a:noFill/>
+          <a:ln>
+            <a:noFill/>
+          </a:ln>
+          <a:extLst>
+            <a:ext uri="{909E8E84-426E-40DD-AFC4-6F175D3DCCD1}">
+              <a14:hiddenFill xmlns:a14="http://schemas.microsoft.com/office/drawing/2010/main">
+                <a:solidFill>
+                  <a:schemeClr val="accent1"/>
+                </a:solidFill>
+              </a14:hiddenFill>
+            </a:ext>
+            <a:ext uri="{91240B29-F687-4F45-9708-019B960494DF}">
+              <a14:hiddenLine xmlns:a14="http://schemas.microsoft.com/office/drawing/2010/main" w="9525">
+                <a:solidFill>
+                  <a:schemeClr val="tx1"/>
+                </a:solidFill>
+                <a:miter lim="800000"/>
+                <a:headEnd/>
+                <a:tailEnd/>
+              </a14:hiddenLine>
+            </a:ext>
+          </a:extLst>
+        </p:spPr>
+      </p:pic>
+      <p:sp>
+        <p:nvSpPr>
+          <p:cNvPr id="4" name="Titel 3"/>
+          <p:cNvSpPr>
+            <a:spLocks noGrp="1"/>
+          </p:cNvSpPr>
+          <p:nvPr>
+            <p:ph type="title"/>
+          </p:nvPr>
+        </p:nvSpPr>
+        <p:spPr/>
+        <p:txBody>
+          <a:bodyPr/>
+          <a:lstStyle/>
+          <a:p>
+            <a:r>
+              <a:rPr lang="de-DE" dirty="0" smtClean="0"/>
+              <a:t>IIS</a:t>
+            </a:r>
+            <a:endParaRPr lang="de-DE" dirty="0"/>
+          </a:p>
+        </p:txBody>
+      </p:sp>
+      <p:pic>
+        <p:nvPicPr>
+          <p:cNvPr id="1028" name="Picture 4"/>
+          <p:cNvPicPr>
+            <a:picLocks noChangeAspect="1" noChangeArrowheads="1"/>
+          </p:cNvPicPr>
+          <p:nvPr/>
+        </p:nvPicPr>
+        <p:blipFill>
+          <a:blip r:embed="rId4">
+            <a:extLst>
+              <a:ext uri="{28A0092B-C50C-407E-A947-70E740481C1C}">
+                <a14:useLocalDpi xmlns:a14="http://schemas.microsoft.com/office/drawing/2010/main" val="0"/>
+              </a:ext>
+            </a:extLst>
+          </a:blip>
+          <a:srcRect/>
+          <a:stretch>
+            <a:fillRect/>
+          </a:stretch>
+        </p:blipFill>
+        <p:spPr bwMode="auto">
+          <a:xfrm>
+            <a:off x="2678138" y="2996952"/>
+            <a:ext cx="6210300" cy="3705225"/>
+          </a:xfrm>
+          <a:prstGeom prst="rect">
+            <a:avLst/>
+          </a:prstGeom>
+          <a:noFill/>
+          <a:ln>
+            <a:noFill/>
+          </a:ln>
+          <a:extLst>
+            <a:ext uri="{909E8E84-426E-40DD-AFC4-6F175D3DCCD1}">
+              <a14:hiddenFill xmlns:a14="http://schemas.microsoft.com/office/drawing/2010/main">
+                <a:solidFill>
+                  <a:schemeClr val="accent1"/>
+                </a:solidFill>
+              </a14:hiddenFill>
+            </a:ext>
+            <a:ext uri="{91240B29-F687-4F45-9708-019B960494DF}">
+              <a14:hiddenLine xmlns:a14="http://schemas.microsoft.com/office/drawing/2010/main" w="9525">
+                <a:solidFill>
+                  <a:schemeClr val="tx1"/>
+                </a:solidFill>
+                <a:miter lim="800000"/>
+                <a:headEnd/>
+                <a:tailEnd/>
+              </a14:hiddenLine>
+            </a:ext>
+          </a:extLst>
+        </p:spPr>
+      </p:pic>
+      <p:pic>
+        <p:nvPicPr>
+          <p:cNvPr id="1029" name="Picture 5"/>
+          <p:cNvPicPr>
+            <a:picLocks noChangeAspect="1" noChangeArrowheads="1"/>
+          </p:cNvPicPr>
+          <p:nvPr/>
+        </p:nvPicPr>
+        <p:blipFill>
+          <a:blip r:embed="rId5">
+            <a:extLst>
+              <a:ext uri="{28A0092B-C50C-407E-A947-70E740481C1C}">
+                <a14:useLocalDpi xmlns:a14="http://schemas.microsoft.com/office/drawing/2010/main" val="0"/>
+              </a:ext>
+            </a:extLst>
+          </a:blip>
+          <a:srcRect/>
+          <a:stretch>
+            <a:fillRect/>
+          </a:stretch>
+        </p:blipFill>
+        <p:spPr bwMode="auto">
+          <a:xfrm>
+            <a:off x="9048328" y="982638"/>
+            <a:ext cx="3028950" cy="1657350"/>
+          </a:xfrm>
+          <a:prstGeom prst="rect">
+            <a:avLst/>
+          </a:prstGeom>
+          <a:noFill/>
+          <a:ln>
+            <a:noFill/>
+          </a:ln>
+          <a:extLst>
+            <a:ext uri="{909E8E84-426E-40DD-AFC4-6F175D3DCCD1}">
+              <a14:hiddenFill xmlns:a14="http://schemas.microsoft.com/office/drawing/2010/main">
+                <a:solidFill>
+                  <a:schemeClr val="accent1"/>
+                </a:solidFill>
+              </a14:hiddenFill>
+            </a:ext>
+            <a:ext uri="{91240B29-F687-4F45-9708-019B960494DF}">
+              <a14:hiddenLine xmlns:a14="http://schemas.microsoft.com/office/drawing/2010/main" w="9525">
+                <a:solidFill>
+                  <a:schemeClr val="tx1"/>
+                </a:solidFill>
+                <a:miter lim="800000"/>
+                <a:headEnd/>
+                <a:tailEnd/>
+              </a14:hiddenLine>
+            </a:ext>
+          </a:extLst>
+        </p:spPr>
+      </p:pic>
+    </p:spTree>
+    <p:extLst>
+      <p:ext uri="{BB962C8B-B14F-4D97-AF65-F5344CB8AC3E}">
+        <p14:creationId xmlns:p14="http://schemas.microsoft.com/office/powerpoint/2010/main" val="2274398668"/>
+      </p:ext>
+    </p:extLst>
+  </p:cSld>
+  <p:clrMapOvr>
+    <a:masterClrMapping/>
+  </p:clrMapOvr>
+</p:sld>
+</file>
+
 <file path=ppt/slides/slide2.xml><?xml version="1.0" encoding="utf-8"?>
 <p:sld xmlns:a="http://schemas.openxmlformats.org/drawingml/2006/main" xmlns:r="http://schemas.openxmlformats.org/officeDocument/2006/relationships" xmlns:p="http://schemas.openxmlformats.org/presentationml/2006/main">
   <p:cSld>
@@ -7193,6 +7462,1050 @@
       </p:par>
     </p:tnLst>
   </p:timing>
+</p:sld>
+</file>
+
+<file path=ppt/slides/slide20.xml><?xml version="1.0" encoding="utf-8"?>
+<p:sld xmlns:a="http://schemas.openxmlformats.org/drawingml/2006/main" xmlns:r="http://schemas.openxmlformats.org/officeDocument/2006/relationships" xmlns:p="http://schemas.openxmlformats.org/presentationml/2006/main">
+  <p:cSld>
+    <p:spTree>
+      <p:nvGrpSpPr>
+        <p:cNvPr id="1" name=""/>
+        <p:cNvGrpSpPr/>
+        <p:nvPr/>
+      </p:nvGrpSpPr>
+      <p:grpSpPr>
+        <a:xfrm>
+          <a:off x="0" y="0"/>
+          <a:ext cx="0" cy="0"/>
+          <a:chOff x="0" y="0"/>
+          <a:chExt cx="0" cy="0"/>
+        </a:xfrm>
+      </p:grpSpPr>
+      <p:sp>
+        <p:nvSpPr>
+          <p:cNvPr id="4" name="Titel 3"/>
+          <p:cNvSpPr>
+            <a:spLocks noGrp="1"/>
+          </p:cNvSpPr>
+          <p:nvPr>
+            <p:ph type="title"/>
+          </p:nvPr>
+        </p:nvSpPr>
+        <p:spPr/>
+        <p:txBody>
+          <a:bodyPr/>
+          <a:lstStyle/>
+          <a:p>
+            <a:r>
+              <a:rPr lang="de-DE" dirty="0" err="1" smtClean="0"/>
+              <a:t>IdentityServer</a:t>
+            </a:r>
+            <a:r>
+              <a:rPr lang="de-DE" dirty="0" smtClean="0"/>
+              <a:t> 4</a:t>
+            </a:r>
+            <a:endParaRPr lang="de-DE" dirty="0"/>
+          </a:p>
+        </p:txBody>
+      </p:sp>
+      <p:pic>
+        <p:nvPicPr>
+          <p:cNvPr id="2050" name="Picture 2"/>
+          <p:cNvPicPr>
+            <a:picLocks noChangeAspect="1" noChangeArrowheads="1"/>
+          </p:cNvPicPr>
+          <p:nvPr/>
+        </p:nvPicPr>
+        <p:blipFill>
+          <a:blip r:embed="rId2">
+            <a:extLst>
+              <a:ext uri="{28A0092B-C50C-407E-A947-70E740481C1C}">
+                <a14:useLocalDpi xmlns:a14="http://schemas.microsoft.com/office/drawing/2010/main" val="0"/>
+              </a:ext>
+            </a:extLst>
+          </a:blip>
+          <a:srcRect/>
+          <a:stretch>
+            <a:fillRect/>
+          </a:stretch>
+        </p:blipFill>
+        <p:spPr bwMode="auto">
+          <a:xfrm>
+            <a:off x="623392" y="1124744"/>
+            <a:ext cx="6753225" cy="3714750"/>
+          </a:xfrm>
+          <a:prstGeom prst="rect">
+            <a:avLst/>
+          </a:prstGeom>
+          <a:noFill/>
+          <a:ln>
+            <a:noFill/>
+          </a:ln>
+          <a:extLst>
+            <a:ext uri="{909E8E84-426E-40DD-AFC4-6F175D3DCCD1}">
+              <a14:hiddenFill xmlns:a14="http://schemas.microsoft.com/office/drawing/2010/main">
+                <a:solidFill>
+                  <a:schemeClr val="accent1"/>
+                </a:solidFill>
+              </a14:hiddenFill>
+            </a:ext>
+            <a:ext uri="{91240B29-F687-4F45-9708-019B960494DF}">
+              <a14:hiddenLine xmlns:a14="http://schemas.microsoft.com/office/drawing/2010/main" w="9525">
+                <a:solidFill>
+                  <a:schemeClr val="tx1"/>
+                </a:solidFill>
+                <a:miter lim="800000"/>
+                <a:headEnd/>
+                <a:tailEnd/>
+              </a14:hiddenLine>
+            </a:ext>
+          </a:extLst>
+        </p:spPr>
+      </p:pic>
+    </p:spTree>
+    <p:extLst>
+      <p:ext uri="{BB962C8B-B14F-4D97-AF65-F5344CB8AC3E}">
+        <p14:creationId xmlns:p14="http://schemas.microsoft.com/office/powerpoint/2010/main" val="3215034897"/>
+      </p:ext>
+    </p:extLst>
+  </p:cSld>
+  <p:clrMapOvr>
+    <a:masterClrMapping/>
+  </p:clrMapOvr>
+</p:sld>
+</file>
+
+<file path=ppt/slides/slide21.xml><?xml version="1.0" encoding="utf-8"?>
+<p:sld xmlns:a="http://schemas.openxmlformats.org/drawingml/2006/main" xmlns:r="http://schemas.openxmlformats.org/officeDocument/2006/relationships" xmlns:p="http://schemas.openxmlformats.org/presentationml/2006/main">
+  <p:cSld>
+    <p:spTree>
+      <p:nvGrpSpPr>
+        <p:cNvPr id="1" name=""/>
+        <p:cNvGrpSpPr/>
+        <p:nvPr/>
+      </p:nvGrpSpPr>
+      <p:grpSpPr>
+        <a:xfrm>
+          <a:off x="0" y="0"/>
+          <a:ext cx="0" cy="0"/>
+          <a:chOff x="0" y="0"/>
+          <a:chExt cx="0" cy="0"/>
+        </a:xfrm>
+      </p:grpSpPr>
+      <p:sp>
+        <p:nvSpPr>
+          <p:cNvPr id="2" name="Titel 1"/>
+          <p:cNvSpPr>
+            <a:spLocks noGrp="1"/>
+          </p:cNvSpPr>
+          <p:nvPr>
+            <p:ph type="title"/>
+          </p:nvPr>
+        </p:nvSpPr>
+        <p:spPr/>
+        <p:txBody>
+          <a:bodyPr/>
+          <a:lstStyle/>
+          <a:p>
+            <a:r>
+              <a:rPr lang="de-DE" dirty="0" err="1" smtClean="0"/>
+              <a:t>OpenID</a:t>
+            </a:r>
+            <a:r>
+              <a:rPr lang="de-DE" dirty="0" smtClean="0"/>
+              <a:t> </a:t>
+            </a:r>
+            <a:r>
+              <a:rPr lang="de-DE" dirty="0" err="1" smtClean="0"/>
+              <a:t>Configuration</a:t>
+            </a:r>
+            <a:endParaRPr lang="de-DE" dirty="0"/>
+          </a:p>
+        </p:txBody>
+      </p:sp>
+      <p:pic>
+        <p:nvPicPr>
+          <p:cNvPr id="3074" name="Picture 2"/>
+          <p:cNvPicPr>
+            <a:picLocks noChangeAspect="1" noChangeArrowheads="1"/>
+          </p:cNvPicPr>
+          <p:nvPr/>
+        </p:nvPicPr>
+        <p:blipFill>
+          <a:blip r:embed="rId2">
+            <a:extLst>
+              <a:ext uri="{28A0092B-C50C-407E-A947-70E740481C1C}">
+                <a14:useLocalDpi xmlns:a14="http://schemas.microsoft.com/office/drawing/2010/main" val="0"/>
+              </a:ext>
+            </a:extLst>
+          </a:blip>
+          <a:srcRect/>
+          <a:stretch>
+            <a:fillRect/>
+          </a:stretch>
+        </p:blipFill>
+        <p:spPr bwMode="auto">
+          <a:xfrm>
+            <a:off x="6023992" y="-11385"/>
+            <a:ext cx="6296025" cy="7181850"/>
+          </a:xfrm>
+          <a:prstGeom prst="rect">
+            <a:avLst/>
+          </a:prstGeom>
+          <a:noFill/>
+          <a:ln>
+            <a:noFill/>
+          </a:ln>
+          <a:extLst>
+            <a:ext uri="{909E8E84-426E-40DD-AFC4-6F175D3DCCD1}">
+              <a14:hiddenFill xmlns:a14="http://schemas.microsoft.com/office/drawing/2010/main">
+                <a:solidFill>
+                  <a:schemeClr val="accent1"/>
+                </a:solidFill>
+              </a14:hiddenFill>
+            </a:ext>
+            <a:ext uri="{91240B29-F687-4F45-9708-019B960494DF}">
+              <a14:hiddenLine xmlns:a14="http://schemas.microsoft.com/office/drawing/2010/main" w="9525">
+                <a:solidFill>
+                  <a:schemeClr val="tx1"/>
+                </a:solidFill>
+                <a:miter lim="800000"/>
+                <a:headEnd/>
+                <a:tailEnd/>
+              </a14:hiddenLine>
+            </a:ext>
+          </a:extLst>
+        </p:spPr>
+      </p:pic>
+    </p:spTree>
+    <p:extLst>
+      <p:ext uri="{BB962C8B-B14F-4D97-AF65-F5344CB8AC3E}">
+        <p14:creationId xmlns:p14="http://schemas.microsoft.com/office/powerpoint/2010/main" val="1274353562"/>
+      </p:ext>
+    </p:extLst>
+  </p:cSld>
+  <p:clrMapOvr>
+    <a:masterClrMapping/>
+  </p:clrMapOvr>
+</p:sld>
+</file>
+
+<file path=ppt/slides/slide22.xml><?xml version="1.0" encoding="utf-8"?>
+<p:sld xmlns:a="http://schemas.openxmlformats.org/drawingml/2006/main" xmlns:r="http://schemas.openxmlformats.org/officeDocument/2006/relationships" xmlns:p="http://schemas.openxmlformats.org/presentationml/2006/main">
+  <p:cSld>
+    <p:spTree>
+      <p:nvGrpSpPr>
+        <p:cNvPr id="1" name=""/>
+        <p:cNvGrpSpPr/>
+        <p:nvPr/>
+      </p:nvGrpSpPr>
+      <p:grpSpPr>
+        <a:xfrm>
+          <a:off x="0" y="0"/>
+          <a:ext cx="0" cy="0"/>
+          <a:chOff x="0" y="0"/>
+          <a:chExt cx="0" cy="0"/>
+        </a:xfrm>
+      </p:grpSpPr>
+      <p:sp>
+        <p:nvSpPr>
+          <p:cNvPr id="2" name="Titel 1"/>
+          <p:cNvSpPr>
+            <a:spLocks noGrp="1"/>
+          </p:cNvSpPr>
+          <p:nvPr>
+            <p:ph type="title"/>
+          </p:nvPr>
+        </p:nvSpPr>
+        <p:spPr/>
+        <p:txBody>
+          <a:bodyPr/>
+          <a:lstStyle/>
+          <a:p>
+            <a:r>
+              <a:rPr lang="de-DE" dirty="0" smtClean="0"/>
+              <a:t>Identity Server - Login</a:t>
+            </a:r>
+            <a:endParaRPr lang="de-DE" dirty="0"/>
+          </a:p>
+        </p:txBody>
+      </p:sp>
+      <p:pic>
+        <p:nvPicPr>
+          <p:cNvPr id="4098" name="Picture 2"/>
+          <p:cNvPicPr>
+            <a:picLocks noChangeAspect="1" noChangeArrowheads="1"/>
+          </p:cNvPicPr>
+          <p:nvPr/>
+        </p:nvPicPr>
+        <p:blipFill>
+          <a:blip r:embed="rId2">
+            <a:extLst>
+              <a:ext uri="{28A0092B-C50C-407E-A947-70E740481C1C}">
+                <a14:useLocalDpi xmlns:a14="http://schemas.microsoft.com/office/drawing/2010/main" val="0"/>
+              </a:ext>
+            </a:extLst>
+          </a:blip>
+          <a:srcRect/>
+          <a:stretch>
+            <a:fillRect/>
+          </a:stretch>
+        </p:blipFill>
+        <p:spPr bwMode="auto">
+          <a:xfrm>
+            <a:off x="695400" y="980728"/>
+            <a:ext cx="6657975" cy="5210175"/>
+          </a:xfrm>
+          <a:prstGeom prst="rect">
+            <a:avLst/>
+          </a:prstGeom>
+          <a:noFill/>
+          <a:ln>
+            <a:noFill/>
+          </a:ln>
+          <a:extLst>
+            <a:ext uri="{909E8E84-426E-40DD-AFC4-6F175D3DCCD1}">
+              <a14:hiddenFill xmlns:a14="http://schemas.microsoft.com/office/drawing/2010/main">
+                <a:solidFill>
+                  <a:schemeClr val="accent1"/>
+                </a:solidFill>
+              </a14:hiddenFill>
+            </a:ext>
+            <a:ext uri="{91240B29-F687-4F45-9708-019B960494DF}">
+              <a14:hiddenLine xmlns:a14="http://schemas.microsoft.com/office/drawing/2010/main" w="9525">
+                <a:solidFill>
+                  <a:schemeClr val="tx1"/>
+                </a:solidFill>
+                <a:miter lim="800000"/>
+                <a:headEnd/>
+                <a:tailEnd/>
+              </a14:hiddenLine>
+            </a:ext>
+          </a:extLst>
+        </p:spPr>
+      </p:pic>
+      <p:sp>
+        <p:nvSpPr>
+          <p:cNvPr id="3" name="Textfeld 2"/>
+          <p:cNvSpPr txBox="1"/>
+          <p:nvPr/>
+        </p:nvSpPr>
+        <p:spPr>
+          <a:xfrm>
+            <a:off x="8760296" y="2276872"/>
+            <a:ext cx="2123466" cy="1200329"/>
+          </a:xfrm>
+          <a:prstGeom prst="rect">
+            <a:avLst/>
+          </a:prstGeom>
+          <a:noFill/>
+        </p:spPr>
+        <p:txBody>
+          <a:bodyPr wrap="none" rtlCol="0">
+            <a:spAutoFit/>
+          </a:bodyPr>
+          <a:lstStyle/>
+          <a:p>
+            <a:r>
+              <a:rPr lang="de-DE" dirty="0" smtClean="0"/>
+              <a:t>Login mit</a:t>
+            </a:r>
+          </a:p>
+          <a:p>
+            <a:r>
+              <a:rPr lang="de-DE" dirty="0" smtClean="0"/>
+              <a:t>"</a:t>
+            </a:r>
+            <a:r>
+              <a:rPr lang="de-DE" dirty="0" err="1" smtClean="0"/>
+              <a:t>alice</a:t>
+            </a:r>
+            <a:r>
+              <a:rPr lang="de-DE" dirty="0" smtClean="0"/>
+              <a:t>" , "</a:t>
+            </a:r>
+            <a:r>
+              <a:rPr lang="de-DE" dirty="0" err="1" smtClean="0"/>
+              <a:t>password</a:t>
+            </a:r>
+            <a:r>
+              <a:rPr lang="de-DE" dirty="0" smtClean="0"/>
+              <a:t>"</a:t>
+            </a:r>
+          </a:p>
+          <a:p>
+            <a:r>
+              <a:rPr lang="de-DE" dirty="0" smtClean="0"/>
+              <a:t>oder</a:t>
+            </a:r>
+          </a:p>
+          <a:p>
+            <a:r>
+              <a:rPr lang="de-DE" dirty="0" smtClean="0"/>
+              <a:t>"</a:t>
+            </a:r>
+            <a:r>
+              <a:rPr lang="de-DE" dirty="0" err="1" smtClean="0"/>
+              <a:t>bob</a:t>
+            </a:r>
+            <a:r>
+              <a:rPr lang="de-DE" dirty="0" smtClean="0"/>
+              <a:t>", "</a:t>
+            </a:r>
+            <a:r>
+              <a:rPr lang="de-DE" dirty="0" err="1" smtClean="0"/>
+              <a:t>password</a:t>
+            </a:r>
+            <a:r>
+              <a:rPr lang="de-DE" dirty="0" smtClean="0"/>
+              <a:t>"</a:t>
+            </a:r>
+            <a:endParaRPr lang="de-DE" dirty="0"/>
+          </a:p>
+        </p:txBody>
+      </p:sp>
+    </p:spTree>
+    <p:extLst>
+      <p:ext uri="{BB962C8B-B14F-4D97-AF65-F5344CB8AC3E}">
+        <p14:creationId xmlns:p14="http://schemas.microsoft.com/office/powerpoint/2010/main" val="3434867497"/>
+      </p:ext>
+    </p:extLst>
+  </p:cSld>
+  <p:clrMapOvr>
+    <a:masterClrMapping/>
+  </p:clrMapOvr>
+</p:sld>
+</file>
+
+<file path=ppt/slides/slide23.xml><?xml version="1.0" encoding="utf-8"?>
+<p:sld xmlns:a="http://schemas.openxmlformats.org/drawingml/2006/main" xmlns:r="http://schemas.openxmlformats.org/officeDocument/2006/relationships" xmlns:p="http://schemas.openxmlformats.org/presentationml/2006/main">
+  <p:cSld>
+    <p:spTree>
+      <p:nvGrpSpPr>
+        <p:cNvPr id="1" name=""/>
+        <p:cNvGrpSpPr/>
+        <p:nvPr/>
+      </p:nvGrpSpPr>
+      <p:grpSpPr>
+        <a:xfrm>
+          <a:off x="0" y="0"/>
+          <a:ext cx="0" cy="0"/>
+          <a:chOff x="0" y="0"/>
+          <a:chExt cx="0" cy="0"/>
+        </a:xfrm>
+      </p:grpSpPr>
+      <p:sp>
+        <p:nvSpPr>
+          <p:cNvPr id="2" name="Titel 1"/>
+          <p:cNvSpPr>
+            <a:spLocks noGrp="1"/>
+          </p:cNvSpPr>
+          <p:nvPr>
+            <p:ph type="title"/>
+          </p:nvPr>
+        </p:nvSpPr>
+        <p:spPr/>
+        <p:txBody>
+          <a:bodyPr/>
+          <a:lstStyle/>
+          <a:p>
+            <a:r>
+              <a:rPr lang="de-DE" dirty="0" smtClean="0"/>
+              <a:t>DNCASPNETCORE </a:t>
+            </a:r>
+            <a:endParaRPr lang="de-DE" dirty="0"/>
+          </a:p>
+        </p:txBody>
+      </p:sp>
+      <p:pic>
+        <p:nvPicPr>
+          <p:cNvPr id="6146" name="Picture 2"/>
+          <p:cNvPicPr>
+            <a:picLocks noChangeAspect="1" noChangeArrowheads="1"/>
+          </p:cNvPicPr>
+          <p:nvPr/>
+        </p:nvPicPr>
+        <p:blipFill>
+          <a:blip r:embed="rId2">
+            <a:extLst>
+              <a:ext uri="{28A0092B-C50C-407E-A947-70E740481C1C}">
+                <a14:useLocalDpi xmlns:a14="http://schemas.microsoft.com/office/drawing/2010/main" val="0"/>
+              </a:ext>
+            </a:extLst>
+          </a:blip>
+          <a:srcRect/>
+          <a:stretch>
+            <a:fillRect/>
+          </a:stretch>
+        </p:blipFill>
+        <p:spPr bwMode="auto">
+          <a:xfrm>
+            <a:off x="6600056" y="836712"/>
+            <a:ext cx="4392488" cy="3422636"/>
+          </a:xfrm>
+          <a:prstGeom prst="rect">
+            <a:avLst/>
+          </a:prstGeom>
+          <a:noFill/>
+          <a:ln>
+            <a:noFill/>
+          </a:ln>
+          <a:extLst>
+            <a:ext uri="{909E8E84-426E-40DD-AFC4-6F175D3DCCD1}">
+              <a14:hiddenFill xmlns:a14="http://schemas.microsoft.com/office/drawing/2010/main">
+                <a:solidFill>
+                  <a:schemeClr val="accent1"/>
+                </a:solidFill>
+              </a14:hiddenFill>
+            </a:ext>
+            <a:ext uri="{91240B29-F687-4F45-9708-019B960494DF}">
+              <a14:hiddenLine xmlns:a14="http://schemas.microsoft.com/office/drawing/2010/main" w="9525">
+                <a:solidFill>
+                  <a:schemeClr val="tx1"/>
+                </a:solidFill>
+                <a:miter lim="800000"/>
+                <a:headEnd/>
+                <a:tailEnd/>
+              </a14:hiddenLine>
+            </a:ext>
+          </a:extLst>
+        </p:spPr>
+      </p:pic>
+      <p:sp>
+        <p:nvSpPr>
+          <p:cNvPr id="3" name="Textfeld 2"/>
+          <p:cNvSpPr txBox="1"/>
+          <p:nvPr/>
+        </p:nvSpPr>
+        <p:spPr>
+          <a:xfrm>
+            <a:off x="767408" y="1484785"/>
+            <a:ext cx="5472608" cy="4801314"/>
+          </a:xfrm>
+          <a:prstGeom prst="rect">
+            <a:avLst/>
+          </a:prstGeom>
+          <a:noFill/>
+        </p:spPr>
+        <p:txBody>
+          <a:bodyPr wrap="square" rtlCol="0">
+            <a:spAutoFit/>
+          </a:bodyPr>
+          <a:lstStyle/>
+          <a:p>
+            <a:r>
+              <a:rPr lang="de-DE" dirty="0" smtClean="0"/>
+              <a:t>Anwender ruft </a:t>
+            </a:r>
+            <a:r>
+              <a:rPr lang="de-DE" dirty="0" smtClean="0">
+                <a:hlinkClick r:id="rId3"/>
+              </a:rPr>
+              <a:t>https://localhost/dncaspnetcore</a:t>
+            </a:r>
+            <a:r>
+              <a:rPr lang="de-DE" dirty="0"/>
+              <a:t/>
+            </a:r>
+            <a:br>
+              <a:rPr lang="de-DE" dirty="0"/>
+            </a:br>
+            <a:r>
+              <a:rPr lang="de-DE" dirty="0" smtClean="0"/>
+              <a:t>auf</a:t>
+            </a:r>
+          </a:p>
+          <a:p>
+            <a:endParaRPr lang="de-DE" dirty="0"/>
+          </a:p>
+          <a:p>
+            <a:r>
+              <a:rPr lang="de-DE" dirty="0" smtClean="0"/>
+              <a:t>Middleware findet kein Authentication Cookie</a:t>
+            </a:r>
+          </a:p>
+          <a:p>
+            <a:r>
+              <a:rPr lang="de-DE" dirty="0" smtClean="0"/>
+              <a:t>Open ID Connect Middleware macht schickt Client ein Redirect zum </a:t>
+            </a:r>
+            <a:r>
+              <a:rPr lang="de-DE" dirty="0" err="1" smtClean="0"/>
+              <a:t>IdentityServer</a:t>
+            </a:r>
+            <a:r>
+              <a:rPr lang="de-DE" dirty="0" smtClean="0"/>
+              <a:t/>
+            </a:r>
+            <a:br>
+              <a:rPr lang="de-DE" dirty="0" smtClean="0"/>
+            </a:br>
+            <a:r>
+              <a:rPr lang="de-DE" dirty="0" smtClean="0"/>
+              <a:t>In der URL steht die "</a:t>
+            </a:r>
+            <a:r>
+              <a:rPr lang="de-DE" dirty="0" err="1" smtClean="0"/>
+              <a:t>returnUrl</a:t>
+            </a:r>
+            <a:r>
+              <a:rPr lang="de-DE" dirty="0" smtClean="0"/>
+              <a:t>"</a:t>
+            </a:r>
+          </a:p>
+          <a:p>
+            <a:r>
+              <a:rPr lang="de-DE" dirty="0"/>
+              <a:t/>
+            </a:r>
+            <a:br>
+              <a:rPr lang="de-DE" dirty="0"/>
+            </a:br>
+            <a:r>
+              <a:rPr lang="de-DE" dirty="0" smtClean="0"/>
+              <a:t>Der Anwender authentifiziert sich am </a:t>
+            </a:r>
+            <a:r>
+              <a:rPr lang="de-DE" dirty="0" err="1" smtClean="0"/>
+              <a:t>Identityserver</a:t>
+            </a:r>
+            <a:r>
+              <a:rPr lang="de-DE" dirty="0" smtClean="0"/>
+              <a:t/>
+            </a:r>
+            <a:br>
+              <a:rPr lang="de-DE" dirty="0" smtClean="0"/>
+            </a:br>
+            <a:r>
+              <a:rPr lang="de-DE" dirty="0" smtClean="0"/>
+              <a:t/>
+            </a:r>
+            <a:br>
+              <a:rPr lang="de-DE" dirty="0" smtClean="0"/>
+            </a:br>
+            <a:r>
+              <a:rPr lang="de-DE" dirty="0" smtClean="0"/>
+              <a:t>Der </a:t>
+            </a:r>
+            <a:r>
+              <a:rPr lang="de-DE" dirty="0" err="1" smtClean="0"/>
+              <a:t>IdentityServer</a:t>
+            </a:r>
+            <a:r>
+              <a:rPr lang="de-DE" dirty="0" smtClean="0"/>
+              <a:t> macht einen POST mit den Login Informationen an die ursprüngliche Anwendung</a:t>
+            </a:r>
+            <a:br>
+              <a:rPr lang="de-DE" dirty="0" smtClean="0"/>
+            </a:br>
+            <a:r>
+              <a:rPr lang="de-DE" dirty="0" smtClean="0"/>
+              <a:t/>
+            </a:r>
+            <a:br>
+              <a:rPr lang="de-DE" dirty="0" smtClean="0"/>
+            </a:br>
+            <a:r>
+              <a:rPr lang="de-DE" dirty="0" smtClean="0"/>
+              <a:t>DNCASPNETCORE schreibt den Authentication Cookie und ruft die Original URL auf</a:t>
+            </a:r>
+          </a:p>
+          <a:p>
+            <a:endParaRPr lang="de-DE" dirty="0"/>
+          </a:p>
+          <a:p>
+            <a:endParaRPr lang="de-DE" dirty="0"/>
+          </a:p>
+        </p:txBody>
+      </p:sp>
+      <p:pic>
+        <p:nvPicPr>
+          <p:cNvPr id="6147" name="Picture 3"/>
+          <p:cNvPicPr>
+            <a:picLocks noChangeAspect="1" noChangeArrowheads="1"/>
+          </p:cNvPicPr>
+          <p:nvPr/>
+        </p:nvPicPr>
+        <p:blipFill rotWithShape="1">
+          <a:blip r:embed="rId4">
+            <a:extLst>
+              <a:ext uri="{28A0092B-C50C-407E-A947-70E740481C1C}">
+                <a14:useLocalDpi xmlns:a14="http://schemas.microsoft.com/office/drawing/2010/main" val="0"/>
+              </a:ext>
+            </a:extLst>
+          </a:blip>
+          <a:srcRect r="18735"/>
+          <a:stretch/>
+        </p:blipFill>
+        <p:spPr bwMode="auto">
+          <a:xfrm>
+            <a:off x="6609531" y="4252080"/>
+            <a:ext cx="4458519" cy="2257425"/>
+          </a:xfrm>
+          <a:prstGeom prst="rect">
+            <a:avLst/>
+          </a:prstGeom>
+          <a:noFill/>
+          <a:ln>
+            <a:noFill/>
+          </a:ln>
+          <a:extLst>
+            <a:ext uri="{909E8E84-426E-40DD-AFC4-6F175D3DCCD1}">
+              <a14:hiddenFill xmlns:a14="http://schemas.microsoft.com/office/drawing/2010/main">
+                <a:solidFill>
+                  <a:schemeClr val="accent1"/>
+                </a:solidFill>
+              </a14:hiddenFill>
+            </a:ext>
+            <a:ext uri="{91240B29-F687-4F45-9708-019B960494DF}">
+              <a14:hiddenLine xmlns:a14="http://schemas.microsoft.com/office/drawing/2010/main" w="9525">
+                <a:solidFill>
+                  <a:schemeClr val="tx1"/>
+                </a:solidFill>
+                <a:miter lim="800000"/>
+                <a:headEnd/>
+                <a:tailEnd/>
+              </a14:hiddenLine>
+            </a:ext>
+          </a:extLst>
+        </p:spPr>
+      </p:pic>
+    </p:spTree>
+    <p:extLst>
+      <p:ext uri="{BB962C8B-B14F-4D97-AF65-F5344CB8AC3E}">
+        <p14:creationId xmlns:p14="http://schemas.microsoft.com/office/powerpoint/2010/main" val="4122791089"/>
+      </p:ext>
+    </p:extLst>
+  </p:cSld>
+  <p:clrMapOvr>
+    <a:masterClrMapping/>
+  </p:clrMapOvr>
+</p:sld>
+</file>
+
+<file path=ppt/slides/slide24.xml><?xml version="1.0" encoding="utf-8"?>
+<p:sld xmlns:a="http://schemas.openxmlformats.org/drawingml/2006/main" xmlns:r="http://schemas.openxmlformats.org/officeDocument/2006/relationships" xmlns:p="http://schemas.openxmlformats.org/presentationml/2006/main">
+  <p:cSld>
+    <p:spTree>
+      <p:nvGrpSpPr>
+        <p:cNvPr id="1" name=""/>
+        <p:cNvGrpSpPr/>
+        <p:nvPr/>
+      </p:nvGrpSpPr>
+      <p:grpSpPr>
+        <a:xfrm>
+          <a:off x="0" y="0"/>
+          <a:ext cx="0" cy="0"/>
+          <a:chOff x="0" y="0"/>
+          <a:chExt cx="0" cy="0"/>
+        </a:xfrm>
+      </p:grpSpPr>
+      <p:sp>
+        <p:nvSpPr>
+          <p:cNvPr id="2" name="Titel 1"/>
+          <p:cNvSpPr>
+            <a:spLocks noGrp="1"/>
+          </p:cNvSpPr>
+          <p:nvPr>
+            <p:ph type="title"/>
+          </p:nvPr>
+        </p:nvSpPr>
+        <p:spPr/>
+        <p:txBody>
+          <a:bodyPr/>
+          <a:lstStyle/>
+          <a:p>
+            <a:r>
+              <a:rPr lang="de-DE" dirty="0" smtClean="0"/>
+              <a:t>DNCASPNETCORE </a:t>
+            </a:r>
+            <a:r>
+              <a:rPr lang="de-DE" dirty="0" err="1" smtClean="0"/>
+              <a:t>Combined</a:t>
+            </a:r>
+            <a:endParaRPr lang="de-DE" dirty="0"/>
+          </a:p>
+        </p:txBody>
+      </p:sp>
+      <p:pic>
+        <p:nvPicPr>
+          <p:cNvPr id="7170" name="Picture 2"/>
+          <p:cNvPicPr>
+            <a:picLocks noChangeAspect="1" noChangeArrowheads="1"/>
+          </p:cNvPicPr>
+          <p:nvPr/>
+        </p:nvPicPr>
+        <p:blipFill>
+          <a:blip r:embed="rId2">
+            <a:extLst>
+              <a:ext uri="{28A0092B-C50C-407E-A947-70E740481C1C}">
+                <a14:useLocalDpi xmlns:a14="http://schemas.microsoft.com/office/drawing/2010/main" val="0"/>
+              </a:ext>
+            </a:extLst>
+          </a:blip>
+          <a:srcRect/>
+          <a:stretch>
+            <a:fillRect/>
+          </a:stretch>
+        </p:blipFill>
+        <p:spPr bwMode="auto">
+          <a:xfrm>
+            <a:off x="623392" y="1196752"/>
+            <a:ext cx="6686550" cy="3362325"/>
+          </a:xfrm>
+          <a:prstGeom prst="rect">
+            <a:avLst/>
+          </a:prstGeom>
+          <a:noFill/>
+          <a:ln>
+            <a:noFill/>
+          </a:ln>
+          <a:extLst>
+            <a:ext uri="{909E8E84-426E-40DD-AFC4-6F175D3DCCD1}">
+              <a14:hiddenFill xmlns:a14="http://schemas.microsoft.com/office/drawing/2010/main">
+                <a:solidFill>
+                  <a:schemeClr val="accent1"/>
+                </a:solidFill>
+              </a14:hiddenFill>
+            </a:ext>
+            <a:ext uri="{91240B29-F687-4F45-9708-019B960494DF}">
+              <a14:hiddenLine xmlns:a14="http://schemas.microsoft.com/office/drawing/2010/main" w="9525">
+                <a:solidFill>
+                  <a:schemeClr val="tx1"/>
+                </a:solidFill>
+                <a:miter lim="800000"/>
+                <a:headEnd/>
+                <a:tailEnd/>
+              </a14:hiddenLine>
+            </a:ext>
+          </a:extLst>
+        </p:spPr>
+      </p:pic>
+    </p:spTree>
+    <p:extLst>
+      <p:ext uri="{BB962C8B-B14F-4D97-AF65-F5344CB8AC3E}">
+        <p14:creationId xmlns:p14="http://schemas.microsoft.com/office/powerpoint/2010/main" val="740474258"/>
+      </p:ext>
+    </p:extLst>
+  </p:cSld>
+  <p:clrMapOvr>
+    <a:masterClrMapping/>
+  </p:clrMapOvr>
+</p:sld>
+</file>
+
+<file path=ppt/slides/slide25.xml><?xml version="1.0" encoding="utf-8"?>
+<p:sld xmlns:a="http://schemas.openxmlformats.org/drawingml/2006/main" xmlns:r="http://schemas.openxmlformats.org/officeDocument/2006/relationships" xmlns:p="http://schemas.openxmlformats.org/presentationml/2006/main">
+  <p:cSld>
+    <p:spTree>
+      <p:nvGrpSpPr>
+        <p:cNvPr id="1" name=""/>
+        <p:cNvGrpSpPr/>
+        <p:nvPr/>
+      </p:nvGrpSpPr>
+      <p:grpSpPr>
+        <a:xfrm>
+          <a:off x="0" y="0"/>
+          <a:ext cx="0" cy="0"/>
+          <a:chOff x="0" y="0"/>
+          <a:chExt cx="0" cy="0"/>
+        </a:xfrm>
+      </p:grpSpPr>
+      <p:sp>
+        <p:nvSpPr>
+          <p:cNvPr id="2" name="Titel 1"/>
+          <p:cNvSpPr>
+            <a:spLocks noGrp="1"/>
+          </p:cNvSpPr>
+          <p:nvPr>
+            <p:ph type="title"/>
+          </p:nvPr>
+        </p:nvSpPr>
+        <p:spPr/>
+        <p:txBody>
+          <a:bodyPr/>
+          <a:lstStyle/>
+          <a:p>
+            <a:r>
+              <a:rPr lang="de-DE" dirty="0" smtClean="0"/>
+              <a:t>DNCASPNET – ohne gesetzten Cookie</a:t>
+            </a:r>
+            <a:endParaRPr lang="de-DE" dirty="0"/>
+          </a:p>
+        </p:txBody>
+      </p:sp>
+      <p:pic>
+        <p:nvPicPr>
+          <p:cNvPr id="5122" name="Picture 2"/>
+          <p:cNvPicPr>
+            <a:picLocks noChangeAspect="1" noChangeArrowheads="1"/>
+          </p:cNvPicPr>
+          <p:nvPr/>
+        </p:nvPicPr>
+        <p:blipFill>
+          <a:blip r:embed="rId2">
+            <a:extLst>
+              <a:ext uri="{28A0092B-C50C-407E-A947-70E740481C1C}">
+                <a14:useLocalDpi xmlns:a14="http://schemas.microsoft.com/office/drawing/2010/main" val="0"/>
+              </a:ext>
+            </a:extLst>
+          </a:blip>
+          <a:srcRect/>
+          <a:stretch>
+            <a:fillRect/>
+          </a:stretch>
+        </p:blipFill>
+        <p:spPr bwMode="auto">
+          <a:xfrm>
+            <a:off x="623392" y="908720"/>
+            <a:ext cx="8010525" cy="5238750"/>
+          </a:xfrm>
+          <a:prstGeom prst="rect">
+            <a:avLst/>
+          </a:prstGeom>
+          <a:noFill/>
+          <a:ln>
+            <a:noFill/>
+          </a:ln>
+          <a:extLst>
+            <a:ext uri="{909E8E84-426E-40DD-AFC4-6F175D3DCCD1}">
+              <a14:hiddenFill xmlns:a14="http://schemas.microsoft.com/office/drawing/2010/main">
+                <a:solidFill>
+                  <a:schemeClr val="accent1"/>
+                </a:solidFill>
+              </a14:hiddenFill>
+            </a:ext>
+            <a:ext uri="{91240B29-F687-4F45-9708-019B960494DF}">
+              <a14:hiddenLine xmlns:a14="http://schemas.microsoft.com/office/drawing/2010/main" w="9525">
+                <a:solidFill>
+                  <a:schemeClr val="tx1"/>
+                </a:solidFill>
+                <a:miter lim="800000"/>
+                <a:headEnd/>
+                <a:tailEnd/>
+              </a14:hiddenLine>
+            </a:ext>
+          </a:extLst>
+        </p:spPr>
+      </p:pic>
+    </p:spTree>
+    <p:extLst>
+      <p:ext uri="{BB962C8B-B14F-4D97-AF65-F5344CB8AC3E}">
+        <p14:creationId xmlns:p14="http://schemas.microsoft.com/office/powerpoint/2010/main" val="1878458544"/>
+      </p:ext>
+    </p:extLst>
+  </p:cSld>
+  <p:clrMapOvr>
+    <a:masterClrMapping/>
+  </p:clrMapOvr>
+</p:sld>
+</file>
+
+<file path=ppt/slides/slide26.xml><?xml version="1.0" encoding="utf-8"?>
+<p:sld xmlns:a="http://schemas.openxmlformats.org/drawingml/2006/main" xmlns:r="http://schemas.openxmlformats.org/officeDocument/2006/relationships" xmlns:p="http://schemas.openxmlformats.org/presentationml/2006/main">
+  <p:cSld>
+    <p:spTree>
+      <p:nvGrpSpPr>
+        <p:cNvPr id="1" name=""/>
+        <p:cNvGrpSpPr/>
+        <p:nvPr/>
+      </p:nvGrpSpPr>
+      <p:grpSpPr>
+        <a:xfrm>
+          <a:off x="0" y="0"/>
+          <a:ext cx="0" cy="0"/>
+          <a:chOff x="0" y="0"/>
+          <a:chExt cx="0" cy="0"/>
+        </a:xfrm>
+      </p:grpSpPr>
+      <p:sp>
+        <p:nvSpPr>
+          <p:cNvPr id="2" name="Titel 1"/>
+          <p:cNvSpPr>
+            <a:spLocks noGrp="1"/>
+          </p:cNvSpPr>
+          <p:nvPr>
+            <p:ph type="title"/>
+          </p:nvPr>
+        </p:nvSpPr>
+        <p:spPr/>
+        <p:txBody>
+          <a:bodyPr/>
+          <a:lstStyle/>
+          <a:p>
+            <a:r>
+              <a:rPr lang="de-DE" dirty="0" smtClean="0"/>
+              <a:t>DNCASPNET – mit gesetzten Cookie</a:t>
+            </a:r>
+            <a:endParaRPr lang="de-DE" dirty="0"/>
+          </a:p>
+        </p:txBody>
+      </p:sp>
+      <p:pic>
+        <p:nvPicPr>
+          <p:cNvPr id="8194" name="Picture 2"/>
+          <p:cNvPicPr>
+            <a:picLocks noChangeAspect="1" noChangeArrowheads="1"/>
+          </p:cNvPicPr>
+          <p:nvPr/>
+        </p:nvPicPr>
+        <p:blipFill>
+          <a:blip r:embed="rId2">
+            <a:extLst>
+              <a:ext uri="{28A0092B-C50C-407E-A947-70E740481C1C}">
+                <a14:useLocalDpi xmlns:a14="http://schemas.microsoft.com/office/drawing/2010/main" val="0"/>
+              </a:ext>
+            </a:extLst>
+          </a:blip>
+          <a:srcRect/>
+          <a:stretch>
+            <a:fillRect/>
+          </a:stretch>
+        </p:blipFill>
+        <p:spPr bwMode="auto">
+          <a:xfrm>
+            <a:off x="623392" y="1196752"/>
+            <a:ext cx="6696075" cy="1381125"/>
+          </a:xfrm>
+          <a:prstGeom prst="rect">
+            <a:avLst/>
+          </a:prstGeom>
+          <a:noFill/>
+          <a:ln>
+            <a:noFill/>
+          </a:ln>
+          <a:extLst>
+            <a:ext uri="{909E8E84-426E-40DD-AFC4-6F175D3DCCD1}">
+              <a14:hiddenFill xmlns:a14="http://schemas.microsoft.com/office/drawing/2010/main">
+                <a:solidFill>
+                  <a:schemeClr val="accent1"/>
+                </a:solidFill>
+              </a14:hiddenFill>
+            </a:ext>
+            <a:ext uri="{91240B29-F687-4F45-9708-019B960494DF}">
+              <a14:hiddenLine xmlns:a14="http://schemas.microsoft.com/office/drawing/2010/main" w="9525">
+                <a:solidFill>
+                  <a:schemeClr val="tx1"/>
+                </a:solidFill>
+                <a:miter lim="800000"/>
+                <a:headEnd/>
+                <a:tailEnd/>
+              </a14:hiddenLine>
+            </a:ext>
+          </a:extLst>
+        </p:spPr>
+      </p:pic>
+    </p:spTree>
+    <p:extLst>
+      <p:ext uri="{BB962C8B-B14F-4D97-AF65-F5344CB8AC3E}">
+        <p14:creationId xmlns:p14="http://schemas.microsoft.com/office/powerpoint/2010/main" val="2239357805"/>
+      </p:ext>
+    </p:extLst>
+  </p:cSld>
+  <p:clrMapOvr>
+    <a:masterClrMapping/>
+  </p:clrMapOvr>
 </p:sld>
 </file>
 
@@ -9964,11 +11277,7 @@
           <a:p>
             <a:r>
               <a:rPr lang="de-DE" dirty="0" smtClean="0"/>
-              <a:t>Cookie </a:t>
-            </a:r>
-            <a:r>
-              <a:rPr lang="de-DE" dirty="0" smtClean="0"/>
-              <a:t>Namen</a:t>
+              <a:t>Cookie Namen</a:t>
             </a:r>
             <a:endParaRPr lang="de-DE" dirty="0"/>
           </a:p>
@@ -10950,7 +12259,7 @@
   <a:extraClrSchemeLst/>
   <a:extLst>
     <a:ext uri="{05A4C25C-085E-4340-85A3-A5531E510DB2}">
-      <thm15:themeFamily xmlns:thm15="http://schemas.microsoft.com/office/thememl/2012/main" xmlns="" name="Presentation1" id="{ACB66927-DC72-4B77-9EEE-0493DF6A2016}" vid="{B5BAAF34-A7A6-4863-B92B-F29C519B01CB}"/>
+      <thm15:themeFamily xmlns="" xmlns:thm15="http://schemas.microsoft.com/office/thememl/2012/main" name="Presentation1" id="{ACB66927-DC72-4B77-9EEE-0493DF6A2016}" vid="{B5BAAF34-A7A6-4863-B92B-F29C519B01CB}"/>
     </a:ext>
   </a:extLst>
 </a:theme>
